--- a/Prezi.pptx
+++ b/Prezi.pptx
@@ -2,7 +2,7 @@
 <file path=ppt/presentation.xml><?xml version="1.0" encoding="utf-8"?>
 <p:presentation xmlns:a="http://schemas.openxmlformats.org/drawingml/2006/main" xmlns:r="http://schemas.openxmlformats.org/officeDocument/2006/relationships" xmlns:p="http://schemas.openxmlformats.org/presentationml/2006/main" saveSubsetFonts="1">
   <p:sldMasterIdLst>
-    <p:sldMasterId id="2147483672" r:id="rId1"/>
+    <p:sldMasterId id="2147483684" r:id="rId1"/>
   </p:sldMasterIdLst>
   <p:sldIdLst>
     <p:sldId id="256" r:id="rId2"/>
@@ -108,6 +108,11 @@
       </a:defRPr>
     </a:lvl9pPr>
   </p:defaultTextStyle>
+  <p:extLst>
+    <p:ext uri="{EFAFB233-063F-42B5-8137-9DF3F51BA10A}">
+      <p15:sldGuideLst xmlns:p15="http://schemas.microsoft.com/office/powerpoint/2012/main"/>
+    </p:ext>
+  </p:extLst>
 </p:presentation>
 </file>
 
@@ -128,6 +133,36 @@
           <a:chExt cx="0" cy="0"/>
         </a:xfrm>
       </p:grpSpPr>
+      <p:pic>
+        <p:nvPicPr>
+          <p:cNvPr id="7" name="Picture 6" descr="C0-HD-BTM.png"/>
+          <p:cNvPicPr>
+            <a:picLocks noChangeAspect="1"/>
+          </p:cNvPicPr>
+          <p:nvPr/>
+        </p:nvPicPr>
+        <p:blipFill>
+          <a:blip r:embed="rId2">
+            <a:extLst>
+              <a:ext uri="{28A0092B-C50C-407E-A947-70E740481C1C}">
+                <a14:useLocalDpi xmlns:a14="http://schemas.microsoft.com/office/drawing/2010/main" val="0"/>
+              </a:ext>
+            </a:extLst>
+          </a:blip>
+          <a:stretch>
+            <a:fillRect/>
+          </a:stretch>
+        </p:blipFill>
+        <p:spPr>
+          <a:xfrm>
+            <a:off x="0" y="4375150"/>
+            <a:ext cx="12192000" cy="2482850"/>
+          </a:xfrm>
+          <a:prstGeom prst="rect">
+            <a:avLst/>
+          </a:prstGeom>
+        </p:spPr>
+      </p:pic>
       <p:sp>
         <p:nvSpPr>
           <p:cNvPr id="2" name="Title 1"/>
@@ -140,17 +175,17 @@
         </p:nvSpPr>
         <p:spPr>
           <a:xfrm>
-            <a:off x="2417779" y="802298"/>
-            <a:ext cx="8637073" cy="2541431"/>
-          </a:xfrm>
-        </p:spPr>
-        <p:txBody>
-          <a:bodyPr bIns="0" anchor="b">
+            <a:off x="1371600" y="1803405"/>
+            <a:ext cx="9448800" cy="1825096"/>
+          </a:xfrm>
+        </p:spPr>
+        <p:txBody>
+          <a:bodyPr anchor="b">
             <a:normAutofit/>
           </a:bodyPr>
           <a:lstStyle>
             <a:lvl1pPr algn="l">
-              <a:defRPr sz="6600"/>
+              <a:defRPr sz="6000"/>
             </a:lvl1pPr>
           </a:lstStyle>
           <a:p>
@@ -174,26 +209,22 @@
         </p:nvSpPr>
         <p:spPr>
           <a:xfrm>
-            <a:off x="2417780" y="3531204"/>
-            <a:ext cx="8637072" cy="977621"/>
-          </a:xfrm>
-        </p:spPr>
-        <p:txBody>
-          <a:bodyPr tIns="91440" bIns="91440">
+            <a:off x="1371600" y="3632201"/>
+            <a:ext cx="9448800" cy="685800"/>
+          </a:xfrm>
+        </p:spPr>
+        <p:txBody>
+          <a:bodyPr>
             <a:normAutofit/>
           </a:bodyPr>
           <a:lstStyle>
             <a:lvl1pPr marL="0" indent="0" algn="l">
               <a:buNone/>
-              <a:defRPr sz="1800" b="0" cap="all" baseline="0">
-                <a:solidFill>
-                  <a:schemeClr val="tx1"/>
-                </a:solidFill>
-              </a:defRPr>
+              <a:defRPr sz="2000"/>
             </a:lvl1pPr>
             <a:lvl2pPr marL="457200" indent="0" algn="ctr">
               <a:buNone/>
-              <a:defRPr sz="1800"/>
+              <a:defRPr sz="2000"/>
             </a:lvl2pPr>
             <a:lvl3pPr marL="914400" indent="0" algn="ctr">
               <a:buNone/>
@@ -243,14 +274,19 @@
             <p:ph type="dt" sz="half" idx="10"/>
           </p:nvPr>
         </p:nvSpPr>
-        <p:spPr/>
+        <p:spPr>
+          <a:xfrm>
+            <a:off x="7909561" y="4314328"/>
+            <a:ext cx="2910840" cy="374642"/>
+          </a:xfrm>
+        </p:spPr>
         <p:txBody>
           <a:bodyPr/>
           <a:lstStyle/>
           <a:p>
             <a:fld id="{DDC88B96-5AA7-4CB3-87A1-08842D85DC16}" type="datetimeFigureOut">
               <a:rPr lang="hu-HU" smtClean="0"/>
-              <a:t>2023. 11. 23.</a:t>
+              <a:t>2023. 11. 25.</a:t>
             </a:fld>
             <a:endParaRPr lang="hu-HU"/>
           </a:p>
@@ -268,8 +304,8 @@
         </p:nvSpPr>
         <p:spPr>
           <a:xfrm>
-            <a:off x="2416500" y="329307"/>
-            <a:ext cx="4973915" cy="309201"/>
+            <a:off x="1371600" y="4323845"/>
+            <a:ext cx="6400800" cy="365125"/>
           </a:xfrm>
         </p:spPr>
         <p:txBody>
@@ -292,8 +328,8 @@
         </p:nvSpPr>
         <p:spPr>
           <a:xfrm>
-            <a:off x="1437664" y="798973"/>
-            <a:ext cx="811019" cy="503578"/>
+            <a:off x="8077200" y="1430866"/>
+            <a:ext cx="2743200" cy="365125"/>
           </a:xfrm>
         </p:spPr>
         <p:txBody>
@@ -308,41 +344,10 @@
           </a:p>
         </p:txBody>
       </p:sp>
-      <p:cxnSp>
-        <p:nvCxnSpPr>
-          <p:cNvPr id="15" name="Straight Connector 14"/>
-          <p:cNvCxnSpPr/>
-          <p:nvPr/>
-        </p:nvCxnSpPr>
-        <p:spPr>
-          <a:xfrm>
-            <a:off x="2417780" y="3528542"/>
-            <a:ext cx="8637072" cy="0"/>
-          </a:xfrm>
-          <a:prstGeom prst="line">
-            <a:avLst/>
-          </a:prstGeom>
-          <a:ln w="31750"/>
-        </p:spPr>
-        <p:style>
-          <a:lnRef idx="3">
-            <a:schemeClr val="accent1"/>
-          </a:lnRef>
-          <a:fillRef idx="0">
-            <a:schemeClr val="accent1"/>
-          </a:fillRef>
-          <a:effectRef idx="2">
-            <a:schemeClr val="accent1"/>
-          </a:effectRef>
-          <a:fontRef idx="minor">
-            <a:schemeClr val="tx1"/>
-          </a:fontRef>
-        </p:style>
-      </p:cxnSp>
     </p:spTree>
     <p:extLst>
       <p:ext uri="{BB962C8B-B14F-4D97-AF65-F5344CB8AC3E}">
-        <p14:creationId xmlns:p14="http://schemas.microsoft.com/office/powerpoint/2010/main" val="997218042"/>
+        <p14:creationId xmlns:p14="http://schemas.microsoft.com/office/powerpoint/2010/main" val="200033986"/>
       </p:ext>
     </p:extLst>
   </p:cSld>
@@ -353,6 +358,2598 @@
 </file>
 
 <file path=ppt/slideLayouts/slideLayout10.xml><?xml version="1.0" encoding="utf-8"?>
+<p:sldLayout xmlns:a="http://schemas.openxmlformats.org/drawingml/2006/main" xmlns:r="http://schemas.openxmlformats.org/officeDocument/2006/relationships" xmlns:p="http://schemas.openxmlformats.org/presentationml/2006/main" preserve="1">
+  <p:cSld name="Panorámakép képaláírással">
+    <p:spTree>
+      <p:nvGrpSpPr>
+        <p:cNvPr id="1" name=""/>
+        <p:cNvGrpSpPr/>
+        <p:nvPr/>
+      </p:nvGrpSpPr>
+      <p:grpSpPr>
+        <a:xfrm>
+          <a:off x="0" y="0"/>
+          <a:ext cx="0" cy="0"/>
+          <a:chOff x="0" y="0"/>
+          <a:chExt cx="0" cy="0"/>
+        </a:xfrm>
+      </p:grpSpPr>
+      <p:sp>
+        <p:nvSpPr>
+          <p:cNvPr id="2" name="Title 1"/>
+          <p:cNvSpPr>
+            <a:spLocks noGrp="1"/>
+          </p:cNvSpPr>
+          <p:nvPr>
+            <p:ph type="title"/>
+          </p:nvPr>
+        </p:nvSpPr>
+        <p:spPr>
+          <a:xfrm>
+            <a:off x="685777" y="4697360"/>
+            <a:ext cx="10822034" cy="819355"/>
+          </a:xfrm>
+        </p:spPr>
+        <p:txBody>
+          <a:bodyPr anchor="b"/>
+          <a:lstStyle>
+            <a:lvl1pPr algn="l">
+              <a:defRPr sz="3200"/>
+            </a:lvl1pPr>
+          </a:lstStyle>
+          <a:p>
+            <a:r>
+              <a:rPr lang="hu-HU"/>
+              <a:t>Mintacím szerkesztése</a:t>
+            </a:r>
+            <a:endParaRPr lang="en-US" dirty="0"/>
+          </a:p>
+        </p:txBody>
+      </p:sp>
+      <p:sp>
+        <p:nvSpPr>
+          <p:cNvPr id="3" name="Picture Placeholder 2"/>
+          <p:cNvSpPr>
+            <a:spLocks noGrp="1" noChangeAspect="1"/>
+          </p:cNvSpPr>
+          <p:nvPr>
+            <p:ph type="pic" idx="1"/>
+          </p:nvPr>
+        </p:nvSpPr>
+        <p:spPr>
+          <a:xfrm>
+            <a:off x="681727" y="941439"/>
+            <a:ext cx="10821840" cy="3478161"/>
+          </a:xfrm>
+        </p:spPr>
+        <p:txBody>
+          <a:bodyPr anchor="t"/>
+          <a:lstStyle>
+            <a:lvl1pPr marL="0" indent="0">
+              <a:buNone/>
+              <a:defRPr sz="3200"/>
+            </a:lvl1pPr>
+            <a:lvl2pPr marL="457200" indent="0">
+              <a:buNone/>
+              <a:defRPr sz="2800"/>
+            </a:lvl2pPr>
+            <a:lvl3pPr marL="914400" indent="0">
+              <a:buNone/>
+              <a:defRPr sz="2400"/>
+            </a:lvl3pPr>
+            <a:lvl4pPr marL="1371600" indent="0">
+              <a:buNone/>
+              <a:defRPr sz="2000"/>
+            </a:lvl4pPr>
+            <a:lvl5pPr marL="1828800" indent="0">
+              <a:buNone/>
+              <a:defRPr sz="2000"/>
+            </a:lvl5pPr>
+            <a:lvl6pPr marL="2286000" indent="0">
+              <a:buNone/>
+              <a:defRPr sz="2000"/>
+            </a:lvl6pPr>
+            <a:lvl7pPr marL="2743200" indent="0">
+              <a:buNone/>
+              <a:defRPr sz="2000"/>
+            </a:lvl7pPr>
+            <a:lvl8pPr marL="3200400" indent="0">
+              <a:buNone/>
+              <a:defRPr sz="2000"/>
+            </a:lvl8pPr>
+            <a:lvl9pPr marL="3657600" indent="0">
+              <a:buNone/>
+              <a:defRPr sz="2000"/>
+            </a:lvl9pPr>
+          </a:lstStyle>
+          <a:p>
+            <a:r>
+              <a:rPr lang="hu-HU"/>
+              <a:t>Kép beszúrásához kattintson az ikonra</a:t>
+            </a:r>
+            <a:endParaRPr lang="en-US" dirty="0"/>
+          </a:p>
+        </p:txBody>
+      </p:sp>
+      <p:sp>
+        <p:nvSpPr>
+          <p:cNvPr id="4" name="Text Placeholder 3"/>
+          <p:cNvSpPr>
+            <a:spLocks noGrp="1"/>
+          </p:cNvSpPr>
+          <p:nvPr>
+            <p:ph type="body" sz="half" idx="2"/>
+          </p:nvPr>
+        </p:nvSpPr>
+        <p:spPr>
+          <a:xfrm>
+            <a:off x="685800" y="5516715"/>
+            <a:ext cx="10820400" cy="701969"/>
+          </a:xfrm>
+        </p:spPr>
+        <p:txBody>
+          <a:bodyPr/>
+          <a:lstStyle>
+            <a:lvl1pPr marL="0" indent="0" algn="l">
+              <a:buNone/>
+              <a:defRPr sz="1600"/>
+            </a:lvl1pPr>
+            <a:lvl2pPr marL="457200" indent="0">
+              <a:buNone/>
+              <a:defRPr sz="1400"/>
+            </a:lvl2pPr>
+            <a:lvl3pPr marL="914400" indent="0">
+              <a:buNone/>
+              <a:defRPr sz="1200"/>
+            </a:lvl3pPr>
+            <a:lvl4pPr marL="1371600" indent="0">
+              <a:buNone/>
+              <a:defRPr sz="1000"/>
+            </a:lvl4pPr>
+            <a:lvl5pPr marL="1828800" indent="0">
+              <a:buNone/>
+              <a:defRPr sz="1000"/>
+            </a:lvl5pPr>
+            <a:lvl6pPr marL="2286000" indent="0">
+              <a:buNone/>
+              <a:defRPr sz="1000"/>
+            </a:lvl6pPr>
+            <a:lvl7pPr marL="2743200" indent="0">
+              <a:buNone/>
+              <a:defRPr sz="1000"/>
+            </a:lvl7pPr>
+            <a:lvl8pPr marL="3200400" indent="0">
+              <a:buNone/>
+              <a:defRPr sz="1000"/>
+            </a:lvl8pPr>
+            <a:lvl9pPr marL="3657600" indent="0">
+              <a:buNone/>
+              <a:defRPr sz="1000"/>
+            </a:lvl9pPr>
+          </a:lstStyle>
+          <a:p>
+            <a:pPr lvl="0"/>
+            <a:r>
+              <a:rPr lang="hu-HU"/>
+              <a:t>Mintaszöveg szerkesztése</a:t>
+            </a:r>
+          </a:p>
+        </p:txBody>
+      </p:sp>
+      <p:sp>
+        <p:nvSpPr>
+          <p:cNvPr id="5" name="Date Placeholder 4"/>
+          <p:cNvSpPr>
+            <a:spLocks noGrp="1"/>
+          </p:cNvSpPr>
+          <p:nvPr>
+            <p:ph type="dt" sz="half" idx="10"/>
+          </p:nvPr>
+        </p:nvSpPr>
+        <p:spPr/>
+        <p:txBody>
+          <a:bodyPr/>
+          <a:lstStyle/>
+          <a:p>
+            <a:fld id="{DDC88B96-5AA7-4CB3-87A1-08842D85DC16}" type="datetimeFigureOut">
+              <a:rPr lang="hu-HU" smtClean="0"/>
+              <a:t>2023. 11. 25.</a:t>
+            </a:fld>
+            <a:endParaRPr lang="hu-HU"/>
+          </a:p>
+        </p:txBody>
+      </p:sp>
+      <p:sp>
+        <p:nvSpPr>
+          <p:cNvPr id="6" name="Footer Placeholder 5"/>
+          <p:cNvSpPr>
+            <a:spLocks noGrp="1"/>
+          </p:cNvSpPr>
+          <p:nvPr>
+            <p:ph type="ftr" sz="quarter" idx="11"/>
+          </p:nvPr>
+        </p:nvSpPr>
+        <p:spPr/>
+        <p:txBody>
+          <a:bodyPr/>
+          <a:lstStyle/>
+          <a:p>
+            <a:endParaRPr lang="hu-HU"/>
+          </a:p>
+        </p:txBody>
+      </p:sp>
+      <p:sp>
+        <p:nvSpPr>
+          <p:cNvPr id="7" name="Slide Number Placeholder 6"/>
+          <p:cNvSpPr>
+            <a:spLocks noGrp="1"/>
+          </p:cNvSpPr>
+          <p:nvPr>
+            <p:ph type="sldNum" sz="quarter" idx="12"/>
+          </p:nvPr>
+        </p:nvSpPr>
+        <p:spPr/>
+        <p:txBody>
+          <a:bodyPr/>
+          <a:lstStyle/>
+          <a:p>
+            <a:fld id="{745CAA96-E225-4EA9-8501-5652B0F2418C}" type="slidenum">
+              <a:rPr lang="hu-HU" smtClean="0"/>
+              <a:t>‹#›</a:t>
+            </a:fld>
+            <a:endParaRPr lang="hu-HU"/>
+          </a:p>
+        </p:txBody>
+      </p:sp>
+    </p:spTree>
+    <p:extLst>
+      <p:ext uri="{BB962C8B-B14F-4D97-AF65-F5344CB8AC3E}">
+        <p14:creationId xmlns:p14="http://schemas.microsoft.com/office/powerpoint/2010/main" val="4150767313"/>
+      </p:ext>
+    </p:extLst>
+  </p:cSld>
+  <p:clrMapOvr>
+    <a:masterClrMapping/>
+  </p:clrMapOvr>
+</p:sldLayout>
+</file>
+
+<file path=ppt/slideLayouts/slideLayout11.xml><?xml version="1.0" encoding="utf-8"?>
+<p:sldLayout xmlns:a="http://schemas.openxmlformats.org/drawingml/2006/main" xmlns:r="http://schemas.openxmlformats.org/officeDocument/2006/relationships" xmlns:p="http://schemas.openxmlformats.org/presentationml/2006/main" showMasterSp="0" preserve="1">
+  <p:cSld name="Cím és képaláírás">
+    <p:spTree>
+      <p:nvGrpSpPr>
+        <p:cNvPr id="1" name=""/>
+        <p:cNvGrpSpPr/>
+        <p:nvPr/>
+      </p:nvGrpSpPr>
+      <p:grpSpPr>
+        <a:xfrm>
+          <a:off x="0" y="0"/>
+          <a:ext cx="0" cy="0"/>
+          <a:chOff x="0" y="0"/>
+          <a:chExt cx="0" cy="0"/>
+        </a:xfrm>
+      </p:grpSpPr>
+      <p:pic>
+        <p:nvPicPr>
+          <p:cNvPr id="8" name="Picture 7" descr="C0-HD-BTM.png"/>
+          <p:cNvPicPr>
+            <a:picLocks noChangeAspect="1"/>
+          </p:cNvPicPr>
+          <p:nvPr/>
+        </p:nvPicPr>
+        <p:blipFill>
+          <a:blip r:embed="rId2">
+            <a:extLst>
+              <a:ext uri="{28A0092B-C50C-407E-A947-70E740481C1C}">
+                <a14:useLocalDpi xmlns:a14="http://schemas.microsoft.com/office/drawing/2010/main" val="0"/>
+              </a:ext>
+            </a:extLst>
+          </a:blip>
+          <a:stretch>
+            <a:fillRect/>
+          </a:stretch>
+        </p:blipFill>
+        <p:spPr>
+          <a:xfrm>
+            <a:off x="0" y="4375150"/>
+            <a:ext cx="12192000" cy="2482850"/>
+          </a:xfrm>
+          <a:prstGeom prst="rect">
+            <a:avLst/>
+          </a:prstGeom>
+        </p:spPr>
+      </p:pic>
+      <p:sp>
+        <p:nvSpPr>
+          <p:cNvPr id="2" name="Title 1"/>
+          <p:cNvSpPr>
+            <a:spLocks noGrp="1"/>
+          </p:cNvSpPr>
+          <p:nvPr>
+            <p:ph type="title"/>
+          </p:nvPr>
+        </p:nvSpPr>
+        <p:spPr>
+          <a:xfrm>
+            <a:off x="685800" y="753532"/>
+            <a:ext cx="10820400" cy="2802467"/>
+          </a:xfrm>
+        </p:spPr>
+        <p:txBody>
+          <a:bodyPr anchor="ctr"/>
+          <a:lstStyle>
+            <a:lvl1pPr algn="l">
+              <a:defRPr sz="3200"/>
+            </a:lvl1pPr>
+          </a:lstStyle>
+          <a:p>
+            <a:r>
+              <a:rPr lang="hu-HU"/>
+              <a:t>Mintacím szerkesztése</a:t>
+            </a:r>
+            <a:endParaRPr lang="en-US" dirty="0"/>
+          </a:p>
+        </p:txBody>
+      </p:sp>
+      <p:sp>
+        <p:nvSpPr>
+          <p:cNvPr id="4" name="Text Placeholder 3"/>
+          <p:cNvSpPr>
+            <a:spLocks noGrp="1"/>
+          </p:cNvSpPr>
+          <p:nvPr>
+            <p:ph type="body" sz="half" idx="2"/>
+          </p:nvPr>
+        </p:nvSpPr>
+        <p:spPr>
+          <a:xfrm>
+            <a:off x="1024467" y="3649133"/>
+            <a:ext cx="10130516" cy="999067"/>
+          </a:xfrm>
+        </p:spPr>
+        <p:txBody>
+          <a:bodyPr anchor="ctr"/>
+          <a:lstStyle>
+            <a:lvl1pPr marL="0" indent="0">
+              <a:buNone/>
+              <a:defRPr sz="1600"/>
+            </a:lvl1pPr>
+            <a:lvl2pPr marL="457200" indent="0">
+              <a:buNone/>
+              <a:defRPr sz="1400"/>
+            </a:lvl2pPr>
+            <a:lvl3pPr marL="914400" indent="0">
+              <a:buNone/>
+              <a:defRPr sz="1200"/>
+            </a:lvl3pPr>
+            <a:lvl4pPr marL="1371600" indent="0">
+              <a:buNone/>
+              <a:defRPr sz="1000"/>
+            </a:lvl4pPr>
+            <a:lvl5pPr marL="1828800" indent="0">
+              <a:buNone/>
+              <a:defRPr sz="1000"/>
+            </a:lvl5pPr>
+            <a:lvl6pPr marL="2286000" indent="0">
+              <a:buNone/>
+              <a:defRPr sz="1000"/>
+            </a:lvl6pPr>
+            <a:lvl7pPr marL="2743200" indent="0">
+              <a:buNone/>
+              <a:defRPr sz="1000"/>
+            </a:lvl7pPr>
+            <a:lvl8pPr marL="3200400" indent="0">
+              <a:buNone/>
+              <a:defRPr sz="1000"/>
+            </a:lvl8pPr>
+            <a:lvl9pPr marL="3657600" indent="0">
+              <a:buNone/>
+              <a:defRPr sz="1000"/>
+            </a:lvl9pPr>
+          </a:lstStyle>
+          <a:p>
+            <a:pPr lvl="0"/>
+            <a:r>
+              <a:rPr lang="hu-HU"/>
+              <a:t>Mintaszöveg szerkesztése</a:t>
+            </a:r>
+          </a:p>
+        </p:txBody>
+      </p:sp>
+      <p:sp>
+        <p:nvSpPr>
+          <p:cNvPr id="5" name="Date Placeholder 4"/>
+          <p:cNvSpPr>
+            <a:spLocks noGrp="1"/>
+          </p:cNvSpPr>
+          <p:nvPr>
+            <p:ph type="dt" sz="half" idx="10"/>
+          </p:nvPr>
+        </p:nvSpPr>
+        <p:spPr>
+          <a:xfrm>
+            <a:off x="7814452" y="381000"/>
+            <a:ext cx="2910840" cy="365125"/>
+          </a:xfrm>
+        </p:spPr>
+        <p:txBody>
+          <a:bodyPr/>
+          <a:lstStyle>
+            <a:lvl1pPr algn="r">
+              <a:defRPr/>
+            </a:lvl1pPr>
+          </a:lstStyle>
+          <a:p>
+            <a:fld id="{DDC88B96-5AA7-4CB3-87A1-08842D85DC16}" type="datetimeFigureOut">
+              <a:rPr lang="hu-HU" smtClean="0"/>
+              <a:t>2023. 11. 25.</a:t>
+            </a:fld>
+            <a:endParaRPr lang="hu-HU"/>
+          </a:p>
+        </p:txBody>
+      </p:sp>
+      <p:sp>
+        <p:nvSpPr>
+          <p:cNvPr id="6" name="Footer Placeholder 5"/>
+          <p:cNvSpPr>
+            <a:spLocks noGrp="1"/>
+          </p:cNvSpPr>
+          <p:nvPr>
+            <p:ph type="ftr" sz="quarter" idx="11"/>
+          </p:nvPr>
+        </p:nvSpPr>
+        <p:spPr>
+          <a:xfrm>
+            <a:off x="685800" y="379941"/>
+            <a:ext cx="6991492" cy="365125"/>
+          </a:xfrm>
+        </p:spPr>
+        <p:txBody>
+          <a:bodyPr/>
+          <a:lstStyle/>
+          <a:p>
+            <a:endParaRPr lang="hu-HU"/>
+          </a:p>
+        </p:txBody>
+      </p:sp>
+      <p:sp>
+        <p:nvSpPr>
+          <p:cNvPr id="7" name="Slide Number Placeholder 6"/>
+          <p:cNvSpPr>
+            <a:spLocks noGrp="1"/>
+          </p:cNvSpPr>
+          <p:nvPr>
+            <p:ph type="sldNum" sz="quarter" idx="12"/>
+          </p:nvPr>
+        </p:nvSpPr>
+        <p:spPr>
+          <a:xfrm>
+            <a:off x="10862452" y="381000"/>
+            <a:ext cx="643748" cy="365125"/>
+          </a:xfrm>
+        </p:spPr>
+        <p:txBody>
+          <a:bodyPr/>
+          <a:lstStyle/>
+          <a:p>
+            <a:fld id="{745CAA96-E225-4EA9-8501-5652B0F2418C}" type="slidenum">
+              <a:rPr lang="hu-HU" smtClean="0"/>
+              <a:t>‹#›</a:t>
+            </a:fld>
+            <a:endParaRPr lang="hu-HU"/>
+          </a:p>
+        </p:txBody>
+      </p:sp>
+    </p:spTree>
+    <p:extLst>
+      <p:ext uri="{BB962C8B-B14F-4D97-AF65-F5344CB8AC3E}">
+        <p14:creationId xmlns:p14="http://schemas.microsoft.com/office/powerpoint/2010/main" val="3414746120"/>
+      </p:ext>
+    </p:extLst>
+  </p:cSld>
+  <p:clrMapOvr>
+    <a:masterClrMapping/>
+  </p:clrMapOvr>
+</p:sldLayout>
+</file>
+
+<file path=ppt/slideLayouts/slideLayout12.xml><?xml version="1.0" encoding="utf-8"?>
+<p:sldLayout xmlns:a="http://schemas.openxmlformats.org/drawingml/2006/main" xmlns:r="http://schemas.openxmlformats.org/officeDocument/2006/relationships" xmlns:p="http://schemas.openxmlformats.org/presentationml/2006/main" showMasterSp="0" preserve="1">
+  <p:cSld name="Idézet képaláírással">
+    <p:spTree>
+      <p:nvGrpSpPr>
+        <p:cNvPr id="1" name=""/>
+        <p:cNvGrpSpPr/>
+        <p:nvPr/>
+      </p:nvGrpSpPr>
+      <p:grpSpPr>
+        <a:xfrm>
+          <a:off x="0" y="0"/>
+          <a:ext cx="0" cy="0"/>
+          <a:chOff x="0" y="0"/>
+          <a:chExt cx="0" cy="0"/>
+        </a:xfrm>
+      </p:grpSpPr>
+      <p:pic>
+        <p:nvPicPr>
+          <p:cNvPr id="13" name="Picture 12" descr="C0-HD-BTM.png"/>
+          <p:cNvPicPr>
+            <a:picLocks noChangeAspect="1"/>
+          </p:cNvPicPr>
+          <p:nvPr/>
+        </p:nvPicPr>
+        <p:blipFill>
+          <a:blip r:embed="rId2">
+            <a:extLst>
+              <a:ext uri="{28A0092B-C50C-407E-A947-70E740481C1C}">
+                <a14:useLocalDpi xmlns:a14="http://schemas.microsoft.com/office/drawing/2010/main" val="0"/>
+              </a:ext>
+            </a:extLst>
+          </a:blip>
+          <a:stretch>
+            <a:fillRect/>
+          </a:stretch>
+        </p:blipFill>
+        <p:spPr>
+          <a:xfrm>
+            <a:off x="0" y="4375150"/>
+            <a:ext cx="12192000" cy="2482850"/>
+          </a:xfrm>
+          <a:prstGeom prst="rect">
+            <a:avLst/>
+          </a:prstGeom>
+        </p:spPr>
+      </p:pic>
+      <p:sp>
+        <p:nvSpPr>
+          <p:cNvPr id="2" name="Title 1"/>
+          <p:cNvSpPr>
+            <a:spLocks noGrp="1"/>
+          </p:cNvSpPr>
+          <p:nvPr>
+            <p:ph type="title"/>
+          </p:nvPr>
+        </p:nvSpPr>
+        <p:spPr>
+          <a:xfrm>
+            <a:off x="1024467" y="753533"/>
+            <a:ext cx="10151533" cy="2604495"/>
+          </a:xfrm>
+        </p:spPr>
+        <p:txBody>
+          <a:bodyPr anchor="ctr"/>
+          <a:lstStyle>
+            <a:lvl1pPr algn="l">
+              <a:defRPr sz="3200"/>
+            </a:lvl1pPr>
+          </a:lstStyle>
+          <a:p>
+            <a:r>
+              <a:rPr lang="hu-HU"/>
+              <a:t>Mintacím szerkesztése</a:t>
+            </a:r>
+            <a:endParaRPr lang="en-US" dirty="0"/>
+          </a:p>
+        </p:txBody>
+      </p:sp>
+      <p:sp>
+        <p:nvSpPr>
+          <p:cNvPr id="12" name="Text Placeholder 3"/>
+          <p:cNvSpPr>
+            <a:spLocks noGrp="1"/>
+          </p:cNvSpPr>
+          <p:nvPr>
+            <p:ph type="body" sz="half" idx="13"/>
+          </p:nvPr>
+        </p:nvSpPr>
+        <p:spPr>
+          <a:xfrm>
+            <a:off x="1303865" y="3365556"/>
+            <a:ext cx="9592736" cy="444443"/>
+          </a:xfrm>
+        </p:spPr>
+        <p:txBody>
+          <a:bodyPr anchor="t">
+            <a:normAutofit/>
+          </a:bodyPr>
+          <a:lstStyle>
+            <a:lvl1pPr marL="0" indent="0">
+              <a:buNone/>
+              <a:defRPr sz="1400"/>
+            </a:lvl1pPr>
+            <a:lvl2pPr marL="457200" indent="0">
+              <a:buNone/>
+              <a:defRPr sz="1400"/>
+            </a:lvl2pPr>
+            <a:lvl3pPr marL="914400" indent="0">
+              <a:buNone/>
+              <a:defRPr sz="1200"/>
+            </a:lvl3pPr>
+            <a:lvl4pPr marL="1371600" indent="0">
+              <a:buNone/>
+              <a:defRPr sz="1000"/>
+            </a:lvl4pPr>
+            <a:lvl5pPr marL="1828800" indent="0">
+              <a:buNone/>
+              <a:defRPr sz="1000"/>
+            </a:lvl5pPr>
+            <a:lvl6pPr marL="2286000" indent="0">
+              <a:buNone/>
+              <a:defRPr sz="1000"/>
+            </a:lvl6pPr>
+            <a:lvl7pPr marL="2743200" indent="0">
+              <a:buNone/>
+              <a:defRPr sz="1000"/>
+            </a:lvl7pPr>
+            <a:lvl8pPr marL="3200400" indent="0">
+              <a:buNone/>
+              <a:defRPr sz="1000"/>
+            </a:lvl8pPr>
+            <a:lvl9pPr marL="3657600" indent="0">
+              <a:buNone/>
+              <a:defRPr sz="1000"/>
+            </a:lvl9pPr>
+          </a:lstStyle>
+          <a:p>
+            <a:pPr lvl="0"/>
+            <a:r>
+              <a:rPr lang="hu-HU"/>
+              <a:t>Mintaszöveg szerkesztése</a:t>
+            </a:r>
+          </a:p>
+        </p:txBody>
+      </p:sp>
+      <p:sp>
+        <p:nvSpPr>
+          <p:cNvPr id="4" name="Text Placeholder 3"/>
+          <p:cNvSpPr>
+            <a:spLocks noGrp="1"/>
+          </p:cNvSpPr>
+          <p:nvPr>
+            <p:ph type="body" sz="half" idx="2"/>
+          </p:nvPr>
+        </p:nvSpPr>
+        <p:spPr>
+          <a:xfrm>
+            <a:off x="1024467" y="3959862"/>
+            <a:ext cx="10151533" cy="679871"/>
+          </a:xfrm>
+        </p:spPr>
+        <p:txBody>
+          <a:bodyPr anchor="ctr">
+            <a:normAutofit/>
+          </a:bodyPr>
+          <a:lstStyle>
+            <a:lvl1pPr marL="0" indent="0">
+              <a:buNone/>
+              <a:defRPr sz="1600"/>
+            </a:lvl1pPr>
+            <a:lvl2pPr marL="457200" indent="0">
+              <a:buNone/>
+              <a:defRPr sz="1400"/>
+            </a:lvl2pPr>
+            <a:lvl3pPr marL="914400" indent="0">
+              <a:buNone/>
+              <a:defRPr sz="1200"/>
+            </a:lvl3pPr>
+            <a:lvl4pPr marL="1371600" indent="0">
+              <a:buNone/>
+              <a:defRPr sz="1000"/>
+            </a:lvl4pPr>
+            <a:lvl5pPr marL="1828800" indent="0">
+              <a:buNone/>
+              <a:defRPr sz="1000"/>
+            </a:lvl5pPr>
+            <a:lvl6pPr marL="2286000" indent="0">
+              <a:buNone/>
+              <a:defRPr sz="1000"/>
+            </a:lvl6pPr>
+            <a:lvl7pPr marL="2743200" indent="0">
+              <a:buNone/>
+              <a:defRPr sz="1000"/>
+            </a:lvl7pPr>
+            <a:lvl8pPr marL="3200400" indent="0">
+              <a:buNone/>
+              <a:defRPr sz="1000"/>
+            </a:lvl8pPr>
+            <a:lvl9pPr marL="3657600" indent="0">
+              <a:buNone/>
+              <a:defRPr sz="1000"/>
+            </a:lvl9pPr>
+          </a:lstStyle>
+          <a:p>
+            <a:pPr lvl="0"/>
+            <a:r>
+              <a:rPr lang="hu-HU"/>
+              <a:t>Mintaszöveg szerkesztése</a:t>
+            </a:r>
+          </a:p>
+        </p:txBody>
+      </p:sp>
+      <p:sp>
+        <p:nvSpPr>
+          <p:cNvPr id="5" name="Date Placeholder 4"/>
+          <p:cNvSpPr>
+            <a:spLocks noGrp="1"/>
+          </p:cNvSpPr>
+          <p:nvPr>
+            <p:ph type="dt" sz="half" idx="10"/>
+          </p:nvPr>
+        </p:nvSpPr>
+        <p:spPr>
+          <a:xfrm>
+            <a:off x="7814452" y="381000"/>
+            <a:ext cx="2910840" cy="365125"/>
+          </a:xfrm>
+        </p:spPr>
+        <p:txBody>
+          <a:bodyPr/>
+          <a:lstStyle>
+            <a:lvl1pPr algn="r">
+              <a:defRPr/>
+            </a:lvl1pPr>
+          </a:lstStyle>
+          <a:p>
+            <a:fld id="{DDC88B96-5AA7-4CB3-87A1-08842D85DC16}" type="datetimeFigureOut">
+              <a:rPr lang="hu-HU" smtClean="0"/>
+              <a:t>2023. 11. 25.</a:t>
+            </a:fld>
+            <a:endParaRPr lang="hu-HU"/>
+          </a:p>
+        </p:txBody>
+      </p:sp>
+      <p:sp>
+        <p:nvSpPr>
+          <p:cNvPr id="6" name="Footer Placeholder 5"/>
+          <p:cNvSpPr>
+            <a:spLocks noGrp="1"/>
+          </p:cNvSpPr>
+          <p:nvPr>
+            <p:ph type="ftr" sz="quarter" idx="11"/>
+          </p:nvPr>
+        </p:nvSpPr>
+        <p:spPr>
+          <a:xfrm>
+            <a:off x="685800" y="379941"/>
+            <a:ext cx="6991492" cy="365125"/>
+          </a:xfrm>
+        </p:spPr>
+        <p:txBody>
+          <a:bodyPr/>
+          <a:lstStyle/>
+          <a:p>
+            <a:endParaRPr lang="hu-HU"/>
+          </a:p>
+        </p:txBody>
+      </p:sp>
+      <p:sp>
+        <p:nvSpPr>
+          <p:cNvPr id="7" name="Slide Number Placeholder 6"/>
+          <p:cNvSpPr>
+            <a:spLocks noGrp="1"/>
+          </p:cNvSpPr>
+          <p:nvPr>
+            <p:ph type="sldNum" sz="quarter" idx="12"/>
+          </p:nvPr>
+        </p:nvSpPr>
+        <p:spPr>
+          <a:xfrm>
+            <a:off x="10862452" y="381000"/>
+            <a:ext cx="643748" cy="365125"/>
+          </a:xfrm>
+        </p:spPr>
+        <p:txBody>
+          <a:bodyPr/>
+          <a:lstStyle/>
+          <a:p>
+            <a:fld id="{745CAA96-E225-4EA9-8501-5652B0F2418C}" type="slidenum">
+              <a:rPr lang="hu-HU" smtClean="0"/>
+              <a:t>‹#›</a:t>
+            </a:fld>
+            <a:endParaRPr lang="hu-HU"/>
+          </a:p>
+        </p:txBody>
+      </p:sp>
+      <p:sp>
+        <p:nvSpPr>
+          <p:cNvPr id="9" name="TextBox 8"/>
+          <p:cNvSpPr txBox="1"/>
+          <p:nvPr/>
+        </p:nvSpPr>
+        <p:spPr>
+          <a:xfrm>
+            <a:off x="476250" y="933450"/>
+            <a:ext cx="609600" cy="584776"/>
+          </a:xfrm>
+          <a:prstGeom prst="rect">
+            <a:avLst/>
+          </a:prstGeom>
+        </p:spPr>
+        <p:txBody>
+          <a:bodyPr vert="horz" lIns="91440" tIns="45720" rIns="91440" bIns="45720" rtlCol="0" anchor="ctr">
+            <a:noAutofit/>
+          </a:bodyPr>
+          <a:lstStyle>
+            <a:lvl1pPr>
+              <a:spcBef>
+                <a:spcPct val="0"/>
+              </a:spcBef>
+              <a:buNone/>
+              <a:defRPr sz="3200" b="0" cap="all">
+                <a:ln w="3175" cmpd="sng">
+                  <a:noFill/>
+                </a:ln>
+                <a:effectLst>
+                  <a:glow rad="38100">
+                    <a:schemeClr val="bg1">
+                      <a:lumMod val="65000"/>
+                      <a:lumOff val="35000"/>
+                      <a:alpha val="40000"/>
+                    </a:schemeClr>
+                  </a:glow>
+                  <a:outerShdw blurRad="28575" dist="38100" dir="14040000" algn="tl" rotWithShape="0">
+                    <a:srgbClr val="000000">
+                      <a:alpha val="25000"/>
+                    </a:srgbClr>
+                  </a:outerShdw>
+                </a:effectLst>
+              </a:defRPr>
+            </a:lvl1pPr>
+            <a:lvl2pPr>
+              <a:defRPr>
+                <a:solidFill>
+                  <a:schemeClr val="tx2"/>
+                </a:solidFill>
+              </a:defRPr>
+            </a:lvl2pPr>
+            <a:lvl3pPr>
+              <a:defRPr>
+                <a:solidFill>
+                  <a:schemeClr val="tx2"/>
+                </a:solidFill>
+              </a:defRPr>
+            </a:lvl3pPr>
+            <a:lvl4pPr>
+              <a:defRPr>
+                <a:solidFill>
+                  <a:schemeClr val="tx2"/>
+                </a:solidFill>
+              </a:defRPr>
+            </a:lvl4pPr>
+            <a:lvl5pPr>
+              <a:defRPr>
+                <a:solidFill>
+                  <a:schemeClr val="tx2"/>
+                </a:solidFill>
+              </a:defRPr>
+            </a:lvl5pPr>
+            <a:lvl6pPr>
+              <a:defRPr>
+                <a:solidFill>
+                  <a:schemeClr val="tx2"/>
+                </a:solidFill>
+              </a:defRPr>
+            </a:lvl6pPr>
+            <a:lvl7pPr>
+              <a:defRPr>
+                <a:solidFill>
+                  <a:schemeClr val="tx2"/>
+                </a:solidFill>
+              </a:defRPr>
+            </a:lvl7pPr>
+            <a:lvl8pPr>
+              <a:defRPr>
+                <a:solidFill>
+                  <a:schemeClr val="tx2"/>
+                </a:solidFill>
+              </a:defRPr>
+            </a:lvl8pPr>
+            <a:lvl9pPr>
+              <a:defRPr>
+                <a:solidFill>
+                  <a:schemeClr val="tx2"/>
+                </a:solidFill>
+              </a:defRPr>
+            </a:lvl9pPr>
+          </a:lstStyle>
+          <a:p>
+            <a:pPr lvl="0"/>
+            <a:r>
+              <a:rPr lang="en-US" sz="8000" dirty="0">
+                <a:solidFill>
+                  <a:schemeClr val="tx1"/>
+                </a:solidFill>
+                <a:effectLst/>
+              </a:rPr>
+              <a:t>“</a:t>
+            </a:r>
+          </a:p>
+        </p:txBody>
+      </p:sp>
+      <p:sp>
+        <p:nvSpPr>
+          <p:cNvPr id="10" name="TextBox 9"/>
+          <p:cNvSpPr txBox="1"/>
+          <p:nvPr/>
+        </p:nvSpPr>
+        <p:spPr>
+          <a:xfrm>
+            <a:off x="10984230" y="2701290"/>
+            <a:ext cx="609600" cy="584776"/>
+          </a:xfrm>
+          <a:prstGeom prst="rect">
+            <a:avLst/>
+          </a:prstGeom>
+        </p:spPr>
+        <p:txBody>
+          <a:bodyPr vert="horz" lIns="91440" tIns="45720" rIns="91440" bIns="45720" rtlCol="0" anchor="ctr">
+            <a:noAutofit/>
+          </a:bodyPr>
+          <a:lstStyle>
+            <a:lvl1pPr>
+              <a:spcBef>
+                <a:spcPct val="0"/>
+              </a:spcBef>
+              <a:buNone/>
+              <a:defRPr sz="3200" b="0" cap="all">
+                <a:ln w="3175" cmpd="sng">
+                  <a:noFill/>
+                </a:ln>
+                <a:effectLst>
+                  <a:glow rad="38100">
+                    <a:schemeClr val="bg1">
+                      <a:lumMod val="65000"/>
+                      <a:lumOff val="35000"/>
+                      <a:alpha val="40000"/>
+                    </a:schemeClr>
+                  </a:glow>
+                  <a:outerShdw blurRad="28575" dist="38100" dir="14040000" algn="tl" rotWithShape="0">
+                    <a:srgbClr val="000000">
+                      <a:alpha val="25000"/>
+                    </a:srgbClr>
+                  </a:outerShdw>
+                </a:effectLst>
+              </a:defRPr>
+            </a:lvl1pPr>
+            <a:lvl2pPr>
+              <a:defRPr>
+                <a:solidFill>
+                  <a:schemeClr val="tx2"/>
+                </a:solidFill>
+              </a:defRPr>
+            </a:lvl2pPr>
+            <a:lvl3pPr>
+              <a:defRPr>
+                <a:solidFill>
+                  <a:schemeClr val="tx2"/>
+                </a:solidFill>
+              </a:defRPr>
+            </a:lvl3pPr>
+            <a:lvl4pPr>
+              <a:defRPr>
+                <a:solidFill>
+                  <a:schemeClr val="tx2"/>
+                </a:solidFill>
+              </a:defRPr>
+            </a:lvl4pPr>
+            <a:lvl5pPr>
+              <a:defRPr>
+                <a:solidFill>
+                  <a:schemeClr val="tx2"/>
+                </a:solidFill>
+              </a:defRPr>
+            </a:lvl5pPr>
+            <a:lvl6pPr>
+              <a:defRPr>
+                <a:solidFill>
+                  <a:schemeClr val="tx2"/>
+                </a:solidFill>
+              </a:defRPr>
+            </a:lvl6pPr>
+            <a:lvl7pPr>
+              <a:defRPr>
+                <a:solidFill>
+                  <a:schemeClr val="tx2"/>
+                </a:solidFill>
+              </a:defRPr>
+            </a:lvl7pPr>
+            <a:lvl8pPr>
+              <a:defRPr>
+                <a:solidFill>
+                  <a:schemeClr val="tx2"/>
+                </a:solidFill>
+              </a:defRPr>
+            </a:lvl8pPr>
+            <a:lvl9pPr>
+              <a:defRPr>
+                <a:solidFill>
+                  <a:schemeClr val="tx2"/>
+                </a:solidFill>
+              </a:defRPr>
+            </a:lvl9pPr>
+          </a:lstStyle>
+          <a:p>
+            <a:pPr lvl="0" algn="r"/>
+            <a:r>
+              <a:rPr lang="en-US" sz="8000" dirty="0">
+                <a:solidFill>
+                  <a:schemeClr val="tx1"/>
+                </a:solidFill>
+                <a:effectLst/>
+              </a:rPr>
+              <a:t>”</a:t>
+            </a:r>
+          </a:p>
+        </p:txBody>
+      </p:sp>
+    </p:spTree>
+    <p:extLst>
+      <p:ext uri="{BB962C8B-B14F-4D97-AF65-F5344CB8AC3E}">
+        <p14:creationId xmlns:p14="http://schemas.microsoft.com/office/powerpoint/2010/main" val="3208371440"/>
+      </p:ext>
+    </p:extLst>
+  </p:cSld>
+  <p:clrMapOvr>
+    <a:masterClrMapping/>
+  </p:clrMapOvr>
+</p:sldLayout>
+</file>
+
+<file path=ppt/slideLayouts/slideLayout13.xml><?xml version="1.0" encoding="utf-8"?>
+<p:sldLayout xmlns:a="http://schemas.openxmlformats.org/drawingml/2006/main" xmlns:r="http://schemas.openxmlformats.org/officeDocument/2006/relationships" xmlns:p="http://schemas.openxmlformats.org/presentationml/2006/main" showMasterSp="0" preserve="1">
+  <p:cSld name="Névkártya">
+    <p:spTree>
+      <p:nvGrpSpPr>
+        <p:cNvPr id="1" name=""/>
+        <p:cNvGrpSpPr/>
+        <p:nvPr/>
+      </p:nvGrpSpPr>
+      <p:grpSpPr>
+        <a:xfrm>
+          <a:off x="0" y="0"/>
+          <a:ext cx="0" cy="0"/>
+          <a:chOff x="0" y="0"/>
+          <a:chExt cx="0" cy="0"/>
+        </a:xfrm>
+      </p:grpSpPr>
+      <p:pic>
+        <p:nvPicPr>
+          <p:cNvPr id="9" name="Picture 8" descr="C0-HD-BTM.png"/>
+          <p:cNvPicPr>
+            <a:picLocks noChangeAspect="1"/>
+          </p:cNvPicPr>
+          <p:nvPr/>
+        </p:nvPicPr>
+        <p:blipFill>
+          <a:blip r:embed="rId2">
+            <a:extLst>
+              <a:ext uri="{28A0092B-C50C-407E-A947-70E740481C1C}">
+                <a14:useLocalDpi xmlns:a14="http://schemas.microsoft.com/office/drawing/2010/main" val="0"/>
+              </a:ext>
+            </a:extLst>
+          </a:blip>
+          <a:stretch>
+            <a:fillRect/>
+          </a:stretch>
+        </p:blipFill>
+        <p:spPr>
+          <a:xfrm>
+            <a:off x="0" y="4375150"/>
+            <a:ext cx="12192000" cy="2482850"/>
+          </a:xfrm>
+          <a:prstGeom prst="rect">
+            <a:avLst/>
+          </a:prstGeom>
+        </p:spPr>
+      </p:pic>
+      <p:sp>
+        <p:nvSpPr>
+          <p:cNvPr id="2" name="Title 1"/>
+          <p:cNvSpPr>
+            <a:spLocks noGrp="1"/>
+          </p:cNvSpPr>
+          <p:nvPr>
+            <p:ph type="title"/>
+          </p:nvPr>
+        </p:nvSpPr>
+        <p:spPr>
+          <a:xfrm>
+            <a:off x="1024495" y="1124701"/>
+            <a:ext cx="10146186" cy="2511835"/>
+          </a:xfrm>
+        </p:spPr>
+        <p:txBody>
+          <a:bodyPr anchor="b"/>
+          <a:lstStyle>
+            <a:lvl1pPr algn="l">
+              <a:defRPr sz="3200"/>
+            </a:lvl1pPr>
+          </a:lstStyle>
+          <a:p>
+            <a:r>
+              <a:rPr lang="hu-HU"/>
+              <a:t>Mintacím szerkesztése</a:t>
+            </a:r>
+            <a:endParaRPr lang="en-US" dirty="0"/>
+          </a:p>
+        </p:txBody>
+      </p:sp>
+      <p:sp>
+        <p:nvSpPr>
+          <p:cNvPr id="4" name="Text Placeholder 3"/>
+          <p:cNvSpPr>
+            <a:spLocks noGrp="1"/>
+          </p:cNvSpPr>
+          <p:nvPr>
+            <p:ph type="body" sz="half" idx="2"/>
+          </p:nvPr>
+        </p:nvSpPr>
+        <p:spPr>
+          <a:xfrm>
+            <a:off x="1024467" y="3648315"/>
+            <a:ext cx="10144654" cy="999885"/>
+          </a:xfrm>
+        </p:spPr>
+        <p:txBody>
+          <a:bodyPr anchor="t"/>
+          <a:lstStyle>
+            <a:lvl1pPr marL="0" indent="0">
+              <a:buNone/>
+              <a:defRPr sz="1600"/>
+            </a:lvl1pPr>
+            <a:lvl2pPr marL="457200" indent="0">
+              <a:buNone/>
+              <a:defRPr sz="1400"/>
+            </a:lvl2pPr>
+            <a:lvl3pPr marL="914400" indent="0">
+              <a:buNone/>
+              <a:defRPr sz="1200"/>
+            </a:lvl3pPr>
+            <a:lvl4pPr marL="1371600" indent="0">
+              <a:buNone/>
+              <a:defRPr sz="1000"/>
+            </a:lvl4pPr>
+            <a:lvl5pPr marL="1828800" indent="0">
+              <a:buNone/>
+              <a:defRPr sz="1000"/>
+            </a:lvl5pPr>
+            <a:lvl6pPr marL="2286000" indent="0">
+              <a:buNone/>
+              <a:defRPr sz="1000"/>
+            </a:lvl6pPr>
+            <a:lvl7pPr marL="2743200" indent="0">
+              <a:buNone/>
+              <a:defRPr sz="1000"/>
+            </a:lvl7pPr>
+            <a:lvl8pPr marL="3200400" indent="0">
+              <a:buNone/>
+              <a:defRPr sz="1000"/>
+            </a:lvl8pPr>
+            <a:lvl9pPr marL="3657600" indent="0">
+              <a:buNone/>
+              <a:defRPr sz="1000"/>
+            </a:lvl9pPr>
+          </a:lstStyle>
+          <a:p>
+            <a:pPr lvl="0"/>
+            <a:r>
+              <a:rPr lang="hu-HU"/>
+              <a:t>Mintaszöveg szerkesztése</a:t>
+            </a:r>
+          </a:p>
+        </p:txBody>
+      </p:sp>
+      <p:sp>
+        <p:nvSpPr>
+          <p:cNvPr id="5" name="Date Placeholder 4"/>
+          <p:cNvSpPr>
+            <a:spLocks noGrp="1"/>
+          </p:cNvSpPr>
+          <p:nvPr>
+            <p:ph type="dt" sz="half" idx="10"/>
+          </p:nvPr>
+        </p:nvSpPr>
+        <p:spPr>
+          <a:xfrm>
+            <a:off x="7814452" y="378883"/>
+            <a:ext cx="2910840" cy="365125"/>
+          </a:xfrm>
+        </p:spPr>
+        <p:txBody>
+          <a:bodyPr/>
+          <a:lstStyle>
+            <a:lvl1pPr algn="r">
+              <a:defRPr/>
+            </a:lvl1pPr>
+          </a:lstStyle>
+          <a:p>
+            <a:fld id="{DDC88B96-5AA7-4CB3-87A1-08842D85DC16}" type="datetimeFigureOut">
+              <a:rPr lang="hu-HU" smtClean="0"/>
+              <a:t>2023. 11. 25.</a:t>
+            </a:fld>
+            <a:endParaRPr lang="hu-HU"/>
+          </a:p>
+        </p:txBody>
+      </p:sp>
+      <p:sp>
+        <p:nvSpPr>
+          <p:cNvPr id="6" name="Footer Placeholder 5"/>
+          <p:cNvSpPr>
+            <a:spLocks noGrp="1"/>
+          </p:cNvSpPr>
+          <p:nvPr>
+            <p:ph type="ftr" sz="quarter" idx="11"/>
+          </p:nvPr>
+        </p:nvSpPr>
+        <p:spPr>
+          <a:xfrm>
+            <a:off x="685800" y="378883"/>
+            <a:ext cx="6991492" cy="365125"/>
+          </a:xfrm>
+        </p:spPr>
+        <p:txBody>
+          <a:bodyPr/>
+          <a:lstStyle/>
+          <a:p>
+            <a:endParaRPr lang="hu-HU"/>
+          </a:p>
+        </p:txBody>
+      </p:sp>
+      <p:sp>
+        <p:nvSpPr>
+          <p:cNvPr id="7" name="Slide Number Placeholder 6"/>
+          <p:cNvSpPr>
+            <a:spLocks noGrp="1"/>
+          </p:cNvSpPr>
+          <p:nvPr>
+            <p:ph type="sldNum" sz="quarter" idx="12"/>
+          </p:nvPr>
+        </p:nvSpPr>
+        <p:spPr>
+          <a:xfrm>
+            <a:off x="10862452" y="381000"/>
+            <a:ext cx="643748" cy="365125"/>
+          </a:xfrm>
+        </p:spPr>
+        <p:txBody>
+          <a:bodyPr/>
+          <a:lstStyle/>
+          <a:p>
+            <a:fld id="{745CAA96-E225-4EA9-8501-5652B0F2418C}" type="slidenum">
+              <a:rPr lang="hu-HU" smtClean="0"/>
+              <a:t>‹#›</a:t>
+            </a:fld>
+            <a:endParaRPr lang="hu-HU"/>
+          </a:p>
+        </p:txBody>
+      </p:sp>
+    </p:spTree>
+    <p:extLst>
+      <p:ext uri="{BB962C8B-B14F-4D97-AF65-F5344CB8AC3E}">
+        <p14:creationId xmlns:p14="http://schemas.microsoft.com/office/powerpoint/2010/main" val="993660930"/>
+      </p:ext>
+    </p:extLst>
+  </p:cSld>
+  <p:clrMapOvr>
+    <a:masterClrMapping/>
+  </p:clrMapOvr>
+</p:sldLayout>
+</file>
+
+<file path=ppt/slideLayouts/slideLayout14.xml><?xml version="1.0" encoding="utf-8"?>
+<p:sldLayout xmlns:a="http://schemas.openxmlformats.org/drawingml/2006/main" xmlns:r="http://schemas.openxmlformats.org/officeDocument/2006/relationships" xmlns:p="http://schemas.openxmlformats.org/presentationml/2006/main" preserve="1">
+  <p:cSld name="3 hasáb">
+    <p:spTree>
+      <p:nvGrpSpPr>
+        <p:cNvPr id="1" name=""/>
+        <p:cNvGrpSpPr/>
+        <p:nvPr/>
+      </p:nvGrpSpPr>
+      <p:grpSpPr>
+        <a:xfrm>
+          <a:off x="0" y="0"/>
+          <a:ext cx="0" cy="0"/>
+          <a:chOff x="0" y="0"/>
+          <a:chExt cx="0" cy="0"/>
+        </a:xfrm>
+      </p:grpSpPr>
+      <p:sp>
+        <p:nvSpPr>
+          <p:cNvPr id="15" name="Title 1"/>
+          <p:cNvSpPr>
+            <a:spLocks noGrp="1"/>
+          </p:cNvSpPr>
+          <p:nvPr>
+            <p:ph type="title"/>
+          </p:nvPr>
+        </p:nvSpPr>
+        <p:spPr>
+          <a:xfrm>
+            <a:off x="2895600" y="761999"/>
+            <a:ext cx="8610599" cy="1303867"/>
+          </a:xfrm>
+        </p:spPr>
+        <p:txBody>
+          <a:bodyPr/>
+          <a:lstStyle/>
+          <a:p>
+            <a:r>
+              <a:rPr lang="hu-HU"/>
+              <a:t>Mintacím szerkesztése</a:t>
+            </a:r>
+            <a:endParaRPr lang="en-US" dirty="0"/>
+          </a:p>
+        </p:txBody>
+      </p:sp>
+      <p:sp>
+        <p:nvSpPr>
+          <p:cNvPr id="7" name="Text Placeholder 2"/>
+          <p:cNvSpPr>
+            <a:spLocks noGrp="1"/>
+          </p:cNvSpPr>
+          <p:nvPr>
+            <p:ph type="body" idx="1"/>
+          </p:nvPr>
+        </p:nvSpPr>
+        <p:spPr>
+          <a:xfrm>
+            <a:off x="685800" y="2202080"/>
+            <a:ext cx="3456432" cy="617320"/>
+          </a:xfrm>
+        </p:spPr>
+        <p:txBody>
+          <a:bodyPr anchor="b">
+            <a:noAutofit/>
+          </a:bodyPr>
+          <a:lstStyle>
+            <a:lvl1pPr marL="0" indent="0">
+              <a:buNone/>
+              <a:defRPr sz="2400" b="0">
+                <a:solidFill>
+                  <a:schemeClr val="tx1"/>
+                </a:solidFill>
+              </a:defRPr>
+            </a:lvl1pPr>
+            <a:lvl2pPr marL="457200" indent="0">
+              <a:buNone/>
+              <a:defRPr sz="2000" b="1"/>
+            </a:lvl2pPr>
+            <a:lvl3pPr marL="914400" indent="0">
+              <a:buNone/>
+              <a:defRPr sz="1800" b="1"/>
+            </a:lvl3pPr>
+            <a:lvl4pPr marL="1371600" indent="0">
+              <a:buNone/>
+              <a:defRPr sz="1600" b="1"/>
+            </a:lvl4pPr>
+            <a:lvl5pPr marL="1828800" indent="0">
+              <a:buNone/>
+              <a:defRPr sz="1600" b="1"/>
+            </a:lvl5pPr>
+            <a:lvl6pPr marL="2286000" indent="0">
+              <a:buNone/>
+              <a:defRPr sz="1600" b="1"/>
+            </a:lvl6pPr>
+            <a:lvl7pPr marL="2743200" indent="0">
+              <a:buNone/>
+              <a:defRPr sz="1600" b="1"/>
+            </a:lvl7pPr>
+            <a:lvl8pPr marL="3200400" indent="0">
+              <a:buNone/>
+              <a:defRPr sz="1600" b="1"/>
+            </a:lvl8pPr>
+            <a:lvl9pPr marL="3657600" indent="0">
+              <a:buNone/>
+              <a:defRPr sz="1600" b="1"/>
+            </a:lvl9pPr>
+          </a:lstStyle>
+          <a:p>
+            <a:pPr lvl="0"/>
+            <a:r>
+              <a:rPr lang="hu-HU"/>
+              <a:t>Mintaszöveg szerkesztése</a:t>
+            </a:r>
+          </a:p>
+        </p:txBody>
+      </p:sp>
+      <p:sp>
+        <p:nvSpPr>
+          <p:cNvPr id="8" name="Text Placeholder 3"/>
+          <p:cNvSpPr>
+            <a:spLocks noGrp="1"/>
+          </p:cNvSpPr>
+          <p:nvPr>
+            <p:ph type="body" sz="half" idx="15"/>
+          </p:nvPr>
+        </p:nvSpPr>
+        <p:spPr>
+          <a:xfrm>
+            <a:off x="685799" y="2904565"/>
+            <a:ext cx="3456432" cy="3314132"/>
+          </a:xfrm>
+        </p:spPr>
+        <p:txBody>
+          <a:bodyPr anchor="t">
+            <a:normAutofit/>
+          </a:bodyPr>
+          <a:lstStyle>
+            <a:lvl1pPr marL="0" indent="0">
+              <a:buNone/>
+              <a:defRPr sz="1400"/>
+            </a:lvl1pPr>
+            <a:lvl2pPr marL="457200" indent="0">
+              <a:buNone/>
+              <a:defRPr sz="1200"/>
+            </a:lvl2pPr>
+            <a:lvl3pPr marL="914400" indent="0">
+              <a:buNone/>
+              <a:defRPr sz="1000"/>
+            </a:lvl3pPr>
+            <a:lvl4pPr marL="1371600" indent="0">
+              <a:buNone/>
+              <a:defRPr sz="900"/>
+            </a:lvl4pPr>
+            <a:lvl5pPr marL="1828800" indent="0">
+              <a:buNone/>
+              <a:defRPr sz="900"/>
+            </a:lvl5pPr>
+            <a:lvl6pPr marL="2286000" indent="0">
+              <a:buNone/>
+              <a:defRPr sz="900"/>
+            </a:lvl6pPr>
+            <a:lvl7pPr marL="2743200" indent="0">
+              <a:buNone/>
+              <a:defRPr sz="900"/>
+            </a:lvl7pPr>
+            <a:lvl8pPr marL="3200400" indent="0">
+              <a:buNone/>
+              <a:defRPr sz="900"/>
+            </a:lvl8pPr>
+            <a:lvl9pPr marL="3657600" indent="0">
+              <a:buNone/>
+              <a:defRPr sz="900"/>
+            </a:lvl9pPr>
+          </a:lstStyle>
+          <a:p>
+            <a:pPr lvl="0"/>
+            <a:r>
+              <a:rPr lang="hu-HU"/>
+              <a:t>Mintaszöveg szerkesztése</a:t>
+            </a:r>
+          </a:p>
+        </p:txBody>
+      </p:sp>
+      <p:sp>
+        <p:nvSpPr>
+          <p:cNvPr id="9" name="Text Placeholder 4"/>
+          <p:cNvSpPr>
+            <a:spLocks noGrp="1"/>
+          </p:cNvSpPr>
+          <p:nvPr>
+            <p:ph type="body" sz="quarter" idx="3"/>
+          </p:nvPr>
+        </p:nvSpPr>
+        <p:spPr>
+          <a:xfrm>
+            <a:off x="4368800" y="2201333"/>
+            <a:ext cx="3456432" cy="626534"/>
+          </a:xfrm>
+        </p:spPr>
+        <p:txBody>
+          <a:bodyPr anchor="b">
+            <a:noAutofit/>
+          </a:bodyPr>
+          <a:lstStyle>
+            <a:lvl1pPr marL="0" indent="0">
+              <a:buNone/>
+              <a:defRPr sz="2400" b="0">
+                <a:solidFill>
+                  <a:schemeClr val="tx1"/>
+                </a:solidFill>
+              </a:defRPr>
+            </a:lvl1pPr>
+            <a:lvl2pPr marL="457200" indent="0">
+              <a:buNone/>
+              <a:defRPr sz="2000" b="1"/>
+            </a:lvl2pPr>
+            <a:lvl3pPr marL="914400" indent="0">
+              <a:buNone/>
+              <a:defRPr sz="1800" b="1"/>
+            </a:lvl3pPr>
+            <a:lvl4pPr marL="1371600" indent="0">
+              <a:buNone/>
+              <a:defRPr sz="1600" b="1"/>
+            </a:lvl4pPr>
+            <a:lvl5pPr marL="1828800" indent="0">
+              <a:buNone/>
+              <a:defRPr sz="1600" b="1"/>
+            </a:lvl5pPr>
+            <a:lvl6pPr marL="2286000" indent="0">
+              <a:buNone/>
+              <a:defRPr sz="1600" b="1"/>
+            </a:lvl6pPr>
+            <a:lvl7pPr marL="2743200" indent="0">
+              <a:buNone/>
+              <a:defRPr sz="1600" b="1"/>
+            </a:lvl7pPr>
+            <a:lvl8pPr marL="3200400" indent="0">
+              <a:buNone/>
+              <a:defRPr sz="1600" b="1"/>
+            </a:lvl8pPr>
+            <a:lvl9pPr marL="3657600" indent="0">
+              <a:buNone/>
+              <a:defRPr sz="1600" b="1"/>
+            </a:lvl9pPr>
+          </a:lstStyle>
+          <a:p>
+            <a:pPr lvl="0"/>
+            <a:r>
+              <a:rPr lang="hu-HU"/>
+              <a:t>Mintaszöveg szerkesztése</a:t>
+            </a:r>
+          </a:p>
+        </p:txBody>
+      </p:sp>
+      <p:sp>
+        <p:nvSpPr>
+          <p:cNvPr id="10" name="Text Placeholder 3"/>
+          <p:cNvSpPr>
+            <a:spLocks noGrp="1"/>
+          </p:cNvSpPr>
+          <p:nvPr>
+            <p:ph type="body" sz="half" idx="16"/>
+          </p:nvPr>
+        </p:nvSpPr>
+        <p:spPr>
+          <a:xfrm>
+            <a:off x="4366858" y="2904067"/>
+            <a:ext cx="3456432" cy="3314618"/>
+          </a:xfrm>
+        </p:spPr>
+        <p:txBody>
+          <a:bodyPr anchor="t">
+            <a:normAutofit/>
+          </a:bodyPr>
+          <a:lstStyle>
+            <a:lvl1pPr marL="0" indent="0">
+              <a:buNone/>
+              <a:defRPr sz="1400"/>
+            </a:lvl1pPr>
+            <a:lvl2pPr marL="457200" indent="0">
+              <a:buNone/>
+              <a:defRPr sz="1200"/>
+            </a:lvl2pPr>
+            <a:lvl3pPr marL="914400" indent="0">
+              <a:buNone/>
+              <a:defRPr sz="1000"/>
+            </a:lvl3pPr>
+            <a:lvl4pPr marL="1371600" indent="0">
+              <a:buNone/>
+              <a:defRPr sz="900"/>
+            </a:lvl4pPr>
+            <a:lvl5pPr marL="1828800" indent="0">
+              <a:buNone/>
+              <a:defRPr sz="900"/>
+            </a:lvl5pPr>
+            <a:lvl6pPr marL="2286000" indent="0">
+              <a:buNone/>
+              <a:defRPr sz="900"/>
+            </a:lvl6pPr>
+            <a:lvl7pPr marL="2743200" indent="0">
+              <a:buNone/>
+              <a:defRPr sz="900"/>
+            </a:lvl7pPr>
+            <a:lvl8pPr marL="3200400" indent="0">
+              <a:buNone/>
+              <a:defRPr sz="900"/>
+            </a:lvl8pPr>
+            <a:lvl9pPr marL="3657600" indent="0">
+              <a:buNone/>
+              <a:defRPr sz="900"/>
+            </a:lvl9pPr>
+          </a:lstStyle>
+          <a:p>
+            <a:pPr lvl="0"/>
+            <a:r>
+              <a:rPr lang="hu-HU"/>
+              <a:t>Mintaszöveg szerkesztése</a:t>
+            </a:r>
+          </a:p>
+        </p:txBody>
+      </p:sp>
+      <p:sp>
+        <p:nvSpPr>
+          <p:cNvPr id="11" name="Text Placeholder 4"/>
+          <p:cNvSpPr>
+            <a:spLocks noGrp="1"/>
+          </p:cNvSpPr>
+          <p:nvPr>
+            <p:ph type="body" sz="quarter" idx="13"/>
+          </p:nvPr>
+        </p:nvSpPr>
+        <p:spPr>
+          <a:xfrm>
+            <a:off x="8051800" y="2192866"/>
+            <a:ext cx="3456432" cy="626534"/>
+          </a:xfrm>
+        </p:spPr>
+        <p:txBody>
+          <a:bodyPr anchor="b">
+            <a:noAutofit/>
+          </a:bodyPr>
+          <a:lstStyle>
+            <a:lvl1pPr marL="0" indent="0">
+              <a:buNone/>
+              <a:defRPr sz="2400" b="0">
+                <a:solidFill>
+                  <a:schemeClr val="tx1"/>
+                </a:solidFill>
+              </a:defRPr>
+            </a:lvl1pPr>
+            <a:lvl2pPr marL="457200" indent="0">
+              <a:buNone/>
+              <a:defRPr sz="2000" b="1"/>
+            </a:lvl2pPr>
+            <a:lvl3pPr marL="914400" indent="0">
+              <a:buNone/>
+              <a:defRPr sz="1800" b="1"/>
+            </a:lvl3pPr>
+            <a:lvl4pPr marL="1371600" indent="0">
+              <a:buNone/>
+              <a:defRPr sz="1600" b="1"/>
+            </a:lvl4pPr>
+            <a:lvl5pPr marL="1828800" indent="0">
+              <a:buNone/>
+              <a:defRPr sz="1600" b="1"/>
+            </a:lvl5pPr>
+            <a:lvl6pPr marL="2286000" indent="0">
+              <a:buNone/>
+              <a:defRPr sz="1600" b="1"/>
+            </a:lvl6pPr>
+            <a:lvl7pPr marL="2743200" indent="0">
+              <a:buNone/>
+              <a:defRPr sz="1600" b="1"/>
+            </a:lvl7pPr>
+            <a:lvl8pPr marL="3200400" indent="0">
+              <a:buNone/>
+              <a:defRPr sz="1600" b="1"/>
+            </a:lvl8pPr>
+            <a:lvl9pPr marL="3657600" indent="0">
+              <a:buNone/>
+              <a:defRPr sz="1600" b="1"/>
+            </a:lvl9pPr>
+          </a:lstStyle>
+          <a:p>
+            <a:pPr lvl="0"/>
+            <a:r>
+              <a:rPr lang="hu-HU"/>
+              <a:t>Mintaszöveg szerkesztése</a:t>
+            </a:r>
+          </a:p>
+        </p:txBody>
+      </p:sp>
+      <p:sp>
+        <p:nvSpPr>
+          <p:cNvPr id="12" name="Text Placeholder 3"/>
+          <p:cNvSpPr>
+            <a:spLocks noGrp="1"/>
+          </p:cNvSpPr>
+          <p:nvPr>
+            <p:ph type="body" sz="half" idx="17"/>
+          </p:nvPr>
+        </p:nvSpPr>
+        <p:spPr>
+          <a:xfrm>
+            <a:off x="8051801" y="2904565"/>
+            <a:ext cx="3456432" cy="3314132"/>
+          </a:xfrm>
+        </p:spPr>
+        <p:txBody>
+          <a:bodyPr anchor="t">
+            <a:normAutofit/>
+          </a:bodyPr>
+          <a:lstStyle>
+            <a:lvl1pPr marL="0" indent="0">
+              <a:buNone/>
+              <a:defRPr sz="1400"/>
+            </a:lvl1pPr>
+            <a:lvl2pPr marL="457200" indent="0">
+              <a:buNone/>
+              <a:defRPr sz="1200"/>
+            </a:lvl2pPr>
+            <a:lvl3pPr marL="914400" indent="0">
+              <a:buNone/>
+              <a:defRPr sz="1000"/>
+            </a:lvl3pPr>
+            <a:lvl4pPr marL="1371600" indent="0">
+              <a:buNone/>
+              <a:defRPr sz="900"/>
+            </a:lvl4pPr>
+            <a:lvl5pPr marL="1828800" indent="0">
+              <a:buNone/>
+              <a:defRPr sz="900"/>
+            </a:lvl5pPr>
+            <a:lvl6pPr marL="2286000" indent="0">
+              <a:buNone/>
+              <a:defRPr sz="900"/>
+            </a:lvl6pPr>
+            <a:lvl7pPr marL="2743200" indent="0">
+              <a:buNone/>
+              <a:defRPr sz="900"/>
+            </a:lvl7pPr>
+            <a:lvl8pPr marL="3200400" indent="0">
+              <a:buNone/>
+              <a:defRPr sz="900"/>
+            </a:lvl8pPr>
+            <a:lvl9pPr marL="3657600" indent="0">
+              <a:buNone/>
+              <a:defRPr sz="900"/>
+            </a:lvl9pPr>
+          </a:lstStyle>
+          <a:p>
+            <a:pPr lvl="0"/>
+            <a:r>
+              <a:rPr lang="hu-HU"/>
+              <a:t>Mintaszöveg szerkesztése</a:t>
+            </a:r>
+          </a:p>
+        </p:txBody>
+      </p:sp>
+      <p:sp>
+        <p:nvSpPr>
+          <p:cNvPr id="3" name="Date Placeholder 2"/>
+          <p:cNvSpPr>
+            <a:spLocks noGrp="1"/>
+          </p:cNvSpPr>
+          <p:nvPr>
+            <p:ph type="dt" sz="half" idx="10"/>
+          </p:nvPr>
+        </p:nvSpPr>
+        <p:spPr/>
+        <p:txBody>
+          <a:bodyPr/>
+          <a:lstStyle/>
+          <a:p>
+            <a:fld id="{DDC88B96-5AA7-4CB3-87A1-08842D85DC16}" type="datetimeFigureOut">
+              <a:rPr lang="hu-HU" smtClean="0"/>
+              <a:t>2023. 11. 25.</a:t>
+            </a:fld>
+            <a:endParaRPr lang="hu-HU"/>
+          </a:p>
+        </p:txBody>
+      </p:sp>
+      <p:sp>
+        <p:nvSpPr>
+          <p:cNvPr id="4" name="Footer Placeholder 3"/>
+          <p:cNvSpPr>
+            <a:spLocks noGrp="1"/>
+          </p:cNvSpPr>
+          <p:nvPr>
+            <p:ph type="ftr" sz="quarter" idx="11"/>
+          </p:nvPr>
+        </p:nvSpPr>
+        <p:spPr/>
+        <p:txBody>
+          <a:bodyPr/>
+          <a:lstStyle/>
+          <a:p>
+            <a:endParaRPr lang="hu-HU"/>
+          </a:p>
+        </p:txBody>
+      </p:sp>
+      <p:sp>
+        <p:nvSpPr>
+          <p:cNvPr id="5" name="Slide Number Placeholder 4"/>
+          <p:cNvSpPr>
+            <a:spLocks noGrp="1"/>
+          </p:cNvSpPr>
+          <p:nvPr>
+            <p:ph type="sldNum" sz="quarter" idx="12"/>
+          </p:nvPr>
+        </p:nvSpPr>
+        <p:spPr/>
+        <p:txBody>
+          <a:bodyPr/>
+          <a:lstStyle/>
+          <a:p>
+            <a:fld id="{745CAA96-E225-4EA9-8501-5652B0F2418C}" type="slidenum">
+              <a:rPr lang="hu-HU" smtClean="0"/>
+              <a:t>‹#›</a:t>
+            </a:fld>
+            <a:endParaRPr lang="hu-HU"/>
+          </a:p>
+        </p:txBody>
+      </p:sp>
+    </p:spTree>
+    <p:extLst>
+      <p:ext uri="{BB962C8B-B14F-4D97-AF65-F5344CB8AC3E}">
+        <p14:creationId xmlns:p14="http://schemas.microsoft.com/office/powerpoint/2010/main" val="4205336224"/>
+      </p:ext>
+    </p:extLst>
+  </p:cSld>
+  <p:clrMapOvr>
+    <a:masterClrMapping/>
+  </p:clrMapOvr>
+</p:sldLayout>
+</file>
+
+<file path=ppt/slideLayouts/slideLayout15.xml><?xml version="1.0" encoding="utf-8"?>
+<p:sldLayout xmlns:a="http://schemas.openxmlformats.org/drawingml/2006/main" xmlns:r="http://schemas.openxmlformats.org/officeDocument/2006/relationships" xmlns:p="http://schemas.openxmlformats.org/presentationml/2006/main" preserve="1">
+  <p:cSld name="3 képhasáb">
+    <p:spTree>
+      <p:nvGrpSpPr>
+        <p:cNvPr id="1" name=""/>
+        <p:cNvGrpSpPr/>
+        <p:nvPr/>
+      </p:nvGrpSpPr>
+      <p:grpSpPr>
+        <a:xfrm>
+          <a:off x="0" y="0"/>
+          <a:ext cx="0" cy="0"/>
+          <a:chOff x="0" y="0"/>
+          <a:chExt cx="0" cy="0"/>
+        </a:xfrm>
+      </p:grpSpPr>
+      <p:sp>
+        <p:nvSpPr>
+          <p:cNvPr id="30" name="Title 1"/>
+          <p:cNvSpPr>
+            <a:spLocks noGrp="1"/>
+          </p:cNvSpPr>
+          <p:nvPr>
+            <p:ph type="title"/>
+          </p:nvPr>
+        </p:nvSpPr>
+        <p:spPr>
+          <a:xfrm>
+            <a:off x="2895600" y="762000"/>
+            <a:ext cx="8610599" cy="1295400"/>
+          </a:xfrm>
+        </p:spPr>
+        <p:txBody>
+          <a:bodyPr/>
+          <a:lstStyle/>
+          <a:p>
+            <a:r>
+              <a:rPr lang="hu-HU"/>
+              <a:t>Mintacím szerkesztése</a:t>
+            </a:r>
+            <a:endParaRPr lang="en-US" dirty="0"/>
+          </a:p>
+        </p:txBody>
+      </p:sp>
+      <p:sp>
+        <p:nvSpPr>
+          <p:cNvPr id="19" name="Text Placeholder 2"/>
+          <p:cNvSpPr>
+            <a:spLocks noGrp="1"/>
+          </p:cNvSpPr>
+          <p:nvPr>
+            <p:ph type="body" idx="1"/>
+          </p:nvPr>
+        </p:nvSpPr>
+        <p:spPr>
+          <a:xfrm>
+            <a:off x="688618" y="4191000"/>
+            <a:ext cx="3451582" cy="682765"/>
+          </a:xfrm>
+        </p:spPr>
+        <p:txBody>
+          <a:bodyPr anchor="b">
+            <a:noAutofit/>
+          </a:bodyPr>
+          <a:lstStyle>
+            <a:lvl1pPr marL="0" indent="0">
+              <a:buNone/>
+              <a:defRPr sz="2400" b="0">
+                <a:solidFill>
+                  <a:schemeClr val="tx1"/>
+                </a:solidFill>
+              </a:defRPr>
+            </a:lvl1pPr>
+            <a:lvl2pPr marL="457200" indent="0">
+              <a:buNone/>
+              <a:defRPr sz="2000" b="1"/>
+            </a:lvl2pPr>
+            <a:lvl3pPr marL="914400" indent="0">
+              <a:buNone/>
+              <a:defRPr sz="1800" b="1"/>
+            </a:lvl3pPr>
+            <a:lvl4pPr marL="1371600" indent="0">
+              <a:buNone/>
+              <a:defRPr sz="1600" b="1"/>
+            </a:lvl4pPr>
+            <a:lvl5pPr marL="1828800" indent="0">
+              <a:buNone/>
+              <a:defRPr sz="1600" b="1"/>
+            </a:lvl5pPr>
+            <a:lvl6pPr marL="2286000" indent="0">
+              <a:buNone/>
+              <a:defRPr sz="1600" b="1"/>
+            </a:lvl6pPr>
+            <a:lvl7pPr marL="2743200" indent="0">
+              <a:buNone/>
+              <a:defRPr sz="1600" b="1"/>
+            </a:lvl7pPr>
+            <a:lvl8pPr marL="3200400" indent="0">
+              <a:buNone/>
+              <a:defRPr sz="1600" b="1"/>
+            </a:lvl8pPr>
+            <a:lvl9pPr marL="3657600" indent="0">
+              <a:buNone/>
+              <a:defRPr sz="1600" b="1"/>
+            </a:lvl9pPr>
+          </a:lstStyle>
+          <a:p>
+            <a:pPr lvl="0"/>
+            <a:r>
+              <a:rPr lang="hu-HU"/>
+              <a:t>Mintaszöveg szerkesztése</a:t>
+            </a:r>
+          </a:p>
+        </p:txBody>
+      </p:sp>
+      <p:sp>
+        <p:nvSpPr>
+          <p:cNvPr id="20" name="Picture Placeholder 2"/>
+          <p:cNvSpPr>
+            <a:spLocks noGrp="1" noChangeAspect="1"/>
+          </p:cNvSpPr>
+          <p:nvPr>
+            <p:ph type="pic" idx="15"/>
+          </p:nvPr>
+        </p:nvSpPr>
+        <p:spPr>
+          <a:xfrm>
+            <a:off x="688618" y="2362200"/>
+            <a:ext cx="3451582" cy="1524000"/>
+          </a:xfrm>
+          <a:prstGeom prst="roundRect">
+            <a:avLst>
+              <a:gd name="adj" fmla="val 0"/>
+            </a:avLst>
+          </a:prstGeom>
+          <a:effectLst>
+            <a:outerShdw blurRad="50800" dist="50800" dir="5400000" algn="tl" rotWithShape="0">
+              <a:srgbClr val="000000">
+                <a:alpha val="43000"/>
+              </a:srgbClr>
+            </a:outerShdw>
+          </a:effectLst>
+        </p:spPr>
+        <p:txBody>
+          <a:bodyPr anchor="t">
+            <a:normAutofit/>
+          </a:bodyPr>
+          <a:lstStyle>
+            <a:lvl1pPr marL="0" indent="0" algn="ctr">
+              <a:buNone/>
+              <a:defRPr sz="1600"/>
+            </a:lvl1pPr>
+            <a:lvl2pPr marL="457200" indent="0">
+              <a:buNone/>
+              <a:defRPr sz="1600"/>
+            </a:lvl2pPr>
+            <a:lvl3pPr marL="914400" indent="0">
+              <a:buNone/>
+              <a:defRPr sz="1600"/>
+            </a:lvl3pPr>
+            <a:lvl4pPr marL="1371600" indent="0">
+              <a:buNone/>
+              <a:defRPr sz="1600"/>
+            </a:lvl4pPr>
+            <a:lvl5pPr marL="1828800" indent="0">
+              <a:buNone/>
+              <a:defRPr sz="1600"/>
+            </a:lvl5pPr>
+            <a:lvl6pPr marL="2286000" indent="0">
+              <a:buNone/>
+              <a:defRPr sz="1600"/>
+            </a:lvl6pPr>
+            <a:lvl7pPr marL="2743200" indent="0">
+              <a:buNone/>
+              <a:defRPr sz="1600"/>
+            </a:lvl7pPr>
+            <a:lvl8pPr marL="3200400" indent="0">
+              <a:buNone/>
+              <a:defRPr sz="1600"/>
+            </a:lvl8pPr>
+            <a:lvl9pPr marL="3657600" indent="0">
+              <a:buNone/>
+              <a:defRPr sz="1600"/>
+            </a:lvl9pPr>
+          </a:lstStyle>
+          <a:p>
+            <a:r>
+              <a:rPr lang="hu-HU"/>
+              <a:t>Kép beszúrásához kattintson az ikonra</a:t>
+            </a:r>
+            <a:endParaRPr lang="en-US" dirty="0"/>
+          </a:p>
+        </p:txBody>
+      </p:sp>
+      <p:sp>
+        <p:nvSpPr>
+          <p:cNvPr id="21" name="Text Placeholder 3"/>
+          <p:cNvSpPr>
+            <a:spLocks noGrp="1"/>
+          </p:cNvSpPr>
+          <p:nvPr>
+            <p:ph type="body" sz="half" idx="18"/>
+          </p:nvPr>
+        </p:nvSpPr>
+        <p:spPr>
+          <a:xfrm>
+            <a:off x="688618" y="4873764"/>
+            <a:ext cx="3451582" cy="1344921"/>
+          </a:xfrm>
+        </p:spPr>
+        <p:txBody>
+          <a:bodyPr anchor="t">
+            <a:normAutofit/>
+          </a:bodyPr>
+          <a:lstStyle>
+            <a:lvl1pPr marL="0" indent="0">
+              <a:buNone/>
+              <a:defRPr sz="1400"/>
+            </a:lvl1pPr>
+            <a:lvl2pPr marL="457200" indent="0">
+              <a:buNone/>
+              <a:defRPr sz="1200"/>
+            </a:lvl2pPr>
+            <a:lvl3pPr marL="914400" indent="0">
+              <a:buNone/>
+              <a:defRPr sz="1000"/>
+            </a:lvl3pPr>
+            <a:lvl4pPr marL="1371600" indent="0">
+              <a:buNone/>
+              <a:defRPr sz="900"/>
+            </a:lvl4pPr>
+            <a:lvl5pPr marL="1828800" indent="0">
+              <a:buNone/>
+              <a:defRPr sz="900"/>
+            </a:lvl5pPr>
+            <a:lvl6pPr marL="2286000" indent="0">
+              <a:buNone/>
+              <a:defRPr sz="900"/>
+            </a:lvl6pPr>
+            <a:lvl7pPr marL="2743200" indent="0">
+              <a:buNone/>
+              <a:defRPr sz="900"/>
+            </a:lvl7pPr>
+            <a:lvl8pPr marL="3200400" indent="0">
+              <a:buNone/>
+              <a:defRPr sz="900"/>
+            </a:lvl8pPr>
+            <a:lvl9pPr marL="3657600" indent="0">
+              <a:buNone/>
+              <a:defRPr sz="900"/>
+            </a:lvl9pPr>
+          </a:lstStyle>
+          <a:p>
+            <a:pPr lvl="0"/>
+            <a:r>
+              <a:rPr lang="hu-HU"/>
+              <a:t>Mintaszöveg szerkesztése</a:t>
+            </a:r>
+          </a:p>
+        </p:txBody>
+      </p:sp>
+      <p:sp>
+        <p:nvSpPr>
+          <p:cNvPr id="22" name="Text Placeholder 4"/>
+          <p:cNvSpPr>
+            <a:spLocks noGrp="1"/>
+          </p:cNvSpPr>
+          <p:nvPr>
+            <p:ph type="body" sz="quarter" idx="3"/>
+          </p:nvPr>
+        </p:nvSpPr>
+        <p:spPr>
+          <a:xfrm>
+            <a:off x="4374263" y="4191000"/>
+            <a:ext cx="3448935" cy="682765"/>
+          </a:xfrm>
+        </p:spPr>
+        <p:txBody>
+          <a:bodyPr anchor="b">
+            <a:noAutofit/>
+          </a:bodyPr>
+          <a:lstStyle>
+            <a:lvl1pPr marL="0" indent="0">
+              <a:buNone/>
+              <a:defRPr sz="2400" b="0">
+                <a:solidFill>
+                  <a:schemeClr val="tx1"/>
+                </a:solidFill>
+              </a:defRPr>
+            </a:lvl1pPr>
+            <a:lvl2pPr marL="457200" indent="0">
+              <a:buNone/>
+              <a:defRPr sz="2000" b="1"/>
+            </a:lvl2pPr>
+            <a:lvl3pPr marL="914400" indent="0">
+              <a:buNone/>
+              <a:defRPr sz="1800" b="1"/>
+            </a:lvl3pPr>
+            <a:lvl4pPr marL="1371600" indent="0">
+              <a:buNone/>
+              <a:defRPr sz="1600" b="1"/>
+            </a:lvl4pPr>
+            <a:lvl5pPr marL="1828800" indent="0">
+              <a:buNone/>
+              <a:defRPr sz="1600" b="1"/>
+            </a:lvl5pPr>
+            <a:lvl6pPr marL="2286000" indent="0">
+              <a:buNone/>
+              <a:defRPr sz="1600" b="1"/>
+            </a:lvl6pPr>
+            <a:lvl7pPr marL="2743200" indent="0">
+              <a:buNone/>
+              <a:defRPr sz="1600" b="1"/>
+            </a:lvl7pPr>
+            <a:lvl8pPr marL="3200400" indent="0">
+              <a:buNone/>
+              <a:defRPr sz="1600" b="1"/>
+            </a:lvl8pPr>
+            <a:lvl9pPr marL="3657600" indent="0">
+              <a:buNone/>
+              <a:defRPr sz="1600" b="1"/>
+            </a:lvl9pPr>
+          </a:lstStyle>
+          <a:p>
+            <a:pPr lvl="0"/>
+            <a:r>
+              <a:rPr lang="hu-HU"/>
+              <a:t>Mintaszöveg szerkesztése</a:t>
+            </a:r>
+          </a:p>
+        </p:txBody>
+      </p:sp>
+      <p:sp>
+        <p:nvSpPr>
+          <p:cNvPr id="23" name="Picture Placeholder 2"/>
+          <p:cNvSpPr>
+            <a:spLocks noGrp="1" noChangeAspect="1"/>
+          </p:cNvSpPr>
+          <p:nvPr>
+            <p:ph type="pic" idx="21"/>
+          </p:nvPr>
+        </p:nvSpPr>
+        <p:spPr>
+          <a:xfrm>
+            <a:off x="4374263" y="2362200"/>
+            <a:ext cx="3448936" cy="1524000"/>
+          </a:xfrm>
+          <a:prstGeom prst="roundRect">
+            <a:avLst>
+              <a:gd name="adj" fmla="val 0"/>
+            </a:avLst>
+          </a:prstGeom>
+          <a:effectLst>
+            <a:outerShdw blurRad="50800" dist="50800" dir="5400000" algn="tl" rotWithShape="0">
+              <a:srgbClr val="000000">
+                <a:alpha val="43000"/>
+              </a:srgbClr>
+            </a:outerShdw>
+          </a:effectLst>
+        </p:spPr>
+        <p:txBody>
+          <a:bodyPr anchor="t">
+            <a:normAutofit/>
+          </a:bodyPr>
+          <a:lstStyle>
+            <a:lvl1pPr marL="0" indent="0" algn="ctr">
+              <a:buNone/>
+              <a:defRPr sz="1600"/>
+            </a:lvl1pPr>
+            <a:lvl2pPr marL="457200" indent="0">
+              <a:buNone/>
+              <a:defRPr sz="1600"/>
+            </a:lvl2pPr>
+            <a:lvl3pPr marL="914400" indent="0">
+              <a:buNone/>
+              <a:defRPr sz="1600"/>
+            </a:lvl3pPr>
+            <a:lvl4pPr marL="1371600" indent="0">
+              <a:buNone/>
+              <a:defRPr sz="1600"/>
+            </a:lvl4pPr>
+            <a:lvl5pPr marL="1828800" indent="0">
+              <a:buNone/>
+              <a:defRPr sz="1600"/>
+            </a:lvl5pPr>
+            <a:lvl6pPr marL="2286000" indent="0">
+              <a:buNone/>
+              <a:defRPr sz="1600"/>
+            </a:lvl6pPr>
+            <a:lvl7pPr marL="2743200" indent="0">
+              <a:buNone/>
+              <a:defRPr sz="1600"/>
+            </a:lvl7pPr>
+            <a:lvl8pPr marL="3200400" indent="0">
+              <a:buNone/>
+              <a:defRPr sz="1600"/>
+            </a:lvl8pPr>
+            <a:lvl9pPr marL="3657600" indent="0">
+              <a:buNone/>
+              <a:defRPr sz="1600"/>
+            </a:lvl9pPr>
+          </a:lstStyle>
+          <a:p>
+            <a:r>
+              <a:rPr lang="hu-HU"/>
+              <a:t>Kép beszúrásához kattintson az ikonra</a:t>
+            </a:r>
+            <a:endParaRPr lang="en-US" dirty="0"/>
+          </a:p>
+        </p:txBody>
+      </p:sp>
+      <p:sp>
+        <p:nvSpPr>
+          <p:cNvPr id="24" name="Text Placeholder 3"/>
+          <p:cNvSpPr>
+            <a:spLocks noGrp="1"/>
+          </p:cNvSpPr>
+          <p:nvPr>
+            <p:ph type="body" sz="half" idx="19"/>
+          </p:nvPr>
+        </p:nvSpPr>
+        <p:spPr>
+          <a:xfrm>
+            <a:off x="4374264" y="4873763"/>
+            <a:ext cx="3448935" cy="1344921"/>
+          </a:xfrm>
+        </p:spPr>
+        <p:txBody>
+          <a:bodyPr anchor="t">
+            <a:normAutofit/>
+          </a:bodyPr>
+          <a:lstStyle>
+            <a:lvl1pPr marL="0" indent="0">
+              <a:buNone/>
+              <a:defRPr sz="1400"/>
+            </a:lvl1pPr>
+            <a:lvl2pPr marL="457200" indent="0">
+              <a:buNone/>
+              <a:defRPr sz="1200"/>
+            </a:lvl2pPr>
+            <a:lvl3pPr marL="914400" indent="0">
+              <a:buNone/>
+              <a:defRPr sz="1000"/>
+            </a:lvl3pPr>
+            <a:lvl4pPr marL="1371600" indent="0">
+              <a:buNone/>
+              <a:defRPr sz="900"/>
+            </a:lvl4pPr>
+            <a:lvl5pPr marL="1828800" indent="0">
+              <a:buNone/>
+              <a:defRPr sz="900"/>
+            </a:lvl5pPr>
+            <a:lvl6pPr marL="2286000" indent="0">
+              <a:buNone/>
+              <a:defRPr sz="900"/>
+            </a:lvl6pPr>
+            <a:lvl7pPr marL="2743200" indent="0">
+              <a:buNone/>
+              <a:defRPr sz="900"/>
+            </a:lvl7pPr>
+            <a:lvl8pPr marL="3200400" indent="0">
+              <a:buNone/>
+              <a:defRPr sz="900"/>
+            </a:lvl8pPr>
+            <a:lvl9pPr marL="3657600" indent="0">
+              <a:buNone/>
+              <a:defRPr sz="900"/>
+            </a:lvl9pPr>
+          </a:lstStyle>
+          <a:p>
+            <a:pPr lvl="0"/>
+            <a:r>
+              <a:rPr lang="hu-HU"/>
+              <a:t>Mintaszöveg szerkesztése</a:t>
+            </a:r>
+          </a:p>
+        </p:txBody>
+      </p:sp>
+      <p:sp>
+        <p:nvSpPr>
+          <p:cNvPr id="25" name="Text Placeholder 4"/>
+          <p:cNvSpPr>
+            <a:spLocks noGrp="1"/>
+          </p:cNvSpPr>
+          <p:nvPr>
+            <p:ph type="body" sz="quarter" idx="13"/>
+          </p:nvPr>
+        </p:nvSpPr>
+        <p:spPr>
+          <a:xfrm>
+            <a:off x="8049731" y="4191000"/>
+            <a:ext cx="3456469" cy="682765"/>
+          </a:xfrm>
+        </p:spPr>
+        <p:txBody>
+          <a:bodyPr anchor="b">
+            <a:noAutofit/>
+          </a:bodyPr>
+          <a:lstStyle>
+            <a:lvl1pPr marL="0" indent="0">
+              <a:buNone/>
+              <a:defRPr sz="2400" b="0">
+                <a:solidFill>
+                  <a:schemeClr val="tx1"/>
+                </a:solidFill>
+              </a:defRPr>
+            </a:lvl1pPr>
+            <a:lvl2pPr marL="457200" indent="0">
+              <a:buNone/>
+              <a:defRPr sz="2000" b="1"/>
+            </a:lvl2pPr>
+            <a:lvl3pPr marL="914400" indent="0">
+              <a:buNone/>
+              <a:defRPr sz="1800" b="1"/>
+            </a:lvl3pPr>
+            <a:lvl4pPr marL="1371600" indent="0">
+              <a:buNone/>
+              <a:defRPr sz="1600" b="1"/>
+            </a:lvl4pPr>
+            <a:lvl5pPr marL="1828800" indent="0">
+              <a:buNone/>
+              <a:defRPr sz="1600" b="1"/>
+            </a:lvl5pPr>
+            <a:lvl6pPr marL="2286000" indent="0">
+              <a:buNone/>
+              <a:defRPr sz="1600" b="1"/>
+            </a:lvl6pPr>
+            <a:lvl7pPr marL="2743200" indent="0">
+              <a:buNone/>
+              <a:defRPr sz="1600" b="1"/>
+            </a:lvl7pPr>
+            <a:lvl8pPr marL="3200400" indent="0">
+              <a:buNone/>
+              <a:defRPr sz="1600" b="1"/>
+            </a:lvl8pPr>
+            <a:lvl9pPr marL="3657600" indent="0">
+              <a:buNone/>
+              <a:defRPr sz="1600" b="1"/>
+            </a:lvl9pPr>
+          </a:lstStyle>
+          <a:p>
+            <a:pPr lvl="0"/>
+            <a:r>
+              <a:rPr lang="hu-HU"/>
+              <a:t>Mintaszöveg szerkesztése</a:t>
+            </a:r>
+          </a:p>
+        </p:txBody>
+      </p:sp>
+      <p:sp>
+        <p:nvSpPr>
+          <p:cNvPr id="26" name="Picture Placeholder 2"/>
+          <p:cNvSpPr>
+            <a:spLocks noGrp="1" noChangeAspect="1"/>
+          </p:cNvSpPr>
+          <p:nvPr>
+            <p:ph type="pic" idx="22"/>
+          </p:nvPr>
+        </p:nvSpPr>
+        <p:spPr>
+          <a:xfrm>
+            <a:off x="8049855" y="2362200"/>
+            <a:ext cx="3447878" cy="1524000"/>
+          </a:xfrm>
+          <a:prstGeom prst="roundRect">
+            <a:avLst>
+              <a:gd name="adj" fmla="val 0"/>
+            </a:avLst>
+          </a:prstGeom>
+          <a:effectLst>
+            <a:outerShdw blurRad="50800" dist="50800" dir="5400000" algn="tl" rotWithShape="0">
+              <a:srgbClr val="000000">
+                <a:alpha val="43000"/>
+              </a:srgbClr>
+            </a:outerShdw>
+          </a:effectLst>
+        </p:spPr>
+        <p:txBody>
+          <a:bodyPr anchor="t">
+            <a:normAutofit/>
+          </a:bodyPr>
+          <a:lstStyle>
+            <a:lvl1pPr marL="0" indent="0" algn="ctr">
+              <a:buNone/>
+              <a:defRPr sz="1600"/>
+            </a:lvl1pPr>
+            <a:lvl2pPr marL="457200" indent="0">
+              <a:buNone/>
+              <a:defRPr sz="1600"/>
+            </a:lvl2pPr>
+            <a:lvl3pPr marL="914400" indent="0">
+              <a:buNone/>
+              <a:defRPr sz="1600"/>
+            </a:lvl3pPr>
+            <a:lvl4pPr marL="1371600" indent="0">
+              <a:buNone/>
+              <a:defRPr sz="1600"/>
+            </a:lvl4pPr>
+            <a:lvl5pPr marL="1828800" indent="0">
+              <a:buNone/>
+              <a:defRPr sz="1600"/>
+            </a:lvl5pPr>
+            <a:lvl6pPr marL="2286000" indent="0">
+              <a:buNone/>
+              <a:defRPr sz="1600"/>
+            </a:lvl6pPr>
+            <a:lvl7pPr marL="2743200" indent="0">
+              <a:buNone/>
+              <a:defRPr sz="1600"/>
+            </a:lvl7pPr>
+            <a:lvl8pPr marL="3200400" indent="0">
+              <a:buNone/>
+              <a:defRPr sz="1600"/>
+            </a:lvl8pPr>
+            <a:lvl9pPr marL="3657600" indent="0">
+              <a:buNone/>
+              <a:defRPr sz="1600"/>
+            </a:lvl9pPr>
+          </a:lstStyle>
+          <a:p>
+            <a:r>
+              <a:rPr lang="hu-HU"/>
+              <a:t>Kép beszúrásához kattintson az ikonra</a:t>
+            </a:r>
+            <a:endParaRPr lang="en-US" dirty="0"/>
+          </a:p>
+        </p:txBody>
+      </p:sp>
+      <p:sp>
+        <p:nvSpPr>
+          <p:cNvPr id="27" name="Text Placeholder 3"/>
+          <p:cNvSpPr>
+            <a:spLocks noGrp="1"/>
+          </p:cNvSpPr>
+          <p:nvPr>
+            <p:ph type="body" sz="half" idx="20"/>
+          </p:nvPr>
+        </p:nvSpPr>
+        <p:spPr>
+          <a:xfrm>
+            <a:off x="8049731" y="4873761"/>
+            <a:ext cx="3452445" cy="1344921"/>
+          </a:xfrm>
+        </p:spPr>
+        <p:txBody>
+          <a:bodyPr anchor="t">
+            <a:normAutofit/>
+          </a:bodyPr>
+          <a:lstStyle>
+            <a:lvl1pPr marL="0" indent="0">
+              <a:buNone/>
+              <a:defRPr sz="1400"/>
+            </a:lvl1pPr>
+            <a:lvl2pPr marL="457200" indent="0">
+              <a:buNone/>
+              <a:defRPr sz="1200"/>
+            </a:lvl2pPr>
+            <a:lvl3pPr marL="914400" indent="0">
+              <a:buNone/>
+              <a:defRPr sz="1000"/>
+            </a:lvl3pPr>
+            <a:lvl4pPr marL="1371600" indent="0">
+              <a:buNone/>
+              <a:defRPr sz="900"/>
+            </a:lvl4pPr>
+            <a:lvl5pPr marL="1828800" indent="0">
+              <a:buNone/>
+              <a:defRPr sz="900"/>
+            </a:lvl5pPr>
+            <a:lvl6pPr marL="2286000" indent="0">
+              <a:buNone/>
+              <a:defRPr sz="900"/>
+            </a:lvl6pPr>
+            <a:lvl7pPr marL="2743200" indent="0">
+              <a:buNone/>
+              <a:defRPr sz="900"/>
+            </a:lvl7pPr>
+            <a:lvl8pPr marL="3200400" indent="0">
+              <a:buNone/>
+              <a:defRPr sz="900"/>
+            </a:lvl8pPr>
+            <a:lvl9pPr marL="3657600" indent="0">
+              <a:buNone/>
+              <a:defRPr sz="900"/>
+            </a:lvl9pPr>
+          </a:lstStyle>
+          <a:p>
+            <a:pPr lvl="0"/>
+            <a:r>
+              <a:rPr lang="hu-HU"/>
+              <a:t>Mintaszöveg szerkesztése</a:t>
+            </a:r>
+          </a:p>
+        </p:txBody>
+      </p:sp>
+      <p:sp>
+        <p:nvSpPr>
+          <p:cNvPr id="3" name="Date Placeholder 2"/>
+          <p:cNvSpPr>
+            <a:spLocks noGrp="1"/>
+          </p:cNvSpPr>
+          <p:nvPr>
+            <p:ph type="dt" sz="half" idx="10"/>
+          </p:nvPr>
+        </p:nvSpPr>
+        <p:spPr/>
+        <p:txBody>
+          <a:bodyPr/>
+          <a:lstStyle/>
+          <a:p>
+            <a:fld id="{DDC88B96-5AA7-4CB3-87A1-08842D85DC16}" type="datetimeFigureOut">
+              <a:rPr lang="hu-HU" smtClean="0"/>
+              <a:t>2023. 11. 25.</a:t>
+            </a:fld>
+            <a:endParaRPr lang="hu-HU"/>
+          </a:p>
+        </p:txBody>
+      </p:sp>
+      <p:sp>
+        <p:nvSpPr>
+          <p:cNvPr id="4" name="Footer Placeholder 3"/>
+          <p:cNvSpPr>
+            <a:spLocks noGrp="1"/>
+          </p:cNvSpPr>
+          <p:nvPr>
+            <p:ph type="ftr" sz="quarter" idx="11"/>
+          </p:nvPr>
+        </p:nvSpPr>
+        <p:spPr/>
+        <p:txBody>
+          <a:bodyPr/>
+          <a:lstStyle/>
+          <a:p>
+            <a:endParaRPr lang="hu-HU"/>
+          </a:p>
+        </p:txBody>
+      </p:sp>
+      <p:sp>
+        <p:nvSpPr>
+          <p:cNvPr id="5" name="Slide Number Placeholder 4"/>
+          <p:cNvSpPr>
+            <a:spLocks noGrp="1"/>
+          </p:cNvSpPr>
+          <p:nvPr>
+            <p:ph type="sldNum" sz="quarter" idx="12"/>
+          </p:nvPr>
+        </p:nvSpPr>
+        <p:spPr/>
+        <p:txBody>
+          <a:bodyPr/>
+          <a:lstStyle/>
+          <a:p>
+            <a:fld id="{745CAA96-E225-4EA9-8501-5652B0F2418C}" type="slidenum">
+              <a:rPr lang="hu-HU" smtClean="0"/>
+              <a:t>‹#›</a:t>
+            </a:fld>
+            <a:endParaRPr lang="hu-HU"/>
+          </a:p>
+        </p:txBody>
+      </p:sp>
+    </p:spTree>
+    <p:extLst>
+      <p:ext uri="{BB962C8B-B14F-4D97-AF65-F5344CB8AC3E}">
+        <p14:creationId xmlns:p14="http://schemas.microsoft.com/office/powerpoint/2010/main" val="478172994"/>
+      </p:ext>
+    </p:extLst>
+  </p:cSld>
+  <p:clrMapOvr>
+    <a:masterClrMapping/>
+  </p:clrMapOvr>
+</p:sldLayout>
+</file>
+
+<file path=ppt/slideLayouts/slideLayout16.xml><?xml version="1.0" encoding="utf-8"?>
 <p:sldLayout xmlns:a="http://schemas.openxmlformats.org/drawingml/2006/main" xmlns:r="http://schemas.openxmlformats.org/officeDocument/2006/relationships" xmlns:p="http://schemas.openxmlformats.org/presentationml/2006/main" type="vertTx" preserve="1">
   <p:cSld name="Cím és függőleges szöveg">
     <p:spTree>
@@ -402,7 +2999,12 @@
             <p:ph type="body" orient="vert" idx="1"/>
           </p:nvPr>
         </p:nvSpPr>
-        <p:spPr/>
+        <p:spPr>
+          <a:xfrm>
+            <a:off x="685800" y="2194559"/>
+            <a:ext cx="10820400" cy="4024125"/>
+          </a:xfrm>
+        </p:spPr>
         <p:txBody>
           <a:bodyPr vert="eaVert"/>
           <a:lstStyle/>
@@ -461,7 +3063,7 @@
           <a:p>
             <a:fld id="{DDC88B96-5AA7-4CB3-87A1-08842D85DC16}" type="datetimeFigureOut">
               <a:rPr lang="hu-HU" smtClean="0"/>
-              <a:t>2023. 11. 23.</a:t>
+              <a:t>2023. 11. 25.</a:t>
             </a:fld>
             <a:endParaRPr lang="hu-HU"/>
           </a:p>
@@ -509,41 +3111,10 @@
           </a:p>
         </p:txBody>
       </p:sp>
-      <p:cxnSp>
-        <p:nvCxnSpPr>
-          <p:cNvPr id="26" name="Straight Connector 25"/>
-          <p:cNvCxnSpPr/>
-          <p:nvPr/>
-        </p:nvCxnSpPr>
-        <p:spPr>
-          <a:xfrm>
-            <a:off x="1453896" y="1847088"/>
-            <a:ext cx="9607522" cy="0"/>
-          </a:xfrm>
-          <a:prstGeom prst="line">
-            <a:avLst/>
-          </a:prstGeom>
-          <a:ln w="31750"/>
-        </p:spPr>
-        <p:style>
-          <a:lnRef idx="3">
-            <a:schemeClr val="accent1"/>
-          </a:lnRef>
-          <a:fillRef idx="0">
-            <a:schemeClr val="accent1"/>
-          </a:fillRef>
-          <a:effectRef idx="2">
-            <a:schemeClr val="accent1"/>
-          </a:effectRef>
-          <a:fontRef idx="minor">
-            <a:schemeClr val="tx1"/>
-          </a:fontRef>
-        </p:style>
-      </p:cxnSp>
     </p:spTree>
     <p:extLst>
       <p:ext uri="{BB962C8B-B14F-4D97-AF65-F5344CB8AC3E}">
-        <p14:creationId xmlns:p14="http://schemas.microsoft.com/office/powerpoint/2010/main" val="312675705"/>
+        <p14:creationId xmlns:p14="http://schemas.microsoft.com/office/powerpoint/2010/main" val="3888196878"/>
       </p:ext>
     </p:extLst>
   </p:cSld>
@@ -553,8 +3124,8 @@
 </p:sldLayout>
 </file>
 
-<file path=ppt/slideLayouts/slideLayout11.xml><?xml version="1.0" encoding="utf-8"?>
-<p:sldLayout xmlns:a="http://schemas.openxmlformats.org/drawingml/2006/main" xmlns:r="http://schemas.openxmlformats.org/officeDocument/2006/relationships" xmlns:p="http://schemas.openxmlformats.org/presentationml/2006/main" type="vertTitleAndTx" preserve="1">
+<file path=ppt/slideLayouts/slideLayout17.xml><?xml version="1.0" encoding="utf-8"?>
+<p:sldLayout xmlns:a="http://schemas.openxmlformats.org/drawingml/2006/main" xmlns:r="http://schemas.openxmlformats.org/officeDocument/2006/relationships" xmlns:p="http://schemas.openxmlformats.org/presentationml/2006/main" showMasterSp="0" type="vertTitleAndTx" preserve="1">
   <p:cSld name="Függőleges cím és szöveg">
     <p:spTree>
       <p:nvGrpSpPr>
@@ -570,6 +3141,36 @@
           <a:chExt cx="0" cy="0"/>
         </a:xfrm>
       </p:grpSpPr>
+      <p:pic>
+        <p:nvPicPr>
+          <p:cNvPr id="8" name="Picture 7" descr="C0-HD-BTM.png"/>
+          <p:cNvPicPr>
+            <a:picLocks noChangeAspect="1"/>
+          </p:cNvPicPr>
+          <p:nvPr/>
+        </p:nvPicPr>
+        <p:blipFill>
+          <a:blip r:embed="rId2">
+            <a:extLst>
+              <a:ext uri="{28A0092B-C50C-407E-A947-70E740481C1C}">
+                <a14:useLocalDpi xmlns:a14="http://schemas.microsoft.com/office/drawing/2010/main" val="0"/>
+              </a:ext>
+            </a:extLst>
+          </a:blip>
+          <a:stretch>
+            <a:fillRect/>
+          </a:stretch>
+        </p:blipFill>
+        <p:spPr>
+          <a:xfrm>
+            <a:off x="0" y="4375150"/>
+            <a:ext cx="12192000" cy="2482850"/>
+          </a:xfrm>
+          <a:prstGeom prst="rect">
+            <a:avLst/>
+          </a:prstGeom>
+        </p:spPr>
+      </p:pic>
       <p:sp>
         <p:nvSpPr>
           <p:cNvPr id="2" name="Vertical Title 1"/>
@@ -582,8 +3183,8 @@
         </p:nvSpPr>
         <p:spPr>
           <a:xfrm>
-            <a:off x="9439111" y="798973"/>
-            <a:ext cx="1615742" cy="4659889"/>
+            <a:off x="9448800" y="745066"/>
+            <a:ext cx="2057400" cy="3903133"/>
           </a:xfrm>
         </p:spPr>
         <p:txBody>
@@ -614,8 +3215,8 @@
         </p:nvSpPr>
         <p:spPr>
           <a:xfrm>
-            <a:off x="1444672" y="798973"/>
-            <a:ext cx="7828830" cy="4659889"/>
+            <a:off x="1024466" y="745067"/>
+            <a:ext cx="8204201" cy="3903133"/>
           </a:xfrm>
         </p:spPr>
         <p:txBody>
@@ -669,14 +3270,23 @@
             <p:ph type="dt" sz="half" idx="10"/>
           </p:nvPr>
         </p:nvSpPr>
-        <p:spPr/>
-        <p:txBody>
-          <a:bodyPr/>
-          <a:lstStyle/>
+        <p:spPr>
+          <a:xfrm>
+            <a:off x="7814452" y="379941"/>
+            <a:ext cx="2910840" cy="365125"/>
+          </a:xfrm>
+        </p:spPr>
+        <p:txBody>
+          <a:bodyPr/>
+          <a:lstStyle>
+            <a:lvl1pPr algn="r">
+              <a:defRPr/>
+            </a:lvl1pPr>
+          </a:lstStyle>
           <a:p>
             <a:fld id="{DDC88B96-5AA7-4CB3-87A1-08842D85DC16}" type="datetimeFigureOut">
               <a:rPr lang="hu-HU" smtClean="0"/>
-              <a:t>2023. 11. 23.</a:t>
+              <a:t>2023. 11. 25.</a:t>
             </a:fld>
             <a:endParaRPr lang="hu-HU"/>
           </a:p>
@@ -692,7 +3302,12 @@
             <p:ph type="ftr" sz="quarter" idx="11"/>
           </p:nvPr>
         </p:nvSpPr>
-        <p:spPr/>
+        <p:spPr>
+          <a:xfrm>
+            <a:off x="685800" y="381000"/>
+            <a:ext cx="6991492" cy="365125"/>
+          </a:xfrm>
+        </p:spPr>
         <p:txBody>
           <a:bodyPr/>
           <a:lstStyle/>
@@ -711,7 +3326,12 @@
             <p:ph type="sldNum" sz="quarter" idx="12"/>
           </p:nvPr>
         </p:nvSpPr>
-        <p:spPr/>
+        <p:spPr>
+          <a:xfrm>
+            <a:off x="10862452" y="381000"/>
+            <a:ext cx="643748" cy="365125"/>
+          </a:xfrm>
+        </p:spPr>
         <p:txBody>
           <a:bodyPr/>
           <a:lstStyle/>
@@ -724,41 +3344,10 @@
           </a:p>
         </p:txBody>
       </p:sp>
-      <p:cxnSp>
-        <p:nvCxnSpPr>
-          <p:cNvPr id="15" name="Straight Connector 14"/>
-          <p:cNvCxnSpPr/>
-          <p:nvPr/>
-        </p:nvCxnSpPr>
-        <p:spPr>
-          <a:xfrm>
-            <a:off x="9439111" y="798973"/>
-            <a:ext cx="0" cy="4659889"/>
-          </a:xfrm>
-          <a:prstGeom prst="line">
-            <a:avLst/>
-          </a:prstGeom>
-          <a:ln w="31750"/>
-        </p:spPr>
-        <p:style>
-          <a:lnRef idx="3">
-            <a:schemeClr val="accent1"/>
-          </a:lnRef>
-          <a:fillRef idx="0">
-            <a:schemeClr val="accent1"/>
-          </a:fillRef>
-          <a:effectRef idx="2">
-            <a:schemeClr val="accent1"/>
-          </a:effectRef>
-          <a:fontRef idx="minor">
-            <a:schemeClr val="tx1"/>
-          </a:fontRef>
-        </p:style>
-      </p:cxnSp>
     </p:spTree>
     <p:extLst>
       <p:ext uri="{BB962C8B-B14F-4D97-AF65-F5344CB8AC3E}">
-        <p14:creationId xmlns:p14="http://schemas.microsoft.com/office/powerpoint/2010/main" val="3152456871"/>
+        <p14:creationId xmlns:p14="http://schemas.microsoft.com/office/powerpoint/2010/main" val="1306716288"/>
       </p:ext>
     </p:extLst>
   </p:cSld>
@@ -820,7 +3409,7 @@
         </p:nvSpPr>
         <p:spPr/>
         <p:txBody>
-          <a:bodyPr anchor="t"/>
+          <a:bodyPr/>
           <a:lstStyle/>
           <a:p>
             <a:pPr lvl="0"/>
@@ -877,7 +3466,7 @@
           <a:p>
             <a:fld id="{DDC88B96-5AA7-4CB3-87A1-08842D85DC16}" type="datetimeFigureOut">
               <a:rPr lang="hu-HU" smtClean="0"/>
-              <a:t>2023. 11. 23.</a:t>
+              <a:t>2023. 11. 25.</a:t>
             </a:fld>
             <a:endParaRPr lang="hu-HU"/>
           </a:p>
@@ -925,41 +3514,10 @@
           </a:p>
         </p:txBody>
       </p:sp>
-      <p:cxnSp>
-        <p:nvCxnSpPr>
-          <p:cNvPr id="33" name="Straight Connector 32"/>
-          <p:cNvCxnSpPr/>
-          <p:nvPr/>
-        </p:nvCxnSpPr>
-        <p:spPr>
-          <a:xfrm>
-            <a:off x="1453896" y="1847088"/>
-            <a:ext cx="9607522" cy="0"/>
-          </a:xfrm>
-          <a:prstGeom prst="line">
-            <a:avLst/>
-          </a:prstGeom>
-          <a:ln w="31750"/>
-        </p:spPr>
-        <p:style>
-          <a:lnRef idx="3">
-            <a:schemeClr val="accent1"/>
-          </a:lnRef>
-          <a:fillRef idx="0">
-            <a:schemeClr val="accent1"/>
-          </a:fillRef>
-          <a:effectRef idx="2">
-            <a:schemeClr val="accent1"/>
-          </a:effectRef>
-          <a:fontRef idx="minor">
-            <a:schemeClr val="tx1"/>
-          </a:fontRef>
-        </p:style>
-      </p:cxnSp>
     </p:spTree>
     <p:extLst>
       <p:ext uri="{BB962C8B-B14F-4D97-AF65-F5344CB8AC3E}">
-        <p14:creationId xmlns:p14="http://schemas.microsoft.com/office/powerpoint/2010/main" val="2149843883"/>
+        <p14:creationId xmlns:p14="http://schemas.microsoft.com/office/powerpoint/2010/main" val="3381619736"/>
       </p:ext>
     </p:extLst>
   </p:cSld>
@@ -970,7 +3528,7 @@
 </file>
 
 <file path=ppt/slideLayouts/slideLayout3.xml><?xml version="1.0" encoding="utf-8"?>
-<p:sldLayout xmlns:a="http://schemas.openxmlformats.org/drawingml/2006/main" xmlns:r="http://schemas.openxmlformats.org/officeDocument/2006/relationships" xmlns:p="http://schemas.openxmlformats.org/presentationml/2006/main" type="secHead" preserve="1">
+<p:sldLayout xmlns:a="http://schemas.openxmlformats.org/drawingml/2006/main" xmlns:r="http://schemas.openxmlformats.org/officeDocument/2006/relationships" xmlns:p="http://schemas.openxmlformats.org/presentationml/2006/main" showMasterSp="0" type="secHead" preserve="1">
   <p:cSld name="Szakaszfejléc">
     <p:spTree>
       <p:nvGrpSpPr>
@@ -986,6 +3544,36 @@
           <a:chExt cx="0" cy="0"/>
         </a:xfrm>
       </p:grpSpPr>
+      <p:pic>
+        <p:nvPicPr>
+          <p:cNvPr id="9" name="Picture 8" descr="C0-HD-BTM.png"/>
+          <p:cNvPicPr>
+            <a:picLocks noChangeAspect="1"/>
+          </p:cNvPicPr>
+          <p:nvPr/>
+        </p:nvPicPr>
+        <p:blipFill>
+          <a:blip r:embed="rId2">
+            <a:extLst>
+              <a:ext uri="{28A0092B-C50C-407E-A947-70E740481C1C}">
+                <a14:useLocalDpi xmlns:a14="http://schemas.microsoft.com/office/drawing/2010/main" val="0"/>
+              </a:ext>
+            </a:extLst>
+          </a:blip>
+          <a:stretch>
+            <a:fillRect/>
+          </a:stretch>
+        </p:blipFill>
+        <p:spPr>
+          <a:xfrm>
+            <a:off x="0" y="4375150"/>
+            <a:ext cx="12192000" cy="2482850"/>
+          </a:xfrm>
+          <a:prstGeom prst="rect">
+            <a:avLst/>
+          </a:prstGeom>
+        </p:spPr>
+      </p:pic>
       <p:sp>
         <p:nvSpPr>
           <p:cNvPr id="2" name="Title 1"/>
@@ -998,8 +3586,8 @@
         </p:nvSpPr>
         <p:spPr>
           <a:xfrm>
-            <a:off x="1454239" y="1756130"/>
-            <a:ext cx="8643154" cy="1887950"/>
+            <a:off x="685800" y="753533"/>
+            <a:ext cx="10820399" cy="2801935"/>
           </a:xfrm>
         </p:spPr>
         <p:txBody>
@@ -1007,8 +3595,8 @@
             <a:normAutofit/>
           </a:bodyPr>
           <a:lstStyle>
-            <a:lvl1pPr algn="l">
-              <a:defRPr sz="3600"/>
+            <a:lvl1pPr algn="r">
+              <a:defRPr sz="4000"/>
             </a:lvl1pPr>
           </a:lstStyle>
           <a:p>
@@ -1032,26 +3620,28 @@
         </p:nvSpPr>
         <p:spPr>
           <a:xfrm>
-            <a:off x="1454239" y="3806195"/>
-            <a:ext cx="8630446" cy="1012929"/>
-          </a:xfrm>
-        </p:spPr>
-        <p:txBody>
-          <a:bodyPr tIns="91440">
+            <a:off x="1024467" y="3641725"/>
+            <a:ext cx="10490200" cy="955675"/>
+          </a:xfrm>
+        </p:spPr>
+        <p:txBody>
+          <a:bodyPr>
             <a:normAutofit/>
           </a:bodyPr>
           <a:lstStyle>
-            <a:lvl1pPr marL="0" indent="0" algn="l">
-              <a:buNone/>
-              <a:defRPr sz="1800">
+            <a:lvl1pPr marL="0" indent="0" algn="r">
+              <a:buNone/>
+              <a:defRPr sz="2200">
                 <a:solidFill>
-                  <a:schemeClr val="tx1"/>
+                  <a:schemeClr val="tx1">
+                    <a:tint val="75000"/>
+                  </a:schemeClr>
                 </a:solidFill>
               </a:defRPr>
             </a:lvl1pPr>
             <a:lvl2pPr marL="457200" indent="0">
               <a:buNone/>
-              <a:defRPr sz="1800">
+              <a:defRPr sz="2000">
                 <a:solidFill>
                   <a:schemeClr val="tx1">
                     <a:tint val="75000"/>
@@ -1149,14 +3739,23 @@
             <p:ph type="dt" sz="half" idx="10"/>
           </p:nvPr>
         </p:nvSpPr>
-        <p:spPr/>
-        <p:txBody>
-          <a:bodyPr/>
-          <a:lstStyle/>
+        <p:spPr>
+          <a:xfrm>
+            <a:off x="7814452" y="381000"/>
+            <a:ext cx="2910840" cy="365125"/>
+          </a:xfrm>
+        </p:spPr>
+        <p:txBody>
+          <a:bodyPr/>
+          <a:lstStyle>
+            <a:lvl1pPr algn="r">
+              <a:defRPr/>
+            </a:lvl1pPr>
+          </a:lstStyle>
           <a:p>
             <a:fld id="{DDC88B96-5AA7-4CB3-87A1-08842D85DC16}" type="datetimeFigureOut">
               <a:rPr lang="hu-HU" smtClean="0"/>
-              <a:t>2023. 11. 23.</a:t>
+              <a:t>2023. 11. 25.</a:t>
             </a:fld>
             <a:endParaRPr lang="hu-HU"/>
           </a:p>
@@ -1172,7 +3771,12 @@
             <p:ph type="ftr" sz="quarter" idx="11"/>
           </p:nvPr>
         </p:nvSpPr>
-        <p:spPr/>
+        <p:spPr>
+          <a:xfrm>
+            <a:off x="685800" y="381001"/>
+            <a:ext cx="6991492" cy="364065"/>
+          </a:xfrm>
+        </p:spPr>
         <p:txBody>
           <a:bodyPr/>
           <a:lstStyle/>
@@ -1191,7 +3795,12 @@
             <p:ph type="sldNum" sz="quarter" idx="12"/>
           </p:nvPr>
         </p:nvSpPr>
-        <p:spPr/>
+        <p:spPr>
+          <a:xfrm>
+            <a:off x="10862452" y="381000"/>
+            <a:ext cx="643748" cy="365125"/>
+          </a:xfrm>
+        </p:spPr>
         <p:txBody>
           <a:bodyPr/>
           <a:lstStyle/>
@@ -1204,41 +3813,10 @@
           </a:p>
         </p:txBody>
       </p:sp>
-      <p:cxnSp>
-        <p:nvCxnSpPr>
-          <p:cNvPr id="15" name="Straight Connector 14"/>
-          <p:cNvCxnSpPr/>
-          <p:nvPr/>
-        </p:nvCxnSpPr>
-        <p:spPr>
-          <a:xfrm>
-            <a:off x="1454239" y="3804985"/>
-            <a:ext cx="8630446" cy="0"/>
-          </a:xfrm>
-          <a:prstGeom prst="line">
-            <a:avLst/>
-          </a:prstGeom>
-          <a:ln w="31750"/>
-        </p:spPr>
-        <p:style>
-          <a:lnRef idx="3">
-            <a:schemeClr val="accent1"/>
-          </a:lnRef>
-          <a:fillRef idx="0">
-            <a:schemeClr val="accent1"/>
-          </a:fillRef>
-          <a:effectRef idx="2">
-            <a:schemeClr val="accent1"/>
-          </a:effectRef>
-          <a:fontRef idx="minor">
-            <a:schemeClr val="tx1"/>
-          </a:fontRef>
-        </p:style>
-      </p:cxnSp>
     </p:spTree>
     <p:extLst>
       <p:ext uri="{BB962C8B-B14F-4D97-AF65-F5344CB8AC3E}">
-        <p14:creationId xmlns:p14="http://schemas.microsoft.com/office/powerpoint/2010/main" val="4294927112"/>
+        <p14:creationId xmlns:p14="http://schemas.microsoft.com/office/powerpoint/2010/main" val="2480542044"/>
       </p:ext>
     </p:extLst>
   </p:cSld>
@@ -1275,12 +3853,7 @@
             <p:ph type="title"/>
           </p:nvPr>
         </p:nvSpPr>
-        <p:spPr>
-          <a:xfrm>
-            <a:off x="1449217" y="804889"/>
-            <a:ext cx="9605635" cy="1059305"/>
-          </a:xfrm>
-        </p:spPr>
+        <p:spPr/>
         <p:txBody>
           <a:bodyPr/>
           <a:lstStyle/>
@@ -1305,8 +3878,8 @@
         </p:nvSpPr>
         <p:spPr>
           <a:xfrm>
-            <a:off x="1447331" y="2010878"/>
-            <a:ext cx="4645152" cy="3448595"/>
+            <a:off x="685800" y="2194559"/>
+            <a:ext cx="5334000" cy="4024125"/>
           </a:xfrm>
         </p:spPr>
         <p:txBody>
@@ -1362,8 +3935,8 @@
         </p:nvSpPr>
         <p:spPr>
           <a:xfrm>
-            <a:off x="6413771" y="2017343"/>
-            <a:ext cx="4645152" cy="3441520"/>
+            <a:off x="6172200" y="2194559"/>
+            <a:ext cx="5334000" cy="4024125"/>
           </a:xfrm>
         </p:spPr>
         <p:txBody>
@@ -1424,7 +3997,7 @@
           <a:p>
             <a:fld id="{DDC88B96-5AA7-4CB3-87A1-08842D85DC16}" type="datetimeFigureOut">
               <a:rPr lang="hu-HU" smtClean="0"/>
-              <a:t>2023. 11. 23.</a:t>
+              <a:t>2023. 11. 25.</a:t>
             </a:fld>
             <a:endParaRPr lang="hu-HU"/>
           </a:p>
@@ -1472,41 +4045,10 @@
           </a:p>
         </p:txBody>
       </p:sp>
-      <p:cxnSp>
-        <p:nvCxnSpPr>
-          <p:cNvPr id="35" name="Straight Connector 34"/>
-          <p:cNvCxnSpPr/>
-          <p:nvPr/>
-        </p:nvCxnSpPr>
-        <p:spPr>
-          <a:xfrm>
-            <a:off x="1453896" y="1847088"/>
-            <a:ext cx="9607522" cy="0"/>
-          </a:xfrm>
-          <a:prstGeom prst="line">
-            <a:avLst/>
-          </a:prstGeom>
-          <a:ln w="31750"/>
-        </p:spPr>
-        <p:style>
-          <a:lnRef idx="3">
-            <a:schemeClr val="accent1"/>
-          </a:lnRef>
-          <a:fillRef idx="0">
-            <a:schemeClr val="accent1"/>
-          </a:fillRef>
-          <a:effectRef idx="2">
-            <a:schemeClr val="accent1"/>
-          </a:effectRef>
-          <a:fontRef idx="minor">
-            <a:schemeClr val="tx1"/>
-          </a:fontRef>
-        </p:style>
-      </p:cxnSp>
     </p:spTree>
     <p:extLst>
       <p:ext uri="{BB962C8B-B14F-4D97-AF65-F5344CB8AC3E}">
-        <p14:creationId xmlns:p14="http://schemas.microsoft.com/office/powerpoint/2010/main" val="336942403"/>
+        <p14:creationId xmlns:p14="http://schemas.microsoft.com/office/powerpoint/2010/main" val="2975269181"/>
       </p:ext>
     </p:extLst>
   </p:cSld>
@@ -1545,8 +4087,8 @@
         </p:nvSpPr>
         <p:spPr>
           <a:xfrm>
-            <a:off x="1447191" y="804163"/>
-            <a:ext cx="9607661" cy="1056319"/>
+            <a:off x="2895600" y="762000"/>
+            <a:ext cx="8610600" cy="1295400"/>
           </a:xfrm>
         </p:spPr>
         <p:txBody>
@@ -1573,8 +4115,8 @@
         </p:nvSpPr>
         <p:spPr>
           <a:xfrm>
-            <a:off x="1447191" y="2019549"/>
-            <a:ext cx="4645152" cy="801943"/>
+            <a:off x="914409" y="2183802"/>
+            <a:ext cx="5079991" cy="823912"/>
           </a:xfrm>
         </p:spPr>
         <p:txBody>
@@ -1583,13 +4125,10 @@
           </a:bodyPr>
           <a:lstStyle>
             <a:lvl1pPr marL="0" indent="0">
-              <a:lnSpc>
-                <a:spcPct val="100000"/>
-              </a:lnSpc>
-              <a:buNone/>
-              <a:defRPr sz="2200" b="0" cap="all" baseline="0">
+              <a:buNone/>
+              <a:defRPr sz="2800" b="0">
                 <a:solidFill>
-                  <a:schemeClr val="accent1"/>
+                  <a:schemeClr val="tx1"/>
                 </a:solidFill>
               </a:defRPr>
             </a:lvl1pPr>
@@ -1647,8 +4186,8 @@
         </p:nvSpPr>
         <p:spPr>
           <a:xfrm>
-            <a:off x="1447191" y="2824269"/>
-            <a:ext cx="4645152" cy="2644457"/>
+            <a:off x="685800" y="3132666"/>
+            <a:ext cx="5311775" cy="3086019"/>
           </a:xfrm>
         </p:spPr>
         <p:txBody>
@@ -1704,8 +4243,8 @@
         </p:nvSpPr>
         <p:spPr>
           <a:xfrm>
-            <a:off x="6412362" y="2023003"/>
-            <a:ext cx="4645152" cy="802237"/>
+            <a:off x="6400800" y="2183802"/>
+            <a:ext cx="5105400" cy="823912"/>
           </a:xfrm>
         </p:spPr>
         <p:txBody>
@@ -1714,13 +4253,10 @@
           </a:bodyPr>
           <a:lstStyle>
             <a:lvl1pPr marL="0" indent="0">
-              <a:lnSpc>
-                <a:spcPct val="100000"/>
-              </a:lnSpc>
-              <a:buNone/>
-              <a:defRPr sz="2200" b="0" cap="all" baseline="0">
+              <a:buNone/>
+              <a:defRPr sz="2800" b="0">
                 <a:solidFill>
-                  <a:schemeClr val="accent1"/>
+                  <a:schemeClr val="tx1"/>
                 </a:solidFill>
               </a:defRPr>
             </a:lvl1pPr>
@@ -1778,8 +4314,8 @@
         </p:nvSpPr>
         <p:spPr>
           <a:xfrm>
-            <a:off x="6412362" y="2821491"/>
-            <a:ext cx="4645152" cy="2637371"/>
+            <a:off x="6172200" y="3132666"/>
+            <a:ext cx="5334000" cy="3086019"/>
           </a:xfrm>
         </p:spPr>
         <p:txBody>
@@ -1840,7 +4376,7 @@
           <a:p>
             <a:fld id="{DDC88B96-5AA7-4CB3-87A1-08842D85DC16}" type="datetimeFigureOut">
               <a:rPr lang="hu-HU" smtClean="0"/>
-              <a:t>2023. 11. 23.</a:t>
+              <a:t>2023. 11. 25.</a:t>
             </a:fld>
             <a:endParaRPr lang="hu-HU"/>
           </a:p>
@@ -1888,41 +4424,10 @@
           </a:p>
         </p:txBody>
       </p:sp>
-      <p:cxnSp>
-        <p:nvCxnSpPr>
-          <p:cNvPr id="29" name="Straight Connector 28"/>
-          <p:cNvCxnSpPr/>
-          <p:nvPr/>
-        </p:nvCxnSpPr>
-        <p:spPr>
-          <a:xfrm>
-            <a:off x="1453896" y="1847088"/>
-            <a:ext cx="9607522" cy="0"/>
-          </a:xfrm>
-          <a:prstGeom prst="line">
-            <a:avLst/>
-          </a:prstGeom>
-          <a:ln w="31750"/>
-        </p:spPr>
-        <p:style>
-          <a:lnRef idx="3">
-            <a:schemeClr val="accent1"/>
-          </a:lnRef>
-          <a:fillRef idx="0">
-            <a:schemeClr val="accent1"/>
-          </a:fillRef>
-          <a:effectRef idx="2">
-            <a:schemeClr val="accent1"/>
-          </a:effectRef>
-          <a:fontRef idx="minor">
-            <a:schemeClr val="tx1"/>
-          </a:fontRef>
-        </p:style>
-      </p:cxnSp>
     </p:spTree>
     <p:extLst>
       <p:ext uri="{BB962C8B-B14F-4D97-AF65-F5344CB8AC3E}">
-        <p14:creationId xmlns:p14="http://schemas.microsoft.com/office/powerpoint/2010/main" val="2206801176"/>
+        <p14:creationId xmlns:p14="http://schemas.microsoft.com/office/powerpoint/2010/main" val="3097350936"/>
       </p:ext>
     </p:extLst>
   </p:cSld>
@@ -1989,7 +4494,7 @@
           <a:p>
             <a:fld id="{DDC88B96-5AA7-4CB3-87A1-08842D85DC16}" type="datetimeFigureOut">
               <a:rPr lang="hu-HU" smtClean="0"/>
-              <a:t>2023. 11. 23.</a:t>
+              <a:t>2023. 11. 25.</a:t>
             </a:fld>
             <a:endParaRPr lang="hu-HU"/>
           </a:p>
@@ -2037,41 +4542,10 @@
           </a:p>
         </p:txBody>
       </p:sp>
-      <p:cxnSp>
-        <p:nvCxnSpPr>
-          <p:cNvPr id="25" name="Straight Connector 24"/>
-          <p:cNvCxnSpPr/>
-          <p:nvPr/>
-        </p:nvCxnSpPr>
-        <p:spPr>
-          <a:xfrm>
-            <a:off x="1453896" y="1847088"/>
-            <a:ext cx="9607522" cy="0"/>
-          </a:xfrm>
-          <a:prstGeom prst="line">
-            <a:avLst/>
-          </a:prstGeom>
-          <a:ln w="31750"/>
-        </p:spPr>
-        <p:style>
-          <a:lnRef idx="3">
-            <a:schemeClr val="accent1"/>
-          </a:lnRef>
-          <a:fillRef idx="0">
-            <a:schemeClr val="accent1"/>
-          </a:fillRef>
-          <a:effectRef idx="2">
-            <a:schemeClr val="accent1"/>
-          </a:effectRef>
-          <a:fontRef idx="minor">
-            <a:schemeClr val="tx1"/>
-          </a:fontRef>
-        </p:style>
-      </p:cxnSp>
     </p:spTree>
     <p:extLst>
       <p:ext uri="{BB962C8B-B14F-4D97-AF65-F5344CB8AC3E}">
-        <p14:creationId xmlns:p14="http://schemas.microsoft.com/office/powerpoint/2010/main" val="2752115015"/>
+        <p14:creationId xmlns:p14="http://schemas.microsoft.com/office/powerpoint/2010/main" val="208492538"/>
       </p:ext>
     </p:extLst>
   </p:cSld>
@@ -2115,7 +4589,7 @@
           <a:p>
             <a:fld id="{DDC88B96-5AA7-4CB3-87A1-08842D85DC16}" type="datetimeFigureOut">
               <a:rPr lang="hu-HU" smtClean="0"/>
-              <a:t>2023. 11. 23.</a:t>
+              <a:t>2023. 11. 25.</a:t>
             </a:fld>
             <a:endParaRPr lang="hu-HU"/>
           </a:p>
@@ -2166,7 +4640,7 @@
     </p:spTree>
     <p:extLst>
       <p:ext uri="{BB962C8B-B14F-4D97-AF65-F5344CB8AC3E}">
-        <p14:creationId xmlns:p14="http://schemas.microsoft.com/office/powerpoint/2010/main" val="127638612"/>
+        <p14:creationId xmlns:p14="http://schemas.microsoft.com/office/powerpoint/2010/main" val="1982955402"/>
       </p:ext>
     </p:extLst>
   </p:cSld>
@@ -2205,17 +4679,15 @@
         </p:nvSpPr>
         <p:spPr>
           <a:xfrm>
-            <a:off x="1444671" y="798973"/>
-            <a:ext cx="3273099" cy="2247117"/>
-          </a:xfrm>
-        </p:spPr>
-        <p:txBody>
-          <a:bodyPr anchor="b">
-            <a:normAutofit/>
-          </a:bodyPr>
+            <a:off x="685800" y="1524000"/>
+            <a:ext cx="4114800" cy="1600200"/>
+          </a:xfrm>
+        </p:spPr>
+        <p:txBody>
+          <a:bodyPr anchor="b"/>
           <a:lstStyle>
             <a:lvl1pPr algn="l">
-              <a:defRPr sz="2400"/>
+              <a:defRPr sz="3200"/>
             </a:lvl1pPr>
           </a:lstStyle>
           <a:p>
@@ -2239,8 +4711,8 @@
         </p:nvSpPr>
         <p:spPr>
           <a:xfrm>
-            <a:off x="5043714" y="798974"/>
-            <a:ext cx="6012470" cy="4658826"/>
+            <a:off x="4995582" y="746759"/>
+            <a:ext cx="6510618" cy="5471925"/>
           </a:xfrm>
         </p:spPr>
         <p:txBody>
@@ -2296,14 +4768,14 @@
         </p:nvSpPr>
         <p:spPr>
           <a:xfrm>
-            <a:off x="1444671" y="3205491"/>
-            <a:ext cx="3275013" cy="2248181"/>
+            <a:off x="685800" y="3124199"/>
+            <a:ext cx="4114800" cy="3094485"/>
           </a:xfrm>
         </p:spPr>
         <p:txBody>
           <a:bodyPr/>
           <a:lstStyle>
-            <a:lvl1pPr marL="0" indent="0" algn="l">
+            <a:lvl1pPr marL="0" indent="0">
               <a:buNone/>
               <a:defRPr sz="1600"/>
             </a:lvl1pPr>
@@ -2366,7 +4838,7 @@
           <a:p>
             <a:fld id="{DDC88B96-5AA7-4CB3-87A1-08842D85DC16}" type="datetimeFigureOut">
               <a:rPr lang="hu-HU" smtClean="0"/>
-              <a:t>2023. 11. 23.</a:t>
+              <a:t>2023. 11. 25.</a:t>
             </a:fld>
             <a:endParaRPr lang="hu-HU"/>
           </a:p>
@@ -2414,41 +4886,10 @@
           </a:p>
         </p:txBody>
       </p:sp>
-      <p:cxnSp>
-        <p:nvCxnSpPr>
-          <p:cNvPr id="17" name="Straight Connector 16"/>
-          <p:cNvCxnSpPr/>
-          <p:nvPr/>
-        </p:nvCxnSpPr>
-        <p:spPr>
-          <a:xfrm>
-            <a:off x="1448280" y="3205491"/>
-            <a:ext cx="3269490" cy="0"/>
-          </a:xfrm>
-          <a:prstGeom prst="line">
-            <a:avLst/>
-          </a:prstGeom>
-          <a:ln w="31750"/>
-        </p:spPr>
-        <p:style>
-          <a:lnRef idx="3">
-            <a:schemeClr val="accent1"/>
-          </a:lnRef>
-          <a:fillRef idx="0">
-            <a:schemeClr val="accent1"/>
-          </a:fillRef>
-          <a:effectRef idx="2">
-            <a:schemeClr val="accent1"/>
-          </a:effectRef>
-          <a:fontRef idx="minor">
-            <a:schemeClr val="tx1"/>
-          </a:fontRef>
-        </p:style>
-      </p:cxnSp>
     </p:spTree>
     <p:extLst>
       <p:ext uri="{BB962C8B-B14F-4D97-AF65-F5344CB8AC3E}">
-        <p14:creationId xmlns:p14="http://schemas.microsoft.com/office/powerpoint/2010/main" val="2995914348"/>
+        <p14:creationId xmlns:p14="http://schemas.microsoft.com/office/powerpoint/2010/main" val="2198945349"/>
       </p:ext>
     </p:extLst>
   </p:cSld>
@@ -2475,140 +4916,6 @@
           <a:chExt cx="0" cy="0"/>
         </a:xfrm>
       </p:grpSpPr>
-      <p:grpSp>
-        <p:nvGrpSpPr>
-          <p:cNvPr id="8" name="Group 7"/>
-          <p:cNvGrpSpPr/>
-          <p:nvPr/>
-        </p:nvGrpSpPr>
-        <p:grpSpPr>
-          <a:xfrm>
-            <a:off x="7477387" y="482170"/>
-            <a:ext cx="4074533" cy="5149101"/>
-            <a:chOff x="7477387" y="482170"/>
-            <a:chExt cx="4074533" cy="5149101"/>
-          </a:xfrm>
-        </p:grpSpPr>
-        <p:sp>
-          <p:nvSpPr>
-            <p:cNvPr id="18" name="Rectangle 17"/>
-            <p:cNvSpPr/>
-            <p:nvPr/>
-          </p:nvSpPr>
-          <p:spPr bwMode="black">
-            <a:xfrm>
-              <a:off x="7477387" y="482170"/>
-              <a:ext cx="4074533" cy="5149101"/>
-            </a:xfrm>
-            <a:prstGeom prst="rect">
-              <a:avLst/>
-            </a:prstGeom>
-            <a:gradFill>
-              <a:gsLst>
-                <a:gs pos="0">
-                  <a:srgbClr val="000001"/>
-                </a:gs>
-                <a:gs pos="100000">
-                  <a:srgbClr val="191919"/>
-                </a:gs>
-              </a:gsLst>
-            </a:gradFill>
-            <a:ln w="76200" cmpd="sng">
-              <a:noFill/>
-              <a:miter lim="800000"/>
-            </a:ln>
-            <a:effectLst>
-              <a:outerShdw blurRad="127000" dist="228600" dir="4740000" sx="98000" sy="98000" algn="tl" rotWithShape="0">
-                <a:srgbClr val="000000">
-                  <a:alpha val="34000"/>
-                </a:srgbClr>
-              </a:outerShdw>
-            </a:effectLst>
-            <a:scene3d>
-              <a:camera prst="orthographicFront"/>
-              <a:lightRig rig="threePt" dir="t"/>
-            </a:scene3d>
-            <a:sp3d>
-              <a:bevelT w="152400" h="50800" prst="softRound"/>
-            </a:sp3d>
-          </p:spPr>
-          <p:style>
-            <a:lnRef idx="1">
-              <a:schemeClr val="accent1"/>
-            </a:lnRef>
-            <a:fillRef idx="3">
-              <a:schemeClr val="accent1"/>
-            </a:fillRef>
-            <a:effectRef idx="2">
-              <a:schemeClr val="accent1"/>
-            </a:effectRef>
-            <a:fontRef idx="minor">
-              <a:schemeClr val="lt1"/>
-            </a:fontRef>
-          </p:style>
-        </p:sp>
-        <p:sp>
-          <p:nvSpPr>
-            <p:cNvPr id="19" name="Rectangle 18"/>
-            <p:cNvSpPr/>
-            <p:nvPr/>
-          </p:nvSpPr>
-          <p:spPr bwMode="blackWhite">
-            <a:xfrm>
-              <a:off x="7790446" y="812506"/>
-              <a:ext cx="3450289" cy="4466452"/>
-            </a:xfrm>
-            <a:prstGeom prst="rect">
-              <a:avLst/>
-            </a:prstGeom>
-            <a:gradFill>
-              <a:gsLst>
-                <a:gs pos="0">
-                  <a:srgbClr val="DADADA"/>
-                </a:gs>
-                <a:gs pos="100000">
-                  <a:srgbClr val="FFFFFE"/>
-                </a:gs>
-              </a:gsLst>
-              <a:lin ang="16200000" scaled="0"/>
-            </a:gradFill>
-            <a:ln w="50800" cmpd="sng">
-              <a:solidFill>
-                <a:srgbClr val="191919"/>
-              </a:solidFill>
-              <a:miter lim="800000"/>
-            </a:ln>
-            <a:effectLst>
-              <a:innerShdw blurRad="63500" dist="88900" dir="14100000">
-                <a:srgbClr val="000000">
-                  <a:alpha val="30000"/>
-                </a:srgbClr>
-              </a:innerShdw>
-            </a:effectLst>
-            <a:scene3d>
-              <a:camera prst="orthographicFront"/>
-              <a:lightRig rig="threePt" dir="t"/>
-            </a:scene3d>
-            <a:sp3d>
-              <a:bevelT prst="relaxedInset"/>
-            </a:sp3d>
-          </p:spPr>
-          <p:style>
-            <a:lnRef idx="1">
-              <a:schemeClr val="accent1"/>
-            </a:lnRef>
-            <a:fillRef idx="3">
-              <a:schemeClr val="accent1"/>
-            </a:fillRef>
-            <a:effectRef idx="2">
-              <a:schemeClr val="accent1"/>
-            </a:effectRef>
-            <a:fontRef idx="minor">
-              <a:schemeClr val="lt1"/>
-            </a:fontRef>
-          </p:style>
-        </p:sp>
-      </p:grpSp>
       <p:sp>
         <p:nvSpPr>
           <p:cNvPr id="2" name="Title 1"/>
@@ -2621,16 +4928,14 @@
         </p:nvSpPr>
         <p:spPr>
           <a:xfrm>
-            <a:off x="1451206" y="1129513"/>
-            <a:ext cx="5532328" cy="1830584"/>
-          </a:xfrm>
-        </p:spPr>
-        <p:txBody>
-          <a:bodyPr anchor="b">
-            <a:normAutofit/>
-          </a:bodyPr>
+            <a:off x="685800" y="1524000"/>
+            <a:ext cx="6873240" cy="1600200"/>
+          </a:xfrm>
+        </p:spPr>
+        <p:txBody>
+          <a:bodyPr anchor="b"/>
           <a:lstStyle>
-            <a:lvl1pPr>
+            <a:lvl1pPr algn="l">
               <a:defRPr sz="3200"/>
             </a:lvl1pPr>
           </a:lstStyle>
@@ -2655,24 +4960,14 @@
         </p:nvSpPr>
         <p:spPr>
           <a:xfrm>
-            <a:off x="8124389" y="1122542"/>
-            <a:ext cx="2791171" cy="3866327"/>
-          </a:xfrm>
-          <a:solidFill>
-            <a:schemeClr val="bg1">
-              <a:lumMod val="85000"/>
-            </a:schemeClr>
-          </a:solidFill>
-          <a:ln w="9525" cap="sq">
-            <a:noFill/>
-            <a:miter lim="800000"/>
-          </a:ln>
-          <a:effectLst/>
+            <a:off x="7861238" y="751241"/>
+            <a:ext cx="3644962" cy="5467443"/>
+          </a:xfrm>
         </p:spPr>
         <p:txBody>
           <a:bodyPr anchor="t"/>
           <a:lstStyle>
-            <a:lvl1pPr marL="0" indent="0" algn="ctr">
+            <a:lvl1pPr marL="0" indent="0">
               <a:buNone/>
               <a:defRPr sz="3200"/>
             </a:lvl1pPr>
@@ -2730,18 +5025,16 @@
         </p:nvSpPr>
         <p:spPr>
           <a:xfrm>
-            <a:off x="1450329" y="3145992"/>
-            <a:ext cx="5524404" cy="2003742"/>
-          </a:xfrm>
-        </p:spPr>
-        <p:txBody>
-          <a:bodyPr>
-            <a:normAutofit/>
-          </a:bodyPr>
+            <a:off x="685800" y="3124199"/>
+            <a:ext cx="6873240" cy="3094485"/>
+          </a:xfrm>
+        </p:spPr>
+        <p:txBody>
+          <a:bodyPr/>
           <a:lstStyle>
-            <a:lvl1pPr marL="0" indent="0" algn="l">
-              <a:buNone/>
-              <a:defRPr sz="1800"/>
+            <a:lvl1pPr marL="0" indent="0">
+              <a:buNone/>
+              <a:defRPr sz="1600"/>
             </a:lvl1pPr>
             <a:lvl2pPr marL="457200" indent="0">
               <a:buNone/>
@@ -2795,23 +5088,14 @@
             <p:ph type="dt" sz="half" idx="10"/>
           </p:nvPr>
         </p:nvSpPr>
-        <p:spPr>
-          <a:xfrm>
-            <a:off x="1447382" y="5469856"/>
-            <a:ext cx="5527351" cy="320123"/>
-          </a:xfrm>
-        </p:spPr>
-        <p:txBody>
-          <a:bodyPr/>
-          <a:lstStyle>
-            <a:lvl1pPr algn="l">
-              <a:defRPr/>
-            </a:lvl1pPr>
-          </a:lstStyle>
+        <p:spPr/>
+        <p:txBody>
+          <a:bodyPr/>
+          <a:lstStyle/>
           <a:p>
             <a:fld id="{DDC88B96-5AA7-4CB3-87A1-08842D85DC16}" type="datetimeFigureOut">
               <a:rPr lang="hu-HU" smtClean="0"/>
-              <a:t>2023. 11. 23.</a:t>
+              <a:t>2023. 11. 25.</a:t>
             </a:fld>
             <a:endParaRPr lang="hu-HU"/>
           </a:p>
@@ -2827,12 +5111,7 @@
             <p:ph type="ftr" sz="quarter" idx="11"/>
           </p:nvPr>
         </p:nvSpPr>
-        <p:spPr>
-          <a:xfrm>
-            <a:off x="1447382" y="318640"/>
-            <a:ext cx="5541004" cy="320931"/>
-          </a:xfrm>
-        </p:spPr>
+        <p:spPr/>
         <p:txBody>
           <a:bodyPr/>
           <a:lstStyle/>
@@ -2864,41 +5143,10 @@
           </a:p>
         </p:txBody>
       </p:sp>
-      <p:cxnSp>
-        <p:nvCxnSpPr>
-          <p:cNvPr id="31" name="Straight Connector 30"/>
-          <p:cNvCxnSpPr/>
-          <p:nvPr/>
-        </p:nvCxnSpPr>
-        <p:spPr>
-          <a:xfrm>
-            <a:off x="1447382" y="3143605"/>
-            <a:ext cx="5527351" cy="0"/>
-          </a:xfrm>
-          <a:prstGeom prst="line">
-            <a:avLst/>
-          </a:prstGeom>
-          <a:ln w="31750"/>
-        </p:spPr>
-        <p:style>
-          <a:lnRef idx="3">
-            <a:schemeClr val="accent1"/>
-          </a:lnRef>
-          <a:fillRef idx="0">
-            <a:schemeClr val="accent1"/>
-          </a:fillRef>
-          <a:effectRef idx="2">
-            <a:schemeClr val="accent1"/>
-          </a:effectRef>
-          <a:fontRef idx="minor">
-            <a:schemeClr val="tx1"/>
-          </a:fontRef>
-        </p:style>
-      </p:cxnSp>
     </p:spTree>
     <p:extLst>
       <p:ext uri="{BB962C8B-B14F-4D97-AF65-F5344CB8AC3E}">
-        <p14:creationId xmlns:p14="http://schemas.microsoft.com/office/powerpoint/2010/main" val="92445852"/>
+        <p14:creationId xmlns:p14="http://schemas.microsoft.com/office/powerpoint/2010/main" val="556230083"/>
       </p:ext>
     </p:extLst>
   </p:cSld>
@@ -2912,8 +5160,8 @@
 <p:sldMaster xmlns:a="http://schemas.openxmlformats.org/drawingml/2006/main" xmlns:r="http://schemas.openxmlformats.org/officeDocument/2006/relationships" xmlns:p="http://schemas.openxmlformats.org/presentationml/2006/main">
   <p:cSld>
     <p:bg>
-      <p:bgRef idx="1003">
-        <a:schemeClr val="bg2"/>
+      <p:bgRef idx="1001">
+        <a:schemeClr val="bg1"/>
       </p:bgRef>
     </p:bg>
     <p:spTree>
@@ -2930,78 +5178,30 @@
           <a:chExt cx="0" cy="0"/>
         </a:xfrm>
       </p:grpSpPr>
-      <p:sp>
-        <p:nvSpPr>
-          <p:cNvPr id="8" name="Rectangle 7"/>
-          <p:cNvSpPr/>
-          <p:nvPr/>
-        </p:nvSpPr>
-        <p:spPr>
-          <a:xfrm>
-            <a:off x="0" y="2019476"/>
-            <a:ext cx="12192000" cy="4105941"/>
-          </a:xfrm>
-          <a:prstGeom prst="rect">
-            <a:avLst/>
-          </a:prstGeom>
-          <a:gradFill flip="none" rotWithShape="1">
-            <a:gsLst>
-              <a:gs pos="0">
-                <a:schemeClr val="bg2">
-                  <a:alpha val="0"/>
-                </a:schemeClr>
-              </a:gs>
-              <a:gs pos="100000">
-                <a:schemeClr val="bg2"/>
-              </a:gs>
-            </a:gsLst>
-            <a:lin ang="5400000" scaled="0"/>
-            <a:tileRect/>
-          </a:gradFill>
-          <a:ln>
-            <a:noFill/>
-          </a:ln>
-        </p:spPr>
-        <p:style>
-          <a:lnRef idx="2">
-            <a:schemeClr val="accent1">
-              <a:shade val="50000"/>
-            </a:schemeClr>
-          </a:lnRef>
-          <a:fillRef idx="1">
-            <a:schemeClr val="accent1"/>
-          </a:fillRef>
-          <a:effectRef idx="0">
-            <a:schemeClr val="accent1"/>
-          </a:effectRef>
-          <a:fontRef idx="minor">
-            <a:schemeClr val="lt1"/>
-          </a:fontRef>
-        </p:style>
-      </p:sp>
       <p:pic>
         <p:nvPicPr>
-          <p:cNvPr id="7" name="Picture 6"/>
+          <p:cNvPr id="7" name="Picture 6" descr="C0-HD-TOP.png"/>
           <p:cNvPicPr>
             <a:picLocks noChangeAspect="1"/>
           </p:cNvPicPr>
           <p:nvPr/>
         </p:nvPicPr>
-        <p:blipFill rotWithShape="1">
-          <a:blip r:embed="rId13">
+        <p:blipFill>
+          <a:blip r:embed="rId19">
             <a:extLst>
               <a:ext uri="{28A0092B-C50C-407E-A947-70E740481C1C}">
                 <a14:useLocalDpi xmlns:a14="http://schemas.microsoft.com/office/drawing/2010/main" val="0"/>
               </a:ext>
             </a:extLst>
           </a:blip>
-          <a:srcRect t="1538" b="-1538"/>
-          <a:stretch/>
+          <a:stretch>
+            <a:fillRect/>
+          </a:stretch>
         </p:blipFill>
-        <p:spPr bwMode="black">
-          <a:xfrm>
-            <a:off x="0" y="6126480"/>
-            <a:ext cx="12192000" cy="742950"/>
+        <p:spPr>
+          <a:xfrm>
+            <a:off x="0" y="0"/>
+            <a:ext cx="12192000" cy="1441450"/>
           </a:xfrm>
           <a:prstGeom prst="rect">
             <a:avLst/>
@@ -3020,15 +5220,15 @@
         </p:nvSpPr>
         <p:spPr>
           <a:xfrm>
-            <a:off x="1451579" y="804519"/>
-            <a:ext cx="9603275" cy="1049235"/>
+            <a:off x="2895600" y="764373"/>
+            <a:ext cx="8610600" cy="1293028"/>
           </a:xfrm>
           <a:prstGeom prst="rect">
             <a:avLst/>
           </a:prstGeom>
         </p:spPr>
         <p:txBody>
-          <a:bodyPr vert="horz" lIns="91440" tIns="45720" rIns="91440" bIns="45720" rtlCol="0" anchor="t">
+          <a:bodyPr vert="horz" lIns="91440" tIns="45720" rIns="91440" bIns="45720" rtlCol="0" anchor="ctr">
             <a:normAutofit/>
           </a:bodyPr>
           <a:lstStyle/>
@@ -3053,8 +5253,8 @@
         </p:nvSpPr>
         <p:spPr>
           <a:xfrm>
-            <a:off x="1451579" y="2015732"/>
-            <a:ext cx="9603275" cy="3450613"/>
+            <a:off x="685800" y="2194560"/>
+            <a:ext cx="10820400" cy="4024125"/>
           </a:xfrm>
           <a:prstGeom prst="rect">
             <a:avLst/>
@@ -3115,8 +5315,8 @@
         </p:nvSpPr>
         <p:spPr>
           <a:xfrm>
-            <a:off x="7554138" y="330370"/>
-            <a:ext cx="3500715" cy="309201"/>
+            <a:off x="8595360" y="6356350"/>
+            <a:ext cx="2910840" cy="365125"/>
           </a:xfrm>
           <a:prstGeom prst="rect">
             <a:avLst/>
@@ -3126,7 +5326,7 @@
           <a:bodyPr vert="horz" lIns="91440" tIns="45720" rIns="91440" bIns="45720" rtlCol="0" anchor="ctr"/>
           <a:lstStyle>
             <a:lvl1pPr algn="r">
-              <a:defRPr sz="1000">
+              <a:defRPr sz="1050">
                 <a:solidFill>
                   <a:schemeClr val="tx1">
                     <a:tint val="75000"/>
@@ -3138,7 +5338,7 @@
           <a:p>
             <a:fld id="{DDC88B96-5AA7-4CB3-87A1-08842D85DC16}" type="datetimeFigureOut">
               <a:rPr lang="hu-HU" smtClean="0"/>
-              <a:t>2023. 11. 23.</a:t>
+              <a:t>2023. 11. 25.</a:t>
             </a:fld>
             <a:endParaRPr lang="hu-HU"/>
           </a:p>
@@ -3156,8 +5356,8 @@
         </p:nvSpPr>
         <p:spPr>
           <a:xfrm>
-            <a:off x="1451579" y="329307"/>
-            <a:ext cx="5938836" cy="309201"/>
+            <a:off x="685800" y="6355845"/>
+            <a:ext cx="7772400" cy="365125"/>
           </a:xfrm>
           <a:prstGeom prst="rect">
             <a:avLst/>
@@ -3167,7 +5367,7 @@
           <a:bodyPr vert="horz" lIns="91440" tIns="45720" rIns="91440" bIns="45720" rtlCol="0" anchor="ctr"/>
           <a:lstStyle>
             <a:lvl1pPr algn="l">
-              <a:defRPr sz="1000">
+              <a:defRPr sz="1050">
                 <a:solidFill>
                   <a:schemeClr val="tx1">
                     <a:tint val="75000"/>
@@ -3193,20 +5393,22 @@
         </p:nvSpPr>
         <p:spPr>
           <a:xfrm>
-            <a:off x="480060" y="798973"/>
-            <a:ext cx="811019" cy="503578"/>
+            <a:off x="8763000" y="381000"/>
+            <a:ext cx="2743200" cy="365125"/>
           </a:xfrm>
           <a:prstGeom prst="rect">
             <a:avLst/>
           </a:prstGeom>
         </p:spPr>
         <p:txBody>
-          <a:bodyPr vert="horz" lIns="91440" tIns="45720" rIns="91440" bIns="45720" rtlCol="0" anchor="t"/>
+          <a:bodyPr vert="horz" lIns="91440" tIns="45720" rIns="91440" bIns="45720" rtlCol="0" anchor="ctr"/>
           <a:lstStyle>
             <a:lvl1pPr algn="r">
-              <a:defRPr sz="2800">
+              <a:defRPr sz="1050">
                 <a:solidFill>
-                  <a:schemeClr val="accent1"/>
+                  <a:schemeClr val="tx1">
+                    <a:tint val="75000"/>
+                  </a:schemeClr>
                 </a:solidFill>
               </a:defRPr>
             </a:lvl1pPr>
@@ -3220,67 +5422,36 @@
           </a:p>
         </p:txBody>
       </p:sp>
-      <p:cxnSp>
-        <p:nvCxnSpPr>
-          <p:cNvPr id="10" name="Straight Connector 9"/>
-          <p:cNvCxnSpPr/>
-          <p:nvPr/>
-        </p:nvCxnSpPr>
-        <p:spPr>
-          <a:xfrm>
-            <a:off x="0" y="6128413"/>
-            <a:ext cx="12192000" cy="0"/>
-          </a:xfrm>
-          <a:prstGeom prst="line">
-            <a:avLst/>
-          </a:prstGeom>
-          <a:ln w="12700">
-            <a:solidFill>
-              <a:srgbClr val="000001">
-                <a:alpha val="20000"/>
-              </a:srgbClr>
-            </a:solidFill>
-          </a:ln>
-        </p:spPr>
-        <p:style>
-          <a:lnRef idx="1">
-            <a:schemeClr val="accent1"/>
-          </a:lnRef>
-          <a:fillRef idx="0">
-            <a:schemeClr val="accent1"/>
-          </a:fillRef>
-          <a:effectRef idx="0">
-            <a:schemeClr val="accent1"/>
-          </a:effectRef>
-          <a:fontRef idx="minor">
-            <a:schemeClr val="tx1"/>
-          </a:fontRef>
-        </p:style>
-      </p:cxnSp>
     </p:spTree>
     <p:extLst>
       <p:ext uri="{BB962C8B-B14F-4D97-AF65-F5344CB8AC3E}">
-        <p14:creationId xmlns:p14="http://schemas.microsoft.com/office/powerpoint/2010/main" val="3248394922"/>
+        <p14:creationId xmlns:p14="http://schemas.microsoft.com/office/powerpoint/2010/main" val="2180250324"/>
       </p:ext>
     </p:extLst>
   </p:cSld>
-  <p:clrMap bg1="lt1" tx1="dk1" bg2="lt2" tx2="dk2" accent1="accent1" accent2="accent2" accent3="accent3" accent4="accent4" accent5="accent5" accent6="accent6" hlink="hlink" folHlink="folHlink"/>
+  <p:clrMap bg1="dk1" tx1="lt1" bg2="dk2" tx2="lt2" accent1="accent1" accent2="accent2" accent3="accent3" accent4="accent4" accent5="accent5" accent6="accent6" hlink="hlink" folHlink="folHlink"/>
   <p:sldLayoutIdLst>
-    <p:sldLayoutId id="2147483673" r:id="rId1"/>
-    <p:sldLayoutId id="2147483674" r:id="rId2"/>
-    <p:sldLayoutId id="2147483675" r:id="rId3"/>
-    <p:sldLayoutId id="2147483676" r:id="rId4"/>
-    <p:sldLayoutId id="2147483677" r:id="rId5"/>
-    <p:sldLayoutId id="2147483678" r:id="rId6"/>
-    <p:sldLayoutId id="2147483679" r:id="rId7"/>
-    <p:sldLayoutId id="2147483680" r:id="rId8"/>
-    <p:sldLayoutId id="2147483681" r:id="rId9"/>
-    <p:sldLayoutId id="2147483682" r:id="rId10"/>
-    <p:sldLayoutId id="2147483683" r:id="rId11"/>
+    <p:sldLayoutId id="2147483685" r:id="rId1"/>
+    <p:sldLayoutId id="2147483686" r:id="rId2"/>
+    <p:sldLayoutId id="2147483687" r:id="rId3"/>
+    <p:sldLayoutId id="2147483688" r:id="rId4"/>
+    <p:sldLayoutId id="2147483689" r:id="rId5"/>
+    <p:sldLayoutId id="2147483690" r:id="rId6"/>
+    <p:sldLayoutId id="2147483691" r:id="rId7"/>
+    <p:sldLayoutId id="2147483692" r:id="rId8"/>
+    <p:sldLayoutId id="2147483693" r:id="rId9"/>
+    <p:sldLayoutId id="2147483694" r:id="rId10"/>
+    <p:sldLayoutId id="2147483695" r:id="rId11"/>
+    <p:sldLayoutId id="2147483696" r:id="rId12"/>
+    <p:sldLayoutId id="2147483697" r:id="rId13"/>
+    <p:sldLayoutId id="2147483698" r:id="rId14"/>
+    <p:sldLayoutId id="2147483699" r:id="rId15"/>
+    <p:sldLayoutId id="2147483700" r:id="rId16"/>
+    <p:sldLayoutId id="2147483701" r:id="rId17"/>
   </p:sldLayoutIdLst>
   <p:txStyles>
     <p:titleStyle>
-      <a:lvl1pPr algn="l" defTabSz="914400" rtl="0" eaLnBrk="1" latinLnBrk="0" hangingPunct="1">
+      <a:lvl1pPr algn="r" defTabSz="914400" rtl="0" eaLnBrk="1" latinLnBrk="0" hangingPunct="1">
         <a:lnSpc>
           <a:spcPct val="90000"/>
         </a:lnSpc>
@@ -3288,11 +5459,10 @@
           <a:spcPct val="0"/>
         </a:spcBef>
         <a:buNone/>
-        <a:defRPr sz="3200" b="0" i="0" kern="1200" cap="all">
+        <a:defRPr sz="4000" kern="1200" cap="all" baseline="0">
           <a:solidFill>
             <a:schemeClr val="tx1"/>
           </a:solidFill>
-          <a:effectLst/>
           <a:latin typeface="+mj-lt"/>
           <a:ea typeface="+mj-ea"/>
           <a:cs typeface="+mj-cs"/>
@@ -3302,22 +5472,17 @@
     <p:bodyStyle>
       <a:lvl1pPr marL="228600" indent="-228600" algn="l" defTabSz="914400" rtl="0" eaLnBrk="1" latinLnBrk="0" hangingPunct="1">
         <a:lnSpc>
-          <a:spcPct val="120000"/>
+          <a:spcPct val="90000"/>
         </a:lnSpc>
         <a:spcBef>
           <a:spcPts val="1000"/>
         </a:spcBef>
-        <a:buClr>
-          <a:schemeClr val="accent1"/>
-        </a:buClr>
-        <a:buSzPct val="100000"/>
         <a:buFont typeface="Arial" panose="020B0604020202020204" pitchFamily="34" charset="0"/>
         <a:buChar char="•"/>
-        <a:defRPr sz="2000" kern="1200">
+        <a:defRPr sz="2200" kern="1200">
           <a:solidFill>
             <a:schemeClr val="tx1"/>
           </a:solidFill>
-          <a:effectLst/>
           <a:latin typeface="+mn-lt"/>
           <a:ea typeface="+mn-ea"/>
           <a:cs typeface="+mn-cs"/>
@@ -3325,22 +5490,17 @@
       </a:lvl1pPr>
       <a:lvl2pPr marL="685800" indent="-228600" algn="l" defTabSz="914400" rtl="0" eaLnBrk="1" latinLnBrk="0" hangingPunct="1">
         <a:lnSpc>
-          <a:spcPct val="120000"/>
+          <a:spcPct val="90000"/>
         </a:lnSpc>
         <a:spcBef>
           <a:spcPts val="500"/>
         </a:spcBef>
-        <a:buClr>
-          <a:schemeClr val="accent1"/>
-        </a:buClr>
-        <a:buSzPct val="100000"/>
         <a:buFont typeface="Arial" panose="020B0604020202020204" pitchFamily="34" charset="0"/>
         <a:buChar char="•"/>
-        <a:defRPr sz="1800" kern="1200" cap="none" baseline="0">
+        <a:defRPr sz="2000" kern="1200">
           <a:solidFill>
             <a:schemeClr val="tx1"/>
           </a:solidFill>
-          <a:effectLst/>
           <a:latin typeface="+mn-lt"/>
           <a:ea typeface="+mn-ea"/>
           <a:cs typeface="+mn-cs"/>
@@ -3348,22 +5508,17 @@
       </a:lvl2pPr>
       <a:lvl3pPr marL="1143000" indent="-228600" algn="l" defTabSz="914400" rtl="0" eaLnBrk="1" latinLnBrk="0" hangingPunct="1">
         <a:lnSpc>
-          <a:spcPct val="120000"/>
+          <a:spcPct val="90000"/>
         </a:lnSpc>
         <a:spcBef>
           <a:spcPts val="500"/>
         </a:spcBef>
-        <a:buClr>
-          <a:schemeClr val="accent1"/>
-        </a:buClr>
-        <a:buSzPct val="100000"/>
         <a:buFont typeface="Arial" panose="020B0604020202020204" pitchFamily="34" charset="0"/>
         <a:buChar char="•"/>
-        <a:defRPr sz="1600" kern="1200">
+        <a:defRPr sz="1800" kern="1200">
           <a:solidFill>
             <a:schemeClr val="tx1"/>
           </a:solidFill>
-          <a:effectLst/>
           <a:latin typeface="+mn-lt"/>
           <a:ea typeface="+mn-ea"/>
           <a:cs typeface="+mn-cs"/>
@@ -3371,22 +5526,17 @@
       </a:lvl3pPr>
       <a:lvl4pPr marL="1600200" indent="-228600" algn="l" defTabSz="914400" rtl="0" eaLnBrk="1" latinLnBrk="0" hangingPunct="1">
         <a:lnSpc>
-          <a:spcPct val="120000"/>
+          <a:spcPct val="90000"/>
         </a:lnSpc>
         <a:spcBef>
           <a:spcPts val="500"/>
         </a:spcBef>
-        <a:buClr>
-          <a:schemeClr val="accent1"/>
-        </a:buClr>
-        <a:buSzPct val="100000"/>
         <a:buFont typeface="Arial" panose="020B0604020202020204" pitchFamily="34" charset="0"/>
         <a:buChar char="•"/>
-        <a:defRPr sz="1400" kern="1200" cap="none" baseline="0">
+        <a:defRPr sz="1600" kern="1200">
           <a:solidFill>
             <a:schemeClr val="tx1"/>
           </a:solidFill>
-          <a:effectLst/>
           <a:latin typeface="+mn-lt"/>
           <a:ea typeface="+mn-ea"/>
           <a:cs typeface="+mn-cs"/>
@@ -3394,22 +5544,17 @@
       </a:lvl4pPr>
       <a:lvl5pPr marL="2057400" indent="-228600" algn="l" defTabSz="914400" rtl="0" eaLnBrk="1" latinLnBrk="0" hangingPunct="1">
         <a:lnSpc>
-          <a:spcPct val="120000"/>
+          <a:spcPct val="90000"/>
         </a:lnSpc>
         <a:spcBef>
           <a:spcPts val="500"/>
         </a:spcBef>
-        <a:buClr>
-          <a:schemeClr val="accent1"/>
-        </a:buClr>
-        <a:buSzPct val="100000"/>
         <a:buFont typeface="Arial" panose="020B0604020202020204" pitchFamily="34" charset="0"/>
         <a:buChar char="•"/>
-        <a:defRPr sz="1200" kern="1200">
+        <a:defRPr sz="1600" kern="1200">
           <a:solidFill>
             <a:schemeClr val="tx1"/>
           </a:solidFill>
-          <a:effectLst/>
           <a:latin typeface="+mn-lt"/>
           <a:ea typeface="+mn-ea"/>
           <a:cs typeface="+mn-cs"/>
@@ -3417,22 +5562,17 @@
       </a:lvl5pPr>
       <a:lvl6pPr marL="2514600" indent="-228600" algn="l" defTabSz="914400" rtl="0" eaLnBrk="1" latinLnBrk="0" hangingPunct="1">
         <a:lnSpc>
-          <a:spcPct val="120000"/>
+          <a:spcPct val="90000"/>
         </a:lnSpc>
         <a:spcBef>
           <a:spcPts val="500"/>
         </a:spcBef>
-        <a:buClr>
-          <a:schemeClr val="accent1"/>
-        </a:buClr>
-        <a:buSzPct val="100000"/>
         <a:buFont typeface="Arial" panose="020B0604020202020204" pitchFamily="34" charset="0"/>
         <a:buChar char="•"/>
-        <a:defRPr sz="1200" kern="1200">
+        <a:defRPr sz="1600" kern="1200">
           <a:solidFill>
             <a:schemeClr val="tx1"/>
           </a:solidFill>
-          <a:effectLst/>
           <a:latin typeface="+mn-lt"/>
           <a:ea typeface="+mn-ea"/>
           <a:cs typeface="+mn-cs"/>
@@ -3440,22 +5580,17 @@
       </a:lvl6pPr>
       <a:lvl7pPr marL="2971800" indent="-228600" algn="l" defTabSz="914400" rtl="0" eaLnBrk="1" latinLnBrk="0" hangingPunct="1">
         <a:lnSpc>
-          <a:spcPct val="120000"/>
+          <a:spcPct val="90000"/>
         </a:lnSpc>
         <a:spcBef>
           <a:spcPts val="500"/>
         </a:spcBef>
-        <a:buClr>
-          <a:schemeClr val="accent1"/>
-        </a:buClr>
-        <a:buSzPct val="100000"/>
         <a:buFont typeface="Arial" panose="020B0604020202020204" pitchFamily="34" charset="0"/>
         <a:buChar char="•"/>
-        <a:defRPr sz="1200" kern="1200">
+        <a:defRPr sz="1600" kern="1200">
           <a:solidFill>
             <a:schemeClr val="tx1"/>
           </a:solidFill>
-          <a:effectLst/>
           <a:latin typeface="+mn-lt"/>
           <a:ea typeface="+mn-ea"/>
           <a:cs typeface="+mn-cs"/>
@@ -3463,22 +5598,17 @@
       </a:lvl7pPr>
       <a:lvl8pPr marL="3429000" indent="-228600" algn="l" defTabSz="914400" rtl="0" eaLnBrk="1" latinLnBrk="0" hangingPunct="1">
         <a:lnSpc>
-          <a:spcPct val="120000"/>
+          <a:spcPct val="90000"/>
         </a:lnSpc>
         <a:spcBef>
           <a:spcPts val="500"/>
         </a:spcBef>
-        <a:buClr>
-          <a:schemeClr val="accent1"/>
-        </a:buClr>
-        <a:buSzPct val="100000"/>
         <a:buFont typeface="Arial" panose="020B0604020202020204" pitchFamily="34" charset="0"/>
         <a:buChar char="•"/>
-        <a:defRPr sz="1200" kern="1200" baseline="0">
+        <a:defRPr sz="1600" kern="1200">
           <a:solidFill>
             <a:schemeClr val="tx1"/>
           </a:solidFill>
-          <a:effectLst/>
           <a:latin typeface="+mn-lt"/>
           <a:ea typeface="+mn-ea"/>
           <a:cs typeface="+mn-cs"/>
@@ -3486,22 +5616,17 @@
       </a:lvl8pPr>
       <a:lvl9pPr marL="3886200" indent="-228600" algn="l" defTabSz="914400" rtl="0" eaLnBrk="1" latinLnBrk="0" hangingPunct="1">
         <a:lnSpc>
-          <a:spcPct val="120000"/>
+          <a:spcPct val="90000"/>
         </a:lnSpc>
         <a:spcBef>
           <a:spcPts val="500"/>
         </a:spcBef>
-        <a:buClr>
-          <a:schemeClr val="accent1"/>
-        </a:buClr>
-        <a:buSzPct val="100000"/>
         <a:buFont typeface="Arial" panose="020B0604020202020204" pitchFamily="34" charset="0"/>
         <a:buChar char="•"/>
-        <a:defRPr sz="1200" kern="1200" baseline="0">
+        <a:defRPr sz="1600" kern="1200">
           <a:solidFill>
             <a:schemeClr val="tx1"/>
           </a:solidFill>
-          <a:effectLst/>
           <a:latin typeface="+mn-lt"/>
           <a:ea typeface="+mn-ea"/>
           <a:cs typeface="+mn-cs"/>
@@ -3610,6 +5735,14 @@
 <file path=ppt/slides/slide1.xml><?xml version="1.0" encoding="utf-8"?>
 <p:sld xmlns:a="http://schemas.openxmlformats.org/drawingml/2006/main" xmlns:r="http://schemas.openxmlformats.org/officeDocument/2006/relationships" xmlns:p="http://schemas.openxmlformats.org/presentationml/2006/main">
   <p:cSld>
+    <p:bg>
+      <p:bgPr>
+        <a:solidFill>
+          <a:schemeClr val="bg1"/>
+        </a:solidFill>
+        <a:effectLst/>
+      </p:bgPr>
+    </p:bg>
     <p:spTree>
       <p:nvGrpSpPr>
         <p:cNvPr id="1" name=""/>
@@ -3624,6 +5757,37 @@
           <a:chExt cx="0" cy="0"/>
         </a:xfrm>
       </p:grpSpPr>
+      <p:pic>
+        <p:nvPicPr>
+          <p:cNvPr id="5" name="Picture 4">
+            <a:extLst>
+              <a:ext uri="{FF2B5EF4-FFF2-40B4-BE49-F238E27FC236}">
+                <a16:creationId xmlns:a16="http://schemas.microsoft.com/office/drawing/2014/main" id="{CA1870BF-6FA1-6B8D-BE9E-B5CC6044E7BD}"/>
+              </a:ext>
+            </a:extLst>
+          </p:cNvPr>
+          <p:cNvPicPr>
+            <a:picLocks noChangeAspect="1"/>
+          </p:cNvPicPr>
+          <p:nvPr/>
+        </p:nvPicPr>
+        <p:blipFill rotWithShape="1">
+          <a:blip r:embed="rId2">
+            <a:alphaModFix amt="40000"/>
+          </a:blip>
+          <a:srcRect/>
+          <a:stretch/>
+        </p:blipFill>
+        <p:spPr>
+          <a:xfrm>
+            <a:off x="20" y="10"/>
+            <a:ext cx="12191980" cy="6857990"/>
+          </a:xfrm>
+          <a:prstGeom prst="rect">
+            <a:avLst/>
+          </a:prstGeom>
+        </p:spPr>
+      </p:pic>
       <p:sp>
         <p:nvSpPr>
           <p:cNvPr id="2" name="Cím 1">
@@ -3640,24 +5804,30 @@
             <p:ph type="ctrTitle"/>
           </p:nvPr>
         </p:nvSpPr>
-        <p:spPr/>
+        <p:spPr>
+          <a:xfrm>
+            <a:off x="1371600" y="2237173"/>
+            <a:ext cx="9448800" cy="2602062"/>
+          </a:xfrm>
+        </p:spPr>
         <p:txBody>
           <a:bodyPr>
-            <a:normAutofit fontScale="90000"/>
+            <a:normAutofit/>
           </a:bodyPr>
           <a:lstStyle/>
           <a:p>
             <a:r>
-              <a:rPr lang="hu-HU" dirty="0"/>
+              <a:rPr lang="hu-HU"/>
               <a:t>Többváltozós adatelemzés</a:t>
             </a:r>
             <a:br>
-              <a:rPr lang="hu-HU" dirty="0"/>
+              <a:rPr lang="hu-HU"/>
             </a:br>
             <a:r>
-              <a:rPr lang="hu-HU" dirty="0"/>
+              <a:rPr lang="hu-HU"/>
               <a:t>Prezentáció</a:t>
             </a:r>
+            <a:endParaRPr lang="hu-HU" dirty="0"/>
           </a:p>
         </p:txBody>
       </p:sp>
@@ -3677,9 +5847,16 @@
             <p:ph type="subTitle" idx="1"/>
           </p:nvPr>
         </p:nvSpPr>
-        <p:spPr/>
-        <p:txBody>
-          <a:bodyPr/>
+        <p:spPr>
+          <a:xfrm>
+            <a:off x="1371600" y="4842935"/>
+            <a:ext cx="9448800" cy="685800"/>
+          </a:xfrm>
+        </p:spPr>
+        <p:txBody>
+          <a:bodyPr>
+            <a:normAutofit/>
+          </a:bodyPr>
           <a:lstStyle/>
           <a:p>
             <a:r>
@@ -3703,6 +5880,145 @@
   <p:clrMapOvr>
     <a:masterClrMapping/>
   </p:clrMapOvr>
+  <p:timing>
+    <p:tnLst>
+      <p:par>
+        <p:cTn id="1" dur="indefinite" restart="never" nodeType="tmRoot">
+          <p:childTnLst>
+            <p:seq concurrent="1" nextAc="seek">
+              <p:cTn id="2" dur="indefinite" nodeType="mainSeq">
+                <p:childTnLst>
+                  <p:par>
+                    <p:cTn id="3" fill="hold">
+                      <p:stCondLst>
+                        <p:cond delay="indefinite"/>
+                        <p:cond evt="onBegin" delay="0">
+                          <p:tn val="2"/>
+                        </p:cond>
+                      </p:stCondLst>
+                      <p:childTnLst>
+                        <p:par>
+                          <p:cTn id="4" fill="hold">
+                            <p:stCondLst>
+                              <p:cond delay="0"/>
+                            </p:stCondLst>
+                            <p:childTnLst>
+                              <p:par>
+                                <p:cTn id="5" presetID="10" presetClass="entr" presetSubtype="0" fill="hold" grpId="0" nodeType="withEffect">
+                                  <p:stCondLst>
+                                    <p:cond delay="1000"/>
+                                  </p:stCondLst>
+                                  <p:iterate type="lt">
+                                    <p:tmPct val="10000"/>
+                                  </p:iterate>
+                                  <p:childTnLst>
+                                    <p:set>
+                                      <p:cBhvr>
+                                        <p:cTn id="6" dur="1" fill="hold">
+                                          <p:stCondLst>
+                                            <p:cond delay="0"/>
+                                          </p:stCondLst>
+                                        </p:cTn>
+                                        <p:tgtEl>
+                                          <p:spTgt spid="2"/>
+                                        </p:tgtEl>
+                                        <p:attrNameLst>
+                                          <p:attrName>style.visibility</p:attrName>
+                                        </p:attrNameLst>
+                                      </p:cBhvr>
+                                      <p:to>
+                                        <p:strVal val="visible"/>
+                                      </p:to>
+                                    </p:set>
+                                    <p:animEffect transition="in" filter="fade">
+                                      <p:cBhvr>
+                                        <p:cTn id="7" dur="400"/>
+                                        <p:tgtEl>
+                                          <p:spTgt spid="2"/>
+                                        </p:tgtEl>
+                                      </p:cBhvr>
+                                    </p:animEffect>
+                                  </p:childTnLst>
+                                </p:cTn>
+                              </p:par>
+                              <p:par>
+                                <p:cTn id="8" presetID="10" presetClass="entr" presetSubtype="0" fill="hold" grpId="0" nodeType="withEffect">
+                                  <p:stCondLst>
+                                    <p:cond delay="2000"/>
+                                  </p:stCondLst>
+                                  <p:iterate type="lt">
+                                    <p:tmPct val="10000"/>
+                                  </p:iterate>
+                                  <p:childTnLst>
+                                    <p:set>
+                                      <p:cBhvr>
+                                        <p:cTn id="9" dur="1" fill="hold">
+                                          <p:stCondLst>
+                                            <p:cond delay="0"/>
+                                          </p:stCondLst>
+                                        </p:cTn>
+                                        <p:tgtEl>
+                                          <p:spTgt spid="3">
+                                            <p:txEl>
+                                              <p:pRg st="0" end="0"/>
+                                            </p:txEl>
+                                          </p:spTgt>
+                                        </p:tgtEl>
+                                        <p:attrNameLst>
+                                          <p:attrName>style.visibility</p:attrName>
+                                        </p:attrNameLst>
+                                      </p:cBhvr>
+                                      <p:to>
+                                        <p:strVal val="visible"/>
+                                      </p:to>
+                                    </p:set>
+                                    <p:animEffect transition="in" filter="fade">
+                                      <p:cBhvr>
+                                        <p:cTn id="10" dur="400"/>
+                                        <p:tgtEl>
+                                          <p:spTgt spid="3">
+                                            <p:txEl>
+                                              <p:pRg st="0" end="0"/>
+                                            </p:txEl>
+                                          </p:spTgt>
+                                        </p:tgtEl>
+                                      </p:cBhvr>
+                                    </p:animEffect>
+                                  </p:childTnLst>
+                                </p:cTn>
+                              </p:par>
+                            </p:childTnLst>
+                          </p:cTn>
+                        </p:par>
+                      </p:childTnLst>
+                    </p:cTn>
+                  </p:par>
+                </p:childTnLst>
+              </p:cTn>
+              <p:prevCondLst>
+                <p:cond evt="onPrev" delay="0">
+                  <p:tgtEl>
+                    <p:sldTgt/>
+                  </p:tgtEl>
+                </p:cond>
+              </p:prevCondLst>
+              <p:nextCondLst>
+                <p:cond evt="onNext" delay="0">
+                  <p:tgtEl>
+                    <p:sldTgt/>
+                  </p:tgtEl>
+                </p:cond>
+              </p:nextCondLst>
+            </p:seq>
+          </p:childTnLst>
+        </p:cTn>
+      </p:par>
+    </p:tnLst>
+    <p:bldLst>
+      <p:bldP spid="2" grpId="0"/>
+      <p:bldP spid="3" grpId="0" build="p"/>
+    </p:bldLst>
+  </p:timing>
 </p:sld>
 </file>
 
@@ -4110,9 +6426,9 @@
 </file>
 
 <file path=ppt/theme/theme1.xml><?xml version="1.0" encoding="utf-8"?>
-<a:theme xmlns:a="http://schemas.openxmlformats.org/drawingml/2006/main" name="Galéria">
+<a:theme xmlns:a="http://schemas.openxmlformats.org/drawingml/2006/main" name="Kondenzcsík">
   <a:themeElements>
-    <a:clrScheme name="Galéria">
+    <a:clrScheme name="Kondenzcsík">
       <a:dk1>
         <a:sysClr val="windowText" lastClr="000000"/>
       </a:dk1>
@@ -4123,41 +6439,41 @@
         <a:srgbClr val="454545"/>
       </a:dk2>
       <a:lt2>
-        <a:srgbClr val="DFDBD5"/>
+        <a:srgbClr val="DADADA"/>
       </a:lt2>
       <a:accent1>
-        <a:srgbClr val="B71E42"/>
+        <a:srgbClr val="DF2E28"/>
       </a:accent1>
       <a:accent2>
-        <a:srgbClr val="DE478E"/>
+        <a:srgbClr val="FE801A"/>
       </a:accent2>
       <a:accent3>
-        <a:srgbClr val="BC72F0"/>
+        <a:srgbClr val="E9BF35"/>
       </a:accent3>
       <a:accent4>
-        <a:srgbClr val="795FAF"/>
+        <a:srgbClr val="81BB42"/>
       </a:accent4>
       <a:accent5>
-        <a:srgbClr val="586EA6"/>
+        <a:srgbClr val="32C7A9"/>
       </a:accent5>
       <a:accent6>
-        <a:srgbClr val="6892A0"/>
+        <a:srgbClr val="4A9BDC"/>
       </a:accent6>
       <a:hlink>
-        <a:srgbClr val="FA2B5C"/>
+        <a:srgbClr val="F0532B"/>
       </a:hlink>
       <a:folHlink>
-        <a:srgbClr val="BC658E"/>
+        <a:srgbClr val="F38B53"/>
       </a:folHlink>
     </a:clrScheme>
-    <a:fontScheme name="Galéria">
+    <a:fontScheme name="Kondenzcsík">
       <a:majorFont>
-        <a:latin typeface="Gill Sans MT" panose="020B0502020104020203"/>
+        <a:latin typeface="Century Gothic" panose="020B0502020202020204"/>
         <a:ea typeface=""/>
         <a:cs typeface=""/>
-        <a:font script="Jpan" typeface="游ゴシック Light"/>
+        <a:font script="Jpan" typeface="ＭＳ Ｐゴシック"/>
         <a:font script="Hang" typeface="맑은 고딕"/>
-        <a:font script="Hans" typeface="等线 Light"/>
+        <a:font script="Hans" typeface="宋体"/>
         <a:font script="Hant" typeface="新細明體"/>
         <a:font script="Arab" typeface="Times New Roman"/>
         <a:font script="Hebr" typeface="Times New Roman"/>
@@ -4187,12 +6503,12 @@
         <a:font script="Geor" typeface="Sylfaen"/>
       </a:majorFont>
       <a:minorFont>
-        <a:latin typeface="Gill Sans MT" panose="020B0502020104020203"/>
+        <a:latin typeface="Century Gothic" panose="020B0502020202020204"/>
         <a:ea typeface=""/>
         <a:cs typeface=""/>
-        <a:font script="Jpan" typeface="游ゴシック"/>
+        <a:font script="Jpan" typeface="ＭＳ Ｐゴシック"/>
         <a:font script="Hang" typeface="맑은 고딕"/>
-        <a:font script="Hans" typeface="等线"/>
+        <a:font script="Hans" typeface="宋体"/>
         <a:font script="Hant" typeface="新細明體"/>
         <a:font script="Arab" typeface="Arial"/>
         <a:font script="Hebr" typeface="Arial"/>
@@ -4222,7 +6538,7 @@
         <a:font script="Geor" typeface="Sylfaen"/>
       </a:minorFont>
     </a:fontScheme>
-    <a:fmtScheme name="Galéria">
+    <a:fmtScheme name="Kondenzcsík">
       <a:fillStyleLst>
         <a:solidFill>
           <a:schemeClr val="phClr"/>
@@ -4231,17 +6547,23 @@
           <a:gsLst>
             <a:gs pos="0">
               <a:schemeClr val="phClr">
-                <a:tint val="54000"/>
+                <a:tint val="69000"/>
                 <a:alpha val="100000"/>
-                <a:satMod val="105000"/>
+                <a:satMod val="109000"/>
                 <a:lumMod val="110000"/>
+              </a:schemeClr>
+            </a:gs>
+            <a:gs pos="52000">
+              <a:schemeClr val="phClr">
+                <a:tint val="74000"/>
+                <a:satMod val="100000"/>
+                <a:lumMod val="104000"/>
               </a:schemeClr>
             </a:gs>
             <a:gs pos="100000">
               <a:schemeClr val="phClr">
                 <a:tint val="78000"/>
-                <a:alpha val="92000"/>
-                <a:satMod val="109000"/>
+                <a:satMod val="100000"/>
                 <a:lumMod val="100000"/>
               </a:schemeClr>
             </a:gs>
@@ -4252,23 +6574,16 @@
           <a:gsLst>
             <a:gs pos="0">
               <a:schemeClr val="phClr">
-                <a:tint val="98000"/>
-                <a:satMod val="110000"/>
+                <a:tint val="96000"/>
+                <a:satMod val="100000"/>
                 <a:lumMod val="104000"/>
               </a:schemeClr>
             </a:gs>
-            <a:gs pos="69000">
+            <a:gs pos="78000">
               <a:schemeClr val="phClr">
-                <a:shade val="88000"/>
-                <a:satMod val="130000"/>
-                <a:lumMod val="92000"/>
-              </a:schemeClr>
-            </a:gs>
-            <a:gs pos="100000">
-              <a:schemeClr val="phClr">
-                <a:shade val="78000"/>
-                <a:satMod val="130000"/>
-                <a:lumMod val="92000"/>
+                <a:shade val="100000"/>
+                <a:satMod val="110000"/>
+                <a:lumMod val="100000"/>
               </a:schemeClr>
             </a:gs>
           </a:gsLst>
@@ -4282,13 +6597,13 @@
           </a:solidFill>
           <a:prstDash val="solid"/>
         </a:ln>
-        <a:ln w="15875" cap="flat" cmpd="sng" algn="ctr">
+        <a:ln w="12700" cap="flat" cmpd="sng" algn="ctr">
           <a:solidFill>
             <a:schemeClr val="phClr"/>
           </a:solidFill>
           <a:prstDash val="solid"/>
         </a:ln>
-        <a:ln w="22225" cap="flat" cmpd="sng" algn="ctr">
+        <a:ln w="19050" cap="flat" cmpd="sng" algn="ctr">
           <a:solidFill>
             <a:schemeClr val="phClr"/>
           </a:solidFill>
@@ -4301,10 +6616,19 @@
         </a:effectStyle>
         <a:effectStyle>
           <a:effectLst/>
+          <a:scene3d>
+            <a:camera prst="orthographicFront">
+              <a:rot lat="0" lon="0" rev="0"/>
+            </a:camera>
+            <a:lightRig rig="threePt" dir="t"/>
+          </a:scene3d>
+          <a:sp3d>
+            <a:bevelT w="25400" h="12700"/>
+          </a:sp3d>
         </a:effectStyle>
         <a:effectStyle>
           <a:effectLst>
-            <a:outerShdw blurRad="50800" dist="50800" dir="5400000" sx="96000" sy="96000" rotWithShape="0">
+            <a:outerShdw blurRad="57150" dist="19050" dir="5400000" algn="ctr" rotWithShape="0">
               <a:srgbClr val="000000">
                 <a:alpha val="48000"/>
               </a:srgbClr>
@@ -4314,12 +6638,10 @@
             <a:camera prst="orthographicFront">
               <a:rot lat="0" lon="0" rev="0"/>
             </a:camera>
-            <a:lightRig rig="balanced" dir="t">
-              <a:rot lat="0" lon="0" rev="1080000"/>
-            </a:lightRig>
+            <a:lightRig rig="threePt" dir="t"/>
           </a:scene3d>
           <a:sp3d>
-            <a:bevelT w="38100" h="12700" prst="softRound"/>
+            <a:bevelT w="50800" h="25400"/>
           </a:sp3d>
         </a:effectStyle>
       </a:effectStyleLst>
@@ -4328,26 +6650,37 @@
           <a:schemeClr val="phClr"/>
         </a:solidFill>
         <a:solidFill>
-          <a:schemeClr val="phClr"/>
+          <a:schemeClr val="phClr">
+            <a:tint val="95000"/>
+            <a:satMod val="170000"/>
+          </a:schemeClr>
         </a:solidFill>
         <a:gradFill rotWithShape="1">
           <a:gsLst>
             <a:gs pos="0">
               <a:schemeClr val="phClr">
-                <a:tint val="94000"/>
-                <a:satMod val="80000"/>
-                <a:lumMod val="106000"/>
+                <a:tint val="93000"/>
+                <a:shade val="98000"/>
+                <a:satMod val="150000"/>
+                <a:lumMod val="102000"/>
+              </a:schemeClr>
+            </a:gs>
+            <a:gs pos="50000">
+              <a:schemeClr val="phClr">
+                <a:tint val="98000"/>
+                <a:shade val="90000"/>
+                <a:satMod val="130000"/>
+                <a:lumMod val="103000"/>
               </a:schemeClr>
             </a:gs>
             <a:gs pos="100000">
               <a:schemeClr val="phClr">
-                <a:shade val="80000"/>
+                <a:shade val="63000"/>
+                <a:satMod val="120000"/>
               </a:schemeClr>
             </a:gs>
           </a:gsLst>
-          <a:path path="circle">
-            <a:fillToRect l="43000" r="43000" b="100000"/>
-          </a:path>
+          <a:lin ang="5400000" scaled="0"/>
         </a:gradFill>
       </a:bgFillStyleLst>
     </a:fmtScheme>
@@ -4356,7 +6689,7 @@
   <a:extraClrSchemeLst/>
   <a:extLst>
     <a:ext uri="{05A4C25C-085E-4340-85A3-A5531E510DB2}">
-      <thm15:themeFamily xmlns:thm15="http://schemas.microsoft.com/office/thememl/2012/main" name="Gallery" id="{BBFCD31E-59A1-489D-B089-A3EAD7CAE12E}" vid="{F5E91637-A7B6-4E27-B710-77DA7014EE1E}"/>
+      <thm15:themeFamily xmlns:thm15="http://schemas.microsoft.com/office/thememl/2012/main" name="Vapor Trail" id="{4FDF2955-7D9C-493C-B9F9-C205151B46CD}" vid="{8F31A783-2159-4870-BC29-2BA7D038EA44}"/>
     </a:ext>
   </a:extLst>
 </a:theme>

--- a/Prezi.pptx
+++ b/Prezi.pptx
@@ -9,7 +9,10 @@
     <p:sldId id="260" r:id="rId3"/>
     <p:sldId id="257" r:id="rId4"/>
     <p:sldId id="258" r:id="rId5"/>
-    <p:sldId id="259" r:id="rId6"/>
+    <p:sldId id="261" r:id="rId6"/>
+    <p:sldId id="259" r:id="rId7"/>
+    <p:sldId id="262" r:id="rId8"/>
+    <p:sldId id="263" r:id="rId9"/>
   </p:sldIdLst>
   <p:sldSz cx="12192000" cy="6858000"/>
   <p:notesSz cx="6858000" cy="9144000"/>
@@ -286,7 +289,7 @@
           <a:p>
             <a:fld id="{DDC88B96-5AA7-4CB3-87A1-08842D85DC16}" type="datetimeFigureOut">
               <a:rPr lang="hu-HU" smtClean="0"/>
-              <a:t>2023. 11. 25.</a:t>
+              <a:t>2023. 11. 30.</a:t>
             </a:fld>
             <a:endParaRPr lang="hu-HU"/>
           </a:p>
@@ -553,7 +556,7 @@
           <a:p>
             <a:fld id="{DDC88B96-5AA7-4CB3-87A1-08842D85DC16}" type="datetimeFigureOut">
               <a:rPr lang="hu-HU" smtClean="0"/>
-              <a:t>2023. 11. 25.</a:t>
+              <a:t>2023. 11. 30.</a:t>
             </a:fld>
             <a:endParaRPr lang="hu-HU"/>
           </a:p>
@@ -784,7 +787,7 @@
           <a:p>
             <a:fld id="{DDC88B96-5AA7-4CB3-87A1-08842D85DC16}" type="datetimeFigureOut">
               <a:rPr lang="hu-HU" smtClean="0"/>
-              <a:t>2023. 11. 25.</a:t>
+              <a:t>2023. 11. 30.</a:t>
             </a:fld>
             <a:endParaRPr lang="hu-HU"/>
           </a:p>
@@ -1094,7 +1097,7 @@
           <a:p>
             <a:fld id="{DDC88B96-5AA7-4CB3-87A1-08842D85DC16}" type="datetimeFigureOut">
               <a:rPr lang="hu-HU" smtClean="0"/>
-              <a:t>2023. 11. 25.</a:t>
+              <a:t>2023. 11. 30.</a:t>
             </a:fld>
             <a:endParaRPr lang="hu-HU"/>
           </a:p>
@@ -1567,7 +1570,7 @@
           <a:p>
             <a:fld id="{DDC88B96-5AA7-4CB3-87A1-08842D85DC16}" type="datetimeFigureOut">
               <a:rPr lang="hu-HU" smtClean="0"/>
-              <a:t>2023. 11. 25.</a:t>
+              <a:t>2023. 11. 30.</a:t>
             </a:fld>
             <a:endParaRPr lang="hu-HU"/>
           </a:p>
@@ -2114,7 +2117,7 @@
           <a:p>
             <a:fld id="{DDC88B96-5AA7-4CB3-87A1-08842D85DC16}" type="datetimeFigureOut">
               <a:rPr lang="hu-HU" smtClean="0"/>
-              <a:t>2023. 11. 25.</a:t>
+              <a:t>2023. 11. 30.</a:t>
             </a:fld>
             <a:endParaRPr lang="hu-HU"/>
           </a:p>
@@ -2888,7 +2891,7 @@
           <a:p>
             <a:fld id="{DDC88B96-5AA7-4CB3-87A1-08842D85DC16}" type="datetimeFigureOut">
               <a:rPr lang="hu-HU" smtClean="0"/>
-              <a:t>2023. 11. 25.</a:t>
+              <a:t>2023. 11. 30.</a:t>
             </a:fld>
             <a:endParaRPr lang="hu-HU"/>
           </a:p>
@@ -3063,7 +3066,7 @@
           <a:p>
             <a:fld id="{DDC88B96-5AA7-4CB3-87A1-08842D85DC16}" type="datetimeFigureOut">
               <a:rPr lang="hu-HU" smtClean="0"/>
-              <a:t>2023. 11. 25.</a:t>
+              <a:t>2023. 11. 30.</a:t>
             </a:fld>
             <a:endParaRPr lang="hu-HU"/>
           </a:p>
@@ -3286,7 +3289,7 @@
           <a:p>
             <a:fld id="{DDC88B96-5AA7-4CB3-87A1-08842D85DC16}" type="datetimeFigureOut">
               <a:rPr lang="hu-HU" smtClean="0"/>
-              <a:t>2023. 11. 25.</a:t>
+              <a:t>2023. 11. 30.</a:t>
             </a:fld>
             <a:endParaRPr lang="hu-HU"/>
           </a:p>
@@ -3466,7 +3469,7 @@
           <a:p>
             <a:fld id="{DDC88B96-5AA7-4CB3-87A1-08842D85DC16}" type="datetimeFigureOut">
               <a:rPr lang="hu-HU" smtClean="0"/>
-              <a:t>2023. 11. 25.</a:t>
+              <a:t>2023. 11. 30.</a:t>
             </a:fld>
             <a:endParaRPr lang="hu-HU"/>
           </a:p>
@@ -3755,7 +3758,7 @@
           <a:p>
             <a:fld id="{DDC88B96-5AA7-4CB3-87A1-08842D85DC16}" type="datetimeFigureOut">
               <a:rPr lang="hu-HU" smtClean="0"/>
-              <a:t>2023. 11. 25.</a:t>
+              <a:t>2023. 11. 30.</a:t>
             </a:fld>
             <a:endParaRPr lang="hu-HU"/>
           </a:p>
@@ -3997,7 +4000,7 @@
           <a:p>
             <a:fld id="{DDC88B96-5AA7-4CB3-87A1-08842D85DC16}" type="datetimeFigureOut">
               <a:rPr lang="hu-HU" smtClean="0"/>
-              <a:t>2023. 11. 25.</a:t>
+              <a:t>2023. 11. 30.</a:t>
             </a:fld>
             <a:endParaRPr lang="hu-HU"/>
           </a:p>
@@ -4376,7 +4379,7 @@
           <a:p>
             <a:fld id="{DDC88B96-5AA7-4CB3-87A1-08842D85DC16}" type="datetimeFigureOut">
               <a:rPr lang="hu-HU" smtClean="0"/>
-              <a:t>2023. 11. 25.</a:t>
+              <a:t>2023. 11. 30.</a:t>
             </a:fld>
             <a:endParaRPr lang="hu-HU"/>
           </a:p>
@@ -4494,7 +4497,7 @@
           <a:p>
             <a:fld id="{DDC88B96-5AA7-4CB3-87A1-08842D85DC16}" type="datetimeFigureOut">
               <a:rPr lang="hu-HU" smtClean="0"/>
-              <a:t>2023. 11. 25.</a:t>
+              <a:t>2023. 11. 30.</a:t>
             </a:fld>
             <a:endParaRPr lang="hu-HU"/>
           </a:p>
@@ -4589,7 +4592,7 @@
           <a:p>
             <a:fld id="{DDC88B96-5AA7-4CB3-87A1-08842D85DC16}" type="datetimeFigureOut">
               <a:rPr lang="hu-HU" smtClean="0"/>
-              <a:t>2023. 11. 25.</a:t>
+              <a:t>2023. 11. 30.</a:t>
             </a:fld>
             <a:endParaRPr lang="hu-HU"/>
           </a:p>
@@ -4838,7 +4841,7 @@
           <a:p>
             <a:fld id="{DDC88B96-5AA7-4CB3-87A1-08842D85DC16}" type="datetimeFigureOut">
               <a:rPr lang="hu-HU" smtClean="0"/>
-              <a:t>2023. 11. 25.</a:t>
+              <a:t>2023. 11. 30.</a:t>
             </a:fld>
             <a:endParaRPr lang="hu-HU"/>
           </a:p>
@@ -5095,7 +5098,7 @@
           <a:p>
             <a:fld id="{DDC88B96-5AA7-4CB3-87A1-08842D85DC16}" type="datetimeFigureOut">
               <a:rPr lang="hu-HU" smtClean="0"/>
-              <a:t>2023. 11. 25.</a:t>
+              <a:t>2023. 11. 30.</a:t>
             </a:fld>
             <a:endParaRPr lang="hu-HU"/>
           </a:p>
@@ -5338,7 +5341,7 @@
           <a:p>
             <a:fld id="{DDC88B96-5AA7-4CB3-87A1-08842D85DC16}" type="datetimeFigureOut">
               <a:rPr lang="hu-HU" smtClean="0"/>
-              <a:t>2023. 11. 25.</a:t>
+              <a:t>2023. 11. 30.</a:t>
             </a:fld>
             <a:endParaRPr lang="hu-HU"/>
           </a:p>
@@ -6342,6 +6345,117 @@
           <p:cNvPr id="2" name="Cím 1">
             <a:extLst>
               <a:ext uri="{FF2B5EF4-FFF2-40B4-BE49-F238E27FC236}">
+                <a16:creationId xmlns:a16="http://schemas.microsoft.com/office/drawing/2014/main" id="{8F4BBE37-7ED7-B16C-D1AB-18D7F3E6C5A4}"/>
+              </a:ext>
+            </a:extLst>
+          </p:cNvPr>
+          <p:cNvSpPr>
+            <a:spLocks noGrp="1"/>
+          </p:cNvSpPr>
+          <p:nvPr>
+            <p:ph type="title"/>
+          </p:nvPr>
+        </p:nvSpPr>
+        <p:spPr/>
+        <p:txBody>
+          <a:bodyPr/>
+          <a:lstStyle/>
+          <a:p>
+            <a:r>
+              <a:rPr lang="hu-HU" dirty="0"/>
+              <a:t>klaszterelemzés</a:t>
+            </a:r>
+          </a:p>
+        </p:txBody>
+      </p:sp>
+      <p:sp>
+        <p:nvSpPr>
+          <p:cNvPr id="3" name="Tartalom helye 2">
+            <a:extLst>
+              <a:ext uri="{FF2B5EF4-FFF2-40B4-BE49-F238E27FC236}">
+                <a16:creationId xmlns:a16="http://schemas.microsoft.com/office/drawing/2014/main" id="{91DFE2C9-9CDE-2C42-C73E-E52D06613A2B}"/>
+              </a:ext>
+            </a:extLst>
+          </p:cNvPr>
+          <p:cNvSpPr>
+            <a:spLocks noGrp="1"/>
+          </p:cNvSpPr>
+          <p:nvPr>
+            <p:ph sz="half" idx="1"/>
+          </p:nvPr>
+        </p:nvSpPr>
+        <p:spPr/>
+        <p:txBody>
+          <a:bodyPr/>
+          <a:lstStyle/>
+          <a:p>
+            <a:r>
+              <a:rPr lang="hu-HU" dirty="0"/>
+              <a:t>Célja:</a:t>
+            </a:r>
+          </a:p>
+        </p:txBody>
+      </p:sp>
+      <p:sp>
+        <p:nvSpPr>
+          <p:cNvPr id="4" name="Tartalom helye 3">
+            <a:extLst>
+              <a:ext uri="{FF2B5EF4-FFF2-40B4-BE49-F238E27FC236}">
+                <a16:creationId xmlns:a16="http://schemas.microsoft.com/office/drawing/2014/main" id="{24098F04-B236-C78D-5BC0-BA55F8307AE8}"/>
+              </a:ext>
+            </a:extLst>
+          </p:cNvPr>
+          <p:cNvSpPr>
+            <a:spLocks noGrp="1"/>
+          </p:cNvSpPr>
+          <p:nvPr>
+            <p:ph sz="half" idx="2"/>
+          </p:nvPr>
+        </p:nvSpPr>
+        <p:spPr/>
+        <p:txBody>
+          <a:bodyPr/>
+          <a:lstStyle/>
+          <a:p>
+            <a:endParaRPr lang="hu-HU"/>
+          </a:p>
+        </p:txBody>
+      </p:sp>
+    </p:spTree>
+    <p:extLst>
+      <p:ext uri="{BB962C8B-B14F-4D97-AF65-F5344CB8AC3E}">
+        <p14:creationId xmlns:p14="http://schemas.microsoft.com/office/powerpoint/2010/main" val="3472591066"/>
+      </p:ext>
+    </p:extLst>
+  </p:cSld>
+  <p:clrMapOvr>
+    <a:masterClrMapping/>
+  </p:clrMapOvr>
+</p:sld>
+</file>
+
+<file path=ppt/slides/slide6.xml><?xml version="1.0" encoding="utf-8"?>
+<p:sld xmlns:a="http://schemas.openxmlformats.org/drawingml/2006/main" xmlns:r="http://schemas.openxmlformats.org/officeDocument/2006/relationships" xmlns:p="http://schemas.openxmlformats.org/presentationml/2006/main">
+  <p:cSld>
+    <p:spTree>
+      <p:nvGrpSpPr>
+        <p:cNvPr id="1" name=""/>
+        <p:cNvGrpSpPr/>
+        <p:nvPr/>
+      </p:nvGrpSpPr>
+      <p:grpSpPr>
+        <a:xfrm>
+          <a:off x="0" y="0"/>
+          <a:ext cx="0" cy="0"/>
+          <a:chOff x="0" y="0"/>
+          <a:chExt cx="0" cy="0"/>
+        </a:xfrm>
+      </p:grpSpPr>
+      <p:sp>
+        <p:nvSpPr>
+          <p:cNvPr id="2" name="Cím 1">
+            <a:extLst>
+              <a:ext uri="{FF2B5EF4-FFF2-40B4-BE49-F238E27FC236}">
                 <a16:creationId xmlns:a16="http://schemas.microsoft.com/office/drawing/2014/main" id="{CE6E8AEE-C3AC-F091-DDFD-38D134BE30F2}"/>
               </a:ext>
             </a:extLst>
@@ -6358,7 +6472,10 @@
           <a:bodyPr/>
           <a:lstStyle/>
           <a:p>
-            <a:endParaRPr lang="hu-HU"/>
+            <a:r>
+              <a:rPr lang="hu-HU" dirty="0"/>
+              <a:t>Főkomponens elemzés</a:t>
+            </a:r>
           </a:p>
         </p:txBody>
       </p:sp>
@@ -6380,35 +6497,91 @@
         </p:nvSpPr>
         <p:spPr/>
         <p:txBody>
-          <a:bodyPr/>
+          <a:bodyPr>
+            <a:normAutofit fontScale="92500" lnSpcReduction="10000"/>
+          </a:bodyPr>
           <a:lstStyle/>
           <a:p>
-            <a:endParaRPr lang="hu-HU"/>
-          </a:p>
-        </p:txBody>
-      </p:sp>
-      <p:sp>
-        <p:nvSpPr>
-          <p:cNvPr id="4" name="Tartalom helye 3">
-            <a:extLst>
-              <a:ext uri="{FF2B5EF4-FFF2-40B4-BE49-F238E27FC236}">
-                <a16:creationId xmlns:a16="http://schemas.microsoft.com/office/drawing/2014/main" id="{83404922-686E-D9F0-8B42-75B263C93AC0}"/>
-              </a:ext>
-            </a:extLst>
-          </p:cNvPr>
-          <p:cNvSpPr>
-            <a:spLocks noGrp="1"/>
-          </p:cNvSpPr>
-          <p:nvPr>
-            <p:ph sz="half" idx="2"/>
-          </p:nvPr>
-        </p:nvSpPr>
-        <p:spPr/>
-        <p:txBody>
-          <a:bodyPr/>
-          <a:lstStyle/>
-          <a:p>
-            <a:endParaRPr lang="hu-HU"/>
+            <a:pPr marL="0" indent="0">
+              <a:buNone/>
+            </a:pPr>
+            <a:r>
+              <a:rPr lang="hu-HU" dirty="0"/>
+              <a:t>Célja: kevesebb változóval tudjuk elemezni az ingatlanokat (dimenziócsökkentés)</a:t>
+            </a:r>
+          </a:p>
+          <a:p>
+            <a:pPr marL="0" indent="0">
+              <a:buNone/>
+            </a:pPr>
+            <a:endParaRPr lang="hu-HU" dirty="0"/>
+          </a:p>
+          <a:p>
+            <a:pPr marL="0" indent="0">
+              <a:buNone/>
+            </a:pPr>
+            <a:r>
+              <a:rPr lang="hu-HU" dirty="0"/>
+              <a:t>A numerikus adatokat választottuk ki</a:t>
+            </a:r>
+          </a:p>
+          <a:p>
+            <a:pPr marL="0" indent="0">
+              <a:buNone/>
+            </a:pPr>
+            <a:endParaRPr lang="hu-HU" dirty="0"/>
+          </a:p>
+          <a:p>
+            <a:pPr marL="0" indent="0">
+              <a:buNone/>
+            </a:pPr>
+            <a:r>
+              <a:rPr lang="hu-HU" dirty="0"/>
+              <a:t>A Kaiser-kritériumnak 11 főkomponens felelt meg (</a:t>
+            </a:r>
+            <a:r>
+              <a:rPr lang="el-GR" b="0" i="0" dirty="0">
+                <a:solidFill>
+                  <a:srgbClr val="E8EAED"/>
+                </a:solidFill>
+                <a:effectLst/>
+                <a:latin typeface="Google Sans"/>
+              </a:rPr>
+              <a:t>σ</a:t>
+            </a:r>
+            <a:r>
+              <a:rPr lang="hu-HU" dirty="0"/>
+              <a:t> &gt; 1), noha 1 körül volt az értékük.</a:t>
+            </a:r>
+          </a:p>
+          <a:p>
+            <a:pPr marL="0" indent="0">
+              <a:buNone/>
+            </a:pPr>
+            <a:endParaRPr lang="hu-HU" dirty="0"/>
+          </a:p>
+          <a:p>
+            <a:pPr marL="0" indent="0">
+              <a:buNone/>
+            </a:pPr>
+            <a:r>
+              <a:rPr lang="hu-HU" dirty="0"/>
+              <a:t>A teljes információ </a:t>
+            </a:r>
+            <a:r>
+              <a:rPr lang="hu-HU" b="0" i="0" dirty="0">
+                <a:effectLst/>
+                <a:latin typeface="Helvetica Neue"/>
+              </a:rPr>
+              <a:t>~70,3% (0.703362)-át őriztük meg.</a:t>
+            </a:r>
+            <a:endParaRPr lang="hu-HU" dirty="0"/>
+          </a:p>
+          <a:p>
+            <a:pPr marL="0" indent="0">
+              <a:buNone/>
+            </a:pPr>
+            <a:endParaRPr lang="hu-HU" dirty="0"/>
           </a:p>
         </p:txBody>
       </p:sp>
@@ -6416,6 +6589,1227 @@
     <p:extLst>
       <p:ext uri="{BB962C8B-B14F-4D97-AF65-F5344CB8AC3E}">
         <p14:creationId xmlns:p14="http://schemas.microsoft.com/office/powerpoint/2010/main" val="2462104187"/>
+      </p:ext>
+    </p:extLst>
+  </p:cSld>
+  <p:clrMapOvr>
+    <a:masterClrMapping/>
+  </p:clrMapOvr>
+</p:sld>
+</file>
+
+<file path=ppt/slides/slide7.xml><?xml version="1.0" encoding="utf-8"?>
+<p:sld xmlns:a="http://schemas.openxmlformats.org/drawingml/2006/main" xmlns:r="http://schemas.openxmlformats.org/officeDocument/2006/relationships" xmlns:p="http://schemas.openxmlformats.org/presentationml/2006/main">
+  <p:cSld>
+    <p:bg>
+      <p:bgPr>
+        <a:solidFill>
+          <a:schemeClr val="bg1"/>
+        </a:solidFill>
+        <a:effectLst/>
+      </p:bgPr>
+    </p:bg>
+    <p:spTree>
+      <p:nvGrpSpPr>
+        <p:cNvPr id="1" name=""/>
+        <p:cNvGrpSpPr/>
+        <p:nvPr/>
+      </p:nvGrpSpPr>
+      <p:grpSpPr>
+        <a:xfrm>
+          <a:off x="0" y="0"/>
+          <a:ext cx="0" cy="0"/>
+          <a:chOff x="0" y="0"/>
+          <a:chExt cx="0" cy="0"/>
+        </a:xfrm>
+      </p:grpSpPr>
+      <p:pic>
+        <p:nvPicPr>
+          <p:cNvPr id="18" name="Picture 13">
+            <a:extLst>
+              <a:ext uri="{FF2B5EF4-FFF2-40B4-BE49-F238E27FC236}">
+                <a16:creationId xmlns:a16="http://schemas.microsoft.com/office/drawing/2014/main" id="{95DD5BC2-A8E7-4CAD-955A-3807355EC977}"/>
+              </a:ext>
+              <a:ext uri="{C183D7F6-B498-43B3-948B-1728B52AA6E4}">
+                <adec:decorative xmlns:adec="http://schemas.microsoft.com/office/drawing/2017/decorative" val="1"/>
+              </a:ext>
+            </a:extLst>
+          </p:cNvPr>
+          <p:cNvPicPr>
+            <a:picLocks noGrp="1" noRot="1" noChangeAspect="1" noMove="1" noResize="1" noEditPoints="1" noAdjustHandles="1" noChangeArrowheads="1" noChangeShapeType="1" noCrop="1"/>
+          </p:cNvPicPr>
+          <p:nvPr>
+            <p:extLst>
+              <p:ext uri="{386F3935-93C4-4BCD-93E2-E3B085C9AB24}">
+                <p16:designElem xmlns:p16="http://schemas.microsoft.com/office/powerpoint/2015/main" val="1"/>
+              </p:ext>
+            </p:extLst>
+          </p:nvPr>
+        </p:nvPicPr>
+        <p:blipFill>
+          <a:blip r:embed="rId2">
+            <a:extLst>
+              <a:ext uri="{28A0092B-C50C-407E-A947-70E740481C1C}">
+                <a14:useLocalDpi xmlns:a14="http://schemas.microsoft.com/office/drawing/2010/main" val="0"/>
+              </a:ext>
+            </a:extLst>
+          </a:blip>
+          <a:stretch>
+            <a:fillRect/>
+          </a:stretch>
+        </p:blipFill>
+        <p:spPr>
+          <a:xfrm>
+            <a:off x="0" y="0"/>
+            <a:ext cx="12192000" cy="1441450"/>
+          </a:xfrm>
+          <a:prstGeom prst="rect">
+            <a:avLst/>
+          </a:prstGeom>
+        </p:spPr>
+      </p:pic>
+      <p:sp>
+        <p:nvSpPr>
+          <p:cNvPr id="19" name="Rounded Rectangle 11">
+            <a:extLst>
+              <a:ext uri="{FF2B5EF4-FFF2-40B4-BE49-F238E27FC236}">
+                <a16:creationId xmlns:a16="http://schemas.microsoft.com/office/drawing/2014/main" id="{2770B5F4-AED0-4A3A-859D-B6239ED38A3B}"/>
+              </a:ext>
+              <a:ext uri="{C183D7F6-B498-43B3-948B-1728B52AA6E4}">
+                <adec:decorative xmlns:adec="http://schemas.microsoft.com/office/drawing/2017/decorative" val="1"/>
+              </a:ext>
+            </a:extLst>
+          </p:cNvPr>
+          <p:cNvSpPr>
+            <a:spLocks noGrp="1" noRot="1" noChangeAspect="1" noMove="1" noResize="1" noEditPoints="1" noAdjustHandles="1" noChangeArrowheads="1" noChangeShapeType="1" noTextEdit="1"/>
+          </p:cNvSpPr>
+          <p:nvPr>
+            <p:extLst>
+              <p:ext uri="{386F3935-93C4-4BCD-93E2-E3B085C9AB24}">
+                <p16:designElem xmlns:p16="http://schemas.microsoft.com/office/powerpoint/2015/main" val="1"/>
+              </p:ext>
+            </p:extLst>
+          </p:nvPr>
+        </p:nvSpPr>
+        <p:spPr>
+          <a:xfrm>
+            <a:off x="643403" y="643464"/>
+            <a:ext cx="10905195" cy="5571072"/>
+          </a:xfrm>
+          <a:prstGeom prst="roundRect">
+            <a:avLst>
+              <a:gd name="adj" fmla="val 2403"/>
+            </a:avLst>
+          </a:prstGeom>
+          <a:solidFill>
+            <a:srgbClr val="FFFFFF"/>
+          </a:solidFill>
+          <a:ln>
+            <a:noFill/>
+          </a:ln>
+          <a:effectLst>
+            <a:innerShdw blurRad="114300">
+              <a:prstClr val="black"/>
+            </a:innerShdw>
+          </a:effectLst>
+        </p:spPr>
+        <p:style>
+          <a:lnRef idx="2">
+            <a:schemeClr val="accent1">
+              <a:shade val="50000"/>
+            </a:schemeClr>
+          </a:lnRef>
+          <a:fillRef idx="1">
+            <a:schemeClr val="accent1"/>
+          </a:fillRef>
+          <a:effectRef idx="0">
+            <a:schemeClr val="accent1"/>
+          </a:effectRef>
+          <a:fontRef idx="minor">
+            <a:schemeClr val="lt1"/>
+          </a:fontRef>
+        </p:style>
+        <p:txBody>
+          <a:bodyPr rtlCol="0" anchor="ctr"/>
+          <a:lstStyle/>
+          <a:p>
+            <a:pPr algn="ctr"/>
+            <a:endParaRPr lang="en-US"/>
+          </a:p>
+        </p:txBody>
+      </p:sp>
+      <p:graphicFrame>
+        <p:nvGraphicFramePr>
+          <p:cNvPr id="9" name="Táblázat 8">
+            <a:extLst>
+              <a:ext uri="{FF2B5EF4-FFF2-40B4-BE49-F238E27FC236}">
+                <a16:creationId xmlns:a16="http://schemas.microsoft.com/office/drawing/2014/main" id="{C0195CE2-F095-7EC0-29C7-4BAFCF07D9C9}"/>
+              </a:ext>
+            </a:extLst>
+          </p:cNvPr>
+          <p:cNvGraphicFramePr>
+            <a:graphicFrameLocks noGrp="1"/>
+          </p:cNvGraphicFramePr>
+          <p:nvPr>
+            <p:extLst>
+              <p:ext uri="{D42A27DB-BD31-4B8C-83A1-F6EECF244321}">
+                <p14:modId xmlns:p14="http://schemas.microsoft.com/office/powerpoint/2010/main" val="2246293562"/>
+              </p:ext>
+            </p:extLst>
+          </p:nvPr>
+        </p:nvGraphicFramePr>
+        <p:xfrm>
+          <a:off x="870204" y="2910317"/>
+          <a:ext cx="10451601" cy="1037368"/>
+        </p:xfrm>
+        <a:graphic>
+          <a:graphicData uri="http://schemas.openxmlformats.org/drawingml/2006/table">
+            <a:tbl>
+              <a:tblPr firstRow="1" bandRow="1">
+                <a:tableStyleId>{5C22544A-7EE6-4342-B048-85BDC9FD1C3A}</a:tableStyleId>
+              </a:tblPr>
+              <a:tblGrid>
+                <a:gridCol w="985536">
+                  <a:extLst>
+                    <a:ext uri="{9D8B030D-6E8A-4147-A177-3AD203B41FA5}">
+                      <a16:colId xmlns:a16="http://schemas.microsoft.com/office/drawing/2014/main" val="3879384767"/>
+                    </a:ext>
+                  </a:extLst>
+                </a:gridCol>
+                <a:gridCol w="746435">
+                  <a:extLst>
+                    <a:ext uri="{9D8B030D-6E8A-4147-A177-3AD203B41FA5}">
+                      <a16:colId xmlns:a16="http://schemas.microsoft.com/office/drawing/2014/main" val="2590099897"/>
+                    </a:ext>
+                  </a:extLst>
+                </a:gridCol>
+                <a:gridCol w="830120">
+                  <a:extLst>
+                    <a:ext uri="{9D8B030D-6E8A-4147-A177-3AD203B41FA5}">
+                      <a16:colId xmlns:a16="http://schemas.microsoft.com/office/drawing/2014/main" val="386695806"/>
+                    </a:ext>
+                  </a:extLst>
+                </a:gridCol>
+                <a:gridCol w="830120">
+                  <a:extLst>
+                    <a:ext uri="{9D8B030D-6E8A-4147-A177-3AD203B41FA5}">
+                      <a16:colId xmlns:a16="http://schemas.microsoft.com/office/drawing/2014/main" val="4147284973"/>
+                    </a:ext>
+                  </a:extLst>
+                </a:gridCol>
+                <a:gridCol w="913806">
+                  <a:extLst>
+                    <a:ext uri="{9D8B030D-6E8A-4147-A177-3AD203B41FA5}">
+                      <a16:colId xmlns:a16="http://schemas.microsoft.com/office/drawing/2014/main" val="731899556"/>
+                    </a:ext>
+                  </a:extLst>
+                </a:gridCol>
+                <a:gridCol w="913806">
+                  <a:extLst>
+                    <a:ext uri="{9D8B030D-6E8A-4147-A177-3AD203B41FA5}">
+                      <a16:colId xmlns:a16="http://schemas.microsoft.com/office/drawing/2014/main" val="1578560282"/>
+                    </a:ext>
+                  </a:extLst>
+                </a:gridCol>
+                <a:gridCol w="830120">
+                  <a:extLst>
+                    <a:ext uri="{9D8B030D-6E8A-4147-A177-3AD203B41FA5}">
+                      <a16:colId xmlns:a16="http://schemas.microsoft.com/office/drawing/2014/main" val="986163932"/>
+                    </a:ext>
+                  </a:extLst>
+                </a:gridCol>
+                <a:gridCol w="913806">
+                  <a:extLst>
+                    <a:ext uri="{9D8B030D-6E8A-4147-A177-3AD203B41FA5}">
+                      <a16:colId xmlns:a16="http://schemas.microsoft.com/office/drawing/2014/main" val="1313520585"/>
+                    </a:ext>
+                  </a:extLst>
+                </a:gridCol>
+                <a:gridCol w="830120">
+                  <a:extLst>
+                    <a:ext uri="{9D8B030D-6E8A-4147-A177-3AD203B41FA5}">
+                      <a16:colId xmlns:a16="http://schemas.microsoft.com/office/drawing/2014/main" val="2473182665"/>
+                    </a:ext>
+                  </a:extLst>
+                </a:gridCol>
+                <a:gridCol w="830120">
+                  <a:extLst>
+                    <a:ext uri="{9D8B030D-6E8A-4147-A177-3AD203B41FA5}">
+                      <a16:colId xmlns:a16="http://schemas.microsoft.com/office/drawing/2014/main" val="3660864793"/>
+                    </a:ext>
+                  </a:extLst>
+                </a:gridCol>
+                <a:gridCol w="913806">
+                  <a:extLst>
+                    <a:ext uri="{9D8B030D-6E8A-4147-A177-3AD203B41FA5}">
+                      <a16:colId xmlns:a16="http://schemas.microsoft.com/office/drawing/2014/main" val="2939301614"/>
+                    </a:ext>
+                  </a:extLst>
+                </a:gridCol>
+                <a:gridCol w="913806">
+                  <a:extLst>
+                    <a:ext uri="{9D8B030D-6E8A-4147-A177-3AD203B41FA5}">
+                      <a16:colId xmlns:a16="http://schemas.microsoft.com/office/drawing/2014/main" val="3555517179"/>
+                    </a:ext>
+                  </a:extLst>
+                </a:gridCol>
+              </a:tblGrid>
+              <a:tr h="225556">
+                <a:tc>
+                  <a:txBody>
+                    <a:bodyPr/>
+                    <a:lstStyle/>
+                    <a:p>
+                      <a:pPr algn="l" fontAlgn="b"/>
+                      <a:endParaRPr lang="hu-HU" sz="1200" b="0" i="0" u="none" strike="noStrike">
+                        <a:solidFill>
+                          <a:srgbClr val="000000"/>
+                        </a:solidFill>
+                        <a:effectLst/>
+                        <a:latin typeface="Calibri" panose="020F0502020204030204" pitchFamily="34" charset="0"/>
+                      </a:endParaRPr>
+                    </a:p>
+                  </a:txBody>
+                  <a:tcPr marL="5856" marR="5856" marT="5856" marB="0" anchor="b"/>
+                </a:tc>
+                <a:tc>
+                  <a:txBody>
+                    <a:bodyPr/>
+                    <a:lstStyle/>
+                    <a:p>
+                      <a:pPr algn="l" fontAlgn="b"/>
+                      <a:r>
+                        <a:rPr lang="hu-HU" sz="1200" u="none" strike="noStrike">
+                          <a:effectLst/>
+                        </a:rPr>
+                        <a:t>PC1</a:t>
+                      </a:r>
+                      <a:endParaRPr lang="hu-HU" sz="1200" b="0" i="0" u="none" strike="noStrike">
+                        <a:solidFill>
+                          <a:srgbClr val="000000"/>
+                        </a:solidFill>
+                        <a:effectLst/>
+                        <a:latin typeface="Calibri" panose="020F0502020204030204" pitchFamily="34" charset="0"/>
+                      </a:endParaRPr>
+                    </a:p>
+                  </a:txBody>
+                  <a:tcPr marL="5856" marR="5856" marT="5856" marB="0" anchor="b"/>
+                </a:tc>
+                <a:tc>
+                  <a:txBody>
+                    <a:bodyPr/>
+                    <a:lstStyle/>
+                    <a:p>
+                      <a:pPr algn="l" fontAlgn="b"/>
+                      <a:r>
+                        <a:rPr lang="hu-HU" sz="1200" u="none" strike="noStrike">
+                          <a:effectLst/>
+                        </a:rPr>
+                        <a:t>PC2</a:t>
+                      </a:r>
+                      <a:endParaRPr lang="hu-HU" sz="1200" b="0" i="0" u="none" strike="noStrike">
+                        <a:solidFill>
+                          <a:srgbClr val="000000"/>
+                        </a:solidFill>
+                        <a:effectLst/>
+                        <a:latin typeface="Calibri" panose="020F0502020204030204" pitchFamily="34" charset="0"/>
+                      </a:endParaRPr>
+                    </a:p>
+                  </a:txBody>
+                  <a:tcPr marL="5856" marR="5856" marT="5856" marB="0" anchor="b"/>
+                </a:tc>
+                <a:tc>
+                  <a:txBody>
+                    <a:bodyPr/>
+                    <a:lstStyle/>
+                    <a:p>
+                      <a:pPr algn="l" fontAlgn="b"/>
+                      <a:r>
+                        <a:rPr lang="hu-HU" sz="1200" u="none" strike="noStrike">
+                          <a:effectLst/>
+                        </a:rPr>
+                        <a:t>PC3</a:t>
+                      </a:r>
+                      <a:endParaRPr lang="hu-HU" sz="1200" b="0" i="0" u="none" strike="noStrike">
+                        <a:solidFill>
+                          <a:srgbClr val="000000"/>
+                        </a:solidFill>
+                        <a:effectLst/>
+                        <a:latin typeface="Calibri" panose="020F0502020204030204" pitchFamily="34" charset="0"/>
+                      </a:endParaRPr>
+                    </a:p>
+                  </a:txBody>
+                  <a:tcPr marL="5856" marR="5856" marT="5856" marB="0" anchor="b"/>
+                </a:tc>
+                <a:tc>
+                  <a:txBody>
+                    <a:bodyPr/>
+                    <a:lstStyle/>
+                    <a:p>
+                      <a:pPr algn="l" fontAlgn="b"/>
+                      <a:r>
+                        <a:rPr lang="hu-HU" sz="1200" u="none" strike="noStrike">
+                          <a:effectLst/>
+                        </a:rPr>
+                        <a:t>PC4</a:t>
+                      </a:r>
+                      <a:endParaRPr lang="hu-HU" sz="1200" b="0" i="0" u="none" strike="noStrike">
+                        <a:solidFill>
+                          <a:srgbClr val="000000"/>
+                        </a:solidFill>
+                        <a:effectLst/>
+                        <a:latin typeface="Calibri" panose="020F0502020204030204" pitchFamily="34" charset="0"/>
+                      </a:endParaRPr>
+                    </a:p>
+                  </a:txBody>
+                  <a:tcPr marL="5856" marR="5856" marT="5856" marB="0" anchor="b"/>
+                </a:tc>
+                <a:tc>
+                  <a:txBody>
+                    <a:bodyPr/>
+                    <a:lstStyle/>
+                    <a:p>
+                      <a:pPr algn="l" fontAlgn="b"/>
+                      <a:r>
+                        <a:rPr lang="hu-HU" sz="1200" u="none" strike="noStrike">
+                          <a:effectLst/>
+                        </a:rPr>
+                        <a:t>PC5</a:t>
+                      </a:r>
+                      <a:endParaRPr lang="hu-HU" sz="1200" b="0" i="0" u="none" strike="noStrike">
+                        <a:solidFill>
+                          <a:srgbClr val="000000"/>
+                        </a:solidFill>
+                        <a:effectLst/>
+                        <a:latin typeface="Calibri" panose="020F0502020204030204" pitchFamily="34" charset="0"/>
+                      </a:endParaRPr>
+                    </a:p>
+                  </a:txBody>
+                  <a:tcPr marL="5856" marR="5856" marT="5856" marB="0" anchor="b"/>
+                </a:tc>
+                <a:tc>
+                  <a:txBody>
+                    <a:bodyPr/>
+                    <a:lstStyle/>
+                    <a:p>
+                      <a:pPr algn="l" fontAlgn="b"/>
+                      <a:r>
+                        <a:rPr lang="hu-HU" sz="1200" u="none" strike="noStrike">
+                          <a:effectLst/>
+                        </a:rPr>
+                        <a:t>PC6</a:t>
+                      </a:r>
+                      <a:endParaRPr lang="hu-HU" sz="1200" b="0" i="0" u="none" strike="noStrike">
+                        <a:solidFill>
+                          <a:srgbClr val="000000"/>
+                        </a:solidFill>
+                        <a:effectLst/>
+                        <a:latin typeface="Calibri" panose="020F0502020204030204" pitchFamily="34" charset="0"/>
+                      </a:endParaRPr>
+                    </a:p>
+                  </a:txBody>
+                  <a:tcPr marL="5856" marR="5856" marT="5856" marB="0" anchor="b"/>
+                </a:tc>
+                <a:tc>
+                  <a:txBody>
+                    <a:bodyPr/>
+                    <a:lstStyle/>
+                    <a:p>
+                      <a:pPr algn="l" fontAlgn="b"/>
+                      <a:r>
+                        <a:rPr lang="hu-HU" sz="1200" u="none" strike="noStrike">
+                          <a:effectLst/>
+                        </a:rPr>
+                        <a:t>PC7</a:t>
+                      </a:r>
+                      <a:endParaRPr lang="hu-HU" sz="1200" b="0" i="0" u="none" strike="noStrike">
+                        <a:solidFill>
+                          <a:srgbClr val="000000"/>
+                        </a:solidFill>
+                        <a:effectLst/>
+                        <a:latin typeface="Calibri" panose="020F0502020204030204" pitchFamily="34" charset="0"/>
+                      </a:endParaRPr>
+                    </a:p>
+                  </a:txBody>
+                  <a:tcPr marL="5856" marR="5856" marT="5856" marB="0" anchor="b"/>
+                </a:tc>
+                <a:tc>
+                  <a:txBody>
+                    <a:bodyPr/>
+                    <a:lstStyle/>
+                    <a:p>
+                      <a:pPr algn="l" fontAlgn="b"/>
+                      <a:r>
+                        <a:rPr lang="hu-HU" sz="1200" u="none" strike="noStrike">
+                          <a:effectLst/>
+                        </a:rPr>
+                        <a:t>PC8</a:t>
+                      </a:r>
+                      <a:endParaRPr lang="hu-HU" sz="1200" b="0" i="0" u="none" strike="noStrike">
+                        <a:solidFill>
+                          <a:srgbClr val="000000"/>
+                        </a:solidFill>
+                        <a:effectLst/>
+                        <a:latin typeface="Calibri" panose="020F0502020204030204" pitchFamily="34" charset="0"/>
+                      </a:endParaRPr>
+                    </a:p>
+                  </a:txBody>
+                  <a:tcPr marL="5856" marR="5856" marT="5856" marB="0" anchor="b"/>
+                </a:tc>
+                <a:tc>
+                  <a:txBody>
+                    <a:bodyPr/>
+                    <a:lstStyle/>
+                    <a:p>
+                      <a:pPr algn="l" fontAlgn="b"/>
+                      <a:r>
+                        <a:rPr lang="hu-HU" sz="1200" u="none" strike="noStrike">
+                          <a:effectLst/>
+                        </a:rPr>
+                        <a:t>PC9</a:t>
+                      </a:r>
+                      <a:endParaRPr lang="hu-HU" sz="1200" b="0" i="0" u="none" strike="noStrike">
+                        <a:solidFill>
+                          <a:srgbClr val="000000"/>
+                        </a:solidFill>
+                        <a:effectLst/>
+                        <a:latin typeface="Calibri" panose="020F0502020204030204" pitchFamily="34" charset="0"/>
+                      </a:endParaRPr>
+                    </a:p>
+                  </a:txBody>
+                  <a:tcPr marL="5856" marR="5856" marT="5856" marB="0" anchor="b"/>
+                </a:tc>
+                <a:tc>
+                  <a:txBody>
+                    <a:bodyPr/>
+                    <a:lstStyle/>
+                    <a:p>
+                      <a:pPr algn="l" fontAlgn="b"/>
+                      <a:r>
+                        <a:rPr lang="hu-HU" sz="1200" u="none" strike="noStrike">
+                          <a:effectLst/>
+                        </a:rPr>
+                        <a:t>PC10</a:t>
+                      </a:r>
+                      <a:endParaRPr lang="hu-HU" sz="1200" b="0" i="0" u="none" strike="noStrike">
+                        <a:solidFill>
+                          <a:srgbClr val="000000"/>
+                        </a:solidFill>
+                        <a:effectLst/>
+                        <a:latin typeface="Calibri" panose="020F0502020204030204" pitchFamily="34" charset="0"/>
+                      </a:endParaRPr>
+                    </a:p>
+                  </a:txBody>
+                  <a:tcPr marL="5856" marR="5856" marT="5856" marB="0" anchor="b"/>
+                </a:tc>
+                <a:tc>
+                  <a:txBody>
+                    <a:bodyPr/>
+                    <a:lstStyle/>
+                    <a:p>
+                      <a:pPr algn="l" fontAlgn="b"/>
+                      <a:r>
+                        <a:rPr lang="hu-HU" sz="1200" u="none" strike="noStrike">
+                          <a:effectLst/>
+                        </a:rPr>
+                        <a:t>PC11</a:t>
+                      </a:r>
+                      <a:endParaRPr lang="hu-HU" sz="1200" b="0" i="0" u="none" strike="noStrike">
+                        <a:solidFill>
+                          <a:srgbClr val="000000"/>
+                        </a:solidFill>
+                        <a:effectLst/>
+                        <a:latin typeface="Calibri" panose="020F0502020204030204" pitchFamily="34" charset="0"/>
+                      </a:endParaRPr>
+                    </a:p>
+                  </a:txBody>
+                  <a:tcPr marL="5856" marR="5856" marT="5856" marB="0" anchor="b"/>
+                </a:tc>
+                <a:extLst>
+                  <a:ext uri="{0D108BD9-81ED-4DB2-BD59-A6C34878D82A}">
+                    <a16:rowId xmlns:a16="http://schemas.microsoft.com/office/drawing/2014/main" val="2533904761"/>
+                  </a:ext>
+                </a:extLst>
+              </a:tr>
+              <a:tr h="405906">
+                <a:tc>
+                  <a:txBody>
+                    <a:bodyPr/>
+                    <a:lstStyle/>
+                    <a:p>
+                      <a:pPr algn="l" fontAlgn="b"/>
+                      <a:r>
+                        <a:rPr lang="hu-HU" sz="1200" u="none" strike="noStrike">
+                          <a:effectLst/>
+                        </a:rPr>
+                        <a:t>Proportion of variance</a:t>
+                      </a:r>
+                      <a:endParaRPr lang="hu-HU" sz="1200" b="0" i="0" u="none" strike="noStrike">
+                        <a:solidFill>
+                          <a:srgbClr val="000000"/>
+                        </a:solidFill>
+                        <a:effectLst/>
+                        <a:latin typeface="Calibri" panose="020F0502020204030204" pitchFamily="34" charset="0"/>
+                      </a:endParaRPr>
+                    </a:p>
+                  </a:txBody>
+                  <a:tcPr marL="5856" marR="5856" marT="5856" marB="0" anchor="b"/>
+                </a:tc>
+                <a:tc>
+                  <a:txBody>
+                    <a:bodyPr/>
+                    <a:lstStyle/>
+                    <a:p>
+                      <a:pPr algn="l" fontAlgn="b"/>
+                      <a:r>
+                        <a:rPr lang="hu-HU" sz="1200" u="none" strike="noStrike">
+                          <a:effectLst/>
+                        </a:rPr>
+                        <a:t>0.225062</a:t>
+                      </a:r>
+                      <a:endParaRPr lang="hu-HU" sz="1200" b="0" i="0" u="none" strike="noStrike">
+                        <a:solidFill>
+                          <a:srgbClr val="000000"/>
+                        </a:solidFill>
+                        <a:effectLst/>
+                        <a:latin typeface="Calibri" panose="020F0502020204030204" pitchFamily="34" charset="0"/>
+                      </a:endParaRPr>
+                    </a:p>
+                  </a:txBody>
+                  <a:tcPr marL="5856" marR="5856" marT="5856" marB="0" anchor="b"/>
+                </a:tc>
+                <a:tc>
+                  <a:txBody>
+                    <a:bodyPr/>
+                    <a:lstStyle/>
+                    <a:p>
+                      <a:pPr algn="l" fontAlgn="b"/>
+                      <a:r>
+                        <a:rPr lang="hu-HU" sz="1200" u="none" strike="noStrike">
+                          <a:effectLst/>
+                        </a:rPr>
+                        <a:t>0.1027516</a:t>
+                      </a:r>
+                      <a:endParaRPr lang="hu-HU" sz="1200" b="0" i="0" u="none" strike="noStrike">
+                        <a:solidFill>
+                          <a:srgbClr val="000000"/>
+                        </a:solidFill>
+                        <a:effectLst/>
+                        <a:latin typeface="Calibri" panose="020F0502020204030204" pitchFamily="34" charset="0"/>
+                      </a:endParaRPr>
+                    </a:p>
+                  </a:txBody>
+                  <a:tcPr marL="5856" marR="5856" marT="5856" marB="0" anchor="b"/>
+                </a:tc>
+                <a:tc>
+                  <a:txBody>
+                    <a:bodyPr/>
+                    <a:lstStyle/>
+                    <a:p>
+                      <a:pPr algn="l" fontAlgn="b"/>
+                      <a:r>
+                        <a:rPr lang="hu-HU" sz="1200" u="none" strike="noStrike">
+                          <a:effectLst/>
+                        </a:rPr>
+                        <a:t>0.0687853</a:t>
+                      </a:r>
+                      <a:endParaRPr lang="hu-HU" sz="1200" b="0" i="0" u="none" strike="noStrike">
+                        <a:solidFill>
+                          <a:srgbClr val="000000"/>
+                        </a:solidFill>
+                        <a:effectLst/>
+                        <a:latin typeface="Calibri" panose="020F0502020204030204" pitchFamily="34" charset="0"/>
+                      </a:endParaRPr>
+                    </a:p>
+                  </a:txBody>
+                  <a:tcPr marL="5856" marR="5856" marT="5856" marB="0" anchor="b"/>
+                </a:tc>
+                <a:tc>
+                  <a:txBody>
+                    <a:bodyPr/>
+                    <a:lstStyle/>
+                    <a:p>
+                      <a:pPr algn="l" fontAlgn="b"/>
+                      <a:r>
+                        <a:rPr lang="hu-HU" sz="1200" u="none" strike="noStrike">
+                          <a:effectLst/>
+                        </a:rPr>
+                        <a:t>0.06154207</a:t>
+                      </a:r>
+                      <a:endParaRPr lang="hu-HU" sz="1200" b="0" i="0" u="none" strike="noStrike">
+                        <a:solidFill>
+                          <a:srgbClr val="000000"/>
+                        </a:solidFill>
+                        <a:effectLst/>
+                        <a:latin typeface="Calibri" panose="020F0502020204030204" pitchFamily="34" charset="0"/>
+                      </a:endParaRPr>
+                    </a:p>
+                  </a:txBody>
+                  <a:tcPr marL="5856" marR="5856" marT="5856" marB="0" anchor="b"/>
+                </a:tc>
+                <a:tc>
+                  <a:txBody>
+                    <a:bodyPr/>
+                    <a:lstStyle/>
+                    <a:p>
+                      <a:pPr algn="l" fontAlgn="b"/>
+                      <a:r>
+                        <a:rPr lang="hu-HU" sz="1200" u="none" strike="noStrike">
+                          <a:effectLst/>
+                        </a:rPr>
+                        <a:t>0.04264496</a:t>
+                      </a:r>
+                      <a:endParaRPr lang="hu-HU" sz="1200" b="0" i="0" u="none" strike="noStrike">
+                        <a:solidFill>
+                          <a:srgbClr val="000000"/>
+                        </a:solidFill>
+                        <a:effectLst/>
+                        <a:latin typeface="Calibri" panose="020F0502020204030204" pitchFamily="34" charset="0"/>
+                      </a:endParaRPr>
+                    </a:p>
+                  </a:txBody>
+                  <a:tcPr marL="5856" marR="5856" marT="5856" marB="0" anchor="b"/>
+                </a:tc>
+                <a:tc>
+                  <a:txBody>
+                    <a:bodyPr/>
+                    <a:lstStyle/>
+                    <a:p>
+                      <a:pPr algn="l" fontAlgn="b"/>
+                      <a:r>
+                        <a:rPr lang="hu-HU" sz="1200" u="none" strike="noStrike">
+                          <a:effectLst/>
+                        </a:rPr>
+                        <a:t>0.0376654</a:t>
+                      </a:r>
+                      <a:endParaRPr lang="hu-HU" sz="1200" b="0" i="0" u="none" strike="noStrike">
+                        <a:solidFill>
+                          <a:srgbClr val="000000"/>
+                        </a:solidFill>
+                        <a:effectLst/>
+                        <a:latin typeface="Calibri" panose="020F0502020204030204" pitchFamily="34" charset="0"/>
+                      </a:endParaRPr>
+                    </a:p>
+                  </a:txBody>
+                  <a:tcPr marL="5856" marR="5856" marT="5856" marB="0" anchor="b"/>
+                </a:tc>
+                <a:tc>
+                  <a:txBody>
+                    <a:bodyPr/>
+                    <a:lstStyle/>
+                    <a:p>
+                      <a:pPr algn="l" fontAlgn="b"/>
+                      <a:r>
+                        <a:rPr lang="hu-HU" sz="1200" u="none" strike="noStrike">
+                          <a:effectLst/>
+                        </a:rPr>
+                        <a:t>0.03643394</a:t>
+                      </a:r>
+                      <a:endParaRPr lang="hu-HU" sz="1200" b="0" i="0" u="none" strike="noStrike">
+                        <a:solidFill>
+                          <a:srgbClr val="000000"/>
+                        </a:solidFill>
+                        <a:effectLst/>
+                        <a:latin typeface="Calibri" panose="020F0502020204030204" pitchFamily="34" charset="0"/>
+                      </a:endParaRPr>
+                    </a:p>
+                  </a:txBody>
+                  <a:tcPr marL="5856" marR="5856" marT="5856" marB="0" anchor="b"/>
+                </a:tc>
+                <a:tc>
+                  <a:txBody>
+                    <a:bodyPr/>
+                    <a:lstStyle/>
+                    <a:p>
+                      <a:pPr algn="l" fontAlgn="b"/>
+                      <a:r>
+                        <a:rPr lang="hu-HU" sz="1200" u="none" strike="noStrike">
+                          <a:effectLst/>
+                        </a:rPr>
+                        <a:t>0.0358658</a:t>
+                      </a:r>
+                      <a:endParaRPr lang="hu-HU" sz="1200" b="0" i="0" u="none" strike="noStrike">
+                        <a:solidFill>
+                          <a:srgbClr val="000000"/>
+                        </a:solidFill>
+                        <a:effectLst/>
+                        <a:latin typeface="Calibri" panose="020F0502020204030204" pitchFamily="34" charset="0"/>
+                      </a:endParaRPr>
+                    </a:p>
+                  </a:txBody>
+                  <a:tcPr marL="5856" marR="5856" marT="5856" marB="0" anchor="b"/>
+                </a:tc>
+                <a:tc>
+                  <a:txBody>
+                    <a:bodyPr/>
+                    <a:lstStyle/>
+                    <a:p>
+                      <a:pPr algn="l" fontAlgn="b"/>
+                      <a:r>
+                        <a:rPr lang="hu-HU" sz="1200" u="none" strike="noStrike">
+                          <a:effectLst/>
+                        </a:rPr>
+                        <a:t>0.0347096</a:t>
+                      </a:r>
+                      <a:endParaRPr lang="hu-HU" sz="1200" b="0" i="0" u="none" strike="noStrike">
+                        <a:solidFill>
+                          <a:srgbClr val="000000"/>
+                        </a:solidFill>
+                        <a:effectLst/>
+                        <a:latin typeface="Calibri" panose="020F0502020204030204" pitchFamily="34" charset="0"/>
+                      </a:endParaRPr>
+                    </a:p>
+                  </a:txBody>
+                  <a:tcPr marL="5856" marR="5856" marT="5856" marB="0" anchor="b"/>
+                </a:tc>
+                <a:tc>
+                  <a:txBody>
+                    <a:bodyPr/>
+                    <a:lstStyle/>
+                    <a:p>
+                      <a:pPr algn="l" fontAlgn="b"/>
+                      <a:r>
+                        <a:rPr lang="hu-HU" sz="1200" u="none" strike="noStrike">
+                          <a:effectLst/>
+                        </a:rPr>
+                        <a:t>0.03404141</a:t>
+                      </a:r>
+                      <a:endParaRPr lang="hu-HU" sz="1200" b="0" i="0" u="none" strike="noStrike">
+                        <a:solidFill>
+                          <a:srgbClr val="000000"/>
+                        </a:solidFill>
+                        <a:effectLst/>
+                        <a:latin typeface="Calibri" panose="020F0502020204030204" pitchFamily="34" charset="0"/>
+                      </a:endParaRPr>
+                    </a:p>
+                  </a:txBody>
+                  <a:tcPr marL="5856" marR="5856" marT="5856" marB="0" anchor="b"/>
+                </a:tc>
+                <a:tc>
+                  <a:txBody>
+                    <a:bodyPr/>
+                    <a:lstStyle/>
+                    <a:p>
+                      <a:pPr algn="l" rtl="0" fontAlgn="ctr"/>
+                      <a:r>
+                        <a:rPr lang="hu-HU" sz="1200" u="none" strike="noStrike">
+                          <a:effectLst/>
+                        </a:rPr>
+                        <a:t>0.03215774</a:t>
+                      </a:r>
+                      <a:endParaRPr lang="hu-HU" sz="1200" b="0" i="0" u="none" strike="noStrike">
+                        <a:solidFill>
+                          <a:srgbClr val="000000"/>
+                        </a:solidFill>
+                        <a:effectLst/>
+                        <a:latin typeface="Calibri" panose="020F0502020204030204" pitchFamily="34" charset="0"/>
+                      </a:endParaRPr>
+                    </a:p>
+                  </a:txBody>
+                  <a:tcPr marL="5856" marR="5856" marT="5856" marB="0" anchor="ctr"/>
+                </a:tc>
+                <a:extLst>
+                  <a:ext uri="{0D108BD9-81ED-4DB2-BD59-A6C34878D82A}">
+                    <a16:rowId xmlns:a16="http://schemas.microsoft.com/office/drawing/2014/main" val="1786393374"/>
+                  </a:ext>
+                </a:extLst>
+              </a:tr>
+              <a:tr h="405906">
+                <a:tc>
+                  <a:txBody>
+                    <a:bodyPr/>
+                    <a:lstStyle/>
+                    <a:p>
+                      <a:pPr algn="l" fontAlgn="b"/>
+                      <a:r>
+                        <a:rPr lang="hu-HU" sz="1200" u="none" strike="noStrike">
+                          <a:effectLst/>
+                        </a:rPr>
+                        <a:t>Cumulative Proportion</a:t>
+                      </a:r>
+                      <a:endParaRPr lang="hu-HU" sz="1200" b="0" i="0" u="none" strike="noStrike">
+                        <a:solidFill>
+                          <a:srgbClr val="000000"/>
+                        </a:solidFill>
+                        <a:effectLst/>
+                        <a:latin typeface="Calibri" panose="020F0502020204030204" pitchFamily="34" charset="0"/>
+                      </a:endParaRPr>
+                    </a:p>
+                  </a:txBody>
+                  <a:tcPr marL="5856" marR="5856" marT="5856" marB="0" anchor="b"/>
+                </a:tc>
+                <a:tc>
+                  <a:txBody>
+                    <a:bodyPr/>
+                    <a:lstStyle/>
+                    <a:p>
+                      <a:pPr algn="l" fontAlgn="b"/>
+                      <a:r>
+                        <a:rPr lang="hu-HU" sz="1200" u="none" strike="noStrike">
+                          <a:effectLst/>
+                        </a:rPr>
+                        <a:t>0.225062</a:t>
+                      </a:r>
+                      <a:endParaRPr lang="hu-HU" sz="1200" b="0" i="0" u="none" strike="noStrike">
+                        <a:solidFill>
+                          <a:srgbClr val="000000"/>
+                        </a:solidFill>
+                        <a:effectLst/>
+                        <a:latin typeface="Calibri" panose="020F0502020204030204" pitchFamily="34" charset="0"/>
+                      </a:endParaRPr>
+                    </a:p>
+                  </a:txBody>
+                  <a:tcPr marL="5856" marR="5856" marT="5856" marB="0" anchor="b"/>
+                </a:tc>
+                <a:tc>
+                  <a:txBody>
+                    <a:bodyPr/>
+                    <a:lstStyle/>
+                    <a:p>
+                      <a:pPr algn="l" fontAlgn="b"/>
+                      <a:r>
+                        <a:rPr lang="hu-HU" sz="1200" u="none" strike="noStrike">
+                          <a:effectLst/>
+                        </a:rPr>
+                        <a:t>0.3278136</a:t>
+                      </a:r>
+                      <a:endParaRPr lang="hu-HU" sz="1200" b="0" i="0" u="none" strike="noStrike">
+                        <a:solidFill>
+                          <a:srgbClr val="000000"/>
+                        </a:solidFill>
+                        <a:effectLst/>
+                        <a:latin typeface="Calibri" panose="020F0502020204030204" pitchFamily="34" charset="0"/>
+                      </a:endParaRPr>
+                    </a:p>
+                  </a:txBody>
+                  <a:tcPr marL="5856" marR="5856" marT="5856" marB="0" anchor="b"/>
+                </a:tc>
+                <a:tc>
+                  <a:txBody>
+                    <a:bodyPr/>
+                    <a:lstStyle/>
+                    <a:p>
+                      <a:pPr algn="l" fontAlgn="b"/>
+                      <a:r>
+                        <a:rPr lang="hu-HU" sz="1200" u="none" strike="noStrike">
+                          <a:effectLst/>
+                        </a:rPr>
+                        <a:t>0.3965989</a:t>
+                      </a:r>
+                      <a:endParaRPr lang="hu-HU" sz="1200" b="0" i="0" u="none" strike="noStrike">
+                        <a:solidFill>
+                          <a:srgbClr val="000000"/>
+                        </a:solidFill>
+                        <a:effectLst/>
+                        <a:latin typeface="Calibri" panose="020F0502020204030204" pitchFamily="34" charset="0"/>
+                      </a:endParaRPr>
+                    </a:p>
+                  </a:txBody>
+                  <a:tcPr marL="5856" marR="5856" marT="5856" marB="0" anchor="b"/>
+                </a:tc>
+                <a:tc>
+                  <a:txBody>
+                    <a:bodyPr/>
+                    <a:lstStyle/>
+                    <a:p>
+                      <a:pPr algn="l" fontAlgn="b"/>
+                      <a:r>
+                        <a:rPr lang="hu-HU" sz="1200" u="none" strike="noStrike">
+                          <a:effectLst/>
+                        </a:rPr>
+                        <a:t>0.45814098</a:t>
+                      </a:r>
+                      <a:endParaRPr lang="hu-HU" sz="1200" b="0" i="0" u="none" strike="noStrike">
+                        <a:solidFill>
+                          <a:srgbClr val="000000"/>
+                        </a:solidFill>
+                        <a:effectLst/>
+                        <a:latin typeface="Calibri" panose="020F0502020204030204" pitchFamily="34" charset="0"/>
+                      </a:endParaRPr>
+                    </a:p>
+                  </a:txBody>
+                  <a:tcPr marL="5856" marR="5856" marT="5856" marB="0" anchor="b"/>
+                </a:tc>
+                <a:tc>
+                  <a:txBody>
+                    <a:bodyPr/>
+                    <a:lstStyle/>
+                    <a:p>
+                      <a:pPr algn="l" fontAlgn="b"/>
+                      <a:r>
+                        <a:rPr lang="hu-HU" sz="1200" u="none" strike="noStrike">
+                          <a:effectLst/>
+                        </a:rPr>
+                        <a:t>0.50078594</a:t>
+                      </a:r>
+                      <a:endParaRPr lang="hu-HU" sz="1200" b="0" i="0" u="none" strike="noStrike">
+                        <a:solidFill>
+                          <a:srgbClr val="000000"/>
+                        </a:solidFill>
+                        <a:effectLst/>
+                        <a:latin typeface="Calibri" panose="020F0502020204030204" pitchFamily="34" charset="0"/>
+                      </a:endParaRPr>
+                    </a:p>
+                  </a:txBody>
+                  <a:tcPr marL="5856" marR="5856" marT="5856" marB="0" anchor="b"/>
+                </a:tc>
+                <a:tc>
+                  <a:txBody>
+                    <a:bodyPr/>
+                    <a:lstStyle/>
+                    <a:p>
+                      <a:pPr algn="l" fontAlgn="b"/>
+                      <a:r>
+                        <a:rPr lang="hu-HU" sz="1200" u="none" strike="noStrike">
+                          <a:effectLst/>
+                        </a:rPr>
+                        <a:t>0.5384513</a:t>
+                      </a:r>
+                      <a:endParaRPr lang="hu-HU" sz="1200" b="0" i="0" u="none" strike="noStrike">
+                        <a:solidFill>
+                          <a:srgbClr val="000000"/>
+                        </a:solidFill>
+                        <a:effectLst/>
+                        <a:latin typeface="Calibri" panose="020F0502020204030204" pitchFamily="34" charset="0"/>
+                      </a:endParaRPr>
+                    </a:p>
+                  </a:txBody>
+                  <a:tcPr marL="5856" marR="5856" marT="5856" marB="0" anchor="b"/>
+                </a:tc>
+                <a:tc>
+                  <a:txBody>
+                    <a:bodyPr/>
+                    <a:lstStyle/>
+                    <a:p>
+                      <a:pPr algn="l" fontAlgn="b"/>
+                      <a:r>
+                        <a:rPr lang="hu-HU" sz="1200" u="none" strike="noStrike">
+                          <a:effectLst/>
+                        </a:rPr>
+                        <a:t>0.57488527</a:t>
+                      </a:r>
+                      <a:endParaRPr lang="hu-HU" sz="1200" b="0" i="0" u="none" strike="noStrike">
+                        <a:solidFill>
+                          <a:srgbClr val="000000"/>
+                        </a:solidFill>
+                        <a:effectLst/>
+                        <a:latin typeface="Calibri" panose="020F0502020204030204" pitchFamily="34" charset="0"/>
+                      </a:endParaRPr>
+                    </a:p>
+                  </a:txBody>
+                  <a:tcPr marL="5856" marR="5856" marT="5856" marB="0" anchor="b"/>
+                </a:tc>
+                <a:tc>
+                  <a:txBody>
+                    <a:bodyPr/>
+                    <a:lstStyle/>
+                    <a:p>
+                      <a:pPr algn="l" fontAlgn="b"/>
+                      <a:r>
+                        <a:rPr lang="hu-HU" sz="1200" u="none" strike="noStrike">
+                          <a:effectLst/>
+                        </a:rPr>
+                        <a:t>0.6107511</a:t>
+                      </a:r>
+                      <a:endParaRPr lang="hu-HU" sz="1200" b="0" i="0" u="none" strike="noStrike">
+                        <a:solidFill>
+                          <a:srgbClr val="000000"/>
+                        </a:solidFill>
+                        <a:effectLst/>
+                        <a:latin typeface="Calibri" panose="020F0502020204030204" pitchFamily="34" charset="0"/>
+                      </a:endParaRPr>
+                    </a:p>
+                  </a:txBody>
+                  <a:tcPr marL="5856" marR="5856" marT="5856" marB="0" anchor="b"/>
+                </a:tc>
+                <a:tc>
+                  <a:txBody>
+                    <a:bodyPr/>
+                    <a:lstStyle/>
+                    <a:p>
+                      <a:pPr algn="l" fontAlgn="b"/>
+                      <a:r>
+                        <a:rPr lang="hu-HU" sz="1200" u="none" strike="noStrike">
+                          <a:effectLst/>
+                        </a:rPr>
+                        <a:t>0.6454607</a:t>
+                      </a:r>
+                      <a:endParaRPr lang="hu-HU" sz="1200" b="0" i="0" u="none" strike="noStrike">
+                        <a:solidFill>
+                          <a:srgbClr val="000000"/>
+                        </a:solidFill>
+                        <a:effectLst/>
+                        <a:latin typeface="Calibri" panose="020F0502020204030204" pitchFamily="34" charset="0"/>
+                      </a:endParaRPr>
+                    </a:p>
+                  </a:txBody>
+                  <a:tcPr marL="5856" marR="5856" marT="5856" marB="0" anchor="b"/>
+                </a:tc>
+                <a:tc>
+                  <a:txBody>
+                    <a:bodyPr/>
+                    <a:lstStyle/>
+                    <a:p>
+                      <a:pPr algn="l" fontAlgn="b"/>
+                      <a:r>
+                        <a:rPr lang="hu-HU" sz="1200" u="none" strike="noStrike">
+                          <a:effectLst/>
+                        </a:rPr>
+                        <a:t>0.67950209</a:t>
+                      </a:r>
+                      <a:endParaRPr lang="hu-HU" sz="1200" b="0" i="0" u="none" strike="noStrike">
+                        <a:solidFill>
+                          <a:srgbClr val="000000"/>
+                        </a:solidFill>
+                        <a:effectLst/>
+                        <a:latin typeface="Calibri" panose="020F0502020204030204" pitchFamily="34" charset="0"/>
+                      </a:endParaRPr>
+                    </a:p>
+                  </a:txBody>
+                  <a:tcPr marL="5856" marR="5856" marT="5856" marB="0" anchor="b"/>
+                </a:tc>
+                <a:tc>
+                  <a:txBody>
+                    <a:bodyPr/>
+                    <a:lstStyle/>
+                    <a:p>
+                      <a:pPr algn="l" fontAlgn="b"/>
+                      <a:r>
+                        <a:rPr lang="hu-HU" sz="1200" u="none" strike="noStrike">
+                          <a:effectLst/>
+                        </a:rPr>
+                        <a:t>0.71165983</a:t>
+                      </a:r>
+                      <a:endParaRPr lang="hu-HU" sz="1200" b="0" i="0" u="none" strike="noStrike">
+                        <a:solidFill>
+                          <a:srgbClr val="000000"/>
+                        </a:solidFill>
+                        <a:effectLst/>
+                        <a:latin typeface="Calibri" panose="020F0502020204030204" pitchFamily="34" charset="0"/>
+                      </a:endParaRPr>
+                    </a:p>
+                  </a:txBody>
+                  <a:tcPr marL="5856" marR="5856" marT="5856" marB="0" anchor="b"/>
+                </a:tc>
+                <a:extLst>
+                  <a:ext uri="{0D108BD9-81ED-4DB2-BD59-A6C34878D82A}">
+                    <a16:rowId xmlns:a16="http://schemas.microsoft.com/office/drawing/2014/main" val="1430076573"/>
+                  </a:ext>
+                </a:extLst>
+              </a:tr>
+            </a:tbl>
+          </a:graphicData>
+        </a:graphic>
+      </p:graphicFrame>
+    </p:spTree>
+    <p:extLst>
+      <p:ext uri="{BB962C8B-B14F-4D97-AF65-F5344CB8AC3E}">
+        <p14:creationId xmlns:p14="http://schemas.microsoft.com/office/powerpoint/2010/main" val="519317341"/>
+      </p:ext>
+    </p:extLst>
+  </p:cSld>
+  <p:clrMapOvr>
+    <a:masterClrMapping/>
+  </p:clrMapOvr>
+</p:sld>
+</file>
+
+<file path=ppt/slides/slide8.xml><?xml version="1.0" encoding="utf-8"?>
+<p:sld xmlns:a="http://schemas.openxmlformats.org/drawingml/2006/main" xmlns:r="http://schemas.openxmlformats.org/officeDocument/2006/relationships" xmlns:p="http://schemas.openxmlformats.org/presentationml/2006/main">
+  <p:cSld>
+    <p:spTree>
+      <p:nvGrpSpPr>
+        <p:cNvPr id="1" name=""/>
+        <p:cNvGrpSpPr/>
+        <p:nvPr/>
+      </p:nvGrpSpPr>
+      <p:grpSpPr>
+        <a:xfrm>
+          <a:off x="0" y="0"/>
+          <a:ext cx="0" cy="0"/>
+          <a:chOff x="0" y="0"/>
+          <a:chExt cx="0" cy="0"/>
+        </a:xfrm>
+      </p:grpSpPr>
+      <p:sp>
+        <p:nvSpPr>
+          <p:cNvPr id="2" name="Cím 1">
+            <a:extLst>
+              <a:ext uri="{FF2B5EF4-FFF2-40B4-BE49-F238E27FC236}">
+                <a16:creationId xmlns:a16="http://schemas.microsoft.com/office/drawing/2014/main" id="{FDD711B0-D228-0D25-CC4A-B471C591D86B}"/>
+              </a:ext>
+            </a:extLst>
+          </p:cNvPr>
+          <p:cNvSpPr>
+            <a:spLocks noGrp="1"/>
+          </p:cNvSpPr>
+          <p:nvPr>
+            <p:ph type="title"/>
+          </p:nvPr>
+        </p:nvSpPr>
+        <p:spPr/>
+        <p:txBody>
+          <a:bodyPr/>
+          <a:lstStyle/>
+          <a:p>
+            <a:endParaRPr lang="hu-HU"/>
+          </a:p>
+        </p:txBody>
+      </p:sp>
+      <p:sp>
+        <p:nvSpPr>
+          <p:cNvPr id="3" name="Tartalom helye 2">
+            <a:extLst>
+              <a:ext uri="{FF2B5EF4-FFF2-40B4-BE49-F238E27FC236}">
+                <a16:creationId xmlns:a16="http://schemas.microsoft.com/office/drawing/2014/main" id="{E3955011-0AFE-C596-A7CD-7C76A95E5DDA}"/>
+              </a:ext>
+            </a:extLst>
+          </p:cNvPr>
+          <p:cNvSpPr>
+            <a:spLocks noGrp="1"/>
+          </p:cNvSpPr>
+          <p:nvPr>
+            <p:ph sz="half" idx="1"/>
+          </p:nvPr>
+        </p:nvSpPr>
+        <p:spPr/>
+        <p:txBody>
+          <a:bodyPr/>
+          <a:lstStyle/>
+          <a:p>
+            <a:endParaRPr lang="hu-HU" dirty="0"/>
+          </a:p>
+        </p:txBody>
+      </p:sp>
+      <p:sp>
+        <p:nvSpPr>
+          <p:cNvPr id="4" name="Tartalom helye 3">
+            <a:extLst>
+              <a:ext uri="{FF2B5EF4-FFF2-40B4-BE49-F238E27FC236}">
+                <a16:creationId xmlns:a16="http://schemas.microsoft.com/office/drawing/2014/main" id="{CC315663-F6B8-2592-9E14-27D720200D91}"/>
+              </a:ext>
+            </a:extLst>
+          </p:cNvPr>
+          <p:cNvSpPr>
+            <a:spLocks noGrp="1"/>
+          </p:cNvSpPr>
+          <p:nvPr>
+            <p:ph sz="half" idx="2"/>
+          </p:nvPr>
+        </p:nvSpPr>
+        <p:spPr/>
+        <p:txBody>
+          <a:bodyPr/>
+          <a:lstStyle/>
+          <a:p>
+            <a:endParaRPr lang="hu-HU"/>
+          </a:p>
+        </p:txBody>
+      </p:sp>
+    </p:spTree>
+    <p:extLst>
+      <p:ext uri="{BB962C8B-B14F-4D97-AF65-F5344CB8AC3E}">
+        <p14:creationId xmlns:p14="http://schemas.microsoft.com/office/powerpoint/2010/main" val="1610151343"/>
       </p:ext>
     </p:extLst>
   </p:cSld>

--- a/Prezi.pptx
+++ b/Prezi.pptx
@@ -2,7 +2,7 @@
 <file path=ppt/presentation.xml><?xml version="1.0" encoding="utf-8"?>
 <p:presentation xmlns:a="http://schemas.openxmlformats.org/drawingml/2006/main" xmlns:r="http://schemas.openxmlformats.org/officeDocument/2006/relationships" xmlns:p="http://schemas.openxmlformats.org/presentationml/2006/main" saveSubsetFonts="1">
   <p:sldMasterIdLst>
-    <p:sldMasterId id="2147483684" r:id="rId1"/>
+    <p:sldMasterId id="2147483702" r:id="rId1"/>
   </p:sldMasterIdLst>
   <p:sldIdLst>
     <p:sldId id="256" r:id="rId2"/>
@@ -10,9 +10,12 @@
     <p:sldId id="257" r:id="rId4"/>
     <p:sldId id="258" r:id="rId5"/>
     <p:sldId id="261" r:id="rId6"/>
-    <p:sldId id="259" r:id="rId7"/>
-    <p:sldId id="262" r:id="rId8"/>
-    <p:sldId id="263" r:id="rId9"/>
+    <p:sldId id="264" r:id="rId7"/>
+    <p:sldId id="259" r:id="rId8"/>
+    <p:sldId id="262" r:id="rId9"/>
+    <p:sldId id="263" r:id="rId10"/>
+    <p:sldId id="265" r:id="rId11"/>
+    <p:sldId id="266" r:id="rId12"/>
   </p:sldIdLst>
   <p:sldSz cx="12192000" cy="6858000"/>
   <p:notesSz cx="6858000" cy="9144000"/>
@@ -289,7 +292,7 @@
           <a:p>
             <a:fld id="{DDC88B96-5AA7-4CB3-87A1-08842D85DC16}" type="datetimeFigureOut">
               <a:rPr lang="hu-HU" smtClean="0"/>
-              <a:t>2023. 11. 30.</a:t>
+              <a:t>2023. 12. 01.</a:t>
             </a:fld>
             <a:endParaRPr lang="hu-HU"/>
           </a:p>
@@ -350,7 +353,7 @@
     </p:spTree>
     <p:extLst>
       <p:ext uri="{BB962C8B-B14F-4D97-AF65-F5344CB8AC3E}">
-        <p14:creationId xmlns:p14="http://schemas.microsoft.com/office/powerpoint/2010/main" val="200033986"/>
+        <p14:creationId xmlns:p14="http://schemas.microsoft.com/office/powerpoint/2010/main" val="2649027492"/>
       </p:ext>
     </p:extLst>
   </p:cSld>
@@ -556,7 +559,7 @@
           <a:p>
             <a:fld id="{DDC88B96-5AA7-4CB3-87A1-08842D85DC16}" type="datetimeFigureOut">
               <a:rPr lang="hu-HU" smtClean="0"/>
-              <a:t>2023. 11. 30.</a:t>
+              <a:t>2023. 12. 01.</a:t>
             </a:fld>
             <a:endParaRPr lang="hu-HU"/>
           </a:p>
@@ -607,7 +610,7 @@
     </p:spTree>
     <p:extLst>
       <p:ext uri="{BB962C8B-B14F-4D97-AF65-F5344CB8AC3E}">
-        <p14:creationId xmlns:p14="http://schemas.microsoft.com/office/powerpoint/2010/main" val="4150767313"/>
+        <p14:creationId xmlns:p14="http://schemas.microsoft.com/office/powerpoint/2010/main" val="2522466765"/>
       </p:ext>
     </p:extLst>
   </p:cSld>
@@ -787,7 +790,7 @@
           <a:p>
             <a:fld id="{DDC88B96-5AA7-4CB3-87A1-08842D85DC16}" type="datetimeFigureOut">
               <a:rPr lang="hu-HU" smtClean="0"/>
-              <a:t>2023. 11. 30.</a:t>
+              <a:t>2023. 12. 01.</a:t>
             </a:fld>
             <a:endParaRPr lang="hu-HU"/>
           </a:p>
@@ -848,7 +851,7 @@
     </p:spTree>
     <p:extLst>
       <p:ext uri="{BB962C8B-B14F-4D97-AF65-F5344CB8AC3E}">
-        <p14:creationId xmlns:p14="http://schemas.microsoft.com/office/powerpoint/2010/main" val="3414746120"/>
+        <p14:creationId xmlns:p14="http://schemas.microsoft.com/office/powerpoint/2010/main" val="741714881"/>
       </p:ext>
     </p:extLst>
   </p:cSld>
@@ -1097,7 +1100,7 @@
           <a:p>
             <a:fld id="{DDC88B96-5AA7-4CB3-87A1-08842D85DC16}" type="datetimeFigureOut">
               <a:rPr lang="hu-HU" smtClean="0"/>
-              <a:t>2023. 11. 30.</a:t>
+              <a:t>2023. 12. 01.</a:t>
             </a:fld>
             <a:endParaRPr lang="hu-HU"/>
           </a:p>
@@ -1390,7 +1393,7 @@
     </p:spTree>
     <p:extLst>
       <p:ext uri="{BB962C8B-B14F-4D97-AF65-F5344CB8AC3E}">
-        <p14:creationId xmlns:p14="http://schemas.microsoft.com/office/powerpoint/2010/main" val="3208371440"/>
+        <p14:creationId xmlns:p14="http://schemas.microsoft.com/office/powerpoint/2010/main" val="347171106"/>
       </p:ext>
     </p:extLst>
   </p:cSld>
@@ -1570,7 +1573,7 @@
           <a:p>
             <a:fld id="{DDC88B96-5AA7-4CB3-87A1-08842D85DC16}" type="datetimeFigureOut">
               <a:rPr lang="hu-HU" smtClean="0"/>
-              <a:t>2023. 11. 30.</a:t>
+              <a:t>2023. 12. 01.</a:t>
             </a:fld>
             <a:endParaRPr lang="hu-HU"/>
           </a:p>
@@ -1631,7 +1634,7 @@
     </p:spTree>
     <p:extLst>
       <p:ext uri="{BB962C8B-B14F-4D97-AF65-F5344CB8AC3E}">
-        <p14:creationId xmlns:p14="http://schemas.microsoft.com/office/powerpoint/2010/main" val="993660930"/>
+        <p14:creationId xmlns:p14="http://schemas.microsoft.com/office/powerpoint/2010/main" val="3945969554"/>
       </p:ext>
     </p:extLst>
   </p:cSld>
@@ -2117,7 +2120,7 @@
           <a:p>
             <a:fld id="{DDC88B96-5AA7-4CB3-87A1-08842D85DC16}" type="datetimeFigureOut">
               <a:rPr lang="hu-HU" smtClean="0"/>
-              <a:t>2023. 11. 30.</a:t>
+              <a:t>2023. 12. 01.</a:t>
             </a:fld>
             <a:endParaRPr lang="hu-HU"/>
           </a:p>
@@ -2168,7 +2171,7 @@
     </p:spTree>
     <p:extLst>
       <p:ext uri="{BB962C8B-B14F-4D97-AF65-F5344CB8AC3E}">
-        <p14:creationId xmlns:p14="http://schemas.microsoft.com/office/powerpoint/2010/main" val="4205336224"/>
+        <p14:creationId xmlns:p14="http://schemas.microsoft.com/office/powerpoint/2010/main" val="2116147453"/>
       </p:ext>
     </p:extLst>
   </p:cSld>
@@ -2891,7 +2894,7 @@
           <a:p>
             <a:fld id="{DDC88B96-5AA7-4CB3-87A1-08842D85DC16}" type="datetimeFigureOut">
               <a:rPr lang="hu-HU" smtClean="0"/>
-              <a:t>2023. 11. 30.</a:t>
+              <a:t>2023. 12. 01.</a:t>
             </a:fld>
             <a:endParaRPr lang="hu-HU"/>
           </a:p>
@@ -2942,7 +2945,7 @@
     </p:spTree>
     <p:extLst>
       <p:ext uri="{BB962C8B-B14F-4D97-AF65-F5344CB8AC3E}">
-        <p14:creationId xmlns:p14="http://schemas.microsoft.com/office/powerpoint/2010/main" val="478172994"/>
+        <p14:creationId xmlns:p14="http://schemas.microsoft.com/office/powerpoint/2010/main" val="550374880"/>
       </p:ext>
     </p:extLst>
   </p:cSld>
@@ -3066,7 +3069,7 @@
           <a:p>
             <a:fld id="{DDC88B96-5AA7-4CB3-87A1-08842D85DC16}" type="datetimeFigureOut">
               <a:rPr lang="hu-HU" smtClean="0"/>
-              <a:t>2023. 11. 30.</a:t>
+              <a:t>2023. 12. 01.</a:t>
             </a:fld>
             <a:endParaRPr lang="hu-HU"/>
           </a:p>
@@ -3117,7 +3120,7 @@
     </p:spTree>
     <p:extLst>
       <p:ext uri="{BB962C8B-B14F-4D97-AF65-F5344CB8AC3E}">
-        <p14:creationId xmlns:p14="http://schemas.microsoft.com/office/powerpoint/2010/main" val="3888196878"/>
+        <p14:creationId xmlns:p14="http://schemas.microsoft.com/office/powerpoint/2010/main" val="2064882244"/>
       </p:ext>
     </p:extLst>
   </p:cSld>
@@ -3289,7 +3292,7 @@
           <a:p>
             <a:fld id="{DDC88B96-5AA7-4CB3-87A1-08842D85DC16}" type="datetimeFigureOut">
               <a:rPr lang="hu-HU" smtClean="0"/>
-              <a:t>2023. 11. 30.</a:t>
+              <a:t>2023. 12. 01.</a:t>
             </a:fld>
             <a:endParaRPr lang="hu-HU"/>
           </a:p>
@@ -3350,7 +3353,7 @@
     </p:spTree>
     <p:extLst>
       <p:ext uri="{BB962C8B-B14F-4D97-AF65-F5344CB8AC3E}">
-        <p14:creationId xmlns:p14="http://schemas.microsoft.com/office/powerpoint/2010/main" val="1306716288"/>
+        <p14:creationId xmlns:p14="http://schemas.microsoft.com/office/powerpoint/2010/main" val="2951979865"/>
       </p:ext>
     </p:extLst>
   </p:cSld>
@@ -3469,7 +3472,7 @@
           <a:p>
             <a:fld id="{DDC88B96-5AA7-4CB3-87A1-08842D85DC16}" type="datetimeFigureOut">
               <a:rPr lang="hu-HU" smtClean="0"/>
-              <a:t>2023. 11. 30.</a:t>
+              <a:t>2023. 12. 01.</a:t>
             </a:fld>
             <a:endParaRPr lang="hu-HU"/>
           </a:p>
@@ -3520,7 +3523,7 @@
     </p:spTree>
     <p:extLst>
       <p:ext uri="{BB962C8B-B14F-4D97-AF65-F5344CB8AC3E}">
-        <p14:creationId xmlns:p14="http://schemas.microsoft.com/office/powerpoint/2010/main" val="3381619736"/>
+        <p14:creationId xmlns:p14="http://schemas.microsoft.com/office/powerpoint/2010/main" val="546469861"/>
       </p:ext>
     </p:extLst>
   </p:cSld>
@@ -3758,7 +3761,7 @@
           <a:p>
             <a:fld id="{DDC88B96-5AA7-4CB3-87A1-08842D85DC16}" type="datetimeFigureOut">
               <a:rPr lang="hu-HU" smtClean="0"/>
-              <a:t>2023. 11. 30.</a:t>
+              <a:t>2023. 12. 01.</a:t>
             </a:fld>
             <a:endParaRPr lang="hu-HU"/>
           </a:p>
@@ -3819,7 +3822,7 @@
     </p:spTree>
     <p:extLst>
       <p:ext uri="{BB962C8B-B14F-4D97-AF65-F5344CB8AC3E}">
-        <p14:creationId xmlns:p14="http://schemas.microsoft.com/office/powerpoint/2010/main" val="2480542044"/>
+        <p14:creationId xmlns:p14="http://schemas.microsoft.com/office/powerpoint/2010/main" val="1848718072"/>
       </p:ext>
     </p:extLst>
   </p:cSld>
@@ -4000,7 +4003,7 @@
           <a:p>
             <a:fld id="{DDC88B96-5AA7-4CB3-87A1-08842D85DC16}" type="datetimeFigureOut">
               <a:rPr lang="hu-HU" smtClean="0"/>
-              <a:t>2023. 11. 30.</a:t>
+              <a:t>2023. 12. 01.</a:t>
             </a:fld>
             <a:endParaRPr lang="hu-HU"/>
           </a:p>
@@ -4051,7 +4054,7 @@
     </p:spTree>
     <p:extLst>
       <p:ext uri="{BB962C8B-B14F-4D97-AF65-F5344CB8AC3E}">
-        <p14:creationId xmlns:p14="http://schemas.microsoft.com/office/powerpoint/2010/main" val="2975269181"/>
+        <p14:creationId xmlns:p14="http://schemas.microsoft.com/office/powerpoint/2010/main" val="3241452614"/>
       </p:ext>
     </p:extLst>
   </p:cSld>
@@ -4379,7 +4382,7 @@
           <a:p>
             <a:fld id="{DDC88B96-5AA7-4CB3-87A1-08842D85DC16}" type="datetimeFigureOut">
               <a:rPr lang="hu-HU" smtClean="0"/>
-              <a:t>2023. 11. 30.</a:t>
+              <a:t>2023. 12. 01.</a:t>
             </a:fld>
             <a:endParaRPr lang="hu-HU"/>
           </a:p>
@@ -4430,7 +4433,7 @@
     </p:spTree>
     <p:extLst>
       <p:ext uri="{BB962C8B-B14F-4D97-AF65-F5344CB8AC3E}">
-        <p14:creationId xmlns:p14="http://schemas.microsoft.com/office/powerpoint/2010/main" val="3097350936"/>
+        <p14:creationId xmlns:p14="http://schemas.microsoft.com/office/powerpoint/2010/main" val="120958206"/>
       </p:ext>
     </p:extLst>
   </p:cSld>
@@ -4497,7 +4500,7 @@
           <a:p>
             <a:fld id="{DDC88B96-5AA7-4CB3-87A1-08842D85DC16}" type="datetimeFigureOut">
               <a:rPr lang="hu-HU" smtClean="0"/>
-              <a:t>2023. 11. 30.</a:t>
+              <a:t>2023. 12. 01.</a:t>
             </a:fld>
             <a:endParaRPr lang="hu-HU"/>
           </a:p>
@@ -4548,7 +4551,7 @@
     </p:spTree>
     <p:extLst>
       <p:ext uri="{BB962C8B-B14F-4D97-AF65-F5344CB8AC3E}">
-        <p14:creationId xmlns:p14="http://schemas.microsoft.com/office/powerpoint/2010/main" val="208492538"/>
+        <p14:creationId xmlns:p14="http://schemas.microsoft.com/office/powerpoint/2010/main" val="901754751"/>
       </p:ext>
     </p:extLst>
   </p:cSld>
@@ -4592,7 +4595,7 @@
           <a:p>
             <a:fld id="{DDC88B96-5AA7-4CB3-87A1-08842D85DC16}" type="datetimeFigureOut">
               <a:rPr lang="hu-HU" smtClean="0"/>
-              <a:t>2023. 11. 30.</a:t>
+              <a:t>2023. 12. 01.</a:t>
             </a:fld>
             <a:endParaRPr lang="hu-HU"/>
           </a:p>
@@ -4643,7 +4646,7 @@
     </p:spTree>
     <p:extLst>
       <p:ext uri="{BB962C8B-B14F-4D97-AF65-F5344CB8AC3E}">
-        <p14:creationId xmlns:p14="http://schemas.microsoft.com/office/powerpoint/2010/main" val="1982955402"/>
+        <p14:creationId xmlns:p14="http://schemas.microsoft.com/office/powerpoint/2010/main" val="1353165917"/>
       </p:ext>
     </p:extLst>
   </p:cSld>
@@ -4841,7 +4844,7 @@
           <a:p>
             <a:fld id="{DDC88B96-5AA7-4CB3-87A1-08842D85DC16}" type="datetimeFigureOut">
               <a:rPr lang="hu-HU" smtClean="0"/>
-              <a:t>2023. 11. 30.</a:t>
+              <a:t>2023. 12. 01.</a:t>
             </a:fld>
             <a:endParaRPr lang="hu-HU"/>
           </a:p>
@@ -4892,7 +4895,7 @@
     </p:spTree>
     <p:extLst>
       <p:ext uri="{BB962C8B-B14F-4D97-AF65-F5344CB8AC3E}">
-        <p14:creationId xmlns:p14="http://schemas.microsoft.com/office/powerpoint/2010/main" val="2198945349"/>
+        <p14:creationId xmlns:p14="http://schemas.microsoft.com/office/powerpoint/2010/main" val="3786963367"/>
       </p:ext>
     </p:extLst>
   </p:cSld>
@@ -5098,7 +5101,7 @@
           <a:p>
             <a:fld id="{DDC88B96-5AA7-4CB3-87A1-08842D85DC16}" type="datetimeFigureOut">
               <a:rPr lang="hu-HU" smtClean="0"/>
-              <a:t>2023. 11. 30.</a:t>
+              <a:t>2023. 12. 01.</a:t>
             </a:fld>
             <a:endParaRPr lang="hu-HU"/>
           </a:p>
@@ -5149,7 +5152,7 @@
     </p:spTree>
     <p:extLst>
       <p:ext uri="{BB962C8B-B14F-4D97-AF65-F5344CB8AC3E}">
-        <p14:creationId xmlns:p14="http://schemas.microsoft.com/office/powerpoint/2010/main" val="556230083"/>
+        <p14:creationId xmlns:p14="http://schemas.microsoft.com/office/powerpoint/2010/main" val="898162607"/>
       </p:ext>
     </p:extLst>
   </p:cSld>
@@ -5341,7 +5344,7 @@
           <a:p>
             <a:fld id="{DDC88B96-5AA7-4CB3-87A1-08842D85DC16}" type="datetimeFigureOut">
               <a:rPr lang="hu-HU" smtClean="0"/>
-              <a:t>2023. 11. 30.</a:t>
+              <a:t>2023. 12. 01.</a:t>
             </a:fld>
             <a:endParaRPr lang="hu-HU"/>
           </a:p>
@@ -5428,29 +5431,29 @@
     </p:spTree>
     <p:extLst>
       <p:ext uri="{BB962C8B-B14F-4D97-AF65-F5344CB8AC3E}">
-        <p14:creationId xmlns:p14="http://schemas.microsoft.com/office/powerpoint/2010/main" val="2180250324"/>
+        <p14:creationId xmlns:p14="http://schemas.microsoft.com/office/powerpoint/2010/main" val="1937281058"/>
       </p:ext>
     </p:extLst>
   </p:cSld>
   <p:clrMap bg1="dk1" tx1="lt1" bg2="dk2" tx2="lt2" accent1="accent1" accent2="accent2" accent3="accent3" accent4="accent4" accent5="accent5" accent6="accent6" hlink="hlink" folHlink="folHlink"/>
   <p:sldLayoutIdLst>
-    <p:sldLayoutId id="2147483685" r:id="rId1"/>
-    <p:sldLayoutId id="2147483686" r:id="rId2"/>
-    <p:sldLayoutId id="2147483687" r:id="rId3"/>
-    <p:sldLayoutId id="2147483688" r:id="rId4"/>
-    <p:sldLayoutId id="2147483689" r:id="rId5"/>
-    <p:sldLayoutId id="2147483690" r:id="rId6"/>
-    <p:sldLayoutId id="2147483691" r:id="rId7"/>
-    <p:sldLayoutId id="2147483692" r:id="rId8"/>
-    <p:sldLayoutId id="2147483693" r:id="rId9"/>
-    <p:sldLayoutId id="2147483694" r:id="rId10"/>
-    <p:sldLayoutId id="2147483695" r:id="rId11"/>
-    <p:sldLayoutId id="2147483696" r:id="rId12"/>
-    <p:sldLayoutId id="2147483697" r:id="rId13"/>
-    <p:sldLayoutId id="2147483698" r:id="rId14"/>
-    <p:sldLayoutId id="2147483699" r:id="rId15"/>
-    <p:sldLayoutId id="2147483700" r:id="rId16"/>
-    <p:sldLayoutId id="2147483701" r:id="rId17"/>
+    <p:sldLayoutId id="2147483703" r:id="rId1"/>
+    <p:sldLayoutId id="2147483704" r:id="rId2"/>
+    <p:sldLayoutId id="2147483705" r:id="rId3"/>
+    <p:sldLayoutId id="2147483706" r:id="rId4"/>
+    <p:sldLayoutId id="2147483707" r:id="rId5"/>
+    <p:sldLayoutId id="2147483708" r:id="rId6"/>
+    <p:sldLayoutId id="2147483709" r:id="rId7"/>
+    <p:sldLayoutId id="2147483710" r:id="rId8"/>
+    <p:sldLayoutId id="2147483711" r:id="rId9"/>
+    <p:sldLayoutId id="2147483712" r:id="rId10"/>
+    <p:sldLayoutId id="2147483713" r:id="rId11"/>
+    <p:sldLayoutId id="2147483714" r:id="rId12"/>
+    <p:sldLayoutId id="2147483715" r:id="rId13"/>
+    <p:sldLayoutId id="2147483716" r:id="rId14"/>
+    <p:sldLayoutId id="2147483717" r:id="rId15"/>
+    <p:sldLayoutId id="2147483718" r:id="rId16"/>
+    <p:sldLayoutId id="2147483719" r:id="rId17"/>
   </p:sldLayoutIdLst>
   <p:txStyles>
     <p:titleStyle>
@@ -6025,6 +6028,197 @@
 </p:sld>
 </file>
 
+<file path=ppt/slides/slide10.xml><?xml version="1.0" encoding="utf-8"?>
+<p:sld xmlns:a="http://schemas.openxmlformats.org/drawingml/2006/main" xmlns:r="http://schemas.openxmlformats.org/officeDocument/2006/relationships" xmlns:p="http://schemas.openxmlformats.org/presentationml/2006/main">
+  <p:cSld>
+    <p:spTree>
+      <p:nvGrpSpPr>
+        <p:cNvPr id="1" name=""/>
+        <p:cNvGrpSpPr/>
+        <p:nvPr/>
+      </p:nvGrpSpPr>
+      <p:grpSpPr>
+        <a:xfrm>
+          <a:off x="0" y="0"/>
+          <a:ext cx="0" cy="0"/>
+          <a:chOff x="0" y="0"/>
+          <a:chExt cx="0" cy="0"/>
+        </a:xfrm>
+      </p:grpSpPr>
+      <p:sp>
+        <p:nvSpPr>
+          <p:cNvPr id="2" name="Cím 1">
+            <a:extLst>
+              <a:ext uri="{FF2B5EF4-FFF2-40B4-BE49-F238E27FC236}">
+                <a16:creationId xmlns:a16="http://schemas.microsoft.com/office/drawing/2014/main" id="{26D3343F-F63B-AEF6-EF25-472A605E906C}"/>
+              </a:ext>
+            </a:extLst>
+          </p:cNvPr>
+          <p:cNvSpPr>
+            <a:spLocks noGrp="1"/>
+          </p:cNvSpPr>
+          <p:nvPr>
+            <p:ph type="title"/>
+          </p:nvPr>
+        </p:nvSpPr>
+        <p:spPr/>
+        <p:txBody>
+          <a:bodyPr/>
+          <a:lstStyle/>
+          <a:p>
+            <a:r>
+              <a:rPr lang="hu-HU" dirty="0"/>
+              <a:t>Mars modell</a:t>
+            </a:r>
+          </a:p>
+        </p:txBody>
+      </p:sp>
+      <p:sp>
+        <p:nvSpPr>
+          <p:cNvPr id="3" name="Tartalom helye 2">
+            <a:extLst>
+              <a:ext uri="{FF2B5EF4-FFF2-40B4-BE49-F238E27FC236}">
+                <a16:creationId xmlns:a16="http://schemas.microsoft.com/office/drawing/2014/main" id="{4E90BF7A-327E-3767-7786-B24E460439B6}"/>
+              </a:ext>
+            </a:extLst>
+          </p:cNvPr>
+          <p:cNvSpPr>
+            <a:spLocks noGrp="1"/>
+          </p:cNvSpPr>
+          <p:nvPr>
+            <p:ph sz="half" idx="1"/>
+          </p:nvPr>
+        </p:nvSpPr>
+        <p:spPr/>
+        <p:txBody>
+          <a:bodyPr/>
+          <a:lstStyle/>
+          <a:p>
+            <a:endParaRPr lang="hu-HU"/>
+          </a:p>
+        </p:txBody>
+      </p:sp>
+      <p:sp>
+        <p:nvSpPr>
+          <p:cNvPr id="4" name="Tartalom helye 3">
+            <a:extLst>
+              <a:ext uri="{FF2B5EF4-FFF2-40B4-BE49-F238E27FC236}">
+                <a16:creationId xmlns:a16="http://schemas.microsoft.com/office/drawing/2014/main" id="{389D5DB0-2BFC-CC78-ACD8-369914ACE4BF}"/>
+              </a:ext>
+            </a:extLst>
+          </p:cNvPr>
+          <p:cNvSpPr>
+            <a:spLocks noGrp="1"/>
+          </p:cNvSpPr>
+          <p:nvPr>
+            <p:ph sz="half" idx="2"/>
+          </p:nvPr>
+        </p:nvSpPr>
+        <p:spPr/>
+        <p:txBody>
+          <a:bodyPr/>
+          <a:lstStyle/>
+          <a:p>
+            <a:endParaRPr lang="hu-HU"/>
+          </a:p>
+        </p:txBody>
+      </p:sp>
+    </p:spTree>
+    <p:extLst>
+      <p:ext uri="{BB962C8B-B14F-4D97-AF65-F5344CB8AC3E}">
+        <p14:creationId xmlns:p14="http://schemas.microsoft.com/office/powerpoint/2010/main" val="1970934798"/>
+      </p:ext>
+    </p:extLst>
+  </p:cSld>
+  <p:clrMapOvr>
+    <a:masterClrMapping/>
+  </p:clrMapOvr>
+</p:sld>
+</file>
+
+<file path=ppt/slides/slide11.xml><?xml version="1.0" encoding="utf-8"?>
+<p:sld xmlns:a="http://schemas.openxmlformats.org/drawingml/2006/main" xmlns:r="http://schemas.openxmlformats.org/officeDocument/2006/relationships" xmlns:p="http://schemas.openxmlformats.org/presentationml/2006/main">
+  <p:cSld>
+    <p:spTree>
+      <p:nvGrpSpPr>
+        <p:cNvPr id="1" name=""/>
+        <p:cNvGrpSpPr/>
+        <p:nvPr/>
+      </p:nvGrpSpPr>
+      <p:grpSpPr>
+        <a:xfrm>
+          <a:off x="0" y="0"/>
+          <a:ext cx="0" cy="0"/>
+          <a:chOff x="0" y="0"/>
+          <a:chExt cx="0" cy="0"/>
+        </a:xfrm>
+      </p:grpSpPr>
+      <p:sp>
+        <p:nvSpPr>
+          <p:cNvPr id="2" name="Cím 1">
+            <a:extLst>
+              <a:ext uri="{FF2B5EF4-FFF2-40B4-BE49-F238E27FC236}">
+                <a16:creationId xmlns:a16="http://schemas.microsoft.com/office/drawing/2014/main" id="{FE5CFD5E-4B16-D6BA-3843-8AD57CD68573}"/>
+              </a:ext>
+            </a:extLst>
+          </p:cNvPr>
+          <p:cNvSpPr>
+            <a:spLocks noGrp="1"/>
+          </p:cNvSpPr>
+          <p:nvPr>
+            <p:ph type="title"/>
+          </p:nvPr>
+        </p:nvSpPr>
+        <p:spPr/>
+        <p:txBody>
+          <a:bodyPr/>
+          <a:lstStyle/>
+          <a:p>
+            <a:r>
+              <a:rPr lang="hu-HU" dirty="0"/>
+              <a:t>Modellek összehasonlítása</a:t>
+            </a:r>
+          </a:p>
+        </p:txBody>
+      </p:sp>
+      <p:sp>
+        <p:nvSpPr>
+          <p:cNvPr id="3" name="Tartalom helye 2">
+            <a:extLst>
+              <a:ext uri="{FF2B5EF4-FFF2-40B4-BE49-F238E27FC236}">
+                <a16:creationId xmlns:a16="http://schemas.microsoft.com/office/drawing/2014/main" id="{5C0520D0-70F3-EAE3-EEF6-067AE8FE621C}"/>
+              </a:ext>
+            </a:extLst>
+          </p:cNvPr>
+          <p:cNvSpPr>
+            <a:spLocks noGrp="1"/>
+          </p:cNvSpPr>
+          <p:nvPr>
+            <p:ph idx="1"/>
+          </p:nvPr>
+        </p:nvSpPr>
+        <p:spPr/>
+        <p:txBody>
+          <a:bodyPr/>
+          <a:lstStyle/>
+          <a:p>
+            <a:endParaRPr lang="hu-HU"/>
+          </a:p>
+        </p:txBody>
+      </p:sp>
+    </p:spTree>
+    <p:extLst>
+      <p:ext uri="{BB962C8B-B14F-4D97-AF65-F5344CB8AC3E}">
+        <p14:creationId xmlns:p14="http://schemas.microsoft.com/office/powerpoint/2010/main" val="183863687"/>
+      </p:ext>
+    </p:extLst>
+  </p:cSld>
+  <p:clrMapOvr>
+    <a:masterClrMapping/>
+  </p:clrMapOvr>
+</p:sld>
+</file>
+
 <file path=ppt/slides/slide2.xml><?xml version="1.0" encoding="utf-8"?>
 <p:sld xmlns:a="http://schemas.openxmlformats.org/drawingml/2006/main" xmlns:r="http://schemas.openxmlformats.org/officeDocument/2006/relationships" xmlns:p="http://schemas.openxmlformats.org/presentationml/2006/main">
   <p:cSld>
@@ -6113,8 +6307,43 @@
           </a:p>
           <a:p>
             <a:r>
-              <a:rPr lang="hu-HU"/>
+              <a:rPr lang="hu-HU" dirty="0"/>
               <a:t>Legfontosabbak:</a:t>
+            </a:r>
+          </a:p>
+          <a:p>
+            <a:pPr lvl="1"/>
+            <a:r>
+              <a:rPr lang="hu-HU" dirty="0"/>
+              <a:t>Eladási ár</a:t>
+            </a:r>
+          </a:p>
+          <a:p>
+            <a:pPr lvl="1"/>
+            <a:r>
+              <a:rPr lang="hu-HU" dirty="0"/>
+              <a:t>Alapterület</a:t>
+            </a:r>
+          </a:p>
+          <a:p>
+            <a:pPr lvl="1"/>
+            <a:r>
+              <a:rPr lang="hu-HU" dirty="0"/>
+              <a:t>Szobák száma</a:t>
+            </a:r>
+          </a:p>
+          <a:p>
+            <a:pPr lvl="1"/>
+            <a:r>
+              <a:rPr lang="hu-HU" dirty="0"/>
+              <a:t>Építés éve</a:t>
+            </a:r>
+          </a:p>
+          <a:p>
+            <a:pPr lvl="1"/>
+            <a:r>
+              <a:rPr lang="hu-HU" dirty="0"/>
+              <a:t>Környék</a:t>
             </a:r>
           </a:p>
         </p:txBody>
@@ -6326,6 +6555,14 @@
 <file path=ppt/slides/slide5.xml><?xml version="1.0" encoding="utf-8"?>
 <p:sld xmlns:a="http://schemas.openxmlformats.org/drawingml/2006/main" xmlns:r="http://schemas.openxmlformats.org/officeDocument/2006/relationships" xmlns:p="http://schemas.openxmlformats.org/presentationml/2006/main">
   <p:cSld>
+    <p:bg>
+      <p:bgPr>
+        <a:solidFill>
+          <a:schemeClr val="bg1"/>
+        </a:solidFill>
+        <a:effectLst/>
+      </p:bgPr>
+    </p:bg>
     <p:spTree>
       <p:nvGrpSpPr>
         <p:cNvPr id="1" name=""/>
@@ -6356,13 +6593,28 @@
             <p:ph type="title"/>
           </p:nvPr>
         </p:nvSpPr>
-        <p:spPr/>
-        <p:txBody>
-          <a:bodyPr/>
-          <a:lstStyle/>
-          <a:p>
-            <a:r>
-              <a:rPr lang="hu-HU" dirty="0"/>
+        <p:spPr>
+          <a:xfrm>
+            <a:off x="685799" y="764373"/>
+            <a:ext cx="3977639" cy="1600200"/>
+          </a:xfrm>
+        </p:spPr>
+        <p:txBody>
+          <a:bodyPr vert="horz" lIns="91440" tIns="45720" rIns="91440" bIns="45720" rtlCol="0" anchor="b">
+            <a:normAutofit/>
+          </a:bodyPr>
+          <a:lstStyle/>
+          <a:p>
+            <a:pPr algn="l"/>
+            <a:r>
+              <a:rPr lang="en-US" sz="3200" kern="1200" cap="all" baseline="0">
+                <a:solidFill>
+                  <a:schemeClr val="tx1"/>
+                </a:solidFill>
+                <a:latin typeface="+mj-lt"/>
+                <a:ea typeface="+mj-ea"/>
+                <a:cs typeface="+mj-cs"/>
+              </a:rPr>
               <a:t>klaszterelemzés</a:t>
             </a:r>
           </a:p>
@@ -6384,43 +6636,66 @@
             <p:ph sz="half" idx="1"/>
           </p:nvPr>
         </p:nvSpPr>
-        <p:spPr/>
-        <p:txBody>
-          <a:bodyPr/>
-          <a:lstStyle/>
-          <a:p>
-            <a:r>
-              <a:rPr lang="hu-HU" dirty="0"/>
-              <a:t>Célja:</a:t>
-            </a:r>
-          </a:p>
-        </p:txBody>
-      </p:sp>
-      <p:sp>
-        <p:nvSpPr>
-          <p:cNvPr id="4" name="Tartalom helye 3">
+        <p:spPr>
+          <a:xfrm>
+            <a:off x="685800" y="2364573"/>
+            <a:ext cx="3977639" cy="3854112"/>
+          </a:xfrm>
+        </p:spPr>
+        <p:txBody>
+          <a:bodyPr vert="horz" lIns="91440" tIns="45720" rIns="91440" bIns="45720" rtlCol="0">
+            <a:normAutofit/>
+          </a:bodyPr>
+          <a:lstStyle/>
+          <a:p>
+            <a:r>
+              <a:rPr lang="en-US" sz="1600"/>
+              <a:t>Célja: Csoportokra bontsuk az ingatlanokat hasonló jellemzők alapján</a:t>
+            </a:r>
+          </a:p>
+          <a:p>
+            <a:endParaRPr lang="en-US" sz="1600"/>
+          </a:p>
+          <a:p>
+            <a:r>
+              <a:rPr lang="en-US" sz="1600"/>
+              <a:t>Könnyebben lehet prediktív modelleket építeni az árakra a hasonló tulajdonságok miatt</a:t>
+            </a:r>
+          </a:p>
+        </p:txBody>
+      </p:sp>
+      <p:pic>
+        <p:nvPicPr>
+          <p:cNvPr id="5" name="Tartalom helye 4">
             <a:extLst>
               <a:ext uri="{FF2B5EF4-FFF2-40B4-BE49-F238E27FC236}">
-                <a16:creationId xmlns:a16="http://schemas.microsoft.com/office/drawing/2014/main" id="{24098F04-B236-C78D-5BC0-BA55F8307AE8}"/>
+                <a16:creationId xmlns:a16="http://schemas.microsoft.com/office/drawing/2014/main" id="{905456D0-5912-A5EE-D60C-6DEB399BE2FC}"/>
               </a:ext>
             </a:extLst>
           </p:cNvPr>
-          <p:cNvSpPr>
-            <a:spLocks noGrp="1"/>
-          </p:cNvSpPr>
+          <p:cNvPicPr>
+            <a:picLocks noGrp="1" noChangeAspect="1"/>
+          </p:cNvPicPr>
           <p:nvPr>
             <p:ph sz="half" idx="2"/>
           </p:nvPr>
-        </p:nvSpPr>
-        <p:spPr/>
-        <p:txBody>
-          <a:bodyPr/>
-          <a:lstStyle/>
-          <a:p>
-            <a:endParaRPr lang="hu-HU"/>
-          </a:p>
-        </p:txBody>
-      </p:sp>
+        </p:nvPicPr>
+        <p:blipFill>
+          <a:blip r:embed="rId2"/>
+          <a:stretch>
+            <a:fillRect/>
+          </a:stretch>
+        </p:blipFill>
+        <p:spPr>
+          <a:xfrm>
+            <a:off x="4972699" y="1146679"/>
+            <a:ext cx="6533501" cy="4671452"/>
+          </a:xfrm>
+          <a:prstGeom prst="rect">
+            <a:avLst/>
+          </a:prstGeom>
+        </p:spPr>
+      </p:pic>
     </p:spTree>
     <p:extLst>
       <p:ext uri="{BB962C8B-B14F-4D97-AF65-F5344CB8AC3E}">
@@ -6435,170 +6710,6 @@
 </file>
 
 <file path=ppt/slides/slide6.xml><?xml version="1.0" encoding="utf-8"?>
-<p:sld xmlns:a="http://schemas.openxmlformats.org/drawingml/2006/main" xmlns:r="http://schemas.openxmlformats.org/officeDocument/2006/relationships" xmlns:p="http://schemas.openxmlformats.org/presentationml/2006/main">
-  <p:cSld>
-    <p:spTree>
-      <p:nvGrpSpPr>
-        <p:cNvPr id="1" name=""/>
-        <p:cNvGrpSpPr/>
-        <p:nvPr/>
-      </p:nvGrpSpPr>
-      <p:grpSpPr>
-        <a:xfrm>
-          <a:off x="0" y="0"/>
-          <a:ext cx="0" cy="0"/>
-          <a:chOff x="0" y="0"/>
-          <a:chExt cx="0" cy="0"/>
-        </a:xfrm>
-      </p:grpSpPr>
-      <p:sp>
-        <p:nvSpPr>
-          <p:cNvPr id="2" name="Cím 1">
-            <a:extLst>
-              <a:ext uri="{FF2B5EF4-FFF2-40B4-BE49-F238E27FC236}">
-                <a16:creationId xmlns:a16="http://schemas.microsoft.com/office/drawing/2014/main" id="{CE6E8AEE-C3AC-F091-DDFD-38D134BE30F2}"/>
-              </a:ext>
-            </a:extLst>
-          </p:cNvPr>
-          <p:cNvSpPr>
-            <a:spLocks noGrp="1"/>
-          </p:cNvSpPr>
-          <p:nvPr>
-            <p:ph type="title"/>
-          </p:nvPr>
-        </p:nvSpPr>
-        <p:spPr/>
-        <p:txBody>
-          <a:bodyPr/>
-          <a:lstStyle/>
-          <a:p>
-            <a:r>
-              <a:rPr lang="hu-HU" dirty="0"/>
-              <a:t>Főkomponens elemzés</a:t>
-            </a:r>
-          </a:p>
-        </p:txBody>
-      </p:sp>
-      <p:sp>
-        <p:nvSpPr>
-          <p:cNvPr id="3" name="Tartalom helye 2">
-            <a:extLst>
-              <a:ext uri="{FF2B5EF4-FFF2-40B4-BE49-F238E27FC236}">
-                <a16:creationId xmlns:a16="http://schemas.microsoft.com/office/drawing/2014/main" id="{E989DFE6-D9A5-4FD7-DABA-9EB6AF6F98B0}"/>
-              </a:ext>
-            </a:extLst>
-          </p:cNvPr>
-          <p:cNvSpPr>
-            <a:spLocks noGrp="1"/>
-          </p:cNvSpPr>
-          <p:nvPr>
-            <p:ph sz="half" idx="1"/>
-          </p:nvPr>
-        </p:nvSpPr>
-        <p:spPr/>
-        <p:txBody>
-          <a:bodyPr>
-            <a:normAutofit fontScale="92500" lnSpcReduction="10000"/>
-          </a:bodyPr>
-          <a:lstStyle/>
-          <a:p>
-            <a:pPr marL="0" indent="0">
-              <a:buNone/>
-            </a:pPr>
-            <a:r>
-              <a:rPr lang="hu-HU" dirty="0"/>
-              <a:t>Célja: kevesebb változóval tudjuk elemezni az ingatlanokat (dimenziócsökkentés)</a:t>
-            </a:r>
-          </a:p>
-          <a:p>
-            <a:pPr marL="0" indent="0">
-              <a:buNone/>
-            </a:pPr>
-            <a:endParaRPr lang="hu-HU" dirty="0"/>
-          </a:p>
-          <a:p>
-            <a:pPr marL="0" indent="0">
-              <a:buNone/>
-            </a:pPr>
-            <a:r>
-              <a:rPr lang="hu-HU" dirty="0"/>
-              <a:t>A numerikus adatokat választottuk ki</a:t>
-            </a:r>
-          </a:p>
-          <a:p>
-            <a:pPr marL="0" indent="0">
-              <a:buNone/>
-            </a:pPr>
-            <a:endParaRPr lang="hu-HU" dirty="0"/>
-          </a:p>
-          <a:p>
-            <a:pPr marL="0" indent="0">
-              <a:buNone/>
-            </a:pPr>
-            <a:r>
-              <a:rPr lang="hu-HU" dirty="0"/>
-              <a:t>A Kaiser-kritériumnak 11 főkomponens felelt meg (</a:t>
-            </a:r>
-            <a:r>
-              <a:rPr lang="el-GR" b="0" i="0" dirty="0">
-                <a:solidFill>
-                  <a:srgbClr val="E8EAED"/>
-                </a:solidFill>
-                <a:effectLst/>
-                <a:latin typeface="Google Sans"/>
-              </a:rPr>
-              <a:t>σ</a:t>
-            </a:r>
-            <a:r>
-              <a:rPr lang="hu-HU" dirty="0"/>
-              <a:t> &gt; 1), noha 1 körül volt az értékük.</a:t>
-            </a:r>
-          </a:p>
-          <a:p>
-            <a:pPr marL="0" indent="0">
-              <a:buNone/>
-            </a:pPr>
-            <a:endParaRPr lang="hu-HU" dirty="0"/>
-          </a:p>
-          <a:p>
-            <a:pPr marL="0" indent="0">
-              <a:buNone/>
-            </a:pPr>
-            <a:r>
-              <a:rPr lang="hu-HU" dirty="0"/>
-              <a:t>A teljes információ </a:t>
-            </a:r>
-            <a:r>
-              <a:rPr lang="hu-HU" b="0" i="0" dirty="0">
-                <a:effectLst/>
-                <a:latin typeface="Helvetica Neue"/>
-              </a:rPr>
-              <a:t>~70,3% (0.703362)-át őriztük meg.</a:t>
-            </a:r>
-            <a:endParaRPr lang="hu-HU" dirty="0"/>
-          </a:p>
-          <a:p>
-            <a:pPr marL="0" indent="0">
-              <a:buNone/>
-            </a:pPr>
-            <a:endParaRPr lang="hu-HU" dirty="0"/>
-          </a:p>
-        </p:txBody>
-      </p:sp>
-    </p:spTree>
-    <p:extLst>
-      <p:ext uri="{BB962C8B-B14F-4D97-AF65-F5344CB8AC3E}">
-        <p14:creationId xmlns:p14="http://schemas.microsoft.com/office/powerpoint/2010/main" val="2462104187"/>
-      </p:ext>
-    </p:extLst>
-  </p:cSld>
-  <p:clrMapOvr>
-    <a:masterClrMapping/>
-  </p:clrMapOvr>
-</p:sld>
-</file>
-
-<file path=ppt/slides/slide7.xml><?xml version="1.0" encoding="utf-8"?>
 <p:sld xmlns:a="http://schemas.openxmlformats.org/drawingml/2006/main" xmlns:r="http://schemas.openxmlformats.org/officeDocument/2006/relationships" xmlns:p="http://schemas.openxmlformats.org/presentationml/2006/main">
   <p:cSld>
     <p:bg>
@@ -6623,124 +6734,373 @@
           <a:chExt cx="0" cy="0"/>
         </a:xfrm>
       </p:grpSpPr>
+      <p:sp>
+        <p:nvSpPr>
+          <p:cNvPr id="2" name="Cím 1">
+            <a:extLst>
+              <a:ext uri="{FF2B5EF4-FFF2-40B4-BE49-F238E27FC236}">
+                <a16:creationId xmlns:a16="http://schemas.microsoft.com/office/drawing/2014/main" id="{22611650-2ACF-CD6C-D77B-76C8AE8B89D8}"/>
+              </a:ext>
+            </a:extLst>
+          </p:cNvPr>
+          <p:cNvSpPr>
+            <a:spLocks noGrp="1"/>
+          </p:cNvSpPr>
+          <p:nvPr>
+            <p:ph type="title"/>
+          </p:nvPr>
+        </p:nvSpPr>
+        <p:spPr>
+          <a:xfrm>
+            <a:off x="619760" y="764373"/>
+            <a:ext cx="6832600" cy="1293028"/>
+          </a:xfrm>
+        </p:spPr>
+        <p:txBody>
+          <a:bodyPr vert="horz" lIns="91440" tIns="45720" rIns="91440" bIns="45720" rtlCol="0" anchor="ctr">
+            <a:normAutofit/>
+          </a:bodyPr>
+          <a:lstStyle/>
+          <a:p>
+            <a:r>
+              <a:rPr lang="en-US"/>
+              <a:t>K-központú klaszterezés</a:t>
+            </a:r>
+          </a:p>
+        </p:txBody>
+      </p:sp>
+      <p:sp>
+        <p:nvSpPr>
+          <p:cNvPr id="16" name="Content Placeholder 9">
+            <a:extLst>
+              <a:ext uri="{FF2B5EF4-FFF2-40B4-BE49-F238E27FC236}">
+                <a16:creationId xmlns:a16="http://schemas.microsoft.com/office/drawing/2014/main" id="{FA2A0A01-8C6D-0C86-ECDE-E00C5664A96A}"/>
+              </a:ext>
+            </a:extLst>
+          </p:cNvPr>
+          <p:cNvSpPr>
+            <a:spLocks noGrp="1"/>
+          </p:cNvSpPr>
+          <p:nvPr>
+            <p:ph sz="half" idx="1"/>
+          </p:nvPr>
+        </p:nvSpPr>
+        <p:spPr>
+          <a:xfrm>
+            <a:off x="619760" y="2194560"/>
+            <a:ext cx="6832600" cy="4024125"/>
+          </a:xfrm>
+        </p:spPr>
+        <p:txBody>
+          <a:bodyPr vert="horz" lIns="91440" tIns="45720" rIns="91440" bIns="45720" rtlCol="0">
+            <a:normAutofit/>
+          </a:bodyPr>
+          <a:lstStyle/>
+          <a:p>
+            <a:endParaRPr lang="en-US" dirty="0"/>
+          </a:p>
+        </p:txBody>
+      </p:sp>
       <p:pic>
         <p:nvPicPr>
-          <p:cNvPr id="18" name="Picture 13">
+          <p:cNvPr id="5" name="Tartalom helye 4">
             <a:extLst>
               <a:ext uri="{FF2B5EF4-FFF2-40B4-BE49-F238E27FC236}">
-                <a16:creationId xmlns:a16="http://schemas.microsoft.com/office/drawing/2014/main" id="{95DD5BC2-A8E7-4CAD-955A-3807355EC977}"/>
-              </a:ext>
-              <a:ext uri="{C183D7F6-B498-43B3-948B-1728B52AA6E4}">
-                <adec:decorative xmlns:adec="http://schemas.microsoft.com/office/drawing/2017/decorative" val="1"/>
+                <a16:creationId xmlns:a16="http://schemas.microsoft.com/office/drawing/2014/main" id="{1F912345-1492-815C-45D2-00BF3AB5D8C8}"/>
               </a:ext>
             </a:extLst>
           </p:cNvPr>
           <p:cNvPicPr>
-            <a:picLocks noGrp="1" noRot="1" noChangeAspect="1" noMove="1" noResize="1" noEditPoints="1" noAdjustHandles="1" noChangeArrowheads="1" noChangeShapeType="1" noCrop="1"/>
+            <a:picLocks noGrp="1" noChangeAspect="1"/>
           </p:cNvPicPr>
           <p:nvPr>
-            <p:extLst>
-              <p:ext uri="{386F3935-93C4-4BCD-93E2-E3B085C9AB24}">
-                <p16:designElem xmlns:p16="http://schemas.microsoft.com/office/powerpoint/2015/main" val="1"/>
-              </p:ext>
-            </p:extLst>
+            <p:ph sz="half" idx="2"/>
           </p:nvPr>
         </p:nvPicPr>
-        <p:blipFill>
-          <a:blip r:embed="rId2">
-            <a:extLst>
-              <a:ext uri="{28A0092B-C50C-407E-A947-70E740481C1C}">
-                <a14:useLocalDpi xmlns:a14="http://schemas.microsoft.com/office/drawing/2010/main" val="0"/>
-              </a:ext>
-            </a:extLst>
-          </a:blip>
-          <a:stretch>
-            <a:fillRect/>
-          </a:stretch>
+        <p:blipFill rotWithShape="1">
+          <a:blip r:embed="rId2"/>
+          <a:stretch/>
         </p:blipFill>
         <p:spPr>
           <a:xfrm>
-            <a:off x="0" y="0"/>
-            <a:ext cx="12192000" cy="1441450"/>
+            <a:off x="6172200" y="2301081"/>
+            <a:ext cx="5334000" cy="3810000"/>
           </a:xfrm>
           <a:prstGeom prst="rect">
             <a:avLst/>
           </a:prstGeom>
         </p:spPr>
       </p:pic>
-      <p:sp>
-        <p:nvSpPr>
-          <p:cNvPr id="19" name="Rounded Rectangle 11">
+      <p:pic>
+        <p:nvPicPr>
+          <p:cNvPr id="6" name="Tartalom helye 5">
             <a:extLst>
               <a:ext uri="{FF2B5EF4-FFF2-40B4-BE49-F238E27FC236}">
-                <a16:creationId xmlns:a16="http://schemas.microsoft.com/office/drawing/2014/main" id="{2770B5F4-AED0-4A3A-859D-B6239ED38A3B}"/>
-              </a:ext>
-              <a:ext uri="{C183D7F6-B498-43B3-948B-1728B52AA6E4}">
-                <adec:decorative xmlns:adec="http://schemas.microsoft.com/office/drawing/2017/decorative" val="1"/>
+                <a16:creationId xmlns:a16="http://schemas.microsoft.com/office/drawing/2014/main" id="{0AB00A5F-5C14-084A-64C3-3BCB0DFE7324}"/>
               </a:ext>
             </a:extLst>
           </p:cNvPr>
-          <p:cNvSpPr>
-            <a:spLocks noGrp="1" noRot="1" noChangeAspect="1" noMove="1" noResize="1" noEditPoints="1" noAdjustHandles="1" noChangeArrowheads="1" noChangeShapeType="1" noTextEdit="1"/>
-          </p:cNvSpPr>
-          <p:nvPr>
-            <p:extLst>
-              <p:ext uri="{386F3935-93C4-4BCD-93E2-E3B085C9AB24}">
-                <p16:designElem xmlns:p16="http://schemas.microsoft.com/office/powerpoint/2015/main" val="1"/>
-              </p:ext>
-            </p:extLst>
-          </p:nvPr>
-        </p:nvSpPr>
-        <p:spPr>
-          <a:xfrm>
-            <a:off x="643403" y="643464"/>
-            <a:ext cx="10905195" cy="5571072"/>
-          </a:xfrm>
-          <a:prstGeom prst="roundRect">
-            <a:avLst>
-              <a:gd name="adj" fmla="val 2403"/>
-            </a:avLst>
+          <p:cNvPicPr>
+            <a:picLocks noChangeAspect="1"/>
+          </p:cNvPicPr>
+          <p:nvPr/>
+        </p:nvPicPr>
+        <p:blipFill rotWithShape="1">
+          <a:blip r:embed="rId3"/>
+          <a:srcRect r="-4" b="8772"/>
+          <a:stretch/>
+        </p:blipFill>
+        <p:spPr>
+          <a:xfrm>
+            <a:off x="7861238" y="933693"/>
+            <a:ext cx="3644962" cy="2377440"/>
+          </a:xfrm>
+          <a:prstGeom prst="rect">
+            <a:avLst/>
           </a:prstGeom>
-          <a:solidFill>
-            <a:srgbClr val="FFFFFF"/>
-          </a:solidFill>
-          <a:ln>
-            <a:noFill/>
-          </a:ln>
-          <a:effectLst>
-            <a:innerShdw blurRad="114300">
-              <a:prstClr val="black"/>
-            </a:innerShdw>
-          </a:effectLst>
-        </p:spPr>
-        <p:style>
-          <a:lnRef idx="2">
-            <a:schemeClr val="accent1">
-              <a:shade val="50000"/>
-            </a:schemeClr>
-          </a:lnRef>
-          <a:fillRef idx="1">
-            <a:schemeClr val="accent1"/>
-          </a:fillRef>
-          <a:effectRef idx="0">
-            <a:schemeClr val="accent1"/>
-          </a:effectRef>
-          <a:fontRef idx="minor">
-            <a:schemeClr val="lt1"/>
-          </a:fontRef>
-        </p:style>
-        <p:txBody>
-          <a:bodyPr rtlCol="0" anchor="ctr"/>
-          <a:lstStyle/>
-          <a:p>
-            <a:pPr algn="ctr"/>
-            <a:endParaRPr lang="en-US"/>
+        </p:spPr>
+      </p:pic>
+    </p:spTree>
+    <p:extLst>
+      <p:ext uri="{BB962C8B-B14F-4D97-AF65-F5344CB8AC3E}">
+        <p14:creationId xmlns:p14="http://schemas.microsoft.com/office/powerpoint/2010/main" val="2774637358"/>
+      </p:ext>
+    </p:extLst>
+  </p:cSld>
+  <p:clrMapOvr>
+    <a:masterClrMapping/>
+  </p:clrMapOvr>
+</p:sld>
+</file>
+
+<file path=ppt/slides/slide7.xml><?xml version="1.0" encoding="utf-8"?>
+<p:sld xmlns:a="http://schemas.openxmlformats.org/drawingml/2006/main" xmlns:r="http://schemas.openxmlformats.org/officeDocument/2006/relationships" xmlns:p="http://schemas.openxmlformats.org/presentationml/2006/main">
+  <p:cSld>
+    <p:spTree>
+      <p:nvGrpSpPr>
+        <p:cNvPr id="1" name=""/>
+        <p:cNvGrpSpPr/>
+        <p:nvPr/>
+      </p:nvGrpSpPr>
+      <p:grpSpPr>
+        <a:xfrm>
+          <a:off x="0" y="0"/>
+          <a:ext cx="0" cy="0"/>
+          <a:chOff x="0" y="0"/>
+          <a:chExt cx="0" cy="0"/>
+        </a:xfrm>
+      </p:grpSpPr>
+      <p:sp>
+        <p:nvSpPr>
+          <p:cNvPr id="2" name="Cím 1">
+            <a:extLst>
+              <a:ext uri="{FF2B5EF4-FFF2-40B4-BE49-F238E27FC236}">
+                <a16:creationId xmlns:a16="http://schemas.microsoft.com/office/drawing/2014/main" id="{CE6E8AEE-C3AC-F091-DDFD-38D134BE30F2}"/>
+              </a:ext>
+            </a:extLst>
+          </p:cNvPr>
+          <p:cNvSpPr>
+            <a:spLocks noGrp="1"/>
+          </p:cNvSpPr>
+          <p:nvPr>
+            <p:ph type="title"/>
+          </p:nvPr>
+        </p:nvSpPr>
+        <p:spPr/>
+        <p:txBody>
+          <a:bodyPr/>
+          <a:lstStyle/>
+          <a:p>
+            <a:r>
+              <a:rPr lang="hu-HU"/>
+              <a:t>Főkomponens elemzés</a:t>
+            </a:r>
+            <a:endParaRPr lang="hu-HU" dirty="0"/>
+          </a:p>
+        </p:txBody>
+      </p:sp>
+      <p:sp>
+        <p:nvSpPr>
+          <p:cNvPr id="3" name="Tartalom helye 2">
+            <a:extLst>
+              <a:ext uri="{FF2B5EF4-FFF2-40B4-BE49-F238E27FC236}">
+                <a16:creationId xmlns:a16="http://schemas.microsoft.com/office/drawing/2014/main" id="{E989DFE6-D9A5-4FD7-DABA-9EB6AF6F98B0}"/>
+              </a:ext>
+            </a:extLst>
+          </p:cNvPr>
+          <p:cNvSpPr>
+            <a:spLocks noGrp="1"/>
+          </p:cNvSpPr>
+          <p:nvPr>
+            <p:ph sz="half" idx="1"/>
+          </p:nvPr>
+        </p:nvSpPr>
+        <p:spPr>
+          <a:xfrm>
+            <a:off x="685800" y="2765425"/>
+            <a:ext cx="11396663" cy="3452813"/>
+          </a:xfrm>
+        </p:spPr>
+        <p:txBody>
+          <a:bodyPr>
+            <a:normAutofit/>
+          </a:bodyPr>
+          <a:lstStyle/>
+          <a:p>
+            <a:pPr marL="0" indent="0">
+              <a:buNone/>
+            </a:pPr>
+            <a:r>
+              <a:rPr lang="hu-HU"/>
+              <a:t>Célja: kevesebb változóval tudjuk elemezni az ingatlanokat (dimenziócsökkentés)</a:t>
+            </a:r>
+          </a:p>
+          <a:p>
+            <a:pPr marL="0" indent="0">
+              <a:buNone/>
+            </a:pPr>
+            <a:endParaRPr lang="hu-HU"/>
+          </a:p>
+          <a:p>
+            <a:pPr marL="0" indent="0">
+              <a:buNone/>
+            </a:pPr>
+            <a:r>
+              <a:rPr lang="hu-HU"/>
+              <a:t>A numerikus adatokat választottuk ki</a:t>
+            </a:r>
+          </a:p>
+          <a:p>
+            <a:pPr marL="0" indent="0">
+              <a:buNone/>
+            </a:pPr>
+            <a:endParaRPr lang="hu-HU"/>
+          </a:p>
+          <a:p>
+            <a:pPr marL="0" indent="0">
+              <a:buNone/>
+            </a:pPr>
+            <a:r>
+              <a:rPr lang="hu-HU"/>
+              <a:t>A Kaiser-kritériumnak 11 főkomponens felelt meg (</a:t>
+            </a:r>
+            <a:r>
+              <a:rPr lang="el-GR" b="0" i="0">
+                <a:solidFill>
+                  <a:srgbClr val="E8EAED"/>
+                </a:solidFill>
+                <a:effectLst/>
+                <a:latin typeface="Google Sans"/>
+              </a:rPr>
+              <a:t>σ</a:t>
+            </a:r>
+            <a:r>
+              <a:rPr lang="hu-HU"/>
+              <a:t> &gt; 1), noha 1 körül volt az értékük.</a:t>
+            </a:r>
+          </a:p>
+          <a:p>
+            <a:pPr marL="0" indent="0">
+              <a:buNone/>
+            </a:pPr>
+            <a:endParaRPr lang="hu-HU"/>
+          </a:p>
+          <a:p>
+            <a:pPr marL="0" indent="0">
+              <a:buNone/>
+            </a:pPr>
+            <a:r>
+              <a:rPr lang="hu-HU"/>
+              <a:t>A teljes információ </a:t>
+            </a:r>
+            <a:r>
+              <a:rPr lang="hu-HU" b="0" i="0">
+                <a:effectLst/>
+                <a:latin typeface="Helvetica Neue"/>
+              </a:rPr>
+              <a:t>~70,3% (0.703362)-át őriztük meg.</a:t>
+            </a:r>
+            <a:endParaRPr lang="hu-HU"/>
+          </a:p>
+          <a:p>
+            <a:pPr marL="0" indent="0">
+              <a:buNone/>
+            </a:pPr>
+            <a:endParaRPr lang="hu-HU" dirty="0"/>
+          </a:p>
+        </p:txBody>
+      </p:sp>
+    </p:spTree>
+    <p:extLst>
+      <p:ext uri="{BB962C8B-B14F-4D97-AF65-F5344CB8AC3E}">
+        <p14:creationId xmlns:p14="http://schemas.microsoft.com/office/powerpoint/2010/main" val="2462104187"/>
+      </p:ext>
+    </p:extLst>
+  </p:cSld>
+  <p:clrMapOvr>
+    <a:masterClrMapping/>
+  </p:clrMapOvr>
+</p:sld>
+</file>
+
+<file path=ppt/slides/slide8.xml><?xml version="1.0" encoding="utf-8"?>
+<p:sld xmlns:a="http://schemas.openxmlformats.org/drawingml/2006/main" xmlns:r="http://schemas.openxmlformats.org/officeDocument/2006/relationships" xmlns:p="http://schemas.openxmlformats.org/presentationml/2006/main">
+  <p:cSld>
+    <p:bg>
+      <p:bgPr>
+        <a:solidFill>
+          <a:schemeClr val="bg1"/>
+        </a:solidFill>
+        <a:effectLst/>
+      </p:bgPr>
+    </p:bg>
+    <p:spTree>
+      <p:nvGrpSpPr>
+        <p:cNvPr id="1" name=""/>
+        <p:cNvGrpSpPr/>
+        <p:nvPr/>
+      </p:nvGrpSpPr>
+      <p:grpSpPr>
+        <a:xfrm>
+          <a:off x="0" y="0"/>
+          <a:ext cx="0" cy="0"/>
+          <a:chOff x="0" y="0"/>
+          <a:chExt cx="0" cy="0"/>
+        </a:xfrm>
+      </p:grpSpPr>
+      <p:sp>
+        <p:nvSpPr>
+          <p:cNvPr id="2" name="Cím 1">
+            <a:extLst>
+              <a:ext uri="{FF2B5EF4-FFF2-40B4-BE49-F238E27FC236}">
+                <a16:creationId xmlns:a16="http://schemas.microsoft.com/office/drawing/2014/main" id="{D3F86DE6-7DC7-AE4B-BC46-7884A668AC03}"/>
+              </a:ext>
+            </a:extLst>
+          </p:cNvPr>
+          <p:cNvSpPr>
+            <a:spLocks noGrp="1"/>
+          </p:cNvSpPr>
+          <p:nvPr>
+            <p:ph type="title"/>
+          </p:nvPr>
+        </p:nvSpPr>
+        <p:spPr/>
+        <p:txBody>
+          <a:bodyPr>
+            <a:normAutofit/>
+          </a:bodyPr>
+          <a:lstStyle/>
+          <a:p>
+            <a:r>
+              <a:rPr lang="hu-HU" dirty="0"/>
+              <a:t>Főkomponensek</a:t>
+            </a:r>
           </a:p>
         </p:txBody>
       </p:sp>
       <p:graphicFrame>
         <p:nvGraphicFramePr>
-          <p:cNvPr id="9" name="Táblázat 8">
+          <p:cNvPr id="12" name="Táblázat 8">
             <a:extLst>
               <a:ext uri="{FF2B5EF4-FFF2-40B4-BE49-F238E27FC236}">
                 <a16:creationId xmlns:a16="http://schemas.microsoft.com/office/drawing/2014/main" id="{C0195CE2-F095-7EC0-29C7-4BAFCF07D9C9}"/>
@@ -6751,102 +7111,103 @@
             <a:graphicFrameLocks noGrp="1"/>
           </p:cNvGraphicFramePr>
           <p:nvPr>
+            <p:ph idx="1"/>
             <p:extLst>
               <p:ext uri="{D42A27DB-BD31-4B8C-83A1-F6EECF244321}">
-                <p14:modId xmlns:p14="http://schemas.microsoft.com/office/powerpoint/2010/main" val="2246293562"/>
+                <p14:modId xmlns:p14="http://schemas.microsoft.com/office/powerpoint/2010/main" val="3746888838"/>
               </p:ext>
             </p:extLst>
           </p:nvPr>
         </p:nvGraphicFramePr>
         <p:xfrm>
-          <a:off x="870204" y="2910317"/>
-          <a:ext cx="10451601" cy="1037368"/>
+          <a:off x="461697" y="3048368"/>
+          <a:ext cx="11268605" cy="1752232"/>
         </p:xfrm>
         <a:graphic>
           <a:graphicData uri="http://schemas.openxmlformats.org/drawingml/2006/table">
             <a:tbl>
               <a:tblPr firstRow="1" bandRow="1">
-                <a:tableStyleId>{5C22544A-7EE6-4342-B048-85BDC9FD1C3A}</a:tableStyleId>
+                <a:tableStyleId>{37CE84F3-28C3-443E-9E96-99CF82512B78}</a:tableStyleId>
               </a:tblPr>
               <a:tblGrid>
-                <a:gridCol w="985536">
+                <a:gridCol w="959193">
                   <a:extLst>
                     <a:ext uri="{9D8B030D-6E8A-4147-A177-3AD203B41FA5}">
                       <a16:colId xmlns:a16="http://schemas.microsoft.com/office/drawing/2014/main" val="3879384767"/>
                     </a:ext>
                   </a:extLst>
                 </a:gridCol>
-                <a:gridCol w="746435">
+                <a:gridCol w="812442">
                   <a:extLst>
                     <a:ext uri="{9D8B030D-6E8A-4147-A177-3AD203B41FA5}">
                       <a16:colId xmlns:a16="http://schemas.microsoft.com/office/drawing/2014/main" val="2590099897"/>
                     </a:ext>
                   </a:extLst>
                 </a:gridCol>
-                <a:gridCol w="830120">
+                <a:gridCol w="903946">
                   <a:extLst>
                     <a:ext uri="{9D8B030D-6E8A-4147-A177-3AD203B41FA5}">
                       <a16:colId xmlns:a16="http://schemas.microsoft.com/office/drawing/2014/main" val="386695806"/>
                     </a:ext>
                   </a:extLst>
                 </a:gridCol>
-                <a:gridCol w="830120">
+                <a:gridCol w="903946">
                   <a:extLst>
                     <a:ext uri="{9D8B030D-6E8A-4147-A177-3AD203B41FA5}">
                       <a16:colId xmlns:a16="http://schemas.microsoft.com/office/drawing/2014/main" val="4147284973"/>
                     </a:ext>
                   </a:extLst>
                 </a:gridCol>
-                <a:gridCol w="913806">
+                <a:gridCol w="995448">
                   <a:extLst>
                     <a:ext uri="{9D8B030D-6E8A-4147-A177-3AD203B41FA5}">
                       <a16:colId xmlns:a16="http://schemas.microsoft.com/office/drawing/2014/main" val="731899556"/>
                     </a:ext>
                   </a:extLst>
                 </a:gridCol>
-                <a:gridCol w="913806">
+                <a:gridCol w="995448">
                   <a:extLst>
                     <a:ext uri="{9D8B030D-6E8A-4147-A177-3AD203B41FA5}">
                       <a16:colId xmlns:a16="http://schemas.microsoft.com/office/drawing/2014/main" val="1578560282"/>
                     </a:ext>
                   </a:extLst>
                 </a:gridCol>
-                <a:gridCol w="830120">
+                <a:gridCol w="903946">
                   <a:extLst>
                     <a:ext uri="{9D8B030D-6E8A-4147-A177-3AD203B41FA5}">
                       <a16:colId xmlns:a16="http://schemas.microsoft.com/office/drawing/2014/main" val="986163932"/>
                     </a:ext>
                   </a:extLst>
                 </a:gridCol>
-                <a:gridCol w="913806">
+                <a:gridCol w="995448">
                   <a:extLst>
                     <a:ext uri="{9D8B030D-6E8A-4147-A177-3AD203B41FA5}">
                       <a16:colId xmlns:a16="http://schemas.microsoft.com/office/drawing/2014/main" val="1313520585"/>
                     </a:ext>
                   </a:extLst>
                 </a:gridCol>
-                <a:gridCol w="830120">
+                <a:gridCol w="903946">
                   <a:extLst>
                     <a:ext uri="{9D8B030D-6E8A-4147-A177-3AD203B41FA5}">
                       <a16:colId xmlns:a16="http://schemas.microsoft.com/office/drawing/2014/main" val="2473182665"/>
                     </a:ext>
                   </a:extLst>
                 </a:gridCol>
-                <a:gridCol w="830120">
+                <a:gridCol w="903946">
                   <a:extLst>
                     <a:ext uri="{9D8B030D-6E8A-4147-A177-3AD203B41FA5}">
                       <a16:colId xmlns:a16="http://schemas.microsoft.com/office/drawing/2014/main" val="3660864793"/>
                     </a:ext>
                   </a:extLst>
                 </a:gridCol>
-                <a:gridCol w="913806">
+                <a:gridCol w="995448">
                   <a:extLst>
                     <a:ext uri="{9D8B030D-6E8A-4147-A177-3AD203B41FA5}">
                       <a16:colId xmlns:a16="http://schemas.microsoft.com/office/drawing/2014/main" val="2939301614"/>
                     </a:ext>
                   </a:extLst>
                 </a:gridCol>
-                <a:gridCol w="913806">
+                <a:gridCol w="995448">
                   <a:extLst>
                     <a:ext uri="{9D8B030D-6E8A-4147-A177-3AD203B41FA5}">
                       <a16:colId xmlns:a16="http://schemas.microsoft.com/office/drawing/2014/main" val="3555517179"/>
@@ -6854,14 +7215,14 @@
                   </a:extLst>
                 </a:gridCol>
               </a:tblGrid>
-              <a:tr h="225556">
+              <a:tr h="287058">
                 <a:tc>
                   <a:txBody>
                     <a:bodyPr/>
                     <a:lstStyle/>
                     <a:p>
-                      <a:pPr algn="l" fontAlgn="b"/>
-                      <a:endParaRPr lang="hu-HU" sz="1200" b="0" i="0" u="none" strike="noStrike">
+                      <a:pPr algn="ctr" fontAlgn="b"/>
+                      <a:endParaRPr lang="hu-HU" sz="1300" b="0" i="0" u="none" strike="noStrike" dirty="0">
                         <a:solidFill>
                           <a:srgbClr val="000000"/>
                         </a:solidFill>
@@ -6870,21 +7231,21 @@
                       </a:endParaRPr>
                     </a:p>
                   </a:txBody>
-                  <a:tcPr marL="5856" marR="5856" marT="5856" marB="0" anchor="b"/>
+                  <a:tcPr marL="6115" marR="6115" marT="6115" marB="0" anchor="ctr"/>
                 </a:tc>
                 <a:tc>
                   <a:txBody>
                     <a:bodyPr/>
                     <a:lstStyle/>
                     <a:p>
-                      <a:pPr algn="l" fontAlgn="b"/>
+                      <a:pPr algn="ctr" fontAlgn="b"/>
                       <a:r>
-                        <a:rPr lang="hu-HU" sz="1200" u="none" strike="noStrike">
+                        <a:rPr lang="hu-HU" sz="1300" u="none" strike="noStrike" dirty="0">
                           <a:effectLst/>
                         </a:rPr>
                         <a:t>PC1</a:t>
                       </a:r>
-                      <a:endParaRPr lang="hu-HU" sz="1200" b="0" i="0" u="none" strike="noStrike">
+                      <a:endParaRPr lang="hu-HU" sz="1300" b="0" i="0" u="none" strike="noStrike" dirty="0">
                         <a:solidFill>
                           <a:srgbClr val="000000"/>
                         </a:solidFill>
@@ -6893,21 +7254,21 @@
                       </a:endParaRPr>
                     </a:p>
                   </a:txBody>
-                  <a:tcPr marL="5856" marR="5856" marT="5856" marB="0" anchor="b"/>
+                  <a:tcPr marL="6115" marR="6115" marT="6115" marB="0" anchor="ctr"/>
                 </a:tc>
                 <a:tc>
                   <a:txBody>
                     <a:bodyPr/>
                     <a:lstStyle/>
                     <a:p>
-                      <a:pPr algn="l" fontAlgn="b"/>
+                      <a:pPr algn="ctr" fontAlgn="b"/>
                       <a:r>
-                        <a:rPr lang="hu-HU" sz="1200" u="none" strike="noStrike">
+                        <a:rPr lang="hu-HU" sz="1300" u="none" strike="noStrike">
                           <a:effectLst/>
                         </a:rPr>
                         <a:t>PC2</a:t>
                       </a:r>
-                      <a:endParaRPr lang="hu-HU" sz="1200" b="0" i="0" u="none" strike="noStrike">
+                      <a:endParaRPr lang="hu-HU" sz="1300" b="0" i="0" u="none" strike="noStrike">
                         <a:solidFill>
                           <a:srgbClr val="000000"/>
                         </a:solidFill>
@@ -6916,21 +7277,21 @@
                       </a:endParaRPr>
                     </a:p>
                   </a:txBody>
-                  <a:tcPr marL="5856" marR="5856" marT="5856" marB="0" anchor="b"/>
+                  <a:tcPr marL="6115" marR="6115" marT="6115" marB="0" anchor="ctr"/>
                 </a:tc>
                 <a:tc>
                   <a:txBody>
                     <a:bodyPr/>
                     <a:lstStyle/>
                     <a:p>
-                      <a:pPr algn="l" fontAlgn="b"/>
+                      <a:pPr algn="ctr" fontAlgn="b"/>
                       <a:r>
-                        <a:rPr lang="hu-HU" sz="1200" u="none" strike="noStrike">
+                        <a:rPr lang="hu-HU" sz="1300" u="none" strike="noStrike">
                           <a:effectLst/>
                         </a:rPr>
                         <a:t>PC3</a:t>
                       </a:r>
-                      <a:endParaRPr lang="hu-HU" sz="1200" b="0" i="0" u="none" strike="noStrike">
+                      <a:endParaRPr lang="hu-HU" sz="1300" b="0" i="0" u="none" strike="noStrike">
                         <a:solidFill>
                           <a:srgbClr val="000000"/>
                         </a:solidFill>
@@ -6939,21 +7300,21 @@
                       </a:endParaRPr>
                     </a:p>
                   </a:txBody>
-                  <a:tcPr marL="5856" marR="5856" marT="5856" marB="0" anchor="b"/>
+                  <a:tcPr marL="6115" marR="6115" marT="6115" marB="0" anchor="ctr"/>
                 </a:tc>
                 <a:tc>
                   <a:txBody>
                     <a:bodyPr/>
                     <a:lstStyle/>
                     <a:p>
-                      <a:pPr algn="l" fontAlgn="b"/>
+                      <a:pPr algn="ctr" fontAlgn="b"/>
                       <a:r>
-                        <a:rPr lang="hu-HU" sz="1200" u="none" strike="noStrike">
+                        <a:rPr lang="hu-HU" sz="1300" u="none" strike="noStrike">
                           <a:effectLst/>
                         </a:rPr>
                         <a:t>PC4</a:t>
                       </a:r>
-                      <a:endParaRPr lang="hu-HU" sz="1200" b="0" i="0" u="none" strike="noStrike">
+                      <a:endParaRPr lang="hu-HU" sz="1300" b="0" i="0" u="none" strike="noStrike">
                         <a:solidFill>
                           <a:srgbClr val="000000"/>
                         </a:solidFill>
@@ -6962,21 +7323,21 @@
                       </a:endParaRPr>
                     </a:p>
                   </a:txBody>
-                  <a:tcPr marL="5856" marR="5856" marT="5856" marB="0" anchor="b"/>
+                  <a:tcPr marL="6115" marR="6115" marT="6115" marB="0" anchor="ctr"/>
                 </a:tc>
                 <a:tc>
                   <a:txBody>
                     <a:bodyPr/>
                     <a:lstStyle/>
                     <a:p>
-                      <a:pPr algn="l" fontAlgn="b"/>
+                      <a:pPr algn="ctr" fontAlgn="b"/>
                       <a:r>
-                        <a:rPr lang="hu-HU" sz="1200" u="none" strike="noStrike">
+                        <a:rPr lang="hu-HU" sz="1300" u="none" strike="noStrike">
                           <a:effectLst/>
                         </a:rPr>
                         <a:t>PC5</a:t>
                       </a:r>
-                      <a:endParaRPr lang="hu-HU" sz="1200" b="0" i="0" u="none" strike="noStrike">
+                      <a:endParaRPr lang="hu-HU" sz="1300" b="0" i="0" u="none" strike="noStrike">
                         <a:solidFill>
                           <a:srgbClr val="000000"/>
                         </a:solidFill>
@@ -6985,21 +7346,21 @@
                       </a:endParaRPr>
                     </a:p>
                   </a:txBody>
-                  <a:tcPr marL="5856" marR="5856" marT="5856" marB="0" anchor="b"/>
+                  <a:tcPr marL="6115" marR="6115" marT="6115" marB="0" anchor="ctr"/>
                 </a:tc>
                 <a:tc>
                   <a:txBody>
                     <a:bodyPr/>
                     <a:lstStyle/>
                     <a:p>
-                      <a:pPr algn="l" fontAlgn="b"/>
+                      <a:pPr algn="ctr" fontAlgn="b"/>
                       <a:r>
-                        <a:rPr lang="hu-HU" sz="1200" u="none" strike="noStrike">
+                        <a:rPr lang="hu-HU" sz="1300" u="none" strike="noStrike">
                           <a:effectLst/>
                         </a:rPr>
                         <a:t>PC6</a:t>
                       </a:r>
-                      <a:endParaRPr lang="hu-HU" sz="1200" b="0" i="0" u="none" strike="noStrike">
+                      <a:endParaRPr lang="hu-HU" sz="1300" b="0" i="0" u="none" strike="noStrike">
                         <a:solidFill>
                           <a:srgbClr val="000000"/>
                         </a:solidFill>
@@ -7008,21 +7369,21 @@
                       </a:endParaRPr>
                     </a:p>
                   </a:txBody>
-                  <a:tcPr marL="5856" marR="5856" marT="5856" marB="0" anchor="b"/>
+                  <a:tcPr marL="6115" marR="6115" marT="6115" marB="0" anchor="ctr"/>
                 </a:tc>
                 <a:tc>
                   <a:txBody>
                     <a:bodyPr/>
                     <a:lstStyle/>
                     <a:p>
-                      <a:pPr algn="l" fontAlgn="b"/>
+                      <a:pPr algn="ctr" fontAlgn="b"/>
                       <a:r>
-                        <a:rPr lang="hu-HU" sz="1200" u="none" strike="noStrike">
+                        <a:rPr lang="hu-HU" sz="1300" u="none" strike="noStrike">
                           <a:effectLst/>
                         </a:rPr>
                         <a:t>PC7</a:t>
                       </a:r>
-                      <a:endParaRPr lang="hu-HU" sz="1200" b="0" i="0" u="none" strike="noStrike">
+                      <a:endParaRPr lang="hu-HU" sz="1300" b="0" i="0" u="none" strike="noStrike">
                         <a:solidFill>
                           <a:srgbClr val="000000"/>
                         </a:solidFill>
@@ -7031,21 +7392,21 @@
                       </a:endParaRPr>
                     </a:p>
                   </a:txBody>
-                  <a:tcPr marL="5856" marR="5856" marT="5856" marB="0" anchor="b"/>
+                  <a:tcPr marL="6115" marR="6115" marT="6115" marB="0" anchor="ctr"/>
                 </a:tc>
                 <a:tc>
                   <a:txBody>
                     <a:bodyPr/>
                     <a:lstStyle/>
                     <a:p>
-                      <a:pPr algn="l" fontAlgn="b"/>
+                      <a:pPr algn="ctr" fontAlgn="b"/>
                       <a:r>
-                        <a:rPr lang="hu-HU" sz="1200" u="none" strike="noStrike">
+                        <a:rPr lang="hu-HU" sz="1300" u="none" strike="noStrike">
                           <a:effectLst/>
                         </a:rPr>
                         <a:t>PC8</a:t>
                       </a:r>
-                      <a:endParaRPr lang="hu-HU" sz="1200" b="0" i="0" u="none" strike="noStrike">
+                      <a:endParaRPr lang="hu-HU" sz="1300" b="0" i="0" u="none" strike="noStrike">
                         <a:solidFill>
                           <a:srgbClr val="000000"/>
                         </a:solidFill>
@@ -7054,21 +7415,21 @@
                       </a:endParaRPr>
                     </a:p>
                   </a:txBody>
-                  <a:tcPr marL="5856" marR="5856" marT="5856" marB="0" anchor="b"/>
+                  <a:tcPr marL="6115" marR="6115" marT="6115" marB="0" anchor="ctr"/>
                 </a:tc>
                 <a:tc>
                   <a:txBody>
                     <a:bodyPr/>
                     <a:lstStyle/>
                     <a:p>
-                      <a:pPr algn="l" fontAlgn="b"/>
+                      <a:pPr algn="ctr" fontAlgn="b"/>
                       <a:r>
-                        <a:rPr lang="hu-HU" sz="1200" u="none" strike="noStrike">
+                        <a:rPr lang="hu-HU" sz="1300" u="none" strike="noStrike">
                           <a:effectLst/>
                         </a:rPr>
                         <a:t>PC9</a:t>
                       </a:r>
-                      <a:endParaRPr lang="hu-HU" sz="1200" b="0" i="0" u="none" strike="noStrike">
+                      <a:endParaRPr lang="hu-HU" sz="1300" b="0" i="0" u="none" strike="noStrike">
                         <a:solidFill>
                           <a:srgbClr val="000000"/>
                         </a:solidFill>
@@ -7077,21 +7438,21 @@
                       </a:endParaRPr>
                     </a:p>
                   </a:txBody>
-                  <a:tcPr marL="5856" marR="5856" marT="5856" marB="0" anchor="b"/>
+                  <a:tcPr marL="6115" marR="6115" marT="6115" marB="0" anchor="ctr"/>
                 </a:tc>
                 <a:tc>
                   <a:txBody>
                     <a:bodyPr/>
                     <a:lstStyle/>
                     <a:p>
-                      <a:pPr algn="l" fontAlgn="b"/>
+                      <a:pPr algn="ctr" fontAlgn="b"/>
                       <a:r>
-                        <a:rPr lang="hu-HU" sz="1200" u="none" strike="noStrike">
+                        <a:rPr lang="hu-HU" sz="1300" u="none" strike="noStrike">
                           <a:effectLst/>
                         </a:rPr>
                         <a:t>PC10</a:t>
                       </a:r>
-                      <a:endParaRPr lang="hu-HU" sz="1200" b="0" i="0" u="none" strike="noStrike">
+                      <a:endParaRPr lang="hu-HU" sz="1300" b="0" i="0" u="none" strike="noStrike">
                         <a:solidFill>
                           <a:srgbClr val="000000"/>
                         </a:solidFill>
@@ -7100,21 +7461,21 @@
                       </a:endParaRPr>
                     </a:p>
                   </a:txBody>
-                  <a:tcPr marL="5856" marR="5856" marT="5856" marB="0" anchor="b"/>
+                  <a:tcPr marL="6115" marR="6115" marT="6115" marB="0" anchor="ctr"/>
                 </a:tc>
                 <a:tc>
                   <a:txBody>
                     <a:bodyPr/>
                     <a:lstStyle/>
                     <a:p>
-                      <a:pPr algn="l" fontAlgn="b"/>
+                      <a:pPr algn="ctr" fontAlgn="b"/>
                       <a:r>
-                        <a:rPr lang="hu-HU" sz="1200" u="none" strike="noStrike">
+                        <a:rPr lang="hu-HU" sz="1300" u="none" strike="noStrike">
                           <a:effectLst/>
                         </a:rPr>
                         <a:t>PC11</a:t>
                       </a:r>
-                      <a:endParaRPr lang="hu-HU" sz="1200" b="0" i="0" u="none" strike="noStrike">
+                      <a:endParaRPr lang="hu-HU" sz="1300" b="0" i="0" u="none" strike="noStrike">
                         <a:solidFill>
                           <a:srgbClr val="000000"/>
                         </a:solidFill>
@@ -7123,7 +7484,7 @@
                       </a:endParaRPr>
                     </a:p>
                   </a:txBody>
-                  <a:tcPr marL="5856" marR="5856" marT="5856" marB="0" anchor="b"/>
+                  <a:tcPr marL="6115" marR="6115" marT="6115" marB="0" anchor="ctr"/>
                 </a:tc>
                 <a:extLst>
                   <a:ext uri="{0D108BD9-81ED-4DB2-BD59-A6C34878D82A}">
@@ -7131,20 +7492,32 @@
                   </a:ext>
                 </a:extLst>
               </a:tr>
-              <a:tr h="405906">
+              <a:tr h="732587">
                 <a:tc>
                   <a:txBody>
                     <a:bodyPr/>
                     <a:lstStyle/>
                     <a:p>
-                      <a:pPr algn="l" fontAlgn="b"/>
+                      <a:pPr algn="ctr" fontAlgn="b"/>
                       <a:r>
-                        <a:rPr lang="hu-HU" sz="1200" u="none" strike="noStrike">
+                        <a:rPr lang="hu-HU" sz="1300" u="none" strike="noStrike" dirty="0" err="1">
                           <a:effectLst/>
                         </a:rPr>
-                        <a:t>Proportion of variance</a:t>
+                        <a:t>Proportion</a:t>
                       </a:r>
-                      <a:endParaRPr lang="hu-HU" sz="1200" b="0" i="0" u="none" strike="noStrike">
+                      <a:r>
+                        <a:rPr lang="hu-HU" sz="1300" u="none" strike="noStrike" dirty="0">
+                          <a:effectLst/>
+                        </a:rPr>
+                        <a:t> of </a:t>
+                      </a:r>
+                      <a:r>
+                        <a:rPr lang="hu-HU" sz="1300" u="none" strike="noStrike" dirty="0" err="1">
+                          <a:effectLst/>
+                        </a:rPr>
+                        <a:t>variance</a:t>
+                      </a:r>
+                      <a:endParaRPr lang="hu-HU" sz="1300" b="0" i="0" u="none" strike="noStrike" dirty="0">
                         <a:solidFill>
                           <a:srgbClr val="000000"/>
                         </a:solidFill>
@@ -7153,21 +7526,21 @@
                       </a:endParaRPr>
                     </a:p>
                   </a:txBody>
-                  <a:tcPr marL="5856" marR="5856" marT="5856" marB="0" anchor="b"/>
+                  <a:tcPr marL="6115" marR="6115" marT="6115" marB="0" anchor="ctr"/>
                 </a:tc>
                 <a:tc>
                   <a:txBody>
                     <a:bodyPr/>
                     <a:lstStyle/>
                     <a:p>
-                      <a:pPr algn="l" fontAlgn="b"/>
+                      <a:pPr algn="ctr" fontAlgn="b"/>
                       <a:r>
-                        <a:rPr lang="hu-HU" sz="1200" u="none" strike="noStrike">
+                        <a:rPr lang="hu-HU" sz="1300" u="none" strike="noStrike" dirty="0">
                           <a:effectLst/>
                         </a:rPr>
                         <a:t>0.225062</a:t>
                       </a:r>
-                      <a:endParaRPr lang="hu-HU" sz="1200" b="0" i="0" u="none" strike="noStrike">
+                      <a:endParaRPr lang="hu-HU" sz="1300" b="0" i="0" u="none" strike="noStrike" dirty="0">
                         <a:solidFill>
                           <a:srgbClr val="000000"/>
                         </a:solidFill>
@@ -7176,21 +7549,21 @@
                       </a:endParaRPr>
                     </a:p>
                   </a:txBody>
-                  <a:tcPr marL="5856" marR="5856" marT="5856" marB="0" anchor="b"/>
+                  <a:tcPr marL="6115" marR="6115" marT="6115" marB="0" anchor="ctr"/>
                 </a:tc>
                 <a:tc>
                   <a:txBody>
                     <a:bodyPr/>
                     <a:lstStyle/>
                     <a:p>
-                      <a:pPr algn="l" fontAlgn="b"/>
+                      <a:pPr algn="ctr" fontAlgn="b"/>
                       <a:r>
-                        <a:rPr lang="hu-HU" sz="1200" u="none" strike="noStrike">
+                        <a:rPr lang="hu-HU" sz="1300" u="none" strike="noStrike" dirty="0">
                           <a:effectLst/>
                         </a:rPr>
                         <a:t>0.1027516</a:t>
                       </a:r>
-                      <a:endParaRPr lang="hu-HU" sz="1200" b="0" i="0" u="none" strike="noStrike">
+                      <a:endParaRPr lang="hu-HU" sz="1300" b="0" i="0" u="none" strike="noStrike" dirty="0">
                         <a:solidFill>
                           <a:srgbClr val="000000"/>
                         </a:solidFill>
@@ -7199,21 +7572,21 @@
                       </a:endParaRPr>
                     </a:p>
                   </a:txBody>
-                  <a:tcPr marL="5856" marR="5856" marT="5856" marB="0" anchor="b"/>
+                  <a:tcPr marL="6115" marR="6115" marT="6115" marB="0" anchor="ctr"/>
                 </a:tc>
                 <a:tc>
                   <a:txBody>
                     <a:bodyPr/>
                     <a:lstStyle/>
                     <a:p>
-                      <a:pPr algn="l" fontAlgn="b"/>
+                      <a:pPr algn="ctr" fontAlgn="b"/>
                       <a:r>
-                        <a:rPr lang="hu-HU" sz="1200" u="none" strike="noStrike">
+                        <a:rPr lang="hu-HU" sz="1300" u="none" strike="noStrike" dirty="0">
                           <a:effectLst/>
                         </a:rPr>
                         <a:t>0.0687853</a:t>
                       </a:r>
-                      <a:endParaRPr lang="hu-HU" sz="1200" b="0" i="0" u="none" strike="noStrike">
+                      <a:endParaRPr lang="hu-HU" sz="1300" b="0" i="0" u="none" strike="noStrike" dirty="0">
                         <a:solidFill>
                           <a:srgbClr val="000000"/>
                         </a:solidFill>
@@ -7222,21 +7595,21 @@
                       </a:endParaRPr>
                     </a:p>
                   </a:txBody>
-                  <a:tcPr marL="5856" marR="5856" marT="5856" marB="0" anchor="b"/>
+                  <a:tcPr marL="6115" marR="6115" marT="6115" marB="0" anchor="ctr"/>
                 </a:tc>
                 <a:tc>
                   <a:txBody>
                     <a:bodyPr/>
                     <a:lstStyle/>
                     <a:p>
-                      <a:pPr algn="l" fontAlgn="b"/>
+                      <a:pPr algn="ctr" fontAlgn="b"/>
                       <a:r>
-                        <a:rPr lang="hu-HU" sz="1200" u="none" strike="noStrike">
+                        <a:rPr lang="hu-HU" sz="1300" u="none" strike="noStrike" dirty="0">
                           <a:effectLst/>
                         </a:rPr>
                         <a:t>0.06154207</a:t>
                       </a:r>
-                      <a:endParaRPr lang="hu-HU" sz="1200" b="0" i="0" u="none" strike="noStrike">
+                      <a:endParaRPr lang="hu-HU" sz="1300" b="0" i="0" u="none" strike="noStrike" dirty="0">
                         <a:solidFill>
                           <a:srgbClr val="000000"/>
                         </a:solidFill>
@@ -7245,21 +7618,21 @@
                       </a:endParaRPr>
                     </a:p>
                   </a:txBody>
-                  <a:tcPr marL="5856" marR="5856" marT="5856" marB="0" anchor="b"/>
+                  <a:tcPr marL="6115" marR="6115" marT="6115" marB="0" anchor="ctr"/>
                 </a:tc>
                 <a:tc>
                   <a:txBody>
                     <a:bodyPr/>
                     <a:lstStyle/>
                     <a:p>
-                      <a:pPr algn="l" fontAlgn="b"/>
+                      <a:pPr algn="ctr" fontAlgn="b"/>
                       <a:r>
-                        <a:rPr lang="hu-HU" sz="1200" u="none" strike="noStrike">
+                        <a:rPr lang="hu-HU" sz="1300" u="none" strike="noStrike" dirty="0">
                           <a:effectLst/>
                         </a:rPr>
                         <a:t>0.04264496</a:t>
                       </a:r>
-                      <a:endParaRPr lang="hu-HU" sz="1200" b="0" i="0" u="none" strike="noStrike">
+                      <a:endParaRPr lang="hu-HU" sz="1300" b="0" i="0" u="none" strike="noStrike" dirty="0">
                         <a:solidFill>
                           <a:srgbClr val="000000"/>
                         </a:solidFill>
@@ -7268,21 +7641,21 @@
                       </a:endParaRPr>
                     </a:p>
                   </a:txBody>
-                  <a:tcPr marL="5856" marR="5856" marT="5856" marB="0" anchor="b"/>
+                  <a:tcPr marL="6115" marR="6115" marT="6115" marB="0" anchor="ctr"/>
                 </a:tc>
                 <a:tc>
                   <a:txBody>
                     <a:bodyPr/>
                     <a:lstStyle/>
                     <a:p>
-                      <a:pPr algn="l" fontAlgn="b"/>
+                      <a:pPr algn="ctr" fontAlgn="b"/>
                       <a:r>
-                        <a:rPr lang="hu-HU" sz="1200" u="none" strike="noStrike">
+                        <a:rPr lang="hu-HU" sz="1300" u="none" strike="noStrike" dirty="0">
                           <a:effectLst/>
                         </a:rPr>
                         <a:t>0.0376654</a:t>
                       </a:r>
-                      <a:endParaRPr lang="hu-HU" sz="1200" b="0" i="0" u="none" strike="noStrike">
+                      <a:endParaRPr lang="hu-HU" sz="1300" b="0" i="0" u="none" strike="noStrike" dirty="0">
                         <a:solidFill>
                           <a:srgbClr val="000000"/>
                         </a:solidFill>
@@ -7291,21 +7664,21 @@
                       </a:endParaRPr>
                     </a:p>
                   </a:txBody>
-                  <a:tcPr marL="5856" marR="5856" marT="5856" marB="0" anchor="b"/>
+                  <a:tcPr marL="6115" marR="6115" marT="6115" marB="0" anchor="ctr"/>
                 </a:tc>
                 <a:tc>
                   <a:txBody>
                     <a:bodyPr/>
                     <a:lstStyle/>
                     <a:p>
-                      <a:pPr algn="l" fontAlgn="b"/>
+                      <a:pPr algn="ctr" fontAlgn="b"/>
                       <a:r>
-                        <a:rPr lang="hu-HU" sz="1200" u="none" strike="noStrike">
+                        <a:rPr lang="hu-HU" sz="1300" u="none" strike="noStrike" dirty="0">
                           <a:effectLst/>
                         </a:rPr>
                         <a:t>0.03643394</a:t>
                       </a:r>
-                      <a:endParaRPr lang="hu-HU" sz="1200" b="0" i="0" u="none" strike="noStrike">
+                      <a:endParaRPr lang="hu-HU" sz="1300" b="0" i="0" u="none" strike="noStrike" dirty="0">
                         <a:solidFill>
                           <a:srgbClr val="000000"/>
                         </a:solidFill>
@@ -7314,21 +7687,21 @@
                       </a:endParaRPr>
                     </a:p>
                   </a:txBody>
-                  <a:tcPr marL="5856" marR="5856" marT="5856" marB="0" anchor="b"/>
+                  <a:tcPr marL="6115" marR="6115" marT="6115" marB="0" anchor="ctr"/>
                 </a:tc>
                 <a:tc>
                   <a:txBody>
                     <a:bodyPr/>
                     <a:lstStyle/>
                     <a:p>
-                      <a:pPr algn="l" fontAlgn="b"/>
+                      <a:pPr algn="ctr" fontAlgn="b"/>
                       <a:r>
-                        <a:rPr lang="hu-HU" sz="1200" u="none" strike="noStrike">
+                        <a:rPr lang="hu-HU" sz="1300" u="none" strike="noStrike" dirty="0">
                           <a:effectLst/>
                         </a:rPr>
                         <a:t>0.0358658</a:t>
                       </a:r>
-                      <a:endParaRPr lang="hu-HU" sz="1200" b="0" i="0" u="none" strike="noStrike">
+                      <a:endParaRPr lang="hu-HU" sz="1300" b="0" i="0" u="none" strike="noStrike" dirty="0">
                         <a:solidFill>
                           <a:srgbClr val="000000"/>
                         </a:solidFill>
@@ -7337,21 +7710,21 @@
                       </a:endParaRPr>
                     </a:p>
                   </a:txBody>
-                  <a:tcPr marL="5856" marR="5856" marT="5856" marB="0" anchor="b"/>
+                  <a:tcPr marL="6115" marR="6115" marT="6115" marB="0" anchor="ctr"/>
                 </a:tc>
                 <a:tc>
                   <a:txBody>
                     <a:bodyPr/>
                     <a:lstStyle/>
                     <a:p>
-                      <a:pPr algn="l" fontAlgn="b"/>
+                      <a:pPr algn="ctr" fontAlgn="b"/>
                       <a:r>
-                        <a:rPr lang="hu-HU" sz="1200" u="none" strike="noStrike">
+                        <a:rPr lang="hu-HU" sz="1300" u="none" strike="noStrike">
                           <a:effectLst/>
                         </a:rPr>
                         <a:t>0.0347096</a:t>
                       </a:r>
-                      <a:endParaRPr lang="hu-HU" sz="1200" b="0" i="0" u="none" strike="noStrike">
+                      <a:endParaRPr lang="hu-HU" sz="1300" b="0" i="0" u="none" strike="noStrike">
                         <a:solidFill>
                           <a:srgbClr val="000000"/>
                         </a:solidFill>
@@ -7360,21 +7733,21 @@
                       </a:endParaRPr>
                     </a:p>
                   </a:txBody>
-                  <a:tcPr marL="5856" marR="5856" marT="5856" marB="0" anchor="b"/>
+                  <a:tcPr marL="6115" marR="6115" marT="6115" marB="0" anchor="ctr"/>
                 </a:tc>
                 <a:tc>
                   <a:txBody>
                     <a:bodyPr/>
                     <a:lstStyle/>
                     <a:p>
-                      <a:pPr algn="l" fontAlgn="b"/>
+                      <a:pPr algn="ctr" fontAlgn="b"/>
                       <a:r>
-                        <a:rPr lang="hu-HU" sz="1200" u="none" strike="noStrike">
+                        <a:rPr lang="hu-HU" sz="1300" u="none" strike="noStrike">
                           <a:effectLst/>
                         </a:rPr>
                         <a:t>0.03404141</a:t>
                       </a:r>
-                      <a:endParaRPr lang="hu-HU" sz="1200" b="0" i="0" u="none" strike="noStrike">
+                      <a:endParaRPr lang="hu-HU" sz="1300" b="0" i="0" u="none" strike="noStrike">
                         <a:solidFill>
                           <a:srgbClr val="000000"/>
                         </a:solidFill>
@@ -7383,21 +7756,21 @@
                       </a:endParaRPr>
                     </a:p>
                   </a:txBody>
-                  <a:tcPr marL="5856" marR="5856" marT="5856" marB="0" anchor="b"/>
+                  <a:tcPr marL="6115" marR="6115" marT="6115" marB="0" anchor="ctr"/>
                 </a:tc>
                 <a:tc>
                   <a:txBody>
                     <a:bodyPr/>
                     <a:lstStyle/>
                     <a:p>
-                      <a:pPr algn="l" rtl="0" fontAlgn="ctr"/>
+                      <a:pPr algn="ctr" rtl="0" fontAlgn="ctr"/>
                       <a:r>
-                        <a:rPr lang="hu-HU" sz="1200" u="none" strike="noStrike">
+                        <a:rPr lang="hu-HU" sz="1300" u="none" strike="noStrike">
                           <a:effectLst/>
                         </a:rPr>
                         <a:t>0.03215774</a:t>
                       </a:r>
-                      <a:endParaRPr lang="hu-HU" sz="1200" b="0" i="0" u="none" strike="noStrike">
+                      <a:endParaRPr lang="hu-HU" sz="1300" b="0" i="0" u="none" strike="noStrike">
                         <a:solidFill>
                           <a:srgbClr val="000000"/>
                         </a:solidFill>
@@ -7406,7 +7779,7 @@
                       </a:endParaRPr>
                     </a:p>
                   </a:txBody>
-                  <a:tcPr marL="5856" marR="5856" marT="5856" marB="0" anchor="ctr"/>
+                  <a:tcPr marL="6115" marR="6115" marT="6115" marB="0" anchor="ctr"/>
                 </a:tc>
                 <a:extLst>
                   <a:ext uri="{0D108BD9-81ED-4DB2-BD59-A6C34878D82A}">
@@ -7414,20 +7787,20 @@
                   </a:ext>
                 </a:extLst>
               </a:tr>
-              <a:tr h="405906">
+              <a:tr h="732587">
                 <a:tc>
                   <a:txBody>
                     <a:bodyPr/>
                     <a:lstStyle/>
                     <a:p>
-                      <a:pPr algn="l" fontAlgn="b"/>
+                      <a:pPr algn="ctr" fontAlgn="b"/>
                       <a:r>
-                        <a:rPr lang="hu-HU" sz="1200" u="none" strike="noStrike">
+                        <a:rPr lang="hu-HU" sz="1300" u="none" strike="noStrike">
                           <a:effectLst/>
                         </a:rPr>
                         <a:t>Cumulative Proportion</a:t>
                       </a:r>
-                      <a:endParaRPr lang="hu-HU" sz="1200" b="0" i="0" u="none" strike="noStrike">
+                      <a:endParaRPr lang="hu-HU" sz="1300" b="0" i="0" u="none" strike="noStrike">
                         <a:solidFill>
                           <a:srgbClr val="000000"/>
                         </a:solidFill>
@@ -7436,21 +7809,21 @@
                       </a:endParaRPr>
                     </a:p>
                   </a:txBody>
-                  <a:tcPr marL="5856" marR="5856" marT="5856" marB="0" anchor="b"/>
+                  <a:tcPr marL="6115" marR="6115" marT="6115" marB="0" anchor="ctr"/>
                 </a:tc>
                 <a:tc>
                   <a:txBody>
                     <a:bodyPr/>
                     <a:lstStyle/>
                     <a:p>
-                      <a:pPr algn="l" fontAlgn="b"/>
+                      <a:pPr algn="ctr" fontAlgn="b"/>
                       <a:r>
-                        <a:rPr lang="hu-HU" sz="1200" u="none" strike="noStrike">
+                        <a:rPr lang="hu-HU" sz="1300" u="none" strike="noStrike">
                           <a:effectLst/>
                         </a:rPr>
                         <a:t>0.225062</a:t>
                       </a:r>
-                      <a:endParaRPr lang="hu-HU" sz="1200" b="0" i="0" u="none" strike="noStrike">
+                      <a:endParaRPr lang="hu-HU" sz="1300" b="0" i="0" u="none" strike="noStrike">
                         <a:solidFill>
                           <a:srgbClr val="000000"/>
                         </a:solidFill>
@@ -7459,21 +7832,21 @@
                       </a:endParaRPr>
                     </a:p>
                   </a:txBody>
-                  <a:tcPr marL="5856" marR="5856" marT="5856" marB="0" anchor="b"/>
+                  <a:tcPr marL="6115" marR="6115" marT="6115" marB="0" anchor="ctr"/>
                 </a:tc>
                 <a:tc>
                   <a:txBody>
                     <a:bodyPr/>
                     <a:lstStyle/>
                     <a:p>
-                      <a:pPr algn="l" fontAlgn="b"/>
+                      <a:pPr algn="ctr" fontAlgn="b"/>
                       <a:r>
-                        <a:rPr lang="hu-HU" sz="1200" u="none" strike="noStrike">
+                        <a:rPr lang="hu-HU" sz="1300" u="none" strike="noStrike">
                           <a:effectLst/>
                         </a:rPr>
                         <a:t>0.3278136</a:t>
                       </a:r>
-                      <a:endParaRPr lang="hu-HU" sz="1200" b="0" i="0" u="none" strike="noStrike">
+                      <a:endParaRPr lang="hu-HU" sz="1300" b="0" i="0" u="none" strike="noStrike">
                         <a:solidFill>
                           <a:srgbClr val="000000"/>
                         </a:solidFill>
@@ -7482,21 +7855,21 @@
                       </a:endParaRPr>
                     </a:p>
                   </a:txBody>
-                  <a:tcPr marL="5856" marR="5856" marT="5856" marB="0" anchor="b"/>
+                  <a:tcPr marL="6115" marR="6115" marT="6115" marB="0" anchor="ctr"/>
                 </a:tc>
                 <a:tc>
                   <a:txBody>
                     <a:bodyPr/>
                     <a:lstStyle/>
                     <a:p>
-                      <a:pPr algn="l" fontAlgn="b"/>
+                      <a:pPr algn="ctr" fontAlgn="b"/>
                       <a:r>
-                        <a:rPr lang="hu-HU" sz="1200" u="none" strike="noStrike">
+                        <a:rPr lang="hu-HU" sz="1300" u="none" strike="noStrike" dirty="0">
                           <a:effectLst/>
                         </a:rPr>
                         <a:t>0.3965989</a:t>
                       </a:r>
-                      <a:endParaRPr lang="hu-HU" sz="1200" b="0" i="0" u="none" strike="noStrike">
+                      <a:endParaRPr lang="hu-HU" sz="1300" b="0" i="0" u="none" strike="noStrike" dirty="0">
                         <a:solidFill>
                           <a:srgbClr val="000000"/>
                         </a:solidFill>
@@ -7505,21 +7878,21 @@
                       </a:endParaRPr>
                     </a:p>
                   </a:txBody>
-                  <a:tcPr marL="5856" marR="5856" marT="5856" marB="0" anchor="b"/>
+                  <a:tcPr marL="6115" marR="6115" marT="6115" marB="0" anchor="ctr"/>
                 </a:tc>
                 <a:tc>
                   <a:txBody>
                     <a:bodyPr/>
                     <a:lstStyle/>
                     <a:p>
-                      <a:pPr algn="l" fontAlgn="b"/>
+                      <a:pPr algn="ctr" fontAlgn="b"/>
                       <a:r>
-                        <a:rPr lang="hu-HU" sz="1200" u="none" strike="noStrike">
+                        <a:rPr lang="hu-HU" sz="1300" u="none" strike="noStrike" dirty="0">
                           <a:effectLst/>
                         </a:rPr>
                         <a:t>0.45814098</a:t>
                       </a:r>
-                      <a:endParaRPr lang="hu-HU" sz="1200" b="0" i="0" u="none" strike="noStrike">
+                      <a:endParaRPr lang="hu-HU" sz="1300" b="0" i="0" u="none" strike="noStrike" dirty="0">
                         <a:solidFill>
                           <a:srgbClr val="000000"/>
                         </a:solidFill>
@@ -7528,21 +7901,21 @@
                       </a:endParaRPr>
                     </a:p>
                   </a:txBody>
-                  <a:tcPr marL="5856" marR="5856" marT="5856" marB="0" anchor="b"/>
+                  <a:tcPr marL="6115" marR="6115" marT="6115" marB="0" anchor="ctr"/>
                 </a:tc>
                 <a:tc>
                   <a:txBody>
                     <a:bodyPr/>
                     <a:lstStyle/>
                     <a:p>
-                      <a:pPr algn="l" fontAlgn="b"/>
+                      <a:pPr algn="ctr" fontAlgn="b"/>
                       <a:r>
-                        <a:rPr lang="hu-HU" sz="1200" u="none" strike="noStrike">
+                        <a:rPr lang="hu-HU" sz="1300" u="none" strike="noStrike" dirty="0">
                           <a:effectLst/>
                         </a:rPr>
                         <a:t>0.50078594</a:t>
                       </a:r>
-                      <a:endParaRPr lang="hu-HU" sz="1200" b="0" i="0" u="none" strike="noStrike">
+                      <a:endParaRPr lang="hu-HU" sz="1300" b="0" i="0" u="none" strike="noStrike" dirty="0">
                         <a:solidFill>
                           <a:srgbClr val="000000"/>
                         </a:solidFill>
@@ -7551,21 +7924,21 @@
                       </a:endParaRPr>
                     </a:p>
                   </a:txBody>
-                  <a:tcPr marL="5856" marR="5856" marT="5856" marB="0" anchor="b"/>
+                  <a:tcPr marL="6115" marR="6115" marT="6115" marB="0" anchor="ctr"/>
                 </a:tc>
                 <a:tc>
                   <a:txBody>
                     <a:bodyPr/>
                     <a:lstStyle/>
                     <a:p>
-                      <a:pPr algn="l" fontAlgn="b"/>
+                      <a:pPr algn="ctr" fontAlgn="b"/>
                       <a:r>
-                        <a:rPr lang="hu-HU" sz="1200" u="none" strike="noStrike">
+                        <a:rPr lang="hu-HU" sz="1300" u="none" strike="noStrike" dirty="0">
                           <a:effectLst/>
                         </a:rPr>
                         <a:t>0.5384513</a:t>
                       </a:r>
-                      <a:endParaRPr lang="hu-HU" sz="1200" b="0" i="0" u="none" strike="noStrike">
+                      <a:endParaRPr lang="hu-HU" sz="1300" b="0" i="0" u="none" strike="noStrike" dirty="0">
                         <a:solidFill>
                           <a:srgbClr val="000000"/>
                         </a:solidFill>
@@ -7574,21 +7947,21 @@
                       </a:endParaRPr>
                     </a:p>
                   </a:txBody>
-                  <a:tcPr marL="5856" marR="5856" marT="5856" marB="0" anchor="b"/>
+                  <a:tcPr marL="6115" marR="6115" marT="6115" marB="0" anchor="ctr"/>
                 </a:tc>
                 <a:tc>
                   <a:txBody>
                     <a:bodyPr/>
                     <a:lstStyle/>
                     <a:p>
-                      <a:pPr algn="l" fontAlgn="b"/>
+                      <a:pPr algn="ctr" fontAlgn="b"/>
                       <a:r>
-                        <a:rPr lang="hu-HU" sz="1200" u="none" strike="noStrike">
+                        <a:rPr lang="hu-HU" sz="1300" u="none" strike="noStrike" dirty="0">
                           <a:effectLst/>
                         </a:rPr>
                         <a:t>0.57488527</a:t>
                       </a:r>
-                      <a:endParaRPr lang="hu-HU" sz="1200" b="0" i="0" u="none" strike="noStrike">
+                      <a:endParaRPr lang="hu-HU" sz="1300" b="0" i="0" u="none" strike="noStrike" dirty="0">
                         <a:solidFill>
                           <a:srgbClr val="000000"/>
                         </a:solidFill>
@@ -7597,21 +7970,21 @@
                       </a:endParaRPr>
                     </a:p>
                   </a:txBody>
-                  <a:tcPr marL="5856" marR="5856" marT="5856" marB="0" anchor="b"/>
+                  <a:tcPr marL="6115" marR="6115" marT="6115" marB="0" anchor="ctr"/>
                 </a:tc>
                 <a:tc>
                   <a:txBody>
                     <a:bodyPr/>
                     <a:lstStyle/>
                     <a:p>
-                      <a:pPr algn="l" fontAlgn="b"/>
+                      <a:pPr algn="ctr" fontAlgn="b"/>
                       <a:r>
-                        <a:rPr lang="hu-HU" sz="1200" u="none" strike="noStrike">
+                        <a:rPr lang="hu-HU" sz="1300" u="none" strike="noStrike" dirty="0">
                           <a:effectLst/>
                         </a:rPr>
                         <a:t>0.6107511</a:t>
                       </a:r>
-                      <a:endParaRPr lang="hu-HU" sz="1200" b="0" i="0" u="none" strike="noStrike">
+                      <a:endParaRPr lang="hu-HU" sz="1300" b="0" i="0" u="none" strike="noStrike" dirty="0">
                         <a:solidFill>
                           <a:srgbClr val="000000"/>
                         </a:solidFill>
@@ -7620,21 +7993,21 @@
                       </a:endParaRPr>
                     </a:p>
                   </a:txBody>
-                  <a:tcPr marL="5856" marR="5856" marT="5856" marB="0" anchor="b"/>
+                  <a:tcPr marL="6115" marR="6115" marT="6115" marB="0" anchor="ctr"/>
                 </a:tc>
                 <a:tc>
                   <a:txBody>
                     <a:bodyPr/>
                     <a:lstStyle/>
                     <a:p>
-                      <a:pPr algn="l" fontAlgn="b"/>
+                      <a:pPr algn="ctr" fontAlgn="b"/>
                       <a:r>
-                        <a:rPr lang="hu-HU" sz="1200" u="none" strike="noStrike">
+                        <a:rPr lang="hu-HU" sz="1300" u="none" strike="noStrike" dirty="0">
                           <a:effectLst/>
                         </a:rPr>
                         <a:t>0.6454607</a:t>
                       </a:r>
-                      <a:endParaRPr lang="hu-HU" sz="1200" b="0" i="0" u="none" strike="noStrike">
+                      <a:endParaRPr lang="hu-HU" sz="1300" b="0" i="0" u="none" strike="noStrike" dirty="0">
                         <a:solidFill>
                           <a:srgbClr val="000000"/>
                         </a:solidFill>
@@ -7643,21 +8016,21 @@
                       </a:endParaRPr>
                     </a:p>
                   </a:txBody>
-                  <a:tcPr marL="5856" marR="5856" marT="5856" marB="0" anchor="b"/>
+                  <a:tcPr marL="6115" marR="6115" marT="6115" marB="0" anchor="ctr"/>
                 </a:tc>
                 <a:tc>
                   <a:txBody>
                     <a:bodyPr/>
                     <a:lstStyle/>
                     <a:p>
-                      <a:pPr algn="l" fontAlgn="b"/>
+                      <a:pPr algn="ctr" fontAlgn="b"/>
                       <a:r>
-                        <a:rPr lang="hu-HU" sz="1200" u="none" strike="noStrike">
+                        <a:rPr lang="hu-HU" sz="1300" u="none" strike="noStrike" dirty="0">
                           <a:effectLst/>
                         </a:rPr>
                         <a:t>0.67950209</a:t>
                       </a:r>
-                      <a:endParaRPr lang="hu-HU" sz="1200" b="0" i="0" u="none" strike="noStrike">
+                      <a:endParaRPr lang="hu-HU" sz="1300" b="0" i="0" u="none" strike="noStrike" dirty="0">
                         <a:solidFill>
                           <a:srgbClr val="000000"/>
                         </a:solidFill>
@@ -7666,21 +8039,21 @@
                       </a:endParaRPr>
                     </a:p>
                   </a:txBody>
-                  <a:tcPr marL="5856" marR="5856" marT="5856" marB="0" anchor="b"/>
+                  <a:tcPr marL="6115" marR="6115" marT="6115" marB="0" anchor="ctr"/>
                 </a:tc>
                 <a:tc>
                   <a:txBody>
                     <a:bodyPr/>
                     <a:lstStyle/>
                     <a:p>
-                      <a:pPr algn="l" fontAlgn="b"/>
+                      <a:pPr algn="ctr" fontAlgn="b"/>
                       <a:r>
-                        <a:rPr lang="hu-HU" sz="1200" u="none" strike="noStrike">
+                        <a:rPr lang="hu-HU" sz="1300" u="none" strike="noStrike" dirty="0">
                           <a:effectLst/>
                         </a:rPr>
                         <a:t>0.71165983</a:t>
                       </a:r>
-                      <a:endParaRPr lang="hu-HU" sz="1200" b="0" i="0" u="none" strike="noStrike">
+                      <a:endParaRPr lang="hu-HU" sz="1300" b="0" i="0" u="none" strike="noStrike" dirty="0">
                         <a:solidFill>
                           <a:srgbClr val="000000"/>
                         </a:solidFill>
@@ -7689,7 +8062,7 @@
                       </a:endParaRPr>
                     </a:p>
                   </a:txBody>
-                  <a:tcPr marL="5856" marR="5856" marT="5856" marB="0" anchor="b"/>
+                  <a:tcPr marL="6115" marR="6115" marT="6115" marB="0" anchor="ctr"/>
                 </a:tc>
                 <a:extLst>
                   <a:ext uri="{0D108BD9-81ED-4DB2-BD59-A6C34878D82A}">
@@ -7714,7 +8087,7 @@
 </p:sld>
 </file>
 
-<file path=ppt/slides/slide8.xml><?xml version="1.0" encoding="utf-8"?>
+<file path=ppt/slides/slide9.xml><?xml version="1.0" encoding="utf-8"?>
 <p:sld xmlns:a="http://schemas.openxmlformats.org/drawingml/2006/main" xmlns:r="http://schemas.openxmlformats.org/officeDocument/2006/relationships" xmlns:p="http://schemas.openxmlformats.org/presentationml/2006/main">
   <p:cSld>
     <p:spTree>
@@ -7752,7 +8125,10 @@
           <a:bodyPr/>
           <a:lstStyle/>
           <a:p>
-            <a:endParaRPr lang="hu-HU"/>
+            <a:r>
+              <a:rPr lang="hu-HU" dirty="0"/>
+              <a:t>LASSO modell</a:t>
+            </a:r>
           </a:p>
         </p:txBody>
       </p:sp>

--- a/Prezi.pptx
+++ b/Prezi.pptx
@@ -9,13 +9,14 @@
     <p:sldId id="260" r:id="rId3"/>
     <p:sldId id="257" r:id="rId4"/>
     <p:sldId id="258" r:id="rId5"/>
-    <p:sldId id="261" r:id="rId6"/>
-    <p:sldId id="264" r:id="rId7"/>
-    <p:sldId id="259" r:id="rId8"/>
-    <p:sldId id="262" r:id="rId9"/>
-    <p:sldId id="263" r:id="rId10"/>
-    <p:sldId id="265" r:id="rId11"/>
-    <p:sldId id="266" r:id="rId12"/>
+    <p:sldId id="267" r:id="rId6"/>
+    <p:sldId id="261" r:id="rId7"/>
+    <p:sldId id="264" r:id="rId8"/>
+    <p:sldId id="259" r:id="rId9"/>
+    <p:sldId id="262" r:id="rId10"/>
+    <p:sldId id="263" r:id="rId11"/>
+    <p:sldId id="265" r:id="rId12"/>
+    <p:sldId id="266" r:id="rId13"/>
   </p:sldIdLst>
   <p:sldSz cx="12192000" cy="6858000"/>
   <p:notesSz cx="6858000" cy="9144000"/>
@@ -6050,7 +6051,7 @@
           <p:cNvPr id="2" name="Cím 1">
             <a:extLst>
               <a:ext uri="{FF2B5EF4-FFF2-40B4-BE49-F238E27FC236}">
-                <a16:creationId xmlns:a16="http://schemas.microsoft.com/office/drawing/2014/main" id="{26D3343F-F63B-AEF6-EF25-472A605E906C}"/>
+                <a16:creationId xmlns:a16="http://schemas.microsoft.com/office/drawing/2014/main" id="{FDD711B0-D228-0D25-CC4A-B471C591D86B}"/>
               </a:ext>
             </a:extLst>
           </p:cNvPr>
@@ -6068,7 +6069,7 @@
           <a:p>
             <a:r>
               <a:rPr lang="hu-HU" dirty="0"/>
-              <a:t>Mars modell</a:t>
+              <a:t>LASSO modell</a:t>
             </a:r>
           </a:p>
         </p:txBody>
@@ -6078,7 +6079,7 @@
           <p:cNvPr id="3" name="Tartalom helye 2">
             <a:extLst>
               <a:ext uri="{FF2B5EF4-FFF2-40B4-BE49-F238E27FC236}">
-                <a16:creationId xmlns:a16="http://schemas.microsoft.com/office/drawing/2014/main" id="{4E90BF7A-327E-3767-7786-B24E460439B6}"/>
+                <a16:creationId xmlns:a16="http://schemas.microsoft.com/office/drawing/2014/main" id="{E3955011-0AFE-C596-A7CD-7C76A95E5DDA}"/>
               </a:ext>
             </a:extLst>
           </p:cNvPr>
@@ -6094,7 +6095,7 @@
           <a:bodyPr/>
           <a:lstStyle/>
           <a:p>
-            <a:endParaRPr lang="hu-HU"/>
+            <a:endParaRPr lang="hu-HU" dirty="0"/>
           </a:p>
         </p:txBody>
       </p:sp>
@@ -6103,7 +6104,7 @@
           <p:cNvPr id="4" name="Tartalom helye 3">
             <a:extLst>
               <a:ext uri="{FF2B5EF4-FFF2-40B4-BE49-F238E27FC236}">
-                <a16:creationId xmlns:a16="http://schemas.microsoft.com/office/drawing/2014/main" id="{389D5DB0-2BFC-CC78-ACD8-369914ACE4BF}"/>
+                <a16:creationId xmlns:a16="http://schemas.microsoft.com/office/drawing/2014/main" id="{CC315663-F6B8-2592-9E14-27D720200D91}"/>
               </a:ext>
             </a:extLst>
           </p:cNvPr>
@@ -6114,19 +6115,118 @@
             <p:ph sz="half" idx="2"/>
           </p:nvPr>
         </p:nvSpPr>
-        <p:spPr/>
+        <p:spPr>
+          <a:xfrm>
+            <a:off x="7380514" y="2194559"/>
+            <a:ext cx="4125686" cy="4024125"/>
+          </a:xfrm>
+        </p:spPr>
         <p:txBody>
           <a:bodyPr/>
           <a:lstStyle/>
           <a:p>
-            <a:endParaRPr lang="hu-HU"/>
-          </a:p>
-        </p:txBody>
-      </p:sp>
+            <a:r>
+              <a:rPr lang="hu-HU" dirty="0" err="1"/>
+              <a:t>Logaritmizált</a:t>
+            </a:r>
+            <a:r>
+              <a:rPr lang="hu-HU" dirty="0"/>
+              <a:t> eredményváltozó:</a:t>
+            </a:r>
+          </a:p>
+          <a:p>
+            <a:pPr lvl="1"/>
+            <a:r>
+              <a:rPr lang="hu-HU" dirty="0"/>
+              <a:t>Log-Lin modell</a:t>
+            </a:r>
+          </a:p>
+          <a:p>
+            <a:r>
+              <a:rPr lang="en-US" dirty="0"/>
+              <a:t>Az </a:t>
+            </a:r>
+            <a:r>
+              <a:rPr lang="en-US" dirty="0" err="1"/>
+              <a:t>optim</a:t>
+            </a:r>
+            <a:r>
+              <a:rPr lang="hu-HU" dirty="0" err="1"/>
+              <a:t>ális</a:t>
+            </a:r>
+            <a:r>
+              <a:rPr lang="hu-HU" dirty="0"/>
+              <a:t> λ:</a:t>
+            </a:r>
+          </a:p>
+          <a:p>
+            <a:pPr lvl="1"/>
+            <a:r>
+              <a:rPr lang="hu-HU" dirty="0"/>
+              <a:t>Értéke: </a:t>
+            </a:r>
+            <a:endParaRPr lang="en-US" dirty="0"/>
+          </a:p>
+          <a:p>
+            <a:pPr lvl="1"/>
+            <a:r>
+              <a:rPr lang="hu-HU" dirty="0"/>
+              <a:t>Az így kapott változók száma: </a:t>
+            </a:r>
+          </a:p>
+        </p:txBody>
+      </p:sp>
+      <p:pic>
+        <p:nvPicPr>
+          <p:cNvPr id="4098" name="Picture 2">
+            <a:extLst>
+              <a:ext uri="{FF2B5EF4-FFF2-40B4-BE49-F238E27FC236}">
+                <a16:creationId xmlns:a16="http://schemas.microsoft.com/office/drawing/2014/main" id="{E6C9D26E-11E2-BE29-7B2A-10FD7281C0C8}"/>
+              </a:ext>
+            </a:extLst>
+          </p:cNvPr>
+          <p:cNvPicPr>
+            <a:picLocks noChangeAspect="1" noChangeArrowheads="1"/>
+          </p:cNvPicPr>
+          <p:nvPr/>
+        </p:nvPicPr>
+        <p:blipFill>
+          <a:blip r:embed="rId2">
+            <a:extLst>
+              <a:ext uri="{28A0092B-C50C-407E-A947-70E740481C1C}">
+                <a14:useLocalDpi xmlns:a14="http://schemas.microsoft.com/office/drawing/2010/main" val="0"/>
+              </a:ext>
+            </a:extLst>
+          </a:blip>
+          <a:srcRect/>
+          <a:stretch>
+            <a:fillRect/>
+          </a:stretch>
+        </p:blipFill>
+        <p:spPr bwMode="auto">
+          <a:xfrm>
+            <a:off x="401215" y="1541159"/>
+            <a:ext cx="6548535" cy="4677525"/>
+          </a:xfrm>
+          <a:prstGeom prst="rect">
+            <a:avLst/>
+          </a:prstGeom>
+          <a:noFill/>
+          <a:extLst>
+            <a:ext uri="{909E8E84-426E-40DD-AFC4-6F175D3DCCD1}">
+              <a14:hiddenFill xmlns:a14="http://schemas.microsoft.com/office/drawing/2010/main">
+                <a:solidFill>
+                  <a:srgbClr val="FFFFFF"/>
+                </a:solidFill>
+              </a14:hiddenFill>
+            </a:ext>
+          </a:extLst>
+        </p:spPr>
+      </p:pic>
     </p:spTree>
     <p:extLst>
       <p:ext uri="{BB962C8B-B14F-4D97-AF65-F5344CB8AC3E}">
-        <p14:creationId xmlns:p14="http://schemas.microsoft.com/office/powerpoint/2010/main" val="1970934798"/>
+        <p14:creationId xmlns:p14="http://schemas.microsoft.com/office/powerpoint/2010/main" val="1610151343"/>
       </p:ext>
     </p:extLst>
   </p:cSld>
@@ -6158,6 +6258,189 @@
           <p:cNvPr id="2" name="Cím 1">
             <a:extLst>
               <a:ext uri="{FF2B5EF4-FFF2-40B4-BE49-F238E27FC236}">
+                <a16:creationId xmlns:a16="http://schemas.microsoft.com/office/drawing/2014/main" id="{26D3343F-F63B-AEF6-EF25-472A605E906C}"/>
+              </a:ext>
+            </a:extLst>
+          </p:cNvPr>
+          <p:cNvSpPr>
+            <a:spLocks noGrp="1"/>
+          </p:cNvSpPr>
+          <p:nvPr>
+            <p:ph type="title"/>
+          </p:nvPr>
+        </p:nvSpPr>
+        <p:spPr/>
+        <p:txBody>
+          <a:bodyPr/>
+          <a:lstStyle/>
+          <a:p>
+            <a:r>
+              <a:rPr lang="hu-HU" dirty="0"/>
+              <a:t>Mars modell</a:t>
+            </a:r>
+          </a:p>
+        </p:txBody>
+      </p:sp>
+      <p:sp>
+        <p:nvSpPr>
+          <p:cNvPr id="3" name="Tartalom helye 2">
+            <a:extLst>
+              <a:ext uri="{FF2B5EF4-FFF2-40B4-BE49-F238E27FC236}">
+                <a16:creationId xmlns:a16="http://schemas.microsoft.com/office/drawing/2014/main" id="{4E90BF7A-327E-3767-7786-B24E460439B6}"/>
+              </a:ext>
+            </a:extLst>
+          </p:cNvPr>
+          <p:cNvSpPr>
+            <a:spLocks noGrp="1"/>
+          </p:cNvSpPr>
+          <p:nvPr>
+            <p:ph sz="half" idx="1"/>
+          </p:nvPr>
+        </p:nvSpPr>
+        <p:spPr/>
+        <p:txBody>
+          <a:bodyPr/>
+          <a:lstStyle/>
+          <a:p>
+            <a:endParaRPr lang="hu-HU"/>
+          </a:p>
+        </p:txBody>
+      </p:sp>
+      <p:sp>
+        <p:nvSpPr>
+          <p:cNvPr id="4" name="Tartalom helye 3">
+            <a:extLst>
+              <a:ext uri="{FF2B5EF4-FFF2-40B4-BE49-F238E27FC236}">
+                <a16:creationId xmlns:a16="http://schemas.microsoft.com/office/drawing/2014/main" id="{389D5DB0-2BFC-CC78-ACD8-369914ACE4BF}"/>
+              </a:ext>
+            </a:extLst>
+          </p:cNvPr>
+          <p:cNvSpPr>
+            <a:spLocks noGrp="1"/>
+          </p:cNvSpPr>
+          <p:nvPr>
+            <p:ph sz="half" idx="2"/>
+          </p:nvPr>
+        </p:nvSpPr>
+        <p:spPr>
+          <a:xfrm>
+            <a:off x="7259216" y="2194559"/>
+            <a:ext cx="4246984" cy="4024125"/>
+          </a:xfrm>
+        </p:spPr>
+        <p:txBody>
+          <a:bodyPr/>
+          <a:lstStyle/>
+          <a:p>
+            <a:r>
+              <a:rPr lang="hu-HU" dirty="0"/>
+              <a:t>Sok interakciót hozott létre a modell</a:t>
+            </a:r>
+          </a:p>
+          <a:p>
+            <a:r>
+              <a:rPr lang="hu-HU" dirty="0"/>
+              <a:t>Az optimális LASSO modellhez képest több változó szerepel</a:t>
+            </a:r>
+          </a:p>
+          <a:p>
+            <a:r>
+              <a:rPr lang="hu-HU" dirty="0"/>
+              <a:t>A </a:t>
+            </a:r>
+            <a:r>
+              <a:rPr lang="hu-HU" dirty="0" err="1"/>
+              <a:t>hinge</a:t>
+            </a:r>
+            <a:r>
+              <a:rPr lang="hu-HU" dirty="0"/>
+              <a:t> függvények is gyakoriak, gyakori lehet a nemlinearitás</a:t>
+            </a:r>
+          </a:p>
+        </p:txBody>
+      </p:sp>
+      <p:pic>
+        <p:nvPicPr>
+          <p:cNvPr id="5122" name="Picture 2">
+            <a:extLst>
+              <a:ext uri="{FF2B5EF4-FFF2-40B4-BE49-F238E27FC236}">
+                <a16:creationId xmlns:a16="http://schemas.microsoft.com/office/drawing/2014/main" id="{64E4379B-2C30-A569-307E-E8FA5C573D52}"/>
+              </a:ext>
+            </a:extLst>
+          </p:cNvPr>
+          <p:cNvPicPr>
+            <a:picLocks noChangeAspect="1" noChangeArrowheads="1"/>
+          </p:cNvPicPr>
+          <p:nvPr/>
+        </p:nvPicPr>
+        <p:blipFill>
+          <a:blip r:embed="rId2">
+            <a:extLst>
+              <a:ext uri="{28A0092B-C50C-407E-A947-70E740481C1C}">
+                <a14:useLocalDpi xmlns:a14="http://schemas.microsoft.com/office/drawing/2010/main" val="0"/>
+              </a:ext>
+            </a:extLst>
+          </a:blip>
+          <a:srcRect/>
+          <a:stretch>
+            <a:fillRect/>
+          </a:stretch>
+        </p:blipFill>
+        <p:spPr bwMode="auto">
+          <a:xfrm>
+            <a:off x="317240" y="1801918"/>
+            <a:ext cx="6399245" cy="4570889"/>
+          </a:xfrm>
+          <a:prstGeom prst="rect">
+            <a:avLst/>
+          </a:prstGeom>
+          <a:noFill/>
+          <a:extLst>
+            <a:ext uri="{909E8E84-426E-40DD-AFC4-6F175D3DCCD1}">
+              <a14:hiddenFill xmlns:a14="http://schemas.microsoft.com/office/drawing/2010/main">
+                <a:solidFill>
+                  <a:srgbClr val="FFFFFF"/>
+                </a:solidFill>
+              </a14:hiddenFill>
+            </a:ext>
+          </a:extLst>
+        </p:spPr>
+      </p:pic>
+    </p:spTree>
+    <p:extLst>
+      <p:ext uri="{BB962C8B-B14F-4D97-AF65-F5344CB8AC3E}">
+        <p14:creationId xmlns:p14="http://schemas.microsoft.com/office/powerpoint/2010/main" val="1970934798"/>
+      </p:ext>
+    </p:extLst>
+  </p:cSld>
+  <p:clrMapOvr>
+    <a:masterClrMapping/>
+  </p:clrMapOvr>
+</p:sld>
+</file>
+
+<file path=ppt/slides/slide12.xml><?xml version="1.0" encoding="utf-8"?>
+<p:sld xmlns:a="http://schemas.openxmlformats.org/drawingml/2006/main" xmlns:r="http://schemas.openxmlformats.org/officeDocument/2006/relationships" xmlns:p="http://schemas.openxmlformats.org/presentationml/2006/main">
+  <p:cSld>
+    <p:spTree>
+      <p:nvGrpSpPr>
+        <p:cNvPr id="1" name=""/>
+        <p:cNvGrpSpPr/>
+        <p:nvPr/>
+      </p:nvGrpSpPr>
+      <p:grpSpPr>
+        <a:xfrm>
+          <a:off x="0" y="0"/>
+          <a:ext cx="0" cy="0"/>
+          <a:chOff x="0" y="0"/>
+          <a:chExt cx="0" cy="0"/>
+        </a:xfrm>
+      </p:grpSpPr>
+      <p:sp>
+        <p:nvSpPr>
+          <p:cNvPr id="2" name="Cím 1">
+            <a:extLst>
+              <a:ext uri="{FF2B5EF4-FFF2-40B4-BE49-F238E27FC236}">
                 <a16:creationId xmlns:a16="http://schemas.microsoft.com/office/drawing/2014/main" id="{FE5CFD5E-4B16-D6BA-3843-8AD57CD68573}"/>
               </a:ext>
             </a:extLst>
@@ -6183,10 +6466,10 @@
       </p:sp>
       <p:sp>
         <p:nvSpPr>
-          <p:cNvPr id="3" name="Tartalom helye 2">
+          <p:cNvPr id="4" name="Szöveg helye 3">
             <a:extLst>
               <a:ext uri="{FF2B5EF4-FFF2-40B4-BE49-F238E27FC236}">
-                <a16:creationId xmlns:a16="http://schemas.microsoft.com/office/drawing/2014/main" id="{5C0520D0-70F3-EAE3-EEF6-067AE8FE621C}"/>
+                <a16:creationId xmlns:a16="http://schemas.microsoft.com/office/drawing/2014/main" id="{BC5C4EEE-66CB-FDEF-1DB6-DDACB13082A1}"/>
               </a:ext>
             </a:extLst>
           </p:cNvPr>
@@ -6194,7 +6477,7 @@
             <a:spLocks noGrp="1"/>
           </p:cNvSpPr>
           <p:nvPr>
-            <p:ph idx="1"/>
+            <p:ph type="body" idx="1"/>
           </p:nvPr>
         </p:nvSpPr>
         <p:spPr/>
@@ -6202,7 +6485,214 @@
           <a:bodyPr/>
           <a:lstStyle/>
           <a:p>
-            <a:endParaRPr lang="hu-HU"/>
+            <a:r>
+              <a:rPr lang="hu-HU" dirty="0"/>
+              <a:t>LASSO</a:t>
+            </a:r>
+          </a:p>
+        </p:txBody>
+      </p:sp>
+      <p:sp>
+        <p:nvSpPr>
+          <p:cNvPr id="5" name="Tartalom helye 4">
+            <a:extLst>
+              <a:ext uri="{FF2B5EF4-FFF2-40B4-BE49-F238E27FC236}">
+                <a16:creationId xmlns:a16="http://schemas.microsoft.com/office/drawing/2014/main" id="{E284D693-8D76-A9D9-AD12-EFD859F7D467}"/>
+              </a:ext>
+            </a:extLst>
+          </p:cNvPr>
+          <p:cNvSpPr>
+            <a:spLocks noGrp="1"/>
+          </p:cNvSpPr>
+          <p:nvPr>
+            <p:ph sz="half" idx="2"/>
+          </p:nvPr>
+        </p:nvSpPr>
+        <p:spPr/>
+        <p:txBody>
+          <a:bodyPr/>
+          <a:lstStyle/>
+          <a:p>
+            <a:r>
+              <a:rPr lang="hu-HU" dirty="0" err="1"/>
+              <a:t>Root</a:t>
+            </a:r>
+            <a:r>
+              <a:rPr lang="hu-HU" dirty="0"/>
+              <a:t> </a:t>
+            </a:r>
+            <a:r>
+              <a:rPr lang="hu-HU" dirty="0" err="1"/>
+              <a:t>Mean</a:t>
+            </a:r>
+            <a:r>
+              <a:rPr lang="hu-HU" dirty="0"/>
+              <a:t> </a:t>
+            </a:r>
+            <a:r>
+              <a:rPr lang="hu-HU" dirty="0" err="1"/>
+              <a:t>Squared</a:t>
+            </a:r>
+            <a:r>
+              <a:rPr lang="hu-HU" dirty="0"/>
+              <a:t> </a:t>
+            </a:r>
+            <a:r>
+              <a:rPr lang="hu-HU" dirty="0" err="1"/>
+              <a:t>Error</a:t>
+            </a:r>
+            <a:r>
+              <a:rPr lang="hu-HU" dirty="0"/>
+              <a:t> a teszt adatokon:</a:t>
+            </a:r>
+          </a:p>
+          <a:p>
+            <a:r>
+              <a:rPr lang="hu-HU" dirty="0"/>
+              <a:t>2 389 657</a:t>
+            </a:r>
+          </a:p>
+        </p:txBody>
+      </p:sp>
+      <p:sp>
+        <p:nvSpPr>
+          <p:cNvPr id="6" name="Szöveg helye 5">
+            <a:extLst>
+              <a:ext uri="{FF2B5EF4-FFF2-40B4-BE49-F238E27FC236}">
+                <a16:creationId xmlns:a16="http://schemas.microsoft.com/office/drawing/2014/main" id="{B0DB7B71-A174-1CF2-7A58-124D851729F7}"/>
+              </a:ext>
+            </a:extLst>
+          </p:cNvPr>
+          <p:cNvSpPr>
+            <a:spLocks noGrp="1"/>
+          </p:cNvSpPr>
+          <p:nvPr>
+            <p:ph type="body" sz="quarter" idx="3"/>
+          </p:nvPr>
+        </p:nvSpPr>
+        <p:spPr/>
+        <p:txBody>
+          <a:bodyPr/>
+          <a:lstStyle/>
+          <a:p>
+            <a:r>
+              <a:rPr lang="hu-HU" dirty="0"/>
+              <a:t>MARS</a:t>
+            </a:r>
+          </a:p>
+        </p:txBody>
+      </p:sp>
+      <p:sp>
+        <p:nvSpPr>
+          <p:cNvPr id="7" name="Tartalom helye 6">
+            <a:extLst>
+              <a:ext uri="{FF2B5EF4-FFF2-40B4-BE49-F238E27FC236}">
+                <a16:creationId xmlns:a16="http://schemas.microsoft.com/office/drawing/2014/main" id="{F33DC16A-14E5-1ED6-53EA-036127B41E8E}"/>
+              </a:ext>
+            </a:extLst>
+          </p:cNvPr>
+          <p:cNvSpPr>
+            <a:spLocks noGrp="1"/>
+          </p:cNvSpPr>
+          <p:nvPr>
+            <p:ph sz="quarter" idx="4"/>
+          </p:nvPr>
+        </p:nvSpPr>
+        <p:spPr/>
+        <p:txBody>
+          <a:bodyPr/>
+          <a:lstStyle/>
+          <a:p>
+            <a:r>
+              <a:rPr lang="hu-HU" dirty="0" err="1"/>
+              <a:t>Root</a:t>
+            </a:r>
+            <a:r>
+              <a:rPr lang="hu-HU" dirty="0"/>
+              <a:t> </a:t>
+            </a:r>
+            <a:r>
+              <a:rPr lang="hu-HU" dirty="0" err="1"/>
+              <a:t>Mean</a:t>
+            </a:r>
+            <a:r>
+              <a:rPr lang="hu-HU" dirty="0"/>
+              <a:t> </a:t>
+            </a:r>
+            <a:r>
+              <a:rPr lang="hu-HU" dirty="0" err="1"/>
+              <a:t>Squared</a:t>
+            </a:r>
+            <a:r>
+              <a:rPr lang="hu-HU" dirty="0"/>
+              <a:t> </a:t>
+            </a:r>
+            <a:r>
+              <a:rPr lang="hu-HU" dirty="0" err="1"/>
+              <a:t>Error</a:t>
+            </a:r>
+            <a:r>
+              <a:rPr lang="hu-HU" dirty="0"/>
+              <a:t> a teszt adatokon:</a:t>
+            </a:r>
+          </a:p>
+          <a:p>
+            <a:r>
+              <a:rPr lang="hu-HU" dirty="0"/>
+              <a:t>306 992.8</a:t>
+            </a:r>
+          </a:p>
+        </p:txBody>
+      </p:sp>
+      <p:sp>
+        <p:nvSpPr>
+          <p:cNvPr id="10" name="Szövegdoboz 9">
+            <a:extLst>
+              <a:ext uri="{FF2B5EF4-FFF2-40B4-BE49-F238E27FC236}">
+                <a16:creationId xmlns:a16="http://schemas.microsoft.com/office/drawing/2014/main" id="{B3E7A26F-5A42-08A9-3A64-A052958B0B10}"/>
+              </a:ext>
+            </a:extLst>
+          </p:cNvPr>
+          <p:cNvSpPr txBox="1"/>
+          <p:nvPr/>
+        </p:nvSpPr>
+        <p:spPr>
+          <a:xfrm>
+            <a:off x="2717209" y="4800601"/>
+            <a:ext cx="6954436" cy="1200329"/>
+          </a:xfrm>
+          <a:prstGeom prst="rect">
+            <a:avLst/>
+          </a:prstGeom>
+          <a:noFill/>
+        </p:spPr>
+        <p:txBody>
+          <a:bodyPr wrap="square" rtlCol="0">
+            <a:spAutoFit/>
+          </a:bodyPr>
+          <a:lstStyle/>
+          <a:p>
+            <a:r>
+              <a:rPr lang="hu-HU" dirty="0"/>
+              <a:t>A MARS modell </a:t>
+            </a:r>
+            <a:r>
+              <a:rPr lang="hu-HU" dirty="0" err="1"/>
+              <a:t>esetébem</a:t>
+            </a:r>
+            <a:r>
+              <a:rPr lang="hu-HU" dirty="0"/>
+              <a:t> egy nagységrenddel alacsonyabb az átlagos hiba-négyzetösszegek gyöke</a:t>
+            </a:r>
+          </a:p>
+          <a:p>
+            <a:endParaRPr lang="hu-HU" dirty="0"/>
+          </a:p>
+          <a:p>
+            <a:r>
+              <a:rPr lang="hu-HU" dirty="0"/>
+              <a:t>A MARS modell szerepelt jobban</a:t>
+            </a:r>
           </a:p>
         </p:txBody>
       </p:sp>
@@ -6222,6 +6712,14 @@
 <file path=ppt/slides/slide2.xml><?xml version="1.0" encoding="utf-8"?>
 <p:sld xmlns:a="http://schemas.openxmlformats.org/drawingml/2006/main" xmlns:r="http://schemas.openxmlformats.org/officeDocument/2006/relationships" xmlns:p="http://schemas.openxmlformats.org/presentationml/2006/main">
   <p:cSld>
+    <p:bg>
+      <p:bgPr>
+        <a:solidFill>
+          <a:schemeClr val="bg1"/>
+        </a:solidFill>
+        <a:effectLst/>
+      </p:bgPr>
+    </p:bg>
     <p:spTree>
       <p:nvGrpSpPr>
         <p:cNvPr id="1" name=""/>
@@ -6238,6 +6736,152 @@
       </p:grpSpPr>
       <p:sp>
         <p:nvSpPr>
+          <p:cNvPr id="9" name="Rectangle 8">
+            <a:extLst>
+              <a:ext uri="{FF2B5EF4-FFF2-40B4-BE49-F238E27FC236}">
+                <a16:creationId xmlns:a16="http://schemas.microsoft.com/office/drawing/2014/main" id="{1EA5387D-64D8-4D6C-B109-FF4E81DF609A}"/>
+              </a:ext>
+              <a:ext uri="{C183D7F6-B498-43B3-948B-1728B52AA6E4}">
+                <adec:decorative xmlns:adec="http://schemas.microsoft.com/office/drawing/2017/decorative" val="1"/>
+              </a:ext>
+            </a:extLst>
+          </p:cNvPr>
+          <p:cNvSpPr>
+            <a:spLocks noGrp="1" noRot="1" noChangeAspect="1" noMove="1" noResize="1" noEditPoints="1" noAdjustHandles="1" noChangeArrowheads="1" noChangeShapeType="1" noTextEdit="1"/>
+          </p:cNvSpPr>
+          <p:nvPr>
+            <p:extLst>
+              <p:ext uri="{386F3935-93C4-4BCD-93E2-E3B085C9AB24}">
+                <p16:designElem xmlns:p16="http://schemas.microsoft.com/office/powerpoint/2015/main" val="1"/>
+              </p:ext>
+            </p:extLst>
+          </p:nvPr>
+        </p:nvSpPr>
+        <p:spPr>
+          <a:xfrm>
+            <a:off x="0" y="0"/>
+            <a:ext cx="12192000" cy="6858000"/>
+          </a:xfrm>
+          <a:prstGeom prst="rect">
+            <a:avLst/>
+          </a:prstGeom>
+          <a:solidFill>
+            <a:schemeClr val="bg1"/>
+          </a:solidFill>
+          <a:ln>
+            <a:noFill/>
+          </a:ln>
+        </p:spPr>
+        <p:style>
+          <a:lnRef idx="2">
+            <a:schemeClr val="accent1">
+              <a:shade val="50000"/>
+            </a:schemeClr>
+          </a:lnRef>
+          <a:fillRef idx="1">
+            <a:schemeClr val="accent1"/>
+          </a:fillRef>
+          <a:effectRef idx="0">
+            <a:schemeClr val="accent1"/>
+          </a:effectRef>
+          <a:fontRef idx="minor">
+            <a:schemeClr val="lt1"/>
+          </a:fontRef>
+        </p:style>
+        <p:txBody>
+          <a:bodyPr rtlCol="0" anchor="ctr"/>
+          <a:lstStyle/>
+          <a:p>
+            <a:pPr algn="ctr"/>
+            <a:endParaRPr lang="en-US"/>
+          </a:p>
+        </p:txBody>
+      </p:sp>
+      <p:pic>
+        <p:nvPicPr>
+          <p:cNvPr id="5" name="Picture 4" descr="Kábelvontatású villamos nagyvárosi utcán">
+            <a:extLst>
+              <a:ext uri="{FF2B5EF4-FFF2-40B4-BE49-F238E27FC236}">
+                <a16:creationId xmlns:a16="http://schemas.microsoft.com/office/drawing/2014/main" id="{3192F469-9D41-B95F-5467-C606DB63EDCA}"/>
+              </a:ext>
+            </a:extLst>
+          </p:cNvPr>
+          <p:cNvPicPr>
+            <a:picLocks noChangeAspect="1"/>
+          </p:cNvPicPr>
+          <p:nvPr/>
+        </p:nvPicPr>
+        <p:blipFill rotWithShape="1">
+          <a:blip r:embed="rId2">
+            <a:duotone>
+              <a:prstClr val="black"/>
+              <a:schemeClr val="tx2">
+                <a:tint val="45000"/>
+                <a:satMod val="400000"/>
+              </a:schemeClr>
+            </a:duotone>
+            <a:alphaModFix amt="30000"/>
+          </a:blip>
+          <a:srcRect t="15759" b="39241"/>
+          <a:stretch/>
+        </p:blipFill>
+        <p:spPr>
+          <a:xfrm>
+            <a:off x="20" y="10"/>
+            <a:ext cx="12191980" cy="6857990"/>
+          </a:xfrm>
+          <a:prstGeom prst="rect">
+            <a:avLst/>
+          </a:prstGeom>
+        </p:spPr>
+      </p:pic>
+      <p:pic>
+        <p:nvPicPr>
+          <p:cNvPr id="11" name="Picture 10">
+            <a:extLst>
+              <a:ext uri="{FF2B5EF4-FFF2-40B4-BE49-F238E27FC236}">
+                <a16:creationId xmlns:a16="http://schemas.microsoft.com/office/drawing/2014/main" id="{6319FFD2-07B5-4029-BFB3-26FCFCC2F1B8}"/>
+              </a:ext>
+              <a:ext uri="{C183D7F6-B498-43B3-948B-1728B52AA6E4}">
+                <adec:decorative xmlns:adec="http://schemas.microsoft.com/office/drawing/2017/decorative" val="1"/>
+              </a:ext>
+            </a:extLst>
+          </p:cNvPr>
+          <p:cNvPicPr>
+            <a:picLocks noGrp="1" noRot="1" noChangeAspect="1" noMove="1" noResize="1" noEditPoints="1" noAdjustHandles="1" noChangeArrowheads="1" noChangeShapeType="1" noCrop="1"/>
+          </p:cNvPicPr>
+          <p:nvPr>
+            <p:extLst>
+              <p:ext uri="{386F3935-93C4-4BCD-93E2-E3B085C9AB24}">
+                <p16:designElem xmlns:p16="http://schemas.microsoft.com/office/powerpoint/2015/main" val="1"/>
+              </p:ext>
+            </p:extLst>
+          </p:nvPr>
+        </p:nvPicPr>
+        <p:blipFill>
+          <a:blip r:embed="rId3">
+            <a:extLst>
+              <a:ext uri="{28A0092B-C50C-407E-A947-70E740481C1C}">
+                <a14:useLocalDpi xmlns:a14="http://schemas.microsoft.com/office/drawing/2010/main" val="0"/>
+              </a:ext>
+            </a:extLst>
+          </a:blip>
+          <a:stretch>
+            <a:fillRect/>
+          </a:stretch>
+        </p:blipFill>
+        <p:spPr>
+          <a:xfrm>
+            <a:off x="0" y="0"/>
+            <a:ext cx="12192000" cy="1441450"/>
+          </a:xfrm>
+          <a:prstGeom prst="rect">
+            <a:avLst/>
+          </a:prstGeom>
+        </p:spPr>
+      </p:pic>
+      <p:sp>
+        <p:nvSpPr>
           <p:cNvPr id="2" name="Cím 1">
             <a:extLst>
               <a:ext uri="{FF2B5EF4-FFF2-40B4-BE49-F238E27FC236}">
@@ -6252,9 +6896,16 @@
             <p:ph type="title"/>
           </p:nvPr>
         </p:nvSpPr>
-        <p:spPr/>
-        <p:txBody>
-          <a:bodyPr/>
+        <p:spPr>
+          <a:xfrm>
+            <a:off x="2895600" y="764373"/>
+            <a:ext cx="8610600" cy="1293028"/>
+          </a:xfrm>
+        </p:spPr>
+        <p:txBody>
+          <a:bodyPr>
+            <a:normAutofit/>
+          </a:bodyPr>
           <a:lstStyle/>
           <a:p>
             <a:r>
@@ -6285,9 +6936,16 @@
             <p:ph idx="1"/>
           </p:nvPr>
         </p:nvSpPr>
-        <p:spPr/>
-        <p:txBody>
-          <a:bodyPr/>
+        <p:spPr>
+          <a:xfrm>
+            <a:off x="685800" y="2194560"/>
+            <a:ext cx="10820400" cy="4024125"/>
+          </a:xfrm>
+        </p:spPr>
+        <p:txBody>
+          <a:bodyPr>
+            <a:normAutofit/>
+          </a:bodyPr>
           <a:lstStyle/>
           <a:p>
             <a:r>
@@ -6308,7 +6966,7 @@
           <a:p>
             <a:r>
               <a:rPr lang="hu-HU" dirty="0"/>
-              <a:t>Legfontosabbak:</a:t>
+              <a:t>Fontosabb változók:</a:t>
             </a:r>
           </a:p>
           <a:p>
@@ -6343,7 +7001,7 @@
             <a:pPr lvl="1"/>
             <a:r>
               <a:rPr lang="hu-HU" dirty="0"/>
-              <a:t>Környék</a:t>
+              <a:t>Garázsba beférő autók száma</a:t>
             </a:r>
           </a:p>
         </p:txBody>
@@ -6401,36 +7059,105 @@
           <a:p>
             <a:r>
               <a:rPr lang="hu-HU" dirty="0"/>
-              <a:t>Adatok bemutatása</a:t>
-            </a:r>
-          </a:p>
-        </p:txBody>
-      </p:sp>
-      <p:sp>
-        <p:nvSpPr>
-          <p:cNvPr id="3" name="Tartalom helye 2">
+              <a:t>Eredményváltozó bemutatása</a:t>
+            </a:r>
+          </a:p>
+        </p:txBody>
+      </p:sp>
+      <p:pic>
+        <p:nvPicPr>
+          <p:cNvPr id="1028" name="Picture 4">
             <a:extLst>
               <a:ext uri="{FF2B5EF4-FFF2-40B4-BE49-F238E27FC236}">
-                <a16:creationId xmlns:a16="http://schemas.microsoft.com/office/drawing/2014/main" id="{58725773-7B14-2A72-C047-9641E2BA228C}"/>
+                <a16:creationId xmlns:a16="http://schemas.microsoft.com/office/drawing/2014/main" id="{7C2FDE8F-1604-BFBA-002A-6463EB8BF7C5}"/>
               </a:ext>
             </a:extLst>
           </p:cNvPr>
-          <p:cNvSpPr>
-            <a:spLocks noGrp="1"/>
-          </p:cNvSpPr>
-          <p:nvPr>
-            <p:ph idx="1"/>
-          </p:nvPr>
-        </p:nvSpPr>
-        <p:spPr/>
-        <p:txBody>
-          <a:bodyPr/>
-          <a:lstStyle/>
-          <a:p>
-            <a:endParaRPr lang="hu-HU" dirty="0"/>
-          </a:p>
-        </p:txBody>
-      </p:sp>
+          <p:cNvPicPr>
+            <a:picLocks noChangeAspect="1" noChangeArrowheads="1"/>
+          </p:cNvPicPr>
+          <p:nvPr/>
+        </p:nvPicPr>
+        <p:blipFill>
+          <a:blip r:embed="rId2">
+            <a:extLst>
+              <a:ext uri="{28A0092B-C50C-407E-A947-70E740481C1C}">
+                <a14:useLocalDpi xmlns:a14="http://schemas.microsoft.com/office/drawing/2010/main" val="0"/>
+              </a:ext>
+            </a:extLst>
+          </a:blip>
+          <a:srcRect/>
+          <a:stretch>
+            <a:fillRect/>
+          </a:stretch>
+        </p:blipFill>
+        <p:spPr bwMode="auto">
+          <a:xfrm>
+            <a:off x="6385345" y="2057400"/>
+            <a:ext cx="5634039" cy="4024314"/>
+          </a:xfrm>
+          <a:prstGeom prst="rect">
+            <a:avLst/>
+          </a:prstGeom>
+          <a:noFill/>
+          <a:extLst>
+            <a:ext uri="{909E8E84-426E-40DD-AFC4-6F175D3DCCD1}">
+              <a14:hiddenFill xmlns:a14="http://schemas.microsoft.com/office/drawing/2010/main">
+                <a:solidFill>
+                  <a:srgbClr val="FFFFFF"/>
+                </a:solidFill>
+              </a14:hiddenFill>
+            </a:ext>
+          </a:extLst>
+        </p:spPr>
+      </p:pic>
+      <p:pic>
+        <p:nvPicPr>
+          <p:cNvPr id="1030" name="Picture 6">
+            <a:extLst>
+              <a:ext uri="{FF2B5EF4-FFF2-40B4-BE49-F238E27FC236}">
+                <a16:creationId xmlns:a16="http://schemas.microsoft.com/office/drawing/2014/main" id="{839D44F4-89C7-2442-4706-FF4CBB989C94}"/>
+              </a:ext>
+            </a:extLst>
+          </p:cNvPr>
+          <p:cNvPicPr>
+            <a:picLocks noChangeAspect="1" noChangeArrowheads="1"/>
+          </p:cNvPicPr>
+          <p:nvPr/>
+        </p:nvPicPr>
+        <p:blipFill>
+          <a:blip r:embed="rId3">
+            <a:extLst>
+              <a:ext uri="{28A0092B-C50C-407E-A947-70E740481C1C}">
+                <a14:useLocalDpi xmlns:a14="http://schemas.microsoft.com/office/drawing/2010/main" val="0"/>
+              </a:ext>
+            </a:extLst>
+          </a:blip>
+          <a:srcRect/>
+          <a:stretch>
+            <a:fillRect/>
+          </a:stretch>
+        </p:blipFill>
+        <p:spPr bwMode="auto">
+          <a:xfrm>
+            <a:off x="687977" y="2057399"/>
+            <a:ext cx="5650717" cy="4036227"/>
+          </a:xfrm>
+          <a:prstGeom prst="rect">
+            <a:avLst/>
+          </a:prstGeom>
+          <a:noFill/>
+          <a:extLst>
+            <a:ext uri="{909E8E84-426E-40DD-AFC4-6F175D3DCCD1}">
+              <a14:hiddenFill xmlns:a14="http://schemas.microsoft.com/office/drawing/2010/main">
+                <a:solidFill>
+                  <a:srgbClr val="FFFFFF"/>
+                </a:solidFill>
+              </a14:hiddenFill>
+            </a:ext>
+          </a:extLst>
+        </p:spPr>
+      </p:pic>
     </p:spTree>
     <p:extLst>
       <p:ext uri="{BB962C8B-B14F-4D97-AF65-F5344CB8AC3E}">
@@ -6445,114 +7172,6 @@
 </file>
 
 <file path=ppt/slides/slide4.xml><?xml version="1.0" encoding="utf-8"?>
-<p:sld xmlns:a="http://schemas.openxmlformats.org/drawingml/2006/main" xmlns:r="http://schemas.openxmlformats.org/officeDocument/2006/relationships" xmlns:p="http://schemas.openxmlformats.org/presentationml/2006/main">
-  <p:cSld>
-    <p:spTree>
-      <p:nvGrpSpPr>
-        <p:cNvPr id="1" name=""/>
-        <p:cNvGrpSpPr/>
-        <p:nvPr/>
-      </p:nvGrpSpPr>
-      <p:grpSpPr>
-        <a:xfrm>
-          <a:off x="0" y="0"/>
-          <a:ext cx="0" cy="0"/>
-          <a:chOff x="0" y="0"/>
-          <a:chExt cx="0" cy="0"/>
-        </a:xfrm>
-      </p:grpSpPr>
-      <p:sp>
-        <p:nvSpPr>
-          <p:cNvPr id="4" name="Cím 3">
-            <a:extLst>
-              <a:ext uri="{FF2B5EF4-FFF2-40B4-BE49-F238E27FC236}">
-                <a16:creationId xmlns:a16="http://schemas.microsoft.com/office/drawing/2014/main" id="{0A54626B-A458-044E-0229-C7C69E31D36B}"/>
-              </a:ext>
-            </a:extLst>
-          </p:cNvPr>
-          <p:cNvSpPr>
-            <a:spLocks noGrp="1"/>
-          </p:cNvSpPr>
-          <p:nvPr>
-            <p:ph type="title"/>
-          </p:nvPr>
-        </p:nvSpPr>
-        <p:spPr/>
-        <p:txBody>
-          <a:bodyPr/>
-          <a:lstStyle/>
-          <a:p>
-            <a:r>
-              <a:rPr lang="hu-HU" dirty="0"/>
-              <a:t>Változók leírása</a:t>
-            </a:r>
-          </a:p>
-        </p:txBody>
-      </p:sp>
-      <p:sp>
-        <p:nvSpPr>
-          <p:cNvPr id="5" name="Tartalom helye 4">
-            <a:extLst>
-              <a:ext uri="{FF2B5EF4-FFF2-40B4-BE49-F238E27FC236}">
-                <a16:creationId xmlns:a16="http://schemas.microsoft.com/office/drawing/2014/main" id="{942AB7D5-3998-318C-3117-063199F02F9D}"/>
-              </a:ext>
-            </a:extLst>
-          </p:cNvPr>
-          <p:cNvSpPr>
-            <a:spLocks noGrp="1"/>
-          </p:cNvSpPr>
-          <p:nvPr>
-            <p:ph sz="half" idx="1"/>
-          </p:nvPr>
-        </p:nvSpPr>
-        <p:spPr/>
-        <p:txBody>
-          <a:bodyPr/>
-          <a:lstStyle/>
-          <a:p>
-            <a:endParaRPr lang="hu-HU"/>
-          </a:p>
-        </p:txBody>
-      </p:sp>
-      <p:sp>
-        <p:nvSpPr>
-          <p:cNvPr id="6" name="Tartalom helye 5">
-            <a:extLst>
-              <a:ext uri="{FF2B5EF4-FFF2-40B4-BE49-F238E27FC236}">
-                <a16:creationId xmlns:a16="http://schemas.microsoft.com/office/drawing/2014/main" id="{1845C5B1-0474-8812-A506-97F9F13C1B87}"/>
-              </a:ext>
-            </a:extLst>
-          </p:cNvPr>
-          <p:cNvSpPr>
-            <a:spLocks noGrp="1"/>
-          </p:cNvSpPr>
-          <p:nvPr>
-            <p:ph sz="half" idx="2"/>
-          </p:nvPr>
-        </p:nvSpPr>
-        <p:spPr/>
-        <p:txBody>
-          <a:bodyPr/>
-          <a:lstStyle/>
-          <a:p>
-            <a:endParaRPr lang="hu-HU"/>
-          </a:p>
-        </p:txBody>
-      </p:sp>
-    </p:spTree>
-    <p:extLst>
-      <p:ext uri="{BB962C8B-B14F-4D97-AF65-F5344CB8AC3E}">
-        <p14:creationId xmlns:p14="http://schemas.microsoft.com/office/powerpoint/2010/main" val="2630369769"/>
-      </p:ext>
-    </p:extLst>
-  </p:cSld>
-  <p:clrMapOvr>
-    <a:masterClrMapping/>
-  </p:clrMapOvr>
-</p:sld>
-</file>
-
-<file path=ppt/slides/slide5.xml><?xml version="1.0" encoding="utf-8"?>
 <p:sld xmlns:a="http://schemas.openxmlformats.org/drawingml/2006/main" xmlns:r="http://schemas.openxmlformats.org/officeDocument/2006/relationships" xmlns:p="http://schemas.openxmlformats.org/presentationml/2006/main">
   <p:cSld>
     <p:bg>
@@ -6577,15 +7196,210 @@
           <a:chExt cx="0" cy="0"/>
         </a:xfrm>
       </p:grpSpPr>
-      <p:sp>
-        <p:nvSpPr>
-          <p:cNvPr id="2" name="Cím 1">
+      <p:pic>
+        <p:nvPicPr>
+          <p:cNvPr id="2055" name="Picture 2054">
             <a:extLst>
               <a:ext uri="{FF2B5EF4-FFF2-40B4-BE49-F238E27FC236}">
-                <a16:creationId xmlns:a16="http://schemas.microsoft.com/office/drawing/2014/main" id="{8F4BBE37-7ED7-B16C-D1AB-18D7F3E6C5A4}"/>
+                <a16:creationId xmlns:a16="http://schemas.microsoft.com/office/drawing/2014/main" id="{BDFADFB3-3D44-49A8-AE3B-A87C61607F7E}"/>
+              </a:ext>
+              <a:ext uri="{C183D7F6-B498-43B3-948B-1728B52AA6E4}">
+                <adec:decorative xmlns:adec="http://schemas.microsoft.com/office/drawing/2017/decorative" val="1"/>
               </a:ext>
             </a:extLst>
           </p:cNvPr>
+          <p:cNvPicPr>
+            <a:picLocks noGrp="1" noRot="1" noChangeAspect="1" noMove="1" noResize="1" noEditPoints="1" noAdjustHandles="1" noChangeArrowheads="1" noChangeShapeType="1" noCrop="1"/>
+          </p:cNvPicPr>
+          <p:nvPr>
+            <p:extLst>
+              <p:ext uri="{386F3935-93C4-4BCD-93E2-E3B085C9AB24}">
+                <p16:designElem xmlns:p16="http://schemas.microsoft.com/office/powerpoint/2015/main" val="1"/>
+              </p:ext>
+            </p:extLst>
+          </p:nvPr>
+        </p:nvPicPr>
+        <p:blipFill>
+          <a:blip r:embed="rId2">
+            <a:extLst>
+              <a:ext uri="{28A0092B-C50C-407E-A947-70E740481C1C}">
+                <a14:useLocalDpi xmlns:a14="http://schemas.microsoft.com/office/drawing/2010/main" val="0"/>
+              </a:ext>
+            </a:extLst>
+          </a:blip>
+          <a:stretch>
+            <a:fillRect/>
+          </a:stretch>
+        </p:blipFill>
+        <p:spPr>
+          <a:xfrm>
+            <a:off x="0" y="0"/>
+            <a:ext cx="12192000" cy="1441450"/>
+          </a:xfrm>
+          <a:prstGeom prst="rect">
+            <a:avLst/>
+          </a:prstGeom>
+        </p:spPr>
+      </p:pic>
+      <p:pic>
+        <p:nvPicPr>
+          <p:cNvPr id="2057" name="Picture 2056">
+            <a:extLst>
+              <a:ext uri="{FF2B5EF4-FFF2-40B4-BE49-F238E27FC236}">
+                <a16:creationId xmlns:a16="http://schemas.microsoft.com/office/drawing/2014/main" id="{BB912AE0-CAD9-4F8F-A2A2-BDF07D4EDD22}"/>
+              </a:ext>
+              <a:ext uri="{C183D7F6-B498-43B3-948B-1728B52AA6E4}">
+                <adec:decorative xmlns:adec="http://schemas.microsoft.com/office/drawing/2017/decorative" val="1"/>
+              </a:ext>
+            </a:extLst>
+          </p:cNvPr>
+          <p:cNvPicPr>
+            <a:picLocks noGrp="1" noRot="1" noChangeAspect="1" noMove="1" noResize="1" noEditPoints="1" noAdjustHandles="1" noChangeArrowheads="1" noChangeShapeType="1" noCrop="1"/>
+          </p:cNvPicPr>
+          <p:nvPr>
+            <p:extLst>
+              <p:ext uri="{386F3935-93C4-4BCD-93E2-E3B085C9AB24}">
+                <p16:designElem xmlns:p16="http://schemas.microsoft.com/office/powerpoint/2015/main" val="1"/>
+              </p:ext>
+            </p:extLst>
+          </p:nvPr>
+        </p:nvPicPr>
+        <p:blipFill>
+          <a:blip r:embed="rId3">
+            <a:extLst>
+              <a:ext uri="{28A0092B-C50C-407E-A947-70E740481C1C}">
+                <a14:useLocalDpi xmlns:a14="http://schemas.microsoft.com/office/drawing/2010/main" val="0"/>
+              </a:ext>
+            </a:extLst>
+          </a:blip>
+          <a:stretch>
+            <a:fillRect/>
+          </a:stretch>
+        </p:blipFill>
+        <p:spPr>
+          <a:xfrm>
+            <a:off x="0" y="4375150"/>
+            <a:ext cx="12192000" cy="2482850"/>
+          </a:xfrm>
+          <a:prstGeom prst="rect">
+            <a:avLst/>
+          </a:prstGeom>
+        </p:spPr>
+      </p:pic>
+      <p:sp useBgFill="1">
+        <p:nvSpPr>
+          <p:cNvPr id="2059" name="Rectangle 2058">
+            <a:extLst>
+              <a:ext uri="{FF2B5EF4-FFF2-40B4-BE49-F238E27FC236}">
+                <a16:creationId xmlns:a16="http://schemas.microsoft.com/office/drawing/2014/main" id="{BD7C2DEF-63C5-495B-BBE5-720E5D12B4D2}"/>
+              </a:ext>
+              <a:ext uri="{C183D7F6-B498-43B3-948B-1728B52AA6E4}">
+                <adec:decorative xmlns:adec="http://schemas.microsoft.com/office/drawing/2017/decorative" val="1"/>
+              </a:ext>
+            </a:extLst>
+          </p:cNvPr>
+          <p:cNvSpPr>
+            <a:spLocks noGrp="1" noRot="1" noChangeAspect="1" noMove="1" noResize="1" noEditPoints="1" noAdjustHandles="1" noChangeArrowheads="1" noChangeShapeType="1" noTextEdit="1"/>
+          </p:cNvSpPr>
+          <p:nvPr>
+            <p:extLst>
+              <p:ext uri="{386F3935-93C4-4BCD-93E2-E3B085C9AB24}">
+                <p16:designElem xmlns:p16="http://schemas.microsoft.com/office/powerpoint/2015/main" val="1"/>
+              </p:ext>
+            </p:extLst>
+          </p:nvPr>
+        </p:nvSpPr>
+        <p:spPr>
+          <a:xfrm>
+            <a:off x="0" y="0"/>
+            <a:ext cx="12192000" cy="6858000"/>
+          </a:xfrm>
+          <a:prstGeom prst="rect">
+            <a:avLst/>
+          </a:prstGeom>
+          <a:ln>
+            <a:noFill/>
+          </a:ln>
+        </p:spPr>
+        <p:style>
+          <a:lnRef idx="2">
+            <a:schemeClr val="accent1">
+              <a:shade val="50000"/>
+            </a:schemeClr>
+          </a:lnRef>
+          <a:fillRef idx="1">
+            <a:schemeClr val="accent1"/>
+          </a:fillRef>
+          <a:effectRef idx="0">
+            <a:schemeClr val="accent1"/>
+          </a:effectRef>
+          <a:fontRef idx="minor">
+            <a:schemeClr val="lt1"/>
+          </a:fontRef>
+        </p:style>
+        <p:txBody>
+          <a:bodyPr rtlCol="0" anchor="ctr"/>
+          <a:lstStyle/>
+          <a:p>
+            <a:pPr algn="ctr"/>
+            <a:endParaRPr lang="en-US"/>
+          </a:p>
+        </p:txBody>
+      </p:sp>
+      <p:pic>
+        <p:nvPicPr>
+          <p:cNvPr id="2061" name="Picture 2060">
+            <a:extLst>
+              <a:ext uri="{FF2B5EF4-FFF2-40B4-BE49-F238E27FC236}">
+                <a16:creationId xmlns:a16="http://schemas.microsoft.com/office/drawing/2014/main" id="{FE21E403-0B61-4473-BE57-AB0F16379674}"/>
+              </a:ext>
+              <a:ext uri="{C183D7F6-B498-43B3-948B-1728B52AA6E4}">
+                <adec:decorative xmlns:adec="http://schemas.microsoft.com/office/drawing/2017/decorative" val="1"/>
+              </a:ext>
+            </a:extLst>
+          </p:cNvPr>
+          <p:cNvPicPr>
+            <a:picLocks noGrp="1" noRot="1" noChangeAspect="1" noMove="1" noResize="1" noEditPoints="1" noAdjustHandles="1" noChangeArrowheads="1" noChangeShapeType="1" noCrop="1"/>
+          </p:cNvPicPr>
+          <p:nvPr>
+            <p:extLst>
+              <p:ext uri="{386F3935-93C4-4BCD-93E2-E3B085C9AB24}">
+                <p16:designElem xmlns:p16="http://schemas.microsoft.com/office/powerpoint/2015/main" val="1"/>
+              </p:ext>
+            </p:extLst>
+          </p:nvPr>
+        </p:nvPicPr>
+        <p:blipFill>
+          <a:blip r:embed="rId2">
+            <a:extLst>
+              <a:ext uri="{28A0092B-C50C-407E-A947-70E740481C1C}">
+                <a14:useLocalDpi xmlns:a14="http://schemas.microsoft.com/office/drawing/2010/main" val="0"/>
+              </a:ext>
+            </a:extLst>
+          </a:blip>
+          <a:stretch>
+            <a:fillRect/>
+          </a:stretch>
+        </p:blipFill>
+        <p:spPr>
+          <a:xfrm>
+            <a:off x="0" y="0"/>
+            <a:ext cx="12192000" cy="1441450"/>
+          </a:xfrm>
+          <a:prstGeom prst="rect">
+            <a:avLst/>
+          </a:prstGeom>
+        </p:spPr>
+      </p:pic>
+      <p:sp>
+        <p:nvSpPr>
+          <p:cNvPr id="4" name="Cím 3">
+            <a:extLst>
+              <a:ext uri="{FF2B5EF4-FFF2-40B4-BE49-F238E27FC236}">
+                <a16:creationId xmlns:a16="http://schemas.microsoft.com/office/drawing/2014/main" id="{0A54626B-A458-044E-0229-C7C69E31D36B}"/>
+              </a:ext>
+            </a:extLst>
+          </p:cNvPr>
           <p:cNvSpPr>
             <a:spLocks noGrp="1"/>
           </p:cNvSpPr>
@@ -6595,9 +7409,14 @@
         </p:nvSpPr>
         <p:spPr>
           <a:xfrm>
-            <a:off x="685799" y="764373"/>
-            <a:ext cx="3977639" cy="1600200"/>
-          </a:xfrm>
+            <a:off x="133951" y="682167"/>
+            <a:ext cx="3761964" cy="3273061"/>
+          </a:xfrm>
+          <a:noFill/>
+          <a:ln w="19050">
+            <a:noFill/>
+            <a:prstDash val="dash"/>
+          </a:ln>
         </p:spPr>
         <p:txBody>
           <a:bodyPr vert="horz" lIns="91440" tIns="45720" rIns="91440" bIns="45720" rtlCol="0" anchor="b">
@@ -6605,101 +7424,199 @@
           </a:bodyPr>
           <a:lstStyle/>
           <a:p>
-            <a:pPr algn="l"/>
-            <a:r>
-              <a:rPr lang="en-US" sz="3200" kern="1200" cap="all" baseline="0">
-                <a:solidFill>
-                  <a:schemeClr val="tx1"/>
-                </a:solidFill>
-                <a:latin typeface="+mj-lt"/>
-                <a:ea typeface="+mj-ea"/>
-                <a:cs typeface="+mj-cs"/>
-              </a:rPr>
-              <a:t>klaszterelemzés</a:t>
-            </a:r>
-          </a:p>
-        </p:txBody>
-      </p:sp>
-      <p:sp>
-        <p:nvSpPr>
-          <p:cNvPr id="3" name="Tartalom helye 2">
+            <a:r>
+              <a:rPr lang="hu-HU" sz="4800" dirty="0"/>
+              <a:t>Környékek</a:t>
+            </a:r>
+            <a:endParaRPr lang="en-US" sz="4800" dirty="0"/>
+          </a:p>
+        </p:txBody>
+      </p:sp>
+      <p:pic>
+        <p:nvPicPr>
+          <p:cNvPr id="2050" name="Picture 2">
             <a:extLst>
               <a:ext uri="{FF2B5EF4-FFF2-40B4-BE49-F238E27FC236}">
-                <a16:creationId xmlns:a16="http://schemas.microsoft.com/office/drawing/2014/main" id="{91DFE2C9-9CDE-2C42-C73E-E52D06613A2B}"/>
-              </a:ext>
-            </a:extLst>
-          </p:cNvPr>
-          <p:cNvSpPr>
-            <a:spLocks noGrp="1"/>
-          </p:cNvSpPr>
-          <p:nvPr>
-            <p:ph sz="half" idx="1"/>
-          </p:nvPr>
-        </p:nvSpPr>
-        <p:spPr>
-          <a:xfrm>
-            <a:off x="685800" y="2364573"/>
-            <a:ext cx="3977639" cy="3854112"/>
-          </a:xfrm>
-        </p:spPr>
-        <p:txBody>
-          <a:bodyPr vert="horz" lIns="91440" tIns="45720" rIns="91440" bIns="45720" rtlCol="0">
-            <a:normAutofit/>
-          </a:bodyPr>
-          <a:lstStyle/>
-          <a:p>
-            <a:r>
-              <a:rPr lang="en-US" sz="1600"/>
-              <a:t>Célja: Csoportokra bontsuk az ingatlanokat hasonló jellemzők alapján</a:t>
-            </a:r>
-          </a:p>
-          <a:p>
-            <a:endParaRPr lang="en-US" sz="1600"/>
-          </a:p>
-          <a:p>
-            <a:r>
-              <a:rPr lang="en-US" sz="1600"/>
-              <a:t>Könnyebben lehet prediktív modelleket építeni az árakra a hasonló tulajdonságok miatt</a:t>
-            </a:r>
-          </a:p>
-        </p:txBody>
-      </p:sp>
-      <p:pic>
-        <p:nvPicPr>
-          <p:cNvPr id="5" name="Tartalom helye 4">
-            <a:extLst>
-              <a:ext uri="{FF2B5EF4-FFF2-40B4-BE49-F238E27FC236}">
-                <a16:creationId xmlns:a16="http://schemas.microsoft.com/office/drawing/2014/main" id="{905456D0-5912-A5EE-D60C-6DEB399BE2FC}"/>
+                <a16:creationId xmlns:a16="http://schemas.microsoft.com/office/drawing/2014/main" id="{58E37C63-07F1-AA17-3827-BD59AB51DF00}"/>
               </a:ext>
             </a:extLst>
           </p:cNvPr>
           <p:cNvPicPr>
-            <a:picLocks noGrp="1" noChangeAspect="1"/>
+            <a:picLocks noChangeAspect="1" noChangeArrowheads="1"/>
           </p:cNvPicPr>
-          <p:nvPr>
-            <p:ph sz="half" idx="2"/>
-          </p:nvPr>
+          <p:nvPr/>
         </p:nvPicPr>
         <p:blipFill>
-          <a:blip r:embed="rId2"/>
+          <a:blip r:embed="rId4">
+            <a:extLst>
+              <a:ext uri="{28A0092B-C50C-407E-A947-70E740481C1C}">
+                <a14:useLocalDpi xmlns:a14="http://schemas.microsoft.com/office/drawing/2010/main" val="0"/>
+              </a:ext>
+            </a:extLst>
+          </a:blip>
           <a:stretch>
             <a:fillRect/>
           </a:stretch>
         </p:blipFill>
-        <p:spPr>
-          <a:xfrm>
-            <a:off x="4972699" y="1146679"/>
-            <a:ext cx="6533501" cy="4671452"/>
+        <p:spPr bwMode="auto">
+          <a:xfrm>
+            <a:off x="4532611" y="682167"/>
+            <a:ext cx="7525438" cy="5380687"/>
           </a:xfrm>
           <a:prstGeom prst="rect">
             <a:avLst/>
           </a:prstGeom>
+          <a:noFill/>
+          <a:extLst>
+            <a:ext uri="{909E8E84-426E-40DD-AFC4-6F175D3DCCD1}">
+              <a14:hiddenFill xmlns:a14="http://schemas.microsoft.com/office/drawing/2010/main">
+                <a:solidFill>
+                  <a:srgbClr val="FFFFFF"/>
+                </a:solidFill>
+              </a14:hiddenFill>
+            </a:ext>
+          </a:extLst>
         </p:spPr>
       </p:pic>
     </p:spTree>
     <p:extLst>
       <p:ext uri="{BB962C8B-B14F-4D97-AF65-F5344CB8AC3E}">
-        <p14:creationId xmlns:p14="http://schemas.microsoft.com/office/powerpoint/2010/main" val="3472591066"/>
+        <p14:creationId xmlns:p14="http://schemas.microsoft.com/office/powerpoint/2010/main" val="2630369769"/>
+      </p:ext>
+    </p:extLst>
+  </p:cSld>
+  <p:clrMapOvr>
+    <a:masterClrMapping/>
+  </p:clrMapOvr>
+</p:sld>
+</file>
+
+<file path=ppt/slides/slide5.xml><?xml version="1.0" encoding="utf-8"?>
+<p:sld xmlns:a="http://schemas.openxmlformats.org/drawingml/2006/main" xmlns:r="http://schemas.openxmlformats.org/officeDocument/2006/relationships" xmlns:p="http://schemas.openxmlformats.org/presentationml/2006/main">
+  <p:cSld>
+    <p:spTree>
+      <p:nvGrpSpPr>
+        <p:cNvPr id="1" name=""/>
+        <p:cNvGrpSpPr/>
+        <p:nvPr/>
+      </p:nvGrpSpPr>
+      <p:grpSpPr>
+        <a:xfrm>
+          <a:off x="0" y="0"/>
+          <a:ext cx="0" cy="0"/>
+          <a:chOff x="0" y="0"/>
+          <a:chExt cx="0" cy="0"/>
+        </a:xfrm>
+      </p:grpSpPr>
+      <p:sp>
+        <p:nvSpPr>
+          <p:cNvPr id="2" name="Cím 1">
+            <a:extLst>
+              <a:ext uri="{FF2B5EF4-FFF2-40B4-BE49-F238E27FC236}">
+                <a16:creationId xmlns:a16="http://schemas.microsoft.com/office/drawing/2014/main" id="{D16ACBC7-1A3A-189E-B81D-AA83F56D7320}"/>
+              </a:ext>
+            </a:extLst>
+          </p:cNvPr>
+          <p:cNvSpPr>
+            <a:spLocks noGrp="1"/>
+          </p:cNvSpPr>
+          <p:nvPr>
+            <p:ph type="title"/>
+          </p:nvPr>
+        </p:nvSpPr>
+        <p:spPr>
+          <a:xfrm>
+            <a:off x="9291687" y="186347"/>
+            <a:ext cx="2572732" cy="3339278"/>
+          </a:xfrm>
+        </p:spPr>
+        <p:txBody>
+          <a:bodyPr/>
+          <a:lstStyle/>
+          <a:p>
+            <a:r>
+              <a:rPr lang="hu-HU" dirty="0"/>
+              <a:t>Havi eladások</a:t>
+            </a:r>
+          </a:p>
+        </p:txBody>
+      </p:sp>
+      <p:sp>
+        <p:nvSpPr>
+          <p:cNvPr id="7" name="Szöveg helye 6">
+            <a:extLst>
+              <a:ext uri="{FF2B5EF4-FFF2-40B4-BE49-F238E27FC236}">
+                <a16:creationId xmlns:a16="http://schemas.microsoft.com/office/drawing/2014/main" id="{6AEA8E03-2190-0693-2594-C9DB240AAEC9}"/>
+              </a:ext>
+            </a:extLst>
+          </p:cNvPr>
+          <p:cNvSpPr>
+            <a:spLocks noGrp="1"/>
+          </p:cNvSpPr>
+          <p:nvPr>
+            <p:ph type="body" sz="half" idx="2"/>
+          </p:nvPr>
+        </p:nvSpPr>
+        <p:spPr/>
+        <p:txBody>
+          <a:bodyPr/>
+          <a:lstStyle/>
+          <a:p>
+            <a:endParaRPr lang="hu-HU"/>
+          </a:p>
+        </p:txBody>
+      </p:sp>
+      <p:pic>
+        <p:nvPicPr>
+          <p:cNvPr id="3076" name="Picture 4">
+            <a:extLst>
+              <a:ext uri="{FF2B5EF4-FFF2-40B4-BE49-F238E27FC236}">
+                <a16:creationId xmlns:a16="http://schemas.microsoft.com/office/drawing/2014/main" id="{6EBAA73A-FD25-5AD2-6F52-C318C672C44A}"/>
+              </a:ext>
+            </a:extLst>
+          </p:cNvPr>
+          <p:cNvPicPr>
+            <a:picLocks noChangeAspect="1" noChangeArrowheads="1"/>
+          </p:cNvPicPr>
+          <p:nvPr/>
+        </p:nvPicPr>
+        <p:blipFill>
+          <a:blip r:embed="rId2">
+            <a:extLst>
+              <a:ext uri="{28A0092B-C50C-407E-A947-70E740481C1C}">
+                <a14:useLocalDpi xmlns:a14="http://schemas.microsoft.com/office/drawing/2010/main" val="0"/>
+              </a:ext>
+            </a:extLst>
+          </a:blip>
+          <a:srcRect/>
+          <a:stretch>
+            <a:fillRect/>
+          </a:stretch>
+        </p:blipFill>
+        <p:spPr bwMode="auto">
+          <a:xfrm>
+            <a:off x="153658" y="186347"/>
+            <a:ext cx="8753024" cy="6252160"/>
+          </a:xfrm>
+          <a:prstGeom prst="rect">
+            <a:avLst/>
+          </a:prstGeom>
+          <a:noFill/>
+          <a:extLst>
+            <a:ext uri="{909E8E84-426E-40DD-AFC4-6F175D3DCCD1}">
+              <a14:hiddenFill xmlns:a14="http://schemas.microsoft.com/office/drawing/2010/main">
+                <a:solidFill>
+                  <a:srgbClr val="FFFFFF"/>
+                </a:solidFill>
+              </a14:hiddenFill>
+            </a:ext>
+          </a:extLst>
+        </p:spPr>
+      </p:pic>
+    </p:spTree>
+    <p:extLst>
+      <p:ext uri="{BB962C8B-B14F-4D97-AF65-F5344CB8AC3E}">
+        <p14:creationId xmlns:p14="http://schemas.microsoft.com/office/powerpoint/2010/main" val="1664048786"/>
       </p:ext>
     </p:extLst>
   </p:cSld>
@@ -6739,6 +7656,163 @@
           <p:cNvPr id="2" name="Cím 1">
             <a:extLst>
               <a:ext uri="{FF2B5EF4-FFF2-40B4-BE49-F238E27FC236}">
+                <a16:creationId xmlns:a16="http://schemas.microsoft.com/office/drawing/2014/main" id="{8F4BBE37-7ED7-B16C-D1AB-18D7F3E6C5A4}"/>
+              </a:ext>
+            </a:extLst>
+          </p:cNvPr>
+          <p:cNvSpPr>
+            <a:spLocks noGrp="1"/>
+          </p:cNvSpPr>
+          <p:nvPr>
+            <p:ph type="title"/>
+          </p:nvPr>
+        </p:nvSpPr>
+        <p:spPr>
+          <a:xfrm>
+            <a:off x="685799" y="764373"/>
+            <a:ext cx="3977639" cy="1600200"/>
+          </a:xfrm>
+        </p:spPr>
+        <p:txBody>
+          <a:bodyPr vert="horz" lIns="91440" tIns="45720" rIns="91440" bIns="45720" rtlCol="0" anchor="b">
+            <a:normAutofit/>
+          </a:bodyPr>
+          <a:lstStyle/>
+          <a:p>
+            <a:pPr algn="l"/>
+            <a:r>
+              <a:rPr lang="en-US" sz="3200" kern="1200" cap="all" baseline="0">
+                <a:solidFill>
+                  <a:schemeClr val="tx1"/>
+                </a:solidFill>
+                <a:latin typeface="+mj-lt"/>
+                <a:ea typeface="+mj-ea"/>
+                <a:cs typeface="+mj-cs"/>
+              </a:rPr>
+              <a:t>klaszterelemzés</a:t>
+            </a:r>
+          </a:p>
+        </p:txBody>
+      </p:sp>
+      <p:sp>
+        <p:nvSpPr>
+          <p:cNvPr id="3" name="Tartalom helye 2">
+            <a:extLst>
+              <a:ext uri="{FF2B5EF4-FFF2-40B4-BE49-F238E27FC236}">
+                <a16:creationId xmlns:a16="http://schemas.microsoft.com/office/drawing/2014/main" id="{91DFE2C9-9CDE-2C42-C73E-E52D06613A2B}"/>
+              </a:ext>
+            </a:extLst>
+          </p:cNvPr>
+          <p:cNvSpPr>
+            <a:spLocks noGrp="1"/>
+          </p:cNvSpPr>
+          <p:nvPr>
+            <p:ph sz="half" idx="1"/>
+          </p:nvPr>
+        </p:nvSpPr>
+        <p:spPr>
+          <a:xfrm>
+            <a:off x="685800" y="2364573"/>
+            <a:ext cx="3977639" cy="3854112"/>
+          </a:xfrm>
+        </p:spPr>
+        <p:txBody>
+          <a:bodyPr vert="horz" lIns="91440" tIns="45720" rIns="91440" bIns="45720" rtlCol="0">
+            <a:normAutofit/>
+          </a:bodyPr>
+          <a:lstStyle/>
+          <a:p>
+            <a:r>
+              <a:rPr lang="en-US" sz="1600"/>
+              <a:t>Célja: Csoportokra bontsuk az ingatlanokat hasonló jellemzők alapján</a:t>
+            </a:r>
+          </a:p>
+          <a:p>
+            <a:endParaRPr lang="en-US" sz="1600"/>
+          </a:p>
+          <a:p>
+            <a:r>
+              <a:rPr lang="en-US" sz="1600"/>
+              <a:t>Könnyebben lehet prediktív modelleket építeni az árakra a hasonló tulajdonságok miatt</a:t>
+            </a:r>
+          </a:p>
+        </p:txBody>
+      </p:sp>
+      <p:pic>
+        <p:nvPicPr>
+          <p:cNvPr id="5" name="Tartalom helye 4">
+            <a:extLst>
+              <a:ext uri="{FF2B5EF4-FFF2-40B4-BE49-F238E27FC236}">
+                <a16:creationId xmlns:a16="http://schemas.microsoft.com/office/drawing/2014/main" id="{905456D0-5912-A5EE-D60C-6DEB399BE2FC}"/>
+              </a:ext>
+            </a:extLst>
+          </p:cNvPr>
+          <p:cNvPicPr>
+            <a:picLocks noGrp="1" noChangeAspect="1"/>
+          </p:cNvPicPr>
+          <p:nvPr>
+            <p:ph sz="half" idx="2"/>
+          </p:nvPr>
+        </p:nvPicPr>
+        <p:blipFill>
+          <a:blip r:embed="rId2"/>
+          <a:stretch>
+            <a:fillRect/>
+          </a:stretch>
+        </p:blipFill>
+        <p:spPr>
+          <a:xfrm>
+            <a:off x="4972699" y="1146679"/>
+            <a:ext cx="6533501" cy="4671452"/>
+          </a:xfrm>
+          <a:prstGeom prst="rect">
+            <a:avLst/>
+          </a:prstGeom>
+        </p:spPr>
+      </p:pic>
+    </p:spTree>
+    <p:extLst>
+      <p:ext uri="{BB962C8B-B14F-4D97-AF65-F5344CB8AC3E}">
+        <p14:creationId xmlns:p14="http://schemas.microsoft.com/office/powerpoint/2010/main" val="3472591066"/>
+      </p:ext>
+    </p:extLst>
+  </p:cSld>
+  <p:clrMapOvr>
+    <a:masterClrMapping/>
+  </p:clrMapOvr>
+</p:sld>
+</file>
+
+<file path=ppt/slides/slide7.xml><?xml version="1.0" encoding="utf-8"?>
+<p:sld xmlns:a="http://schemas.openxmlformats.org/drawingml/2006/main" xmlns:r="http://schemas.openxmlformats.org/officeDocument/2006/relationships" xmlns:p="http://schemas.openxmlformats.org/presentationml/2006/main">
+  <p:cSld>
+    <p:bg>
+      <p:bgPr>
+        <a:solidFill>
+          <a:schemeClr val="bg1"/>
+        </a:solidFill>
+        <a:effectLst/>
+      </p:bgPr>
+    </p:bg>
+    <p:spTree>
+      <p:nvGrpSpPr>
+        <p:cNvPr id="1" name=""/>
+        <p:cNvGrpSpPr/>
+        <p:nvPr/>
+      </p:nvGrpSpPr>
+      <p:grpSpPr>
+        <a:xfrm>
+          <a:off x="0" y="0"/>
+          <a:ext cx="0" cy="0"/>
+          <a:chOff x="0" y="0"/>
+          <a:chExt cx="0" cy="0"/>
+        </a:xfrm>
+      </p:grpSpPr>
+      <p:sp>
+        <p:nvSpPr>
+          <p:cNvPr id="2" name="Cím 1">
+            <a:extLst>
+              <a:ext uri="{FF2B5EF4-FFF2-40B4-BE49-F238E27FC236}">
                 <a16:creationId xmlns:a16="http://schemas.microsoft.com/office/drawing/2014/main" id="{22611650-2ACF-CD6C-D77B-76C8AE8B89D8}"/>
               </a:ext>
             </a:extLst>
@@ -6873,7 +7947,7 @@
 </p:sld>
 </file>
 
-<file path=ppt/slides/slide7.xml><?xml version="1.0" encoding="utf-8"?>
+<file path=ppt/slides/slide8.xml><?xml version="1.0" encoding="utf-8"?>
 <p:sld xmlns:a="http://schemas.openxmlformats.org/drawingml/2006/main" xmlns:r="http://schemas.openxmlformats.org/officeDocument/2006/relationships" xmlns:p="http://schemas.openxmlformats.org/presentationml/2006/main">
   <p:cSld>
     <p:spTree>
@@ -7043,7 +8117,7 @@
 </p:sld>
 </file>
 
-<file path=ppt/slides/slide8.xml><?xml version="1.0" encoding="utf-8"?>
+<file path=ppt/slides/slide9.xml><?xml version="1.0" encoding="utf-8"?>
 <p:sld xmlns:a="http://schemas.openxmlformats.org/drawingml/2006/main" xmlns:r="http://schemas.openxmlformats.org/officeDocument/2006/relationships" xmlns:p="http://schemas.openxmlformats.org/presentationml/2006/main">
   <p:cSld>
     <p:bg>
@@ -8087,114 +9161,6 @@
 </p:sld>
 </file>
 
-<file path=ppt/slides/slide9.xml><?xml version="1.0" encoding="utf-8"?>
-<p:sld xmlns:a="http://schemas.openxmlformats.org/drawingml/2006/main" xmlns:r="http://schemas.openxmlformats.org/officeDocument/2006/relationships" xmlns:p="http://schemas.openxmlformats.org/presentationml/2006/main">
-  <p:cSld>
-    <p:spTree>
-      <p:nvGrpSpPr>
-        <p:cNvPr id="1" name=""/>
-        <p:cNvGrpSpPr/>
-        <p:nvPr/>
-      </p:nvGrpSpPr>
-      <p:grpSpPr>
-        <a:xfrm>
-          <a:off x="0" y="0"/>
-          <a:ext cx="0" cy="0"/>
-          <a:chOff x="0" y="0"/>
-          <a:chExt cx="0" cy="0"/>
-        </a:xfrm>
-      </p:grpSpPr>
-      <p:sp>
-        <p:nvSpPr>
-          <p:cNvPr id="2" name="Cím 1">
-            <a:extLst>
-              <a:ext uri="{FF2B5EF4-FFF2-40B4-BE49-F238E27FC236}">
-                <a16:creationId xmlns:a16="http://schemas.microsoft.com/office/drawing/2014/main" id="{FDD711B0-D228-0D25-CC4A-B471C591D86B}"/>
-              </a:ext>
-            </a:extLst>
-          </p:cNvPr>
-          <p:cNvSpPr>
-            <a:spLocks noGrp="1"/>
-          </p:cNvSpPr>
-          <p:nvPr>
-            <p:ph type="title"/>
-          </p:nvPr>
-        </p:nvSpPr>
-        <p:spPr/>
-        <p:txBody>
-          <a:bodyPr/>
-          <a:lstStyle/>
-          <a:p>
-            <a:r>
-              <a:rPr lang="hu-HU" dirty="0"/>
-              <a:t>LASSO modell</a:t>
-            </a:r>
-          </a:p>
-        </p:txBody>
-      </p:sp>
-      <p:sp>
-        <p:nvSpPr>
-          <p:cNvPr id="3" name="Tartalom helye 2">
-            <a:extLst>
-              <a:ext uri="{FF2B5EF4-FFF2-40B4-BE49-F238E27FC236}">
-                <a16:creationId xmlns:a16="http://schemas.microsoft.com/office/drawing/2014/main" id="{E3955011-0AFE-C596-A7CD-7C76A95E5DDA}"/>
-              </a:ext>
-            </a:extLst>
-          </p:cNvPr>
-          <p:cNvSpPr>
-            <a:spLocks noGrp="1"/>
-          </p:cNvSpPr>
-          <p:nvPr>
-            <p:ph sz="half" idx="1"/>
-          </p:nvPr>
-        </p:nvSpPr>
-        <p:spPr/>
-        <p:txBody>
-          <a:bodyPr/>
-          <a:lstStyle/>
-          <a:p>
-            <a:endParaRPr lang="hu-HU" dirty="0"/>
-          </a:p>
-        </p:txBody>
-      </p:sp>
-      <p:sp>
-        <p:nvSpPr>
-          <p:cNvPr id="4" name="Tartalom helye 3">
-            <a:extLst>
-              <a:ext uri="{FF2B5EF4-FFF2-40B4-BE49-F238E27FC236}">
-                <a16:creationId xmlns:a16="http://schemas.microsoft.com/office/drawing/2014/main" id="{CC315663-F6B8-2592-9E14-27D720200D91}"/>
-              </a:ext>
-            </a:extLst>
-          </p:cNvPr>
-          <p:cNvSpPr>
-            <a:spLocks noGrp="1"/>
-          </p:cNvSpPr>
-          <p:nvPr>
-            <p:ph sz="half" idx="2"/>
-          </p:nvPr>
-        </p:nvSpPr>
-        <p:spPr/>
-        <p:txBody>
-          <a:bodyPr/>
-          <a:lstStyle/>
-          <a:p>
-            <a:endParaRPr lang="hu-HU"/>
-          </a:p>
-        </p:txBody>
-      </p:sp>
-    </p:spTree>
-    <p:extLst>
-      <p:ext uri="{BB962C8B-B14F-4D97-AF65-F5344CB8AC3E}">
-        <p14:creationId xmlns:p14="http://schemas.microsoft.com/office/powerpoint/2010/main" val="1610151343"/>
-      </p:ext>
-    </p:extLst>
-  </p:cSld>
-  <p:clrMapOvr>
-    <a:masterClrMapping/>
-  </p:clrMapOvr>
-</p:sld>
-</file>
-
 <file path=ppt/theme/theme1.xml><?xml version="1.0" encoding="utf-8"?>
 <a:theme xmlns:a="http://schemas.openxmlformats.org/drawingml/2006/main" name="Kondenzcsík">
   <a:themeElements>

--- a/Prezi.pptx
+++ b/Prezi.pptx
@@ -6158,6 +6158,10 @@
               <a:rPr lang="hu-HU" dirty="0"/>
               <a:t> λ:</a:t>
             </a:r>
+            <a:r>
+              <a:rPr lang="en-US" dirty="0"/>
+              <a:t> </a:t>
+            </a:r>
           </a:p>
           <a:p>
             <a:pPr lvl="1"/>
@@ -6165,7 +6169,10 @@
               <a:rPr lang="hu-HU" dirty="0"/>
               <a:t>Értéke: </a:t>
             </a:r>
-            <a:endParaRPr lang="en-US" dirty="0"/>
+            <a:r>
+              <a:rPr lang="en-US" dirty="0"/>
+              <a:t>-2,82</a:t>
+            </a:r>
           </a:p>
           <a:p>
             <a:pPr lvl="1"/>
@@ -6173,6 +6180,15 @@
               <a:rPr lang="hu-HU" dirty="0"/>
               <a:t>Az így kapott változók száma: </a:t>
             </a:r>
+            <a:r>
+              <a:rPr lang="en-US" dirty="0"/>
+              <a:t>13 </a:t>
+            </a:r>
+            <a:r>
+              <a:rPr lang="en-US" dirty="0" err="1"/>
+              <a:t>db</a:t>
+            </a:r>
+            <a:endParaRPr lang="hu-HU" dirty="0"/>
           </a:p>
         </p:txBody>
       </p:sp>
@@ -6966,7 +6982,19 @@
           <a:p>
             <a:r>
               <a:rPr lang="hu-HU" dirty="0"/>
-              <a:t>Fontosabb változók:</a:t>
+              <a:t>Fontosabb</a:t>
+            </a:r>
+            <a:r>
+              <a:rPr lang="en-US" dirty="0"/>
+              <a:t>nak </a:t>
+            </a:r>
+            <a:r>
+              <a:rPr lang="en-US" dirty="0" err="1"/>
+              <a:t>tartott</a:t>
+            </a:r>
+            <a:r>
+              <a:rPr lang="hu-HU" dirty="0"/>
+              <a:t> változók:</a:t>
             </a:r>
           </a:p>
           <a:p>
@@ -6987,13 +7015,6 @@
             <a:pPr lvl="1"/>
             <a:r>
               <a:rPr lang="hu-HU" dirty="0"/>
-              <a:t>Szobák száma</a:t>
-            </a:r>
-          </a:p>
-          <a:p>
-            <a:pPr lvl="1"/>
-            <a:r>
-              <a:rPr lang="hu-HU" dirty="0"/>
               <a:t>Építés éve</a:t>
             </a:r>
           </a:p>
@@ -7002,6 +7023,18 @@
             <a:r>
               <a:rPr lang="hu-HU" dirty="0"/>
               <a:t>Garázsba beférő autók száma</a:t>
+            </a:r>
+            <a:endParaRPr lang="en-US" dirty="0"/>
+          </a:p>
+          <a:p>
+            <a:pPr lvl="1"/>
+            <a:r>
+              <a:rPr lang="hu-HU"/>
+              <a:t>Legutóbbi </a:t>
+            </a:r>
+            <a:r>
+              <a:rPr lang="hu-HU" dirty="0"/>
+              <a:t>felújítás éve</a:t>
             </a:r>
           </a:p>
         </p:txBody>

--- a/Prezi.pptx
+++ b/Prezi.pptx
@@ -17,6 +17,7 @@
     <p:sldId id="263" r:id="rId11"/>
     <p:sldId id="265" r:id="rId12"/>
     <p:sldId id="266" r:id="rId13"/>
+    <p:sldId id="268" r:id="rId14"/>
   </p:sldIdLst>
   <p:sldSz cx="12192000" cy="6858000"/>
   <p:notesSz cx="6858000" cy="9144000"/>
@@ -293,7 +294,7 @@
           <a:p>
             <a:fld id="{DDC88B96-5AA7-4CB3-87A1-08842D85DC16}" type="datetimeFigureOut">
               <a:rPr lang="hu-HU" smtClean="0"/>
-              <a:t>2023. 12. 01.</a:t>
+              <a:t>2023. 12. 03.</a:t>
             </a:fld>
             <a:endParaRPr lang="hu-HU"/>
           </a:p>
@@ -560,7 +561,7 @@
           <a:p>
             <a:fld id="{DDC88B96-5AA7-4CB3-87A1-08842D85DC16}" type="datetimeFigureOut">
               <a:rPr lang="hu-HU" smtClean="0"/>
-              <a:t>2023. 12. 01.</a:t>
+              <a:t>2023. 12. 03.</a:t>
             </a:fld>
             <a:endParaRPr lang="hu-HU"/>
           </a:p>
@@ -791,7 +792,7 @@
           <a:p>
             <a:fld id="{DDC88B96-5AA7-4CB3-87A1-08842D85DC16}" type="datetimeFigureOut">
               <a:rPr lang="hu-HU" smtClean="0"/>
-              <a:t>2023. 12. 01.</a:t>
+              <a:t>2023. 12. 03.</a:t>
             </a:fld>
             <a:endParaRPr lang="hu-HU"/>
           </a:p>
@@ -1101,7 +1102,7 @@
           <a:p>
             <a:fld id="{DDC88B96-5AA7-4CB3-87A1-08842D85DC16}" type="datetimeFigureOut">
               <a:rPr lang="hu-HU" smtClean="0"/>
-              <a:t>2023. 12. 01.</a:t>
+              <a:t>2023. 12. 03.</a:t>
             </a:fld>
             <a:endParaRPr lang="hu-HU"/>
           </a:p>
@@ -1574,7 +1575,7 @@
           <a:p>
             <a:fld id="{DDC88B96-5AA7-4CB3-87A1-08842D85DC16}" type="datetimeFigureOut">
               <a:rPr lang="hu-HU" smtClean="0"/>
-              <a:t>2023. 12. 01.</a:t>
+              <a:t>2023. 12. 03.</a:t>
             </a:fld>
             <a:endParaRPr lang="hu-HU"/>
           </a:p>
@@ -2121,7 +2122,7 @@
           <a:p>
             <a:fld id="{DDC88B96-5AA7-4CB3-87A1-08842D85DC16}" type="datetimeFigureOut">
               <a:rPr lang="hu-HU" smtClean="0"/>
-              <a:t>2023. 12. 01.</a:t>
+              <a:t>2023. 12. 03.</a:t>
             </a:fld>
             <a:endParaRPr lang="hu-HU"/>
           </a:p>
@@ -2895,7 +2896,7 @@
           <a:p>
             <a:fld id="{DDC88B96-5AA7-4CB3-87A1-08842D85DC16}" type="datetimeFigureOut">
               <a:rPr lang="hu-HU" smtClean="0"/>
-              <a:t>2023. 12. 01.</a:t>
+              <a:t>2023. 12. 03.</a:t>
             </a:fld>
             <a:endParaRPr lang="hu-HU"/>
           </a:p>
@@ -3070,7 +3071,7 @@
           <a:p>
             <a:fld id="{DDC88B96-5AA7-4CB3-87A1-08842D85DC16}" type="datetimeFigureOut">
               <a:rPr lang="hu-HU" smtClean="0"/>
-              <a:t>2023. 12. 01.</a:t>
+              <a:t>2023. 12. 03.</a:t>
             </a:fld>
             <a:endParaRPr lang="hu-HU"/>
           </a:p>
@@ -3293,7 +3294,7 @@
           <a:p>
             <a:fld id="{DDC88B96-5AA7-4CB3-87A1-08842D85DC16}" type="datetimeFigureOut">
               <a:rPr lang="hu-HU" smtClean="0"/>
-              <a:t>2023. 12. 01.</a:t>
+              <a:t>2023. 12. 03.</a:t>
             </a:fld>
             <a:endParaRPr lang="hu-HU"/>
           </a:p>
@@ -3473,7 +3474,7 @@
           <a:p>
             <a:fld id="{DDC88B96-5AA7-4CB3-87A1-08842D85DC16}" type="datetimeFigureOut">
               <a:rPr lang="hu-HU" smtClean="0"/>
-              <a:t>2023. 12. 01.</a:t>
+              <a:t>2023. 12. 03.</a:t>
             </a:fld>
             <a:endParaRPr lang="hu-HU"/>
           </a:p>
@@ -3762,7 +3763,7 @@
           <a:p>
             <a:fld id="{DDC88B96-5AA7-4CB3-87A1-08842D85DC16}" type="datetimeFigureOut">
               <a:rPr lang="hu-HU" smtClean="0"/>
-              <a:t>2023. 12. 01.</a:t>
+              <a:t>2023. 12. 03.</a:t>
             </a:fld>
             <a:endParaRPr lang="hu-HU"/>
           </a:p>
@@ -4004,7 +4005,7 @@
           <a:p>
             <a:fld id="{DDC88B96-5AA7-4CB3-87A1-08842D85DC16}" type="datetimeFigureOut">
               <a:rPr lang="hu-HU" smtClean="0"/>
-              <a:t>2023. 12. 01.</a:t>
+              <a:t>2023. 12. 03.</a:t>
             </a:fld>
             <a:endParaRPr lang="hu-HU"/>
           </a:p>
@@ -4383,7 +4384,7 @@
           <a:p>
             <a:fld id="{DDC88B96-5AA7-4CB3-87A1-08842D85DC16}" type="datetimeFigureOut">
               <a:rPr lang="hu-HU" smtClean="0"/>
-              <a:t>2023. 12. 01.</a:t>
+              <a:t>2023. 12. 03.</a:t>
             </a:fld>
             <a:endParaRPr lang="hu-HU"/>
           </a:p>
@@ -4501,7 +4502,7 @@
           <a:p>
             <a:fld id="{DDC88B96-5AA7-4CB3-87A1-08842D85DC16}" type="datetimeFigureOut">
               <a:rPr lang="hu-HU" smtClean="0"/>
-              <a:t>2023. 12. 01.</a:t>
+              <a:t>2023. 12. 03.</a:t>
             </a:fld>
             <a:endParaRPr lang="hu-HU"/>
           </a:p>
@@ -4596,7 +4597,7 @@
           <a:p>
             <a:fld id="{DDC88B96-5AA7-4CB3-87A1-08842D85DC16}" type="datetimeFigureOut">
               <a:rPr lang="hu-HU" smtClean="0"/>
-              <a:t>2023. 12. 01.</a:t>
+              <a:t>2023. 12. 03.</a:t>
             </a:fld>
             <a:endParaRPr lang="hu-HU"/>
           </a:p>
@@ -4845,7 +4846,7 @@
           <a:p>
             <a:fld id="{DDC88B96-5AA7-4CB3-87A1-08842D85DC16}" type="datetimeFigureOut">
               <a:rPr lang="hu-HU" smtClean="0"/>
-              <a:t>2023. 12. 01.</a:t>
+              <a:t>2023. 12. 03.</a:t>
             </a:fld>
             <a:endParaRPr lang="hu-HU"/>
           </a:p>
@@ -5102,7 +5103,7 @@
           <a:p>
             <a:fld id="{DDC88B96-5AA7-4CB3-87A1-08842D85DC16}" type="datetimeFigureOut">
               <a:rPr lang="hu-HU" smtClean="0"/>
-              <a:t>2023. 12. 01.</a:t>
+              <a:t>2023. 12. 03.</a:t>
             </a:fld>
             <a:endParaRPr lang="hu-HU"/>
           </a:p>
@@ -5345,7 +5346,7 @@
           <a:p>
             <a:fld id="{DDC88B96-5AA7-4CB3-87A1-08842D85DC16}" type="datetimeFigureOut">
               <a:rPr lang="hu-HU" smtClean="0"/>
-              <a:t>2023. 12. 01.</a:t>
+              <a:t>2023. 12. 03.</a:t>
             </a:fld>
             <a:endParaRPr lang="hu-HU"/>
           </a:p>
@@ -6725,6 +6726,70 @@
 </p:sld>
 </file>
 
+<file path=ppt/slides/slide13.xml><?xml version="1.0" encoding="utf-8"?>
+<p:sld xmlns:a="http://schemas.openxmlformats.org/drawingml/2006/main" xmlns:r="http://schemas.openxmlformats.org/officeDocument/2006/relationships" xmlns:p="http://schemas.openxmlformats.org/presentationml/2006/main">
+  <p:cSld>
+    <p:spTree>
+      <p:nvGrpSpPr>
+        <p:cNvPr id="1" name=""/>
+        <p:cNvGrpSpPr/>
+        <p:nvPr/>
+      </p:nvGrpSpPr>
+      <p:grpSpPr>
+        <a:xfrm>
+          <a:off x="0" y="0"/>
+          <a:ext cx="0" cy="0"/>
+          <a:chOff x="0" y="0"/>
+          <a:chExt cx="0" cy="0"/>
+        </a:xfrm>
+      </p:grpSpPr>
+      <p:sp>
+        <p:nvSpPr>
+          <p:cNvPr id="2" name="Cím 1">
+            <a:extLst>
+              <a:ext uri="{FF2B5EF4-FFF2-40B4-BE49-F238E27FC236}">
+                <a16:creationId xmlns:a16="http://schemas.microsoft.com/office/drawing/2014/main" id="{BA1268D0-64F2-8913-D0DE-1F1812331BB5}"/>
+              </a:ext>
+            </a:extLst>
+          </p:cNvPr>
+          <p:cNvSpPr>
+            <a:spLocks noGrp="1"/>
+          </p:cNvSpPr>
+          <p:nvPr>
+            <p:ph type="title"/>
+          </p:nvPr>
+        </p:nvSpPr>
+        <p:spPr>
+          <a:xfrm>
+            <a:off x="1790700" y="2781300"/>
+            <a:ext cx="8610600" cy="1295400"/>
+          </a:xfrm>
+        </p:spPr>
+        <p:txBody>
+          <a:bodyPr/>
+          <a:lstStyle/>
+          <a:p>
+            <a:pPr algn="ctr"/>
+            <a:r>
+              <a:rPr lang="hu-HU" dirty="0"/>
+              <a:t>Köszönjük a figyelmet!</a:t>
+            </a:r>
+          </a:p>
+        </p:txBody>
+      </p:sp>
+    </p:spTree>
+    <p:extLst>
+      <p:ext uri="{BB962C8B-B14F-4D97-AF65-F5344CB8AC3E}">
+        <p14:creationId xmlns:p14="http://schemas.microsoft.com/office/powerpoint/2010/main" val="3573617845"/>
+      </p:ext>
+    </p:extLst>
+  </p:cSld>
+  <p:clrMapOvr>
+    <a:masterClrMapping/>
+  </p:clrMapOvr>
+</p:sld>
+</file>
+
 <file path=ppt/slides/slide2.xml><?xml version="1.0" encoding="utf-8"?>
 <p:sld xmlns:a="http://schemas.openxmlformats.org/drawingml/2006/main" xmlns:r="http://schemas.openxmlformats.org/officeDocument/2006/relationships" xmlns:p="http://schemas.openxmlformats.org/presentationml/2006/main">
   <p:cSld>
@@ -7714,7 +7779,7 @@
           <a:p>
             <a:pPr algn="l"/>
             <a:r>
-              <a:rPr lang="en-US" sz="3200" kern="1200" cap="all" baseline="0">
+              <a:rPr lang="en-US" sz="3200" kern="1200" cap="all" baseline="0" dirty="0" err="1">
                 <a:solidFill>
                   <a:schemeClr val="tx1"/>
                 </a:solidFill>
@@ -7722,8 +7787,16 @@
                 <a:ea typeface="+mj-ea"/>
                 <a:cs typeface="+mj-cs"/>
               </a:rPr>
-              <a:t>klaszterelemzés</a:t>
-            </a:r>
+              <a:t>Klaszterelemzés</a:t>
+            </a:r>
+            <a:endParaRPr lang="en-US" sz="3200" kern="1200" cap="all" baseline="0" dirty="0">
+              <a:solidFill>
+                <a:schemeClr val="tx1"/>
+              </a:solidFill>
+              <a:latin typeface="+mj-lt"/>
+              <a:ea typeface="+mj-ea"/>
+              <a:cs typeface="+mj-cs"/>
+            </a:endParaRPr>
           </a:p>
         </p:txBody>
       </p:sp>
@@ -7745,7 +7818,7 @@
         </p:nvSpPr>
         <p:spPr>
           <a:xfrm>
-            <a:off x="685800" y="2364573"/>
+            <a:off x="685799" y="2666973"/>
             <a:ext cx="3977639" cy="3854112"/>
           </a:xfrm>
         </p:spPr>
@@ -7756,36 +7829,178 @@
           <a:lstStyle/>
           <a:p>
             <a:r>
-              <a:rPr lang="en-US" sz="1600"/>
-              <a:t>Célja: Csoportokra bontsuk az ingatlanokat hasonló jellemzők alapján</a:t>
-            </a:r>
-          </a:p>
-          <a:p>
-            <a:endParaRPr lang="en-US" sz="1600"/>
-          </a:p>
-          <a:p>
-            <a:r>
-              <a:rPr lang="en-US" sz="1600"/>
-              <a:t>Könnyebben lehet prediktív modelleket építeni az árakra a hasonló tulajdonságok miatt</a:t>
-            </a:r>
+              <a:rPr lang="en-US" sz="1600" dirty="0" err="1"/>
+              <a:t>Célja</a:t>
+            </a:r>
+            <a:r>
+              <a:rPr lang="en-US" sz="1600" dirty="0"/>
+              <a:t>: </a:t>
+            </a:r>
+            <a:r>
+              <a:rPr lang="en-US" sz="1600" dirty="0" err="1"/>
+              <a:t>Csoportokra</a:t>
+            </a:r>
+            <a:r>
+              <a:rPr lang="en-US" sz="1600" dirty="0"/>
+              <a:t> </a:t>
+            </a:r>
+            <a:r>
+              <a:rPr lang="en-US" sz="1600" dirty="0" err="1"/>
+              <a:t>bontsuk</a:t>
+            </a:r>
+            <a:r>
+              <a:rPr lang="en-US" sz="1600" dirty="0"/>
+              <a:t> </a:t>
+            </a:r>
+            <a:r>
+              <a:rPr lang="en-US" sz="1600" dirty="0" err="1"/>
+              <a:t>az</a:t>
+            </a:r>
+            <a:r>
+              <a:rPr lang="en-US" sz="1600" dirty="0"/>
+              <a:t> </a:t>
+            </a:r>
+            <a:r>
+              <a:rPr lang="en-US" sz="1600" dirty="0" err="1"/>
+              <a:t>ingatlanokat</a:t>
+            </a:r>
+            <a:r>
+              <a:rPr lang="en-US" sz="1600" dirty="0"/>
+              <a:t> </a:t>
+            </a:r>
+            <a:r>
+              <a:rPr lang="en-US" sz="1600" dirty="0" err="1"/>
+              <a:t>hasonló</a:t>
+            </a:r>
+            <a:r>
+              <a:rPr lang="en-US" sz="1600" dirty="0"/>
+              <a:t> </a:t>
+            </a:r>
+            <a:r>
+              <a:rPr lang="en-US" sz="1600" dirty="0" err="1"/>
+              <a:t>jellemzők</a:t>
+            </a:r>
+            <a:r>
+              <a:rPr lang="en-US" sz="1600" dirty="0"/>
+              <a:t> </a:t>
+            </a:r>
+            <a:r>
+              <a:rPr lang="en-US" sz="1600" dirty="0" err="1"/>
+              <a:t>alapján</a:t>
+            </a:r>
+            <a:endParaRPr lang="en-US" sz="1600" dirty="0"/>
+          </a:p>
+          <a:p>
+            <a:endParaRPr lang="en-US" sz="1600" dirty="0"/>
+          </a:p>
+          <a:p>
+            <a:r>
+              <a:rPr lang="en-US" sz="1600" dirty="0" err="1"/>
+              <a:t>Könnyebben</a:t>
+            </a:r>
+            <a:r>
+              <a:rPr lang="en-US" sz="1600" dirty="0"/>
+              <a:t> </a:t>
+            </a:r>
+            <a:r>
+              <a:rPr lang="en-US" sz="1600" dirty="0" err="1"/>
+              <a:t>lehet</a:t>
+            </a:r>
+            <a:r>
+              <a:rPr lang="en-US" sz="1600" dirty="0"/>
+              <a:t> </a:t>
+            </a:r>
+            <a:r>
+              <a:rPr lang="en-US" sz="1600" dirty="0" err="1"/>
+              <a:t>prediktív</a:t>
+            </a:r>
+            <a:r>
+              <a:rPr lang="en-US" sz="1600" dirty="0"/>
+              <a:t> </a:t>
+            </a:r>
+            <a:r>
+              <a:rPr lang="en-US" sz="1600" dirty="0" err="1"/>
+              <a:t>modelleket</a:t>
+            </a:r>
+            <a:r>
+              <a:rPr lang="en-US" sz="1600" dirty="0"/>
+              <a:t> </a:t>
+            </a:r>
+            <a:r>
+              <a:rPr lang="en-US" sz="1600" dirty="0" err="1"/>
+              <a:t>építeni</a:t>
+            </a:r>
+            <a:r>
+              <a:rPr lang="en-US" sz="1600" dirty="0"/>
+              <a:t> </a:t>
+            </a:r>
+            <a:r>
+              <a:rPr lang="en-US" sz="1600" dirty="0" err="1"/>
+              <a:t>az</a:t>
+            </a:r>
+            <a:r>
+              <a:rPr lang="en-US" sz="1600" dirty="0"/>
+              <a:t> </a:t>
+            </a:r>
+            <a:r>
+              <a:rPr lang="en-US" sz="1600" dirty="0" err="1"/>
+              <a:t>árakra</a:t>
+            </a:r>
+            <a:r>
+              <a:rPr lang="en-US" sz="1600" dirty="0"/>
+              <a:t> a </a:t>
+            </a:r>
+            <a:r>
+              <a:rPr lang="en-US" sz="1600" dirty="0" err="1"/>
+              <a:t>hasonló</a:t>
+            </a:r>
+            <a:r>
+              <a:rPr lang="en-US" sz="1600" dirty="0"/>
+              <a:t> </a:t>
+            </a:r>
+            <a:r>
+              <a:rPr lang="en-US" sz="1600" dirty="0" err="1"/>
+              <a:t>tulajdonságok</a:t>
+            </a:r>
+            <a:r>
+              <a:rPr lang="en-US" sz="1600" dirty="0"/>
+              <a:t> </a:t>
+            </a:r>
+            <a:r>
+              <a:rPr lang="en-US" sz="1600" dirty="0" err="1"/>
+              <a:t>miatt</a:t>
+            </a:r>
+            <a:endParaRPr lang="hu-HU" sz="1600" dirty="0"/>
+          </a:p>
+          <a:p>
+            <a:endParaRPr lang="hu-HU" sz="1600" dirty="0"/>
+          </a:p>
+          <a:p>
+            <a:r>
+              <a:rPr lang="hu-HU" sz="1600" dirty="0" err="1"/>
+              <a:t>Gap</a:t>
+            </a:r>
+            <a:r>
+              <a:rPr lang="hu-HU" sz="1600" dirty="0"/>
+              <a:t>-statisztika: legjobb k-érték meghatározása</a:t>
+            </a:r>
+            <a:endParaRPr lang="en-US" sz="1600" dirty="0"/>
           </a:p>
         </p:txBody>
       </p:sp>
       <p:pic>
         <p:nvPicPr>
-          <p:cNvPr id="5" name="Tartalom helye 4">
+          <p:cNvPr id="7" name="Kép 6">
             <a:extLst>
               <a:ext uri="{FF2B5EF4-FFF2-40B4-BE49-F238E27FC236}">
-                <a16:creationId xmlns:a16="http://schemas.microsoft.com/office/drawing/2014/main" id="{905456D0-5912-A5EE-D60C-6DEB399BE2FC}"/>
+                <a16:creationId xmlns:a16="http://schemas.microsoft.com/office/drawing/2014/main" id="{74FC8871-454B-B6B6-2BBA-493E6964D252}"/>
               </a:ext>
             </a:extLst>
           </p:cNvPr>
           <p:cNvPicPr>
-            <a:picLocks noGrp="1" noChangeAspect="1"/>
+            <a:picLocks noChangeAspect="1"/>
           </p:cNvPicPr>
-          <p:nvPr>
-            <p:ph sz="half" idx="2"/>
-          </p:nvPr>
+          <p:nvPr/>
         </p:nvPicPr>
         <p:blipFill>
           <a:blip r:embed="rId2"/>
@@ -7795,8 +8010,8 @@
         </p:blipFill>
         <p:spPr>
           <a:xfrm>
-            <a:off x="4972699" y="1146679"/>
-            <a:ext cx="6533501" cy="4671452"/>
+            <a:off x="5402760" y="1564473"/>
+            <a:ext cx="6103440" cy="4359600"/>
           </a:xfrm>
           <a:prstGeom prst="rect">
             <a:avLst/>
@@ -7841,6 +8056,51 @@
           <a:chExt cx="0" cy="0"/>
         </a:xfrm>
       </p:grpSpPr>
+      <p:pic>
+        <p:nvPicPr>
+          <p:cNvPr id="24" name="Picture 20">
+            <a:extLst>
+              <a:ext uri="{FF2B5EF4-FFF2-40B4-BE49-F238E27FC236}">
+                <a16:creationId xmlns:a16="http://schemas.microsoft.com/office/drawing/2014/main" id="{EC3BBC63-DC19-41B8-AB81-E30CC21AEB8B}"/>
+              </a:ext>
+              <a:ext uri="{C183D7F6-B498-43B3-948B-1728B52AA6E4}">
+                <adec:decorative xmlns:adec="http://schemas.microsoft.com/office/drawing/2017/decorative" val="1"/>
+              </a:ext>
+            </a:extLst>
+          </p:cNvPr>
+          <p:cNvPicPr>
+            <a:picLocks noGrp="1" noRot="1" noChangeAspect="1" noMove="1" noResize="1" noEditPoints="1" noAdjustHandles="1" noChangeArrowheads="1" noChangeShapeType="1" noCrop="1"/>
+          </p:cNvPicPr>
+          <p:nvPr>
+            <p:extLst>
+              <p:ext uri="{386F3935-93C4-4BCD-93E2-E3B085C9AB24}">
+                <p16:designElem xmlns:p16="http://schemas.microsoft.com/office/powerpoint/2015/main" val="1"/>
+              </p:ext>
+            </p:extLst>
+          </p:nvPr>
+        </p:nvPicPr>
+        <p:blipFill>
+          <a:blip r:embed="rId2">
+            <a:extLst>
+              <a:ext uri="{28A0092B-C50C-407E-A947-70E740481C1C}">
+                <a14:useLocalDpi xmlns:a14="http://schemas.microsoft.com/office/drawing/2010/main" val="0"/>
+              </a:ext>
+            </a:extLst>
+          </a:blip>
+          <a:stretch>
+            <a:fillRect/>
+          </a:stretch>
+        </p:blipFill>
+        <p:spPr>
+          <a:xfrm>
+            <a:off x="0" y="0"/>
+            <a:ext cx="12192000" cy="1441450"/>
+          </a:xfrm>
+          <a:prstGeom prst="rect">
+            <a:avLst/>
+          </a:prstGeom>
+        </p:spPr>
+      </p:pic>
       <p:sp>
         <p:nvSpPr>
           <p:cNvPr id="2" name="Cím 1">
@@ -7859,8 +8119,8 @@
         </p:nvSpPr>
         <p:spPr>
           <a:xfrm>
-            <a:off x="619760" y="764373"/>
-            <a:ext cx="6832600" cy="1293028"/>
+            <a:off x="2895600" y="764373"/>
+            <a:ext cx="8610600" cy="1293028"/>
           </a:xfrm>
         </p:spPr>
         <p:txBody>
@@ -7894,8 +8154,8 @@
         </p:nvSpPr>
         <p:spPr>
           <a:xfrm>
-            <a:off x="619760" y="2194560"/>
-            <a:ext cx="6832600" cy="4024125"/>
+            <a:off x="685800" y="2194560"/>
+            <a:ext cx="6071461" cy="4024125"/>
           </a:xfrm>
         </p:spPr>
         <p:txBody>
@@ -7904,16 +8164,46 @@
           </a:bodyPr>
           <a:lstStyle/>
           <a:p>
+            <a:pPr marL="0" indent="0">
+              <a:buNone/>
+            </a:pPr>
+            <a:endParaRPr lang="hu-HU" dirty="0"/>
+          </a:p>
+          <a:p>
+            <a:r>
+              <a:rPr lang="hu-HU" dirty="0"/>
+              <a:t>Klaszterek jobb elkülönítése</a:t>
+            </a:r>
+          </a:p>
+          <a:p>
+            <a:endParaRPr lang="hu-HU" dirty="0"/>
+          </a:p>
+          <a:p>
+            <a:r>
+              <a:rPr lang="hu-HU" dirty="0"/>
+              <a:t>Dimenziócsökkentés</a:t>
+            </a:r>
+          </a:p>
+          <a:p>
+            <a:endParaRPr lang="hu-HU" dirty="0"/>
+          </a:p>
+          <a:p>
+            <a:r>
+              <a:rPr lang="hu-HU" dirty="0"/>
+              <a:t>Jellemzők súlyozása</a:t>
+            </a:r>
+          </a:p>
+          <a:p>
             <a:endParaRPr lang="en-US" dirty="0"/>
           </a:p>
         </p:txBody>
       </p:sp>
       <p:pic>
         <p:nvPicPr>
-          <p:cNvPr id="5" name="Tartalom helye 4">
+          <p:cNvPr id="7" name="Tartalom helye 6">
             <a:extLst>
               <a:ext uri="{FF2B5EF4-FFF2-40B4-BE49-F238E27FC236}">
-                <a16:creationId xmlns:a16="http://schemas.microsoft.com/office/drawing/2014/main" id="{1F912345-1492-815C-45D2-00BF3AB5D8C8}"/>
+                <a16:creationId xmlns:a16="http://schemas.microsoft.com/office/drawing/2014/main" id="{417A1EDB-75E4-0671-069A-CCB17EDCC1E6}"/>
               </a:ext>
             </a:extLst>
           </p:cNvPr>
@@ -7924,43 +8214,16 @@
             <p:ph sz="half" idx="2"/>
           </p:nvPr>
         </p:nvPicPr>
-        <p:blipFill rotWithShape="1">
-          <a:blip r:embed="rId2"/>
-          <a:stretch/>
+        <p:blipFill>
+          <a:blip r:embed="rId3"/>
+          <a:stretch>
+            <a:fillRect/>
+          </a:stretch>
         </p:blipFill>
         <p:spPr>
           <a:xfrm>
             <a:off x="6172200" y="2301081"/>
             <a:ext cx="5334000" cy="3810000"/>
-          </a:xfrm>
-          <a:prstGeom prst="rect">
-            <a:avLst/>
-          </a:prstGeom>
-        </p:spPr>
-      </p:pic>
-      <p:pic>
-        <p:nvPicPr>
-          <p:cNvPr id="6" name="Tartalom helye 5">
-            <a:extLst>
-              <a:ext uri="{FF2B5EF4-FFF2-40B4-BE49-F238E27FC236}">
-                <a16:creationId xmlns:a16="http://schemas.microsoft.com/office/drawing/2014/main" id="{0AB00A5F-5C14-084A-64C3-3BCB0DFE7324}"/>
-              </a:ext>
-            </a:extLst>
-          </p:cNvPr>
-          <p:cNvPicPr>
-            <a:picLocks noChangeAspect="1"/>
-          </p:cNvPicPr>
-          <p:nvPr/>
-        </p:nvPicPr>
-        <p:blipFill rotWithShape="1">
-          <a:blip r:embed="rId3"/>
-          <a:srcRect r="-4" b="8772"/>
-          <a:stretch/>
-        </p:blipFill>
-        <p:spPr>
-          <a:xfrm>
-            <a:off x="7861238" y="933693"/>
-            <a:ext cx="3644962" cy="2377440"/>
           </a:xfrm>
           <a:prstGeom prst="rect">
             <a:avLst/>
